--- a/deep_learning/DL_ppt/6_technique.pptx
+++ b/deep_learning/DL_ppt/6_technique.pptx
@@ -8994,8 +8994,8 @@
           </a:p>
         </p:txBody>
       </p:sp>
-      <mc:AlternateContent xmlns:mc="http://schemas.openxmlformats.org/markup-compatibility/2006">
-        <mc:Choice xmlns:a14="http://schemas.microsoft.com/office/drawing/2010/main" Requires="a14">
+      <mc:AlternateContent xmlns:mc="http://schemas.openxmlformats.org/markup-compatibility/2006" xmlns:a14="http://schemas.microsoft.com/office/drawing/2010/main">
+        <mc:Choice Requires="a14">
           <p:sp>
             <p:nvSpPr>
               <p:cNvPr id="2" name="TextBox 1">
@@ -9290,7 +9290,7 @@
             </p:txBody>
           </p:sp>
         </mc:Choice>
-        <mc:Fallback>
+        <mc:Fallback xmlns="">
           <p:sp>
             <p:nvSpPr>
               <p:cNvPr id="2" name="TextBox 1">
@@ -9590,8 +9590,8 @@
           </a:p>
         </p:txBody>
       </p:sp>
-      <mc:AlternateContent xmlns:mc="http://schemas.openxmlformats.org/markup-compatibility/2006">
-        <mc:Choice xmlns:a14="http://schemas.microsoft.com/office/drawing/2010/main" Requires="a14">
+      <mc:AlternateContent xmlns:mc="http://schemas.openxmlformats.org/markup-compatibility/2006" xmlns:a14="http://schemas.microsoft.com/office/drawing/2010/main">
+        <mc:Choice Requires="a14">
           <p:sp>
             <p:nvSpPr>
               <p:cNvPr id="2" name="TextBox 1">
@@ -9886,7 +9886,7 @@
             </p:txBody>
           </p:sp>
         </mc:Choice>
-        <mc:Fallback>
+        <mc:Fallback xmlns="">
           <p:sp>
             <p:nvSpPr>
               <p:cNvPr id="2" name="TextBox 1">
@@ -17691,8 +17691,8 @@
           </a:p>
         </p:txBody>
       </p:sp>
-      <mc:AlternateContent xmlns:mc="http://schemas.openxmlformats.org/markup-compatibility/2006">
-        <mc:Choice xmlns:a14="http://schemas.microsoft.com/office/drawing/2010/main" Requires="a14">
+      <mc:AlternateContent xmlns:mc="http://schemas.openxmlformats.org/markup-compatibility/2006" xmlns:a14="http://schemas.microsoft.com/office/drawing/2010/main">
+        <mc:Choice Requires="a14">
           <p:sp>
             <p:nvSpPr>
               <p:cNvPr id="3" name="TextBox 2">
@@ -17854,7 +17854,7 @@
             </p:txBody>
           </p:sp>
         </mc:Choice>
-        <mc:Fallback>
+        <mc:Fallback xmlns="">
           <p:sp>
             <p:nvSpPr>
               <p:cNvPr id="3" name="TextBox 2">
@@ -19419,8 +19419,8 @@
           </a:p>
         </p:txBody>
       </p:sp>
-      <mc:AlternateContent xmlns:mc="http://schemas.openxmlformats.org/markup-compatibility/2006">
-        <mc:Choice xmlns:a14="http://schemas.microsoft.com/office/drawing/2010/main" Requires="a14">
+      <mc:AlternateContent xmlns:mc="http://schemas.openxmlformats.org/markup-compatibility/2006" xmlns:a14="http://schemas.microsoft.com/office/drawing/2010/main">
+        <mc:Choice Requires="a14">
           <p:sp>
             <p:nvSpPr>
               <p:cNvPr id="10" name="TextBox 9">
@@ -19589,7 +19589,7 @@
             </p:txBody>
           </p:sp>
         </mc:Choice>
-        <mc:Fallback>
+        <mc:Fallback xmlns="">
           <p:sp>
             <p:nvSpPr>
               <p:cNvPr id="10" name="TextBox 9">

--- a/deep_learning/DL_ppt/6_technique.pptx
+++ b/deep_learning/DL_ppt/6_technique.pptx
@@ -245,7 +245,7 @@
           <a:p>
             <a:fld id="{C81908E5-DBF7-45C7-B558-15611D16FB68}" type="datetimeFigureOut">
               <a:rPr lang="ko-KR" altLang="en-US" smtClean="0"/>
-              <a:t>2023-06-21</a:t>
+              <a:t>2023-06-22</a:t>
             </a:fld>
             <a:endParaRPr lang="ko-KR" altLang="en-US"/>
           </a:p>
@@ -427,7 +427,7 @@
           <a:p>
             <a:fld id="{D6E914EA-6521-4AD4-81A9-E46ABC26F52C}" type="datetimeFigureOut">
               <a:rPr lang="ko-KR" altLang="en-US" smtClean="0"/>
-              <a:t>2023-06-21</a:t>
+              <a:t>2023-06-22</a:t>
             </a:fld>
             <a:endParaRPr lang="ko-KR" altLang="en-US"/>
           </a:p>
@@ -846,7 +846,7 @@
           <a:p>
             <a:fld id="{3EDDFE98-A93A-4824-8C95-A8D1D3EDD02D}" type="datetimeFigureOut">
               <a:rPr lang="ko-KR" altLang="en-US" smtClean="0"/>
-              <a:t>2023-06-21</a:t>
+              <a:t>2023-06-22</a:t>
             </a:fld>
             <a:endParaRPr lang="ko-KR" altLang="en-US"/>
           </a:p>
@@ -1044,7 +1044,7 @@
           <a:p>
             <a:fld id="{3EDDFE98-A93A-4824-8C95-A8D1D3EDD02D}" type="datetimeFigureOut">
               <a:rPr lang="ko-KR" altLang="en-US" smtClean="0"/>
-              <a:t>2023-06-21</a:t>
+              <a:t>2023-06-22</a:t>
             </a:fld>
             <a:endParaRPr lang="ko-KR" altLang="en-US"/>
           </a:p>
@@ -1252,7 +1252,7 @@
           <a:p>
             <a:fld id="{3EDDFE98-A93A-4824-8C95-A8D1D3EDD02D}" type="datetimeFigureOut">
               <a:rPr lang="ko-KR" altLang="en-US" smtClean="0"/>
-              <a:t>2023-06-21</a:t>
+              <a:t>2023-06-22</a:t>
             </a:fld>
             <a:endParaRPr lang="ko-KR" altLang="en-US"/>
           </a:p>
@@ -1393,7 +1393,7 @@
           <a:p>
             <a:fld id="{3EDDFE98-A93A-4824-8C95-A8D1D3EDD02D}" type="datetimeFigureOut">
               <a:rPr lang="ko-KR" altLang="en-US" smtClean="0"/>
-              <a:t>2023-06-21</a:t>
+              <a:t>2023-06-22</a:t>
             </a:fld>
             <a:endParaRPr lang="ko-KR" altLang="en-US"/>
           </a:p>
@@ -1591,7 +1591,7 @@
           <a:p>
             <a:fld id="{3EDDFE98-A93A-4824-8C95-A8D1D3EDD02D}" type="datetimeFigureOut">
               <a:rPr lang="ko-KR" altLang="en-US" smtClean="0"/>
-              <a:t>2023-06-21</a:t>
+              <a:t>2023-06-22</a:t>
             </a:fld>
             <a:endParaRPr lang="ko-KR" altLang="en-US"/>
           </a:p>
@@ -1866,7 +1866,7 @@
           <a:p>
             <a:fld id="{3EDDFE98-A93A-4824-8C95-A8D1D3EDD02D}" type="datetimeFigureOut">
               <a:rPr lang="ko-KR" altLang="en-US" smtClean="0"/>
-              <a:t>2023-06-21</a:t>
+              <a:t>2023-06-22</a:t>
             </a:fld>
             <a:endParaRPr lang="ko-KR" altLang="en-US"/>
           </a:p>
@@ -2131,7 +2131,7 @@
           <a:p>
             <a:fld id="{3EDDFE98-A93A-4824-8C95-A8D1D3EDD02D}" type="datetimeFigureOut">
               <a:rPr lang="ko-KR" altLang="en-US" smtClean="0"/>
-              <a:t>2023-06-21</a:t>
+              <a:t>2023-06-22</a:t>
             </a:fld>
             <a:endParaRPr lang="ko-KR" altLang="en-US"/>
           </a:p>
@@ -2543,7 +2543,7 @@
           <a:p>
             <a:fld id="{3EDDFE98-A93A-4824-8C95-A8D1D3EDD02D}" type="datetimeFigureOut">
               <a:rPr lang="ko-KR" altLang="en-US" smtClean="0"/>
-              <a:t>2023-06-21</a:t>
+              <a:t>2023-06-22</a:t>
             </a:fld>
             <a:endParaRPr lang="ko-KR" altLang="en-US"/>
           </a:p>
@@ -2684,7 +2684,7 @@
           <a:p>
             <a:fld id="{3EDDFE98-A93A-4824-8C95-A8D1D3EDD02D}" type="datetimeFigureOut">
               <a:rPr lang="ko-KR" altLang="en-US" smtClean="0"/>
-              <a:t>2023-06-21</a:t>
+              <a:t>2023-06-22</a:t>
             </a:fld>
             <a:endParaRPr lang="ko-KR" altLang="en-US"/>
           </a:p>
@@ -2797,7 +2797,7 @@
           <a:p>
             <a:fld id="{3EDDFE98-A93A-4824-8C95-A8D1D3EDD02D}" type="datetimeFigureOut">
               <a:rPr lang="ko-KR" altLang="en-US" smtClean="0"/>
-              <a:t>2023-06-21</a:t>
+              <a:t>2023-06-22</a:t>
             </a:fld>
             <a:endParaRPr lang="ko-KR" altLang="en-US"/>
           </a:p>
@@ -3108,7 +3108,7 @@
           <a:p>
             <a:fld id="{3EDDFE98-A93A-4824-8C95-A8D1D3EDD02D}" type="datetimeFigureOut">
               <a:rPr lang="ko-KR" altLang="en-US" smtClean="0"/>
-              <a:t>2023-06-21</a:t>
+              <a:t>2023-06-22</a:t>
             </a:fld>
             <a:endParaRPr lang="ko-KR" altLang="en-US"/>
           </a:p>
@@ -3396,7 +3396,7 @@
           <a:p>
             <a:fld id="{3EDDFE98-A93A-4824-8C95-A8D1D3EDD02D}" type="datetimeFigureOut">
               <a:rPr lang="ko-KR" altLang="en-US" smtClean="0"/>
-              <a:t>2023-06-21</a:t>
+              <a:t>2023-06-22</a:t>
             </a:fld>
             <a:endParaRPr lang="ko-KR" altLang="en-US"/>
           </a:p>
@@ -3637,7 +3637,7 @@
           <a:p>
             <a:fld id="{3EDDFE98-A93A-4824-8C95-A8D1D3EDD02D}" type="datetimeFigureOut">
               <a:rPr lang="ko-KR" altLang="en-US" smtClean="0"/>
-              <a:t>2023-06-21</a:t>
+              <a:t>2023-06-22</a:t>
             </a:fld>
             <a:endParaRPr lang="ko-KR" altLang="en-US"/>
           </a:p>
@@ -4155,7 +4155,7 @@
           <a:p>
             <a:fld id="{C40061BA-6CA3-45DB-BA80-461DA041F5B6}" type="datetime1">
               <a:rPr lang="ko-KR" altLang="en-US" smtClean="0"/>
-              <a:t>2023-06-21</a:t>
+              <a:t>2023-06-22</a:t>
             </a:fld>
             <a:endParaRPr lang="ko-KR" altLang="en-US"/>
           </a:p>
@@ -4331,7 +4331,7 @@
           <a:p>
             <a:fld id="{0303D7D5-FAC8-4B75-A637-D564180CD715}" type="datetime1">
               <a:rPr lang="ko-KR" altLang="en-US" sz="1000" smtClean="0"/>
-              <a:t>2023-06-21</a:t>
+              <a:t>2023-06-22</a:t>
             </a:fld>
             <a:endParaRPr lang="ko-KR" altLang="en-US" sz="1000" dirty="0"/>
           </a:p>
@@ -4917,7 +4917,7 @@
           <a:p>
             <a:fld id="{0303D7D5-FAC8-4B75-A637-D564180CD715}" type="datetime1">
               <a:rPr lang="ko-KR" altLang="en-US" sz="1000" smtClean="0"/>
-              <a:t>2023-06-21</a:t>
+              <a:t>2023-06-22</a:t>
             </a:fld>
             <a:endParaRPr lang="ko-KR" altLang="en-US" sz="1000" dirty="0"/>
           </a:p>
@@ -5321,7 +5321,7 @@
           <a:p>
             <a:fld id="{0303D7D5-FAC8-4B75-A637-D564180CD715}" type="datetime1">
               <a:rPr lang="ko-KR" altLang="en-US" sz="1000" smtClean="0"/>
-              <a:t>2023-06-21</a:t>
+              <a:t>2023-06-22</a:t>
             </a:fld>
             <a:endParaRPr lang="ko-KR" altLang="en-US" sz="1000" dirty="0"/>
           </a:p>
@@ -5568,7 +5568,7 @@
           <a:p>
             <a:fld id="{0303D7D5-FAC8-4B75-A637-D564180CD715}" type="datetime1">
               <a:rPr lang="ko-KR" altLang="en-US" sz="1000" smtClean="0"/>
-              <a:t>2023-06-21</a:t>
+              <a:t>2023-06-22</a:t>
             </a:fld>
             <a:endParaRPr lang="ko-KR" altLang="en-US" sz="1000" dirty="0"/>
           </a:p>
@@ -5939,7 +5939,7 @@
           <a:p>
             <a:fld id="{0303D7D5-FAC8-4B75-A637-D564180CD715}" type="datetime1">
               <a:rPr lang="ko-KR" altLang="en-US" sz="1000" smtClean="0"/>
-              <a:t>2023-06-21</a:t>
+              <a:t>2023-06-22</a:t>
             </a:fld>
             <a:endParaRPr lang="ko-KR" altLang="en-US" sz="1000" dirty="0"/>
           </a:p>
@@ -6219,7 +6219,7 @@
           <a:p>
             <a:fld id="{0303D7D5-FAC8-4B75-A637-D564180CD715}" type="datetime1">
               <a:rPr lang="ko-KR" altLang="en-US" sz="1000" smtClean="0"/>
-              <a:t>2023-06-21</a:t>
+              <a:t>2023-06-22</a:t>
             </a:fld>
             <a:endParaRPr lang="ko-KR" altLang="en-US" sz="1000" dirty="0"/>
           </a:p>
@@ -6509,7 +6509,7 @@
           <a:p>
             <a:fld id="{0303D7D5-FAC8-4B75-A637-D564180CD715}" type="datetime1">
               <a:rPr lang="ko-KR" altLang="en-US" sz="1000" smtClean="0"/>
-              <a:t>2023-06-21</a:t>
+              <a:t>2023-06-22</a:t>
             </a:fld>
             <a:endParaRPr lang="ko-KR" altLang="en-US" sz="1000" dirty="0"/>
           </a:p>
@@ -7013,7 +7013,7 @@
           <a:p>
             <a:fld id="{0303D7D5-FAC8-4B75-A637-D564180CD715}" type="datetime1">
               <a:rPr lang="ko-KR" altLang="en-US" sz="1000" smtClean="0"/>
-              <a:t>2023-06-21</a:t>
+              <a:t>2023-06-22</a:t>
             </a:fld>
             <a:endParaRPr lang="ko-KR" altLang="en-US" sz="1000" dirty="0"/>
           </a:p>
@@ -7698,7 +7698,7 @@
           <a:p>
             <a:fld id="{0303D7D5-FAC8-4B75-A637-D564180CD715}" type="datetime1">
               <a:rPr lang="ko-KR" altLang="en-US" sz="1000" smtClean="0"/>
-              <a:t>2023-06-21</a:t>
+              <a:t>2023-06-22</a:t>
             </a:fld>
             <a:endParaRPr lang="ko-KR" altLang="en-US" sz="1000" dirty="0"/>
           </a:p>
@@ -8064,7 +8064,7 @@
           <a:p>
             <a:fld id="{0303D7D5-FAC8-4B75-A637-D564180CD715}" type="datetime1">
               <a:rPr lang="ko-KR" altLang="en-US" sz="1000" smtClean="0"/>
-              <a:t>2023-06-21</a:t>
+              <a:t>2023-06-22</a:t>
             </a:fld>
             <a:endParaRPr lang="ko-KR" altLang="en-US" sz="1000" dirty="0"/>
           </a:p>
@@ -8444,7 +8444,7 @@
           <a:p>
             <a:fld id="{0303D7D5-FAC8-4B75-A637-D564180CD715}" type="datetime1">
               <a:rPr lang="ko-KR" altLang="en-US" sz="1000" smtClean="0"/>
-              <a:t>2023-06-21</a:t>
+              <a:t>2023-06-22</a:t>
             </a:fld>
             <a:endParaRPr lang="ko-KR" altLang="en-US" sz="1000" dirty="0"/>
           </a:p>
@@ -8833,7 +8833,7 @@
           <a:p>
             <a:fld id="{0303D7D5-FAC8-4B75-A637-D564180CD715}" type="datetime1">
               <a:rPr lang="ko-KR" altLang="en-US" sz="1000" smtClean="0"/>
-              <a:t>2023-06-21</a:t>
+              <a:t>2023-06-22</a:t>
             </a:fld>
             <a:endParaRPr lang="ko-KR" altLang="en-US" sz="1000" dirty="0"/>
           </a:p>
@@ -9429,7 +9429,7 @@
           <a:p>
             <a:fld id="{0303D7D5-FAC8-4B75-A637-D564180CD715}" type="datetime1">
               <a:rPr lang="ko-KR" altLang="en-US" sz="1000" smtClean="0"/>
-              <a:t>2023-06-21</a:t>
+              <a:t>2023-06-22</a:t>
             </a:fld>
             <a:endParaRPr lang="ko-KR" altLang="en-US" sz="1000" dirty="0"/>
           </a:p>
@@ -10025,7 +10025,7 @@
           <a:p>
             <a:fld id="{0303D7D5-FAC8-4B75-A637-D564180CD715}" type="datetime1">
               <a:rPr lang="ko-KR" altLang="en-US" sz="1000" smtClean="0"/>
-              <a:t>2023-06-21</a:t>
+              <a:t>2023-06-22</a:t>
             </a:fld>
             <a:endParaRPr lang="ko-KR" altLang="en-US" sz="1000" dirty="0"/>
           </a:p>
@@ -10495,7 +10495,7 @@
           <a:p>
             <a:fld id="{0303D7D5-FAC8-4B75-A637-D564180CD715}" type="datetime1">
               <a:rPr lang="ko-KR" altLang="en-US" sz="1000" smtClean="0"/>
-              <a:t>2023-06-21</a:t>
+              <a:t>2023-06-22</a:t>
             </a:fld>
             <a:endParaRPr lang="ko-KR" altLang="en-US" sz="1000" dirty="0"/>
           </a:p>
@@ -11626,7 +11626,7 @@
           <a:p>
             <a:fld id="{0303D7D5-FAC8-4B75-A637-D564180CD715}" type="datetime1">
               <a:rPr lang="ko-KR" altLang="en-US" sz="1000" smtClean="0"/>
-              <a:t>2023-06-21</a:t>
+              <a:t>2023-06-22</a:t>
             </a:fld>
             <a:endParaRPr lang="ko-KR" altLang="en-US" sz="1000" dirty="0"/>
           </a:p>
@@ -12002,7 +12002,7 @@
           <a:p>
             <a:fld id="{0303D7D5-FAC8-4B75-A637-D564180CD715}" type="datetime1">
               <a:rPr lang="ko-KR" altLang="en-US" sz="1000" smtClean="0"/>
-              <a:t>2023-06-21</a:t>
+              <a:t>2023-06-22</a:t>
             </a:fld>
             <a:endParaRPr lang="ko-KR" altLang="en-US" sz="1000" dirty="0"/>
           </a:p>
@@ -12404,7 +12404,7 @@
           <a:p>
             <a:fld id="{0303D7D5-FAC8-4B75-A637-D564180CD715}" type="datetime1">
               <a:rPr lang="ko-KR" altLang="en-US" sz="1000" smtClean="0"/>
-              <a:t>2023-06-21</a:t>
+              <a:t>2023-06-22</a:t>
             </a:fld>
             <a:endParaRPr lang="ko-KR" altLang="en-US" sz="1000" dirty="0"/>
           </a:p>
@@ -13061,7 +13061,7 @@
           <a:p>
             <a:fld id="{0303D7D5-FAC8-4B75-A637-D564180CD715}" type="datetime1">
               <a:rPr lang="ko-KR" altLang="en-US" sz="1000" smtClean="0"/>
-              <a:t>2023-06-21</a:t>
+              <a:t>2023-06-22</a:t>
             </a:fld>
             <a:endParaRPr lang="ko-KR" altLang="en-US" sz="1000" dirty="0"/>
           </a:p>
@@ -14352,7 +14352,7 @@
           <a:p>
             <a:fld id="{0303D7D5-FAC8-4B75-A637-D564180CD715}" type="datetime1">
               <a:rPr lang="ko-KR" altLang="en-US" sz="1000" smtClean="0"/>
-              <a:t>2023-06-21</a:t>
+              <a:t>2023-06-22</a:t>
             </a:fld>
             <a:endParaRPr lang="ko-KR" altLang="en-US" sz="1000" dirty="0"/>
           </a:p>
@@ -14959,7 +14959,7 @@
           <a:p>
             <a:fld id="{0303D7D5-FAC8-4B75-A637-D564180CD715}" type="datetime1">
               <a:rPr lang="ko-KR" altLang="en-US" sz="1000" smtClean="0"/>
-              <a:t>2023-06-21</a:t>
+              <a:t>2023-06-22</a:t>
             </a:fld>
             <a:endParaRPr lang="ko-KR" altLang="en-US" sz="1000" dirty="0"/>
           </a:p>
@@ -15540,7 +15540,7 @@
           <a:p>
             <a:fld id="{0303D7D5-FAC8-4B75-A637-D564180CD715}" type="datetime1">
               <a:rPr lang="ko-KR" altLang="en-US" sz="1000" smtClean="0"/>
-              <a:t>2023-06-21</a:t>
+              <a:t>2023-06-22</a:t>
             </a:fld>
             <a:endParaRPr lang="ko-KR" altLang="en-US" sz="1000" dirty="0"/>
           </a:p>
@@ -15826,7 +15826,7 @@
                   </a:schemeClr>
                 </a:solidFill>
               </a:rPr>
-              <a:t>5</a:t>
+              <a:t>4</a:t>
             </a:r>
             <a:r>
               <a:rPr lang="ko-KR" altLang="en-US" sz="2000" b="1" dirty="0">
@@ -16117,7 +16117,7 @@
           <a:p>
             <a:fld id="{0303D7D5-FAC8-4B75-A637-D564180CD715}" type="datetime1">
               <a:rPr lang="ko-KR" altLang="en-US" sz="1000" smtClean="0"/>
-              <a:t>2023-06-21</a:t>
+              <a:t>2023-06-22</a:t>
             </a:fld>
             <a:endParaRPr lang="ko-KR" altLang="en-US" sz="1000" dirty="0"/>
           </a:p>
@@ -16379,7 +16379,7 @@
           <a:p>
             <a:fld id="{0303D7D5-FAC8-4B75-A637-D564180CD715}" type="datetime1">
               <a:rPr lang="ko-KR" altLang="en-US" sz="1000" smtClean="0"/>
-              <a:t>2023-06-21</a:t>
+              <a:t>2023-06-22</a:t>
             </a:fld>
             <a:endParaRPr lang="ko-KR" altLang="en-US" sz="1000" dirty="0"/>
           </a:p>
@@ -16835,7 +16835,7 @@
           <a:p>
             <a:fld id="{0303D7D5-FAC8-4B75-A637-D564180CD715}" type="datetime1">
               <a:rPr lang="ko-KR" altLang="en-US" sz="1000" smtClean="0"/>
-              <a:t>2023-06-21</a:t>
+              <a:t>2023-06-22</a:t>
             </a:fld>
             <a:endParaRPr lang="ko-KR" altLang="en-US" sz="1000" dirty="0"/>
           </a:p>
@@ -17087,7 +17087,7 @@
           <a:p>
             <a:fld id="{0303D7D5-FAC8-4B75-A637-D564180CD715}" type="datetime1">
               <a:rPr lang="ko-KR" altLang="en-US" sz="1000" smtClean="0"/>
-              <a:t>2023-06-21</a:t>
+              <a:t>2023-06-22</a:t>
             </a:fld>
             <a:endParaRPr lang="ko-KR" altLang="en-US" sz="1000" dirty="0"/>
           </a:p>
@@ -17309,7 +17309,7 @@
           <a:p>
             <a:fld id="{0303D7D5-FAC8-4B75-A637-D564180CD715}" type="datetime1">
               <a:rPr lang="ko-KR" altLang="en-US" sz="1000" smtClean="0"/>
-              <a:t>2023-06-21</a:t>
+              <a:t>2023-06-22</a:t>
             </a:fld>
             <a:endParaRPr lang="ko-KR" altLang="en-US" sz="1000" dirty="0"/>
           </a:p>
@@ -17538,7 +17538,7 @@
           <a:p>
             <a:fld id="{0303D7D5-FAC8-4B75-A637-D564180CD715}" type="datetime1">
               <a:rPr lang="ko-KR" altLang="en-US" sz="1000" smtClean="0"/>
-              <a:t>2023-06-21</a:t>
+              <a:t>2023-06-22</a:t>
             </a:fld>
             <a:endParaRPr lang="ko-KR" altLang="en-US" sz="1000" dirty="0"/>
           </a:p>
@@ -17993,7 +17993,7 @@
           <a:p>
             <a:fld id="{0303D7D5-FAC8-4B75-A637-D564180CD715}" type="datetime1">
               <a:rPr lang="ko-KR" altLang="en-US" sz="1000" smtClean="0"/>
-              <a:t>2023-06-21</a:t>
+              <a:t>2023-06-22</a:t>
             </a:fld>
             <a:endParaRPr lang="ko-KR" altLang="en-US" sz="1000" dirty="0"/>
           </a:p>
@@ -18427,7 +18427,7 @@
           <a:p>
             <a:fld id="{0303D7D5-FAC8-4B75-A637-D564180CD715}" type="datetime1">
               <a:rPr lang="ko-KR" altLang="en-US" sz="1000" smtClean="0"/>
-              <a:t>2023-06-21</a:t>
+              <a:t>2023-06-22</a:t>
             </a:fld>
             <a:endParaRPr lang="ko-KR" altLang="en-US" sz="1000" dirty="0"/>
           </a:p>
@@ -18792,7 +18792,7 @@
           <a:p>
             <a:fld id="{0303D7D5-FAC8-4B75-A637-D564180CD715}" type="datetime1">
               <a:rPr lang="ko-KR" altLang="en-US" sz="1000" smtClean="0"/>
-              <a:t>2023-06-21</a:t>
+              <a:t>2023-06-22</a:t>
             </a:fld>
             <a:endParaRPr lang="ko-KR" altLang="en-US" sz="1000" dirty="0"/>
           </a:p>
@@ -19266,7 +19266,7 @@
           <a:p>
             <a:fld id="{0303D7D5-FAC8-4B75-A637-D564180CD715}" type="datetime1">
               <a:rPr lang="ko-KR" altLang="en-US" sz="1000" smtClean="0"/>
-              <a:t>2023-06-21</a:t>
+              <a:t>2023-06-22</a:t>
             </a:fld>
             <a:endParaRPr lang="ko-KR" altLang="en-US" sz="1000" dirty="0"/>
           </a:p>
@@ -19800,7 +19800,7 @@
           <a:p>
             <a:fld id="{0303D7D5-FAC8-4B75-A637-D564180CD715}" type="datetime1">
               <a:rPr lang="ko-KR" altLang="en-US" sz="1000" smtClean="0"/>
-              <a:t>2023-06-21</a:t>
+              <a:t>2023-06-22</a:t>
             </a:fld>
             <a:endParaRPr lang="ko-KR" altLang="en-US" sz="1000" dirty="0"/>
           </a:p>

--- a/deep_learning/DL_ppt/6_technique.pptx
+++ b/deep_learning/DL_ppt/6_technique.pptx
@@ -5,10 +5,10 @@
     <p:sldMasterId id="2147483651" r:id="rId1"/>
   </p:sldMasterIdLst>
   <p:notesMasterIdLst>
-    <p:notesMasterId r:id="rId36"/>
+    <p:notesMasterId r:id="rId40"/>
   </p:notesMasterIdLst>
   <p:handoutMasterIdLst>
-    <p:handoutMasterId r:id="rId37"/>
+    <p:handoutMasterId r:id="rId41"/>
   </p:handoutMasterIdLst>
   <p:sldIdLst>
     <p:sldId id="263" r:id="rId2"/>
@@ -30,21 +30,25 @@
     <p:sldId id="347" r:id="rId18"/>
     <p:sldId id="352" r:id="rId19"/>
     <p:sldId id="348" r:id="rId20"/>
-    <p:sldId id="350" r:id="rId21"/>
-    <p:sldId id="351" r:id="rId22"/>
-    <p:sldId id="320" r:id="rId23"/>
-    <p:sldId id="321" r:id="rId24"/>
-    <p:sldId id="322" r:id="rId25"/>
-    <p:sldId id="323" r:id="rId26"/>
-    <p:sldId id="324" r:id="rId27"/>
-    <p:sldId id="325" r:id="rId28"/>
-    <p:sldId id="327" r:id="rId29"/>
-    <p:sldId id="328" r:id="rId30"/>
-    <p:sldId id="329" r:id="rId31"/>
-    <p:sldId id="330" r:id="rId32"/>
-    <p:sldId id="331" r:id="rId33"/>
-    <p:sldId id="332" r:id="rId34"/>
-    <p:sldId id="333" r:id="rId35"/>
+    <p:sldId id="353" r:id="rId21"/>
+    <p:sldId id="350" r:id="rId22"/>
+    <p:sldId id="354" r:id="rId23"/>
+    <p:sldId id="355" r:id="rId24"/>
+    <p:sldId id="356" r:id="rId25"/>
+    <p:sldId id="357" r:id="rId26"/>
+    <p:sldId id="358" r:id="rId27"/>
+    <p:sldId id="359" r:id="rId28"/>
+    <p:sldId id="360" r:id="rId29"/>
+    <p:sldId id="361" r:id="rId30"/>
+    <p:sldId id="362" r:id="rId31"/>
+    <p:sldId id="363" r:id="rId32"/>
+    <p:sldId id="364" r:id="rId33"/>
+    <p:sldId id="365" r:id="rId34"/>
+    <p:sldId id="366" r:id="rId35"/>
+    <p:sldId id="367" r:id="rId36"/>
+    <p:sldId id="368" r:id="rId37"/>
+    <p:sldId id="369" r:id="rId38"/>
+    <p:sldId id="370" r:id="rId39"/>
   </p:sldIdLst>
   <p:sldSz cx="12192000" cy="6858000"/>
   <p:notesSz cx="6858000" cy="9144000"/>
@@ -245,7 +249,7 @@
           <a:p>
             <a:fld id="{C81908E5-DBF7-45C7-B558-15611D16FB68}" type="datetimeFigureOut">
               <a:rPr lang="ko-KR" altLang="en-US" smtClean="0"/>
-              <a:t>2023-06-22</a:t>
+              <a:t>2023-06-23</a:t>
             </a:fld>
             <a:endParaRPr lang="ko-KR" altLang="en-US"/>
           </a:p>
@@ -427,7 +431,7 @@
           <a:p>
             <a:fld id="{D6E914EA-6521-4AD4-81A9-E46ABC26F52C}" type="datetimeFigureOut">
               <a:rPr lang="ko-KR" altLang="en-US" smtClean="0"/>
-              <a:t>2023-06-22</a:t>
+              <a:t>2023-06-23</a:t>
             </a:fld>
             <a:endParaRPr lang="ko-KR" altLang="en-US"/>
           </a:p>
@@ -846,7 +850,7 @@
           <a:p>
             <a:fld id="{3EDDFE98-A93A-4824-8C95-A8D1D3EDD02D}" type="datetimeFigureOut">
               <a:rPr lang="ko-KR" altLang="en-US" smtClean="0"/>
-              <a:t>2023-06-22</a:t>
+              <a:t>2023-06-23</a:t>
             </a:fld>
             <a:endParaRPr lang="ko-KR" altLang="en-US"/>
           </a:p>
@@ -1044,7 +1048,7 @@
           <a:p>
             <a:fld id="{3EDDFE98-A93A-4824-8C95-A8D1D3EDD02D}" type="datetimeFigureOut">
               <a:rPr lang="ko-KR" altLang="en-US" smtClean="0"/>
-              <a:t>2023-06-22</a:t>
+              <a:t>2023-06-23</a:t>
             </a:fld>
             <a:endParaRPr lang="ko-KR" altLang="en-US"/>
           </a:p>
@@ -1252,7 +1256,7 @@
           <a:p>
             <a:fld id="{3EDDFE98-A93A-4824-8C95-A8D1D3EDD02D}" type="datetimeFigureOut">
               <a:rPr lang="ko-KR" altLang="en-US" smtClean="0"/>
-              <a:t>2023-06-22</a:t>
+              <a:t>2023-06-23</a:t>
             </a:fld>
             <a:endParaRPr lang="ko-KR" altLang="en-US"/>
           </a:p>
@@ -1393,7 +1397,7 @@
           <a:p>
             <a:fld id="{3EDDFE98-A93A-4824-8C95-A8D1D3EDD02D}" type="datetimeFigureOut">
               <a:rPr lang="ko-KR" altLang="en-US" smtClean="0"/>
-              <a:t>2023-06-22</a:t>
+              <a:t>2023-06-23</a:t>
             </a:fld>
             <a:endParaRPr lang="ko-KR" altLang="en-US"/>
           </a:p>
@@ -1591,7 +1595,7 @@
           <a:p>
             <a:fld id="{3EDDFE98-A93A-4824-8C95-A8D1D3EDD02D}" type="datetimeFigureOut">
               <a:rPr lang="ko-KR" altLang="en-US" smtClean="0"/>
-              <a:t>2023-06-22</a:t>
+              <a:t>2023-06-23</a:t>
             </a:fld>
             <a:endParaRPr lang="ko-KR" altLang="en-US"/>
           </a:p>
@@ -1866,7 +1870,7 @@
           <a:p>
             <a:fld id="{3EDDFE98-A93A-4824-8C95-A8D1D3EDD02D}" type="datetimeFigureOut">
               <a:rPr lang="ko-KR" altLang="en-US" smtClean="0"/>
-              <a:t>2023-06-22</a:t>
+              <a:t>2023-06-23</a:t>
             </a:fld>
             <a:endParaRPr lang="ko-KR" altLang="en-US"/>
           </a:p>
@@ -2131,7 +2135,7 @@
           <a:p>
             <a:fld id="{3EDDFE98-A93A-4824-8C95-A8D1D3EDD02D}" type="datetimeFigureOut">
               <a:rPr lang="ko-KR" altLang="en-US" smtClean="0"/>
-              <a:t>2023-06-22</a:t>
+              <a:t>2023-06-23</a:t>
             </a:fld>
             <a:endParaRPr lang="ko-KR" altLang="en-US"/>
           </a:p>
@@ -2543,7 +2547,7 @@
           <a:p>
             <a:fld id="{3EDDFE98-A93A-4824-8C95-A8D1D3EDD02D}" type="datetimeFigureOut">
               <a:rPr lang="ko-KR" altLang="en-US" smtClean="0"/>
-              <a:t>2023-06-22</a:t>
+              <a:t>2023-06-23</a:t>
             </a:fld>
             <a:endParaRPr lang="ko-KR" altLang="en-US"/>
           </a:p>
@@ -2684,7 +2688,7 @@
           <a:p>
             <a:fld id="{3EDDFE98-A93A-4824-8C95-A8D1D3EDD02D}" type="datetimeFigureOut">
               <a:rPr lang="ko-KR" altLang="en-US" smtClean="0"/>
-              <a:t>2023-06-22</a:t>
+              <a:t>2023-06-23</a:t>
             </a:fld>
             <a:endParaRPr lang="ko-KR" altLang="en-US"/>
           </a:p>
@@ -2797,7 +2801,7 @@
           <a:p>
             <a:fld id="{3EDDFE98-A93A-4824-8C95-A8D1D3EDD02D}" type="datetimeFigureOut">
               <a:rPr lang="ko-KR" altLang="en-US" smtClean="0"/>
-              <a:t>2023-06-22</a:t>
+              <a:t>2023-06-23</a:t>
             </a:fld>
             <a:endParaRPr lang="ko-KR" altLang="en-US"/>
           </a:p>
@@ -3108,7 +3112,7 @@
           <a:p>
             <a:fld id="{3EDDFE98-A93A-4824-8C95-A8D1D3EDD02D}" type="datetimeFigureOut">
               <a:rPr lang="ko-KR" altLang="en-US" smtClean="0"/>
-              <a:t>2023-06-22</a:t>
+              <a:t>2023-06-23</a:t>
             </a:fld>
             <a:endParaRPr lang="ko-KR" altLang="en-US"/>
           </a:p>
@@ -3396,7 +3400,7 @@
           <a:p>
             <a:fld id="{3EDDFE98-A93A-4824-8C95-A8D1D3EDD02D}" type="datetimeFigureOut">
               <a:rPr lang="ko-KR" altLang="en-US" smtClean="0"/>
-              <a:t>2023-06-22</a:t>
+              <a:t>2023-06-23</a:t>
             </a:fld>
             <a:endParaRPr lang="ko-KR" altLang="en-US"/>
           </a:p>
@@ -3637,7 +3641,7 @@
           <a:p>
             <a:fld id="{3EDDFE98-A93A-4824-8C95-A8D1D3EDD02D}" type="datetimeFigureOut">
               <a:rPr lang="ko-KR" altLang="en-US" smtClean="0"/>
-              <a:t>2023-06-22</a:t>
+              <a:t>2023-06-23</a:t>
             </a:fld>
             <a:endParaRPr lang="ko-KR" altLang="en-US"/>
           </a:p>
@@ -4155,7 +4159,7 @@
           <a:p>
             <a:fld id="{C40061BA-6CA3-45DB-BA80-461DA041F5B6}" type="datetime1">
               <a:rPr lang="ko-KR" altLang="en-US" smtClean="0"/>
-              <a:t>2023-06-22</a:t>
+              <a:t>2023-06-23</a:t>
             </a:fld>
             <a:endParaRPr lang="ko-KR" altLang="en-US"/>
           </a:p>
@@ -4331,7 +4335,7 @@
           <a:p>
             <a:fld id="{0303D7D5-FAC8-4B75-A637-D564180CD715}" type="datetime1">
               <a:rPr lang="ko-KR" altLang="en-US" sz="1000" smtClean="0"/>
-              <a:t>2023-06-22</a:t>
+              <a:t>2023-06-23</a:t>
             </a:fld>
             <a:endParaRPr lang="ko-KR" altLang="en-US" sz="1000" dirty="0"/>
           </a:p>
@@ -4917,7 +4921,7 @@
           <a:p>
             <a:fld id="{0303D7D5-FAC8-4B75-A637-D564180CD715}" type="datetime1">
               <a:rPr lang="ko-KR" altLang="en-US" sz="1000" smtClean="0"/>
-              <a:t>2023-06-22</a:t>
+              <a:t>2023-06-23</a:t>
             </a:fld>
             <a:endParaRPr lang="ko-KR" altLang="en-US" sz="1000" dirty="0"/>
           </a:p>
@@ -5321,7 +5325,7 @@
           <a:p>
             <a:fld id="{0303D7D5-FAC8-4B75-A637-D564180CD715}" type="datetime1">
               <a:rPr lang="ko-KR" altLang="en-US" sz="1000" smtClean="0"/>
-              <a:t>2023-06-22</a:t>
+              <a:t>2023-06-23</a:t>
             </a:fld>
             <a:endParaRPr lang="ko-KR" altLang="en-US" sz="1000" dirty="0"/>
           </a:p>
@@ -5568,7 +5572,7 @@
           <a:p>
             <a:fld id="{0303D7D5-FAC8-4B75-A637-D564180CD715}" type="datetime1">
               <a:rPr lang="ko-KR" altLang="en-US" sz="1000" smtClean="0"/>
-              <a:t>2023-06-22</a:t>
+              <a:t>2023-06-23</a:t>
             </a:fld>
             <a:endParaRPr lang="ko-KR" altLang="en-US" sz="1000" dirty="0"/>
           </a:p>
@@ -5939,7 +5943,7 @@
           <a:p>
             <a:fld id="{0303D7D5-FAC8-4B75-A637-D564180CD715}" type="datetime1">
               <a:rPr lang="ko-KR" altLang="en-US" sz="1000" smtClean="0"/>
-              <a:t>2023-06-22</a:t>
+              <a:t>2023-06-23</a:t>
             </a:fld>
             <a:endParaRPr lang="ko-KR" altLang="en-US" sz="1000" dirty="0"/>
           </a:p>
@@ -6219,7 +6223,7 @@
           <a:p>
             <a:fld id="{0303D7D5-FAC8-4B75-A637-D564180CD715}" type="datetime1">
               <a:rPr lang="ko-KR" altLang="en-US" sz="1000" smtClean="0"/>
-              <a:t>2023-06-22</a:t>
+              <a:t>2023-06-23</a:t>
             </a:fld>
             <a:endParaRPr lang="ko-KR" altLang="en-US" sz="1000" dirty="0"/>
           </a:p>
@@ -6373,7 +6377,7 @@
         <p:spPr>
           <a:xfrm>
             <a:off x="803570" y="1683940"/>
-            <a:ext cx="10550230" cy="707886"/>
+            <a:ext cx="10550230" cy="1631216"/>
           </a:xfrm>
           <a:prstGeom prst="rect">
             <a:avLst/>
@@ -6422,6 +6426,48 @@
                 </a:solidFill>
               </a:rPr>
               <a:t> 설정은 학습의 성패를 가를 정도로 중요하다</a:t>
+            </a:r>
+            <a:r>
+              <a:rPr lang="en-US" altLang="ko-KR" sz="2000" b="1" dirty="0">
+                <a:solidFill>
+                  <a:schemeClr val="tx1">
+                    <a:lumMod val="65000"/>
+                    <a:lumOff val="35000"/>
+                  </a:schemeClr>
+                </a:solidFill>
+              </a:rPr>
+              <a:t>!</a:t>
+            </a:r>
+          </a:p>
+          <a:p>
+            <a:pPr marL="285750" indent="-285750">
+              <a:buFont typeface="Arial" panose="020B0604020202020204" pitchFamily="34" charset="0"/>
+              <a:buChar char="•"/>
+            </a:pPr>
+            <a:endParaRPr lang="en-US" altLang="ko-KR" sz="2000" b="1" dirty="0">
+              <a:solidFill>
+                <a:schemeClr val="tx1">
+                  <a:lumMod val="65000"/>
+                  <a:lumOff val="35000"/>
+                </a:schemeClr>
+              </a:solidFill>
+            </a:endParaRPr>
+          </a:p>
+          <a:p>
+            <a:pPr marL="285750" indent="-285750">
+              <a:buFont typeface="Arial" panose="020B0604020202020204" pitchFamily="34" charset="0"/>
+              <a:buChar char="•"/>
+            </a:pPr>
+            <a:r>
+              <a:rPr lang="ko-KR" altLang="en-US" sz="2000" b="1" dirty="0">
+                <a:solidFill>
+                  <a:schemeClr val="tx1">
+                    <a:lumMod val="65000"/>
+                    <a:lumOff val="35000"/>
+                  </a:schemeClr>
+                </a:solidFill>
+              </a:rPr>
+              <a:t>가중치의 설정에 따라 기울기 소실 문제 또는 표현력의 한계를 갖는 여러 문제가 발생할 수도 있다</a:t>
             </a:r>
             <a:r>
               <a:rPr lang="en-US" altLang="ko-KR" sz="2000" b="1" dirty="0">
@@ -6509,7 +6555,7 @@
           <a:p>
             <a:fld id="{0303D7D5-FAC8-4B75-A637-D564180CD715}" type="datetime1">
               <a:rPr lang="ko-KR" altLang="en-US" sz="1000" smtClean="0"/>
-              <a:t>2023-06-22</a:t>
+              <a:t>2023-06-23</a:t>
             </a:fld>
             <a:endParaRPr lang="ko-KR" altLang="en-US" sz="1000" dirty="0"/>
           </a:p>
@@ -6685,7 +6731,7 @@
         <p:spPr>
           <a:xfrm>
             <a:off x="803570" y="1683940"/>
-            <a:ext cx="10550230" cy="2862322"/>
+            <a:ext cx="10550230" cy="2554545"/>
           </a:xfrm>
           <a:prstGeom prst="rect">
             <a:avLst/>
@@ -6710,6 +6756,9 @@
                     <a:lumOff val="35000"/>
                   </a:schemeClr>
                 </a:solidFill>
+                <a:highlight>
+                  <a:srgbClr val="FFFF00"/>
+                </a:highlight>
               </a:rPr>
               <a:t>가중치 감소는 </a:t>
             </a:r>
@@ -6733,7 +6782,7 @@
                   </a:schemeClr>
                 </a:solidFill>
               </a:rPr>
-              <a:t> 억제해 범용 성능을 높이는 테크닉이다</a:t>
+              <a:t> 억제해 성능을 높이는 테크닉이다</a:t>
             </a:r>
             <a:r>
               <a:rPr lang="en-US" altLang="ko-KR" sz="2000" b="1" dirty="0">
@@ -6881,51 +6930,7 @@
                   </a:schemeClr>
                 </a:solidFill>
               </a:rPr>
-              <a:t>가중치 값을 균일한 값으로 만들면 </a:t>
-            </a:r>
-            <a:r>
-              <a:rPr lang="ko-KR" altLang="en-US" sz="2000" b="1" dirty="0" err="1">
-                <a:solidFill>
-                  <a:schemeClr val="tx1">
-                    <a:lumMod val="65000"/>
-                    <a:lumOff val="35000"/>
-                  </a:schemeClr>
-                </a:solidFill>
-              </a:rPr>
-              <a:t>역전파</a:t>
-            </a:r>
-            <a:r>
-              <a:rPr lang="ko-KR" altLang="en-US" sz="2000" b="1" dirty="0">
-                <a:solidFill>
-                  <a:schemeClr val="tx1">
-                    <a:lumMod val="65000"/>
-                    <a:lumOff val="35000"/>
-                  </a:schemeClr>
-                </a:solidFill>
-              </a:rPr>
-              <a:t> </a:t>
-            </a:r>
-            <a:r>
-              <a:rPr lang="ko-KR" altLang="en-US" sz="2000" b="1" dirty="0" err="1">
-                <a:solidFill>
-                  <a:schemeClr val="tx1">
-                    <a:lumMod val="65000"/>
-                    <a:lumOff val="35000"/>
-                  </a:schemeClr>
-                </a:solidFill>
-              </a:rPr>
-              <a:t>할때</a:t>
-            </a:r>
-            <a:r>
-              <a:rPr lang="ko-KR" altLang="en-US" sz="2000" b="1" dirty="0">
-                <a:solidFill>
-                  <a:schemeClr val="tx1">
-                    <a:lumMod val="65000"/>
-                    <a:lumOff val="35000"/>
-                  </a:schemeClr>
-                </a:solidFill>
-              </a:rPr>
-              <a:t> 모든 가중치의 값이 똑같이 갱신되기 때문</a:t>
+              <a:t>가중치 값을 균일한 값으로 만들면 역전파시 모든 가중치의 값이 똑같이 갱신되기 때문</a:t>
             </a:r>
             <a:r>
               <a:rPr lang="en-US" altLang="ko-KR" sz="2000" b="1" dirty="0">
@@ -7013,7 +7018,7 @@
           <a:p>
             <a:fld id="{0303D7D5-FAC8-4B75-A637-D564180CD715}" type="datetime1">
               <a:rPr lang="ko-KR" altLang="en-US" sz="1000" smtClean="0"/>
-              <a:t>2023-06-22</a:t>
+              <a:t>2023-06-23</a:t>
             </a:fld>
             <a:endParaRPr lang="ko-KR" altLang="en-US" sz="1000" dirty="0"/>
           </a:p>
@@ -7500,6 +7505,28 @@
                 </a:solidFill>
               </a:rPr>
               <a:t>특성상 </a:t>
+            </a:r>
+            <a:r>
+              <a:rPr lang="ko-KR" altLang="en-US" sz="2000" b="1" dirty="0" err="1">
+                <a:solidFill>
+                  <a:schemeClr val="tx1">
+                    <a:lumMod val="65000"/>
+                    <a:lumOff val="35000"/>
+                  </a:schemeClr>
+                </a:solidFill>
+              </a:rPr>
+              <a:t>출력값이</a:t>
+            </a:r>
+            <a:r>
+              <a:rPr lang="ko-KR" altLang="en-US" sz="2000" b="1" dirty="0">
+                <a:solidFill>
+                  <a:schemeClr val="tx1">
+                    <a:lumMod val="65000"/>
+                    <a:lumOff val="35000"/>
+                  </a:schemeClr>
+                </a:solidFill>
+              </a:rPr>
+              <a:t> </a:t>
             </a:r>
             <a:r>
               <a:rPr lang="en-US" altLang="ko-KR" sz="2000" b="1" dirty="0">
@@ -7698,7 +7725,7 @@
           <a:p>
             <a:fld id="{0303D7D5-FAC8-4B75-A637-D564180CD715}" type="datetime1">
               <a:rPr lang="ko-KR" altLang="en-US" sz="1000" smtClean="0"/>
-              <a:t>2023-06-22</a:t>
+              <a:t>2023-06-23</a:t>
             </a:fld>
             <a:endParaRPr lang="ko-KR" altLang="en-US" sz="1000" dirty="0"/>
           </a:p>
@@ -8064,7 +8091,7 @@
           <a:p>
             <a:fld id="{0303D7D5-FAC8-4B75-A637-D564180CD715}" type="datetime1">
               <a:rPr lang="ko-KR" altLang="en-US" sz="1000" smtClean="0"/>
-              <a:t>2023-06-22</a:t>
+              <a:t>2023-06-23</a:t>
             </a:fld>
             <a:endParaRPr lang="ko-KR" altLang="en-US" sz="1000" dirty="0"/>
           </a:p>
@@ -8444,7 +8471,7 @@
           <a:p>
             <a:fld id="{0303D7D5-FAC8-4B75-A637-D564180CD715}" type="datetime1">
               <a:rPr lang="ko-KR" altLang="en-US" sz="1000" smtClean="0"/>
-              <a:t>2023-06-22</a:t>
+              <a:t>2023-06-23</a:t>
             </a:fld>
             <a:endParaRPr lang="ko-KR" altLang="en-US" sz="1000" dirty="0"/>
           </a:p>
@@ -8579,7 +8606,7 @@
         <p:spPr>
           <a:xfrm>
             <a:off x="1839686" y="1275933"/>
-            <a:ext cx="5606143" cy="5262979"/>
+            <a:ext cx="7983583" cy="4401205"/>
           </a:xfrm>
           <a:prstGeom prst="rect">
             <a:avLst/>
@@ -8633,16 +8660,24 @@
               <a:buAutoNum type="arabicPeriod"/>
             </a:pPr>
             <a:r>
-              <a:rPr lang="en-US" altLang="ko-KR" sz="2800" b="1" dirty="0">
-                <a:solidFill>
-                  <a:schemeClr val="tx1">
-                    <a:lumMod val="65000"/>
-                    <a:lumOff val="35000"/>
-                  </a:schemeClr>
-                </a:solidFill>
-              </a:rPr>
-              <a:t>Logic Gate</a:t>
-            </a:r>
+              <a:rPr lang="ko-KR" altLang="en-US" sz="2800" b="1" dirty="0">
+                <a:solidFill>
+                  <a:schemeClr val="tx1">
+                    <a:lumMod val="65000"/>
+                    <a:lumOff val="35000"/>
+                  </a:schemeClr>
+                </a:solidFill>
+              </a:rPr>
+              <a:t>가중치의 초기값</a:t>
+            </a:r>
+            <a:endParaRPr lang="en-US" altLang="ko-KR" sz="2800" b="1" dirty="0">
+              <a:solidFill>
+                <a:schemeClr val="tx1">
+                  <a:lumMod val="65000"/>
+                  <a:lumOff val="35000"/>
+                </a:schemeClr>
+              </a:solidFill>
+            </a:endParaRPr>
           </a:p>
           <a:p>
             <a:pPr marL="514350" indent="-514350">
@@ -8662,16 +8697,24 @@
               <a:buAutoNum type="arabicPeriod"/>
             </a:pPr>
             <a:r>
-              <a:rPr lang="en-US" altLang="ko-KR" sz="2800" b="1" dirty="0">
-                <a:solidFill>
-                  <a:schemeClr val="tx1">
-                    <a:lumMod val="65000"/>
-                    <a:lumOff val="35000"/>
-                  </a:schemeClr>
-                </a:solidFill>
-              </a:rPr>
-              <a:t>Perceptron Implement</a:t>
-            </a:r>
+              <a:rPr lang="ko-KR" altLang="en-US" sz="2800" b="1" dirty="0">
+                <a:solidFill>
+                  <a:schemeClr val="tx1">
+                    <a:lumMod val="65000"/>
+                    <a:lumOff val="35000"/>
+                  </a:schemeClr>
+                </a:solidFill>
+              </a:rPr>
+              <a:t>배치 정규화</a:t>
+            </a:r>
+            <a:endParaRPr lang="en-US" altLang="ko-KR" sz="2800" b="1" dirty="0">
+              <a:solidFill>
+                <a:schemeClr val="tx1">
+                  <a:lumMod val="65000"/>
+                  <a:lumOff val="35000"/>
+                </a:schemeClr>
+              </a:solidFill>
+            </a:endParaRPr>
           </a:p>
           <a:p>
             <a:pPr marL="514350" indent="-514350">
@@ -8691,16 +8734,24 @@
               <a:buAutoNum type="arabicPeriod"/>
             </a:pPr>
             <a:r>
-              <a:rPr lang="en-US" altLang="ko-KR" sz="2800" b="1" dirty="0">
-                <a:solidFill>
-                  <a:schemeClr val="tx1">
-                    <a:lumMod val="65000"/>
-                    <a:lumOff val="35000"/>
-                  </a:schemeClr>
-                </a:solidFill>
-              </a:rPr>
-              <a:t>XOR</a:t>
-            </a:r>
+              <a:rPr lang="ko-KR" altLang="en-US" sz="2800" b="1" dirty="0">
+                <a:solidFill>
+                  <a:schemeClr val="tx1">
+                    <a:lumMod val="65000"/>
+                    <a:lumOff val="35000"/>
+                  </a:schemeClr>
+                </a:solidFill>
+              </a:rPr>
+              <a:t>바른 학습을 위해</a:t>
+            </a:r>
+            <a:endParaRPr lang="en-US" altLang="ko-KR" sz="2800" b="1" dirty="0">
+              <a:solidFill>
+                <a:schemeClr val="tx1">
+                  <a:lumMod val="65000"/>
+                  <a:lumOff val="35000"/>
+                </a:schemeClr>
+              </a:solidFill>
+            </a:endParaRPr>
           </a:p>
           <a:p>
             <a:pPr marL="514350" indent="-514350">
@@ -8720,21 +8771,38 @@
               <a:buAutoNum type="arabicPeriod"/>
             </a:pPr>
             <a:r>
-              <a:rPr lang="en-US" altLang="ko-KR" sz="2800" b="1" dirty="0">
-                <a:solidFill>
-                  <a:schemeClr val="tx1">
-                    <a:lumMod val="65000"/>
-                    <a:lumOff val="35000"/>
-                  </a:schemeClr>
-                </a:solidFill>
-              </a:rPr>
-              <a:t>Multi-Layer Perceptron</a:t>
-            </a:r>
-          </a:p>
-          <a:p>
-            <a:pPr marL="514350" indent="-514350">
-              <a:buAutoNum type="arabicPeriod"/>
-            </a:pPr>
+              <a:rPr lang="ko-KR" altLang="en-US" sz="2800" b="1" dirty="0">
+                <a:solidFill>
+                  <a:schemeClr val="tx1">
+                    <a:lumMod val="65000"/>
+                    <a:lumOff val="35000"/>
+                  </a:schemeClr>
+                </a:solidFill>
+              </a:rPr>
+              <a:t>적절한 </a:t>
+            </a:r>
+            <a:r>
+              <a:rPr lang="ko-KR" altLang="en-US" sz="2800" b="1" dirty="0" err="1">
+                <a:solidFill>
+                  <a:schemeClr val="tx1">
+                    <a:lumMod val="65000"/>
+                    <a:lumOff val="35000"/>
+                  </a:schemeClr>
+                </a:solidFill>
+              </a:rPr>
+              <a:t>하이퍼파라미터</a:t>
+            </a:r>
+            <a:r>
+              <a:rPr lang="ko-KR" altLang="en-US" sz="2800" b="1" dirty="0">
+                <a:solidFill>
+                  <a:schemeClr val="tx1">
+                    <a:lumMod val="65000"/>
+                    <a:lumOff val="35000"/>
+                  </a:schemeClr>
+                </a:solidFill>
+              </a:rPr>
+              <a:t> 값 찾기</a:t>
+            </a:r>
             <a:endParaRPr lang="en-US" altLang="ko-KR" sz="2800" b="1" dirty="0">
               <a:solidFill>
                 <a:schemeClr val="tx1">
@@ -8745,25 +8813,6 @@
             </a:endParaRPr>
           </a:p>
           <a:p>
-            <a:pPr marL="514350" indent="-514350">
-              <a:buAutoNum type="arabicPeriod"/>
-            </a:pPr>
-            <a:r>
-              <a:rPr lang="en-US" altLang="ko-KR" sz="2800" b="1" dirty="0">
-                <a:solidFill>
-                  <a:schemeClr val="tx1">
-                    <a:lumMod val="65000"/>
-                    <a:lumOff val="35000"/>
-                  </a:schemeClr>
-                </a:solidFill>
-              </a:rPr>
-              <a:t>Q&amp;A</a:t>
-            </a:r>
-          </a:p>
-          <a:p>
-            <a:pPr marL="514350" indent="-514350">
-              <a:buAutoNum type="arabicPeriod"/>
-            </a:pPr>
             <a:endParaRPr lang="ko-KR" altLang="en-US" sz="2800" b="1" dirty="0">
               <a:solidFill>
                 <a:schemeClr val="tx1">
@@ -8833,7 +8882,7 @@
           <a:p>
             <a:fld id="{0303D7D5-FAC8-4B75-A637-D564180CD715}" type="datetime1">
               <a:rPr lang="ko-KR" altLang="en-US" sz="1000" smtClean="0"/>
-              <a:t>2023-06-22</a:t>
+              <a:t>2023-06-23</a:t>
             </a:fld>
             <a:endParaRPr lang="ko-KR" altLang="en-US" sz="1000" dirty="0"/>
           </a:p>
@@ -8863,6 +8912,272 @@
             <a:fld id="{77D8DCB6-DE77-432F-867E-17030BC60D58}" type="slidenum">
               <a:rPr lang="ko-KR" altLang="en-US" smtClean="0"/>
               <a:t>20</a:t>
+            </a:fld>
+            <a:endParaRPr lang="ko-KR" altLang="en-US"/>
+          </a:p>
+        </p:txBody>
+      </p:sp>
+      <p:cxnSp>
+        <p:nvCxnSpPr>
+          <p:cNvPr id="8" name="직선 연결선 7">
+            <a:extLst>
+              <a:ext uri="{FF2B5EF4-FFF2-40B4-BE49-F238E27FC236}">
+                <a16:creationId xmlns:a16="http://schemas.microsoft.com/office/drawing/2014/main" id="{D1F8D6B6-3C71-480C-BFAD-599210C64964}"/>
+              </a:ext>
+            </a:extLst>
+          </p:cNvPr>
+          <p:cNvCxnSpPr>
+            <a:cxnSpLocks/>
+          </p:cNvCxnSpPr>
+          <p:nvPr/>
+        </p:nvCxnSpPr>
+        <p:spPr>
+          <a:xfrm>
+            <a:off x="513806" y="1138535"/>
+            <a:ext cx="10978016" cy="0"/>
+          </a:xfrm>
+          <a:prstGeom prst="line">
+            <a:avLst/>
+          </a:prstGeom>
+          <a:ln w="28575">
+            <a:solidFill>
+              <a:srgbClr val="A80000"/>
+            </a:solidFill>
+          </a:ln>
+        </p:spPr>
+        <p:style>
+          <a:lnRef idx="1">
+            <a:schemeClr val="accent1"/>
+          </a:lnRef>
+          <a:fillRef idx="0">
+            <a:schemeClr val="accent1"/>
+          </a:fillRef>
+          <a:effectRef idx="0">
+            <a:schemeClr val="accent1"/>
+          </a:effectRef>
+          <a:fontRef idx="minor">
+            <a:schemeClr val="tx1"/>
+          </a:fontRef>
+        </p:style>
+      </p:cxnSp>
+      <p:sp>
+        <p:nvSpPr>
+          <p:cNvPr id="9" name="TextBox 8">
+            <a:extLst>
+              <a:ext uri="{FF2B5EF4-FFF2-40B4-BE49-F238E27FC236}">
+                <a16:creationId xmlns:a16="http://schemas.microsoft.com/office/drawing/2014/main" id="{85E2DDDA-35AB-489C-8A37-0A056738B5CD}"/>
+              </a:ext>
+            </a:extLst>
+          </p:cNvPr>
+          <p:cNvSpPr txBox="1"/>
+          <p:nvPr/>
+        </p:nvSpPr>
+        <p:spPr>
+          <a:xfrm>
+            <a:off x="513806" y="576645"/>
+            <a:ext cx="9544594" cy="523220"/>
+          </a:xfrm>
+          <a:prstGeom prst="rect">
+            <a:avLst/>
+          </a:prstGeom>
+          <a:noFill/>
+        </p:spPr>
+        <p:txBody>
+          <a:bodyPr wrap="square" rtlCol="0">
+            <a:spAutoFit/>
+          </a:bodyPr>
+          <a:lstStyle/>
+          <a:p>
+            <a:r>
+              <a:rPr lang="en-US" altLang="ko-KR" sz="2800" b="1" dirty="0">
+                <a:solidFill>
+                  <a:schemeClr val="tx1">
+                    <a:lumMod val="65000"/>
+                    <a:lumOff val="35000"/>
+                  </a:schemeClr>
+                </a:solidFill>
+              </a:rPr>
+              <a:t>2.  </a:t>
+            </a:r>
+            <a:r>
+              <a:rPr lang="ko-KR" altLang="en-US" sz="2800" b="1" dirty="0">
+                <a:solidFill>
+                  <a:schemeClr val="tx1">
+                    <a:lumMod val="65000"/>
+                    <a:lumOff val="35000"/>
+                  </a:schemeClr>
+                </a:solidFill>
+              </a:rPr>
+              <a:t>가중치의 초기값 </a:t>
+            </a:r>
+            <a:r>
+              <a:rPr lang="en-US" altLang="ko-KR" sz="2800" b="1" dirty="0">
+                <a:solidFill>
+                  <a:schemeClr val="tx1">
+                    <a:lumMod val="65000"/>
+                    <a:lumOff val="35000"/>
+                  </a:schemeClr>
+                </a:solidFill>
+              </a:rPr>
+              <a:t>– </a:t>
+            </a:r>
+            <a:r>
+              <a:rPr lang="ko-KR" altLang="en-US" sz="2800" b="1" dirty="0">
+                <a:solidFill>
+                  <a:schemeClr val="tx1">
+                    <a:lumMod val="65000"/>
+                    <a:lumOff val="35000"/>
+                  </a:schemeClr>
+                </a:solidFill>
+              </a:rPr>
+              <a:t>은닉층의 활성화 값 분포</a:t>
+            </a:r>
+            <a:endParaRPr lang="en-US" altLang="ko-KR" sz="2800" b="1" dirty="0">
+              <a:solidFill>
+                <a:schemeClr val="tx1">
+                  <a:lumMod val="65000"/>
+                  <a:lumOff val="35000"/>
+                </a:schemeClr>
+              </a:solidFill>
+            </a:endParaRPr>
+          </a:p>
+        </p:txBody>
+      </p:sp>
+      <p:pic>
+        <p:nvPicPr>
+          <p:cNvPr id="1026" name="Picture 2" descr="R1280x0 (881×285)">
+            <a:extLst>
+              <a:ext uri="{FF2B5EF4-FFF2-40B4-BE49-F238E27FC236}">
+                <a16:creationId xmlns:a16="http://schemas.microsoft.com/office/drawing/2014/main" id="{8230F297-5678-B4E8-B003-A813F67191C1}"/>
+              </a:ext>
+            </a:extLst>
+          </p:cNvPr>
+          <p:cNvPicPr>
+            <a:picLocks noChangeAspect="1" noChangeArrowheads="1"/>
+          </p:cNvPicPr>
+          <p:nvPr/>
+        </p:nvPicPr>
+        <p:blipFill>
+          <a:blip r:embed="rId2">
+            <a:extLst>
+              <a:ext uri="{28A0092B-C50C-407E-A947-70E740481C1C}">
+                <a14:useLocalDpi xmlns:a14="http://schemas.microsoft.com/office/drawing/2010/main" val="0"/>
+              </a:ext>
+            </a:extLst>
+          </a:blip>
+          <a:srcRect/>
+          <a:stretch>
+            <a:fillRect/>
+          </a:stretch>
+        </p:blipFill>
+        <p:spPr bwMode="auto">
+          <a:xfrm>
+            <a:off x="513806" y="1846217"/>
+            <a:ext cx="10676799" cy="3453902"/>
+          </a:xfrm>
+          <a:prstGeom prst="rect">
+            <a:avLst/>
+          </a:prstGeom>
+          <a:noFill/>
+          <a:extLst>
+            <a:ext uri="{909E8E84-426E-40DD-AFC4-6F175D3DCCD1}">
+              <a14:hiddenFill xmlns:a14="http://schemas.microsoft.com/office/drawing/2010/main">
+                <a:solidFill>
+                  <a:srgbClr val="FFFFFF"/>
+                </a:solidFill>
+              </a14:hiddenFill>
+            </a:ext>
+          </a:extLst>
+        </p:spPr>
+      </p:pic>
+    </p:spTree>
+    <p:extLst>
+      <p:ext uri="{BB962C8B-B14F-4D97-AF65-F5344CB8AC3E}">
+        <p14:creationId xmlns:p14="http://schemas.microsoft.com/office/powerpoint/2010/main" val="358777859"/>
+      </p:ext>
+    </p:extLst>
+  </p:cSld>
+  <p:clrMapOvr>
+    <a:masterClrMapping/>
+  </p:clrMapOvr>
+</p:sld>
+</file>
+
+<file path=ppt/slides/slide21.xml><?xml version="1.0" encoding="utf-8"?>
+<p:sld xmlns:a="http://schemas.openxmlformats.org/drawingml/2006/main" xmlns:r="http://schemas.openxmlformats.org/officeDocument/2006/relationships" xmlns:p="http://schemas.openxmlformats.org/presentationml/2006/main">
+  <p:cSld>
+    <p:spTree>
+      <p:nvGrpSpPr>
+        <p:cNvPr id="1" name=""/>
+        <p:cNvGrpSpPr/>
+        <p:nvPr/>
+      </p:nvGrpSpPr>
+      <p:grpSpPr>
+        <a:xfrm>
+          <a:off x="0" y="0"/>
+          <a:ext cx="0" cy="0"/>
+          <a:chOff x="0" y="0"/>
+          <a:chExt cx="0" cy="0"/>
+        </a:xfrm>
+      </p:grpSpPr>
+      <p:sp>
+        <p:nvSpPr>
+          <p:cNvPr id="4" name="날짜 개체 틀 3">
+            <a:extLst>
+              <a:ext uri="{FF2B5EF4-FFF2-40B4-BE49-F238E27FC236}">
+                <a16:creationId xmlns:a16="http://schemas.microsoft.com/office/drawing/2014/main" id="{96EB53D3-8572-4237-B28C-28CB40308C40}"/>
+              </a:ext>
+            </a:extLst>
+          </p:cNvPr>
+          <p:cNvSpPr>
+            <a:spLocks noGrp="1"/>
+          </p:cNvSpPr>
+          <p:nvPr>
+            <p:ph type="dt" sz="half" idx="10"/>
+          </p:nvPr>
+        </p:nvSpPr>
+        <p:spPr>
+          <a:xfrm>
+            <a:off x="141514" y="6356350"/>
+            <a:ext cx="2743200" cy="365125"/>
+          </a:xfrm>
+        </p:spPr>
+        <p:txBody>
+          <a:bodyPr/>
+          <a:lstStyle/>
+          <a:p>
+            <a:fld id="{0303D7D5-FAC8-4B75-A637-D564180CD715}" type="datetime1">
+              <a:rPr lang="ko-KR" altLang="en-US" sz="1000" smtClean="0"/>
+              <a:t>2023-06-23</a:t>
+            </a:fld>
+            <a:endParaRPr lang="ko-KR" altLang="en-US" sz="1000" dirty="0"/>
+          </a:p>
+        </p:txBody>
+      </p:sp>
+      <p:sp>
+        <p:nvSpPr>
+          <p:cNvPr id="6" name="슬라이드 번호 개체 틀 5">
+            <a:extLst>
+              <a:ext uri="{FF2B5EF4-FFF2-40B4-BE49-F238E27FC236}">
+                <a16:creationId xmlns:a16="http://schemas.microsoft.com/office/drawing/2014/main" id="{6E93A4FF-EE48-4AD7-B7EF-105B8CE4CD9F}"/>
+              </a:ext>
+            </a:extLst>
+          </p:cNvPr>
+          <p:cNvSpPr>
+            <a:spLocks noGrp="1"/>
+          </p:cNvSpPr>
+          <p:nvPr>
+            <p:ph type="sldNum" sz="quarter" idx="12"/>
+          </p:nvPr>
+        </p:nvSpPr>
+        <p:spPr/>
+        <p:txBody>
+          <a:bodyPr/>
+          <a:lstStyle/>
+          <a:p>
+            <a:fld id="{77D8DCB6-DE77-432F-867E-17030BC60D58}" type="slidenum">
+              <a:rPr lang="ko-KR" altLang="en-US" smtClean="0"/>
+              <a:t>21</a:t>
             </a:fld>
             <a:endParaRPr lang="ko-KR" altLang="en-US"/>
           </a:p>
@@ -9384,7 +9699,7 @@
 </p:sld>
 </file>
 
-<file path=ppt/slides/slide21.xml><?xml version="1.0" encoding="utf-8"?>
+<file path=ppt/slides/slide22.xml><?xml version="1.0" encoding="utf-8"?>
 <p:sld xmlns:a="http://schemas.openxmlformats.org/drawingml/2006/main" xmlns:r="http://schemas.openxmlformats.org/officeDocument/2006/relationships" xmlns:p="http://schemas.openxmlformats.org/presentationml/2006/main">
   <p:cSld>
     <p:spTree>
@@ -9429,7 +9744,7 @@
           <a:p>
             <a:fld id="{0303D7D5-FAC8-4B75-A637-D564180CD715}" type="datetime1">
               <a:rPr lang="ko-KR" altLang="en-US" sz="1000" smtClean="0"/>
-              <a:t>2023-06-22</a:t>
+              <a:t>2023-06-23</a:t>
             </a:fld>
             <a:endParaRPr lang="ko-KR" altLang="en-US" sz="1000" dirty="0"/>
           </a:p>
@@ -9458,7 +9773,7 @@
           <a:p>
             <a:fld id="{77D8DCB6-DE77-432F-867E-17030BC60D58}" type="slidenum">
               <a:rPr lang="ko-KR" altLang="en-US" smtClean="0"/>
-              <a:t>21</a:t>
+              <a:t>22</a:t>
             </a:fld>
             <a:endParaRPr lang="ko-KR" altLang="en-US"/>
           </a:p>
@@ -9569,6 +9884,28 @@
               <a:t>– </a:t>
             </a:r>
             <a:r>
+              <a:rPr lang="en-US" altLang="ko-KR" sz="2800" b="1" dirty="0" err="1">
+                <a:solidFill>
+                  <a:schemeClr val="tx1">
+                    <a:lumMod val="65000"/>
+                    <a:lumOff val="35000"/>
+                  </a:schemeClr>
+                </a:solidFill>
+              </a:rPr>
+              <a:t>ReLU</a:t>
+            </a:r>
+            <a:r>
+              <a:rPr lang="en-US" altLang="ko-KR" sz="2800" b="1" dirty="0">
+                <a:solidFill>
+                  <a:schemeClr val="tx1">
+                    <a:lumMod val="65000"/>
+                    <a:lumOff val="35000"/>
+                  </a:schemeClr>
+                </a:solidFill>
+              </a:rPr>
+              <a:t> </a:t>
+            </a:r>
+            <a:r>
               <a:rPr lang="ko-KR" altLang="en-US" sz="2800" b="1" dirty="0">
                 <a:solidFill>
                   <a:schemeClr val="tx1">
@@ -9577,7 +9914,7 @@
                   </a:schemeClr>
                 </a:solidFill>
               </a:rPr>
-              <a:t>은닉층의 활성화 값 분포</a:t>
+              <a:t>사용시 가중치 초기값</a:t>
             </a:r>
             <a:endParaRPr lang="en-US" altLang="ko-KR" sz="2800" b="1" dirty="0">
               <a:solidFill>
@@ -9590,8 +9927,8 @@
           </a:p>
         </p:txBody>
       </p:sp>
-      <mc:AlternateContent xmlns:mc="http://schemas.openxmlformats.org/markup-compatibility/2006" xmlns:a14="http://schemas.microsoft.com/office/drawing/2010/main">
-        <mc:Choice Requires="a14">
+      <mc:AlternateContent xmlns:mc="http://schemas.openxmlformats.org/markup-compatibility/2006">
+        <mc:Choice xmlns:a14="http://schemas.microsoft.com/office/drawing/2010/main" Requires="a14">
           <p:sp>
             <p:nvSpPr>
               <p:cNvPr id="2" name="TextBox 1">
@@ -9607,7 +9944,7 @@
             <p:spPr>
               <a:xfrm>
                 <a:off x="803570" y="1683940"/>
-                <a:ext cx="10550230" cy="1799147"/>
+                <a:ext cx="10550230" cy="2565318"/>
               </a:xfrm>
               <a:prstGeom prst="rect">
                 <a:avLst/>
@@ -9644,7 +9981,7 @@
                       </a:schemeClr>
                     </a:solidFill>
                   </a:rPr>
-                  <a:t>초기값 </a:t>
+                  <a:t>초기값은 활성화 함수가 선형인 경우 사용한다</a:t>
                 </a:r>
                 <a:r>
                   <a:rPr lang="en-US" altLang="ko-KR" sz="2000" b="1" dirty="0">
@@ -9655,7 +9992,38 @@
                       </a:schemeClr>
                     </a:solidFill>
                   </a:rPr>
-                  <a:t>: </a:t>
+                  <a:t>. (sigmoid, tanh)</a:t>
+                </a:r>
+              </a:p>
+              <a:p>
+                <a:pPr marL="285750" indent="-285750">
+                  <a:buFont typeface="Arial" panose="020B0604020202020204" pitchFamily="34" charset="0"/>
+                  <a:buChar char="•"/>
+                </a:pPr>
+                <a:endParaRPr lang="en-US" altLang="ko-KR" sz="2000" b="1" dirty="0">
+                  <a:solidFill>
+                    <a:schemeClr val="tx1">
+                      <a:lumMod val="65000"/>
+                      <a:lumOff val="35000"/>
+                    </a:schemeClr>
+                  </a:solidFill>
+                </a:endParaRPr>
+              </a:p>
+              <a:p>
+                <a:pPr marL="285750" indent="-285750">
+                  <a:buFont typeface="Arial" panose="020B0604020202020204" pitchFamily="34" charset="0"/>
+                  <a:buChar char="•"/>
+                </a:pPr>
+                <a:r>
+                  <a:rPr lang="en-US" altLang="ko-KR" sz="2000" b="1" dirty="0" err="1">
+                    <a:solidFill>
+                      <a:schemeClr val="tx1">
+                        <a:lumMod val="65000"/>
+                        <a:lumOff val="35000"/>
+                      </a:schemeClr>
+                    </a:solidFill>
+                  </a:rPr>
+                  <a:t>ReLU</a:t>
                 </a:r>
                 <a:r>
                   <a:rPr lang="ko-KR" altLang="en-US" sz="2000" b="1" dirty="0">
@@ -9666,16 +10034,41 @@
                       </a:schemeClr>
                     </a:solidFill>
                   </a:rPr>
-                  <a:t>일반적인 딥러닝 프레임워크들이 표준적으로 사용하는 가중치 초기값</a:t>
+                  <a:t>를 이용할 때는 </a:t>
                 </a:r>
-                <a:endParaRPr lang="en-US" altLang="ko-KR" sz="2000" b="1" dirty="0">
-                  <a:solidFill>
-                    <a:schemeClr val="tx1">
-                      <a:lumMod val="65000"/>
-                      <a:lumOff val="35000"/>
-                    </a:schemeClr>
-                  </a:solidFill>
-                </a:endParaRPr>
+                <a:r>
+                  <a:rPr lang="en-US" altLang="ko-KR" sz="2000" b="1" dirty="0">
+                    <a:solidFill>
+                      <a:schemeClr val="tx1">
+                        <a:lumMod val="65000"/>
+                        <a:lumOff val="35000"/>
+                      </a:schemeClr>
+                    </a:solidFill>
+                  </a:rPr>
+                  <a:t>He </a:t>
+                </a:r>
+                <a:r>
+                  <a:rPr lang="ko-KR" altLang="en-US" sz="2000" b="1" dirty="0">
+                    <a:solidFill>
+                      <a:schemeClr val="tx1">
+                        <a:lumMod val="65000"/>
+                        <a:lumOff val="35000"/>
+                      </a:schemeClr>
+                    </a:solidFill>
+                  </a:rPr>
+                  <a:t>초기값을 사용한다</a:t>
+                </a:r>
+                <a:r>
+                  <a:rPr lang="en-US" altLang="ko-KR" sz="2000" b="1" dirty="0">
+                    <a:solidFill>
+                      <a:schemeClr val="tx1">
+                        <a:lumMod val="65000"/>
+                        <a:lumOff val="35000"/>
+                      </a:schemeClr>
+                    </a:solidFill>
+                  </a:rPr>
+                  <a:t>.</a:t>
+                </a:r>
               </a:p>
               <a:p>
                 <a:pPr marL="285750" indent="-285750">
@@ -9727,14 +10120,15 @@
                       </a:schemeClr>
                     </a:solidFill>
                   </a:rPr>
-                  <a:t>개면  </a:t>
+                  <a:t>개면 </a:t>
                 </a:r>
                 <a14:m>
                   <m:oMath xmlns:m="http://schemas.openxmlformats.org/officeDocument/2006/math">
-                    <m:f>
-                      <m:fPr>
+                    <m:rad>
+                      <m:radPr>
+                        <m:degHide m:val="on"/>
                         <m:ctrlPr>
-                          <a:rPr lang="en-US" altLang="ko-KR" sz="2000" b="1" i="1" smtClean="0">
+                          <a:rPr lang="ko-KR" altLang="en-US" sz="2000" b="1" i="1" smtClean="0">
                             <a:solidFill>
                               <a:schemeClr val="tx1">
                                 <a:lumMod val="65000"/>
@@ -9744,25 +10138,11 @@
                             <a:latin typeface="Cambria Math" panose="02040503050406030204" pitchFamily="18" charset="0"/>
                           </a:rPr>
                         </m:ctrlPr>
-                      </m:fPr>
-                      <m:num>
-                        <m:r>
-                          <a:rPr lang="en-US" altLang="ko-KR" sz="2000" b="1" i="1" smtClean="0">
-                            <a:solidFill>
-                              <a:schemeClr val="tx1">
-                                <a:lumMod val="65000"/>
-                                <a:lumOff val="35000"/>
-                              </a:schemeClr>
-                            </a:solidFill>
-                            <a:latin typeface="Cambria Math" panose="02040503050406030204" pitchFamily="18" charset="0"/>
-                          </a:rPr>
-                          <m:t>𝟏</m:t>
-                        </m:r>
-                      </m:num>
-                      <m:den>
-                        <m:rad>
-                          <m:radPr>
-                            <m:degHide m:val="on"/>
+                      </m:radPr>
+                      <m:deg/>
+                      <m:e>
+                        <m:f>
+                          <m:fPr>
                             <m:ctrlPr>
                               <a:rPr lang="en-US" altLang="ko-KR" sz="2000" b="1" i="1" smtClean="0">
                                 <a:solidFill>
@@ -9774,9 +10154,22 @@
                                 <a:latin typeface="Cambria Math" panose="02040503050406030204" pitchFamily="18" charset="0"/>
                               </a:rPr>
                             </m:ctrlPr>
-                          </m:radPr>
-                          <m:deg/>
-                          <m:e>
+                          </m:fPr>
+                          <m:num>
+                            <m:r>
+                              <a:rPr lang="en-US" altLang="ko-KR" sz="2000" b="1" i="1" smtClean="0">
+                                <a:solidFill>
+                                  <a:schemeClr val="tx1">
+                                    <a:lumMod val="65000"/>
+                                    <a:lumOff val="35000"/>
+                                  </a:schemeClr>
+                                </a:solidFill>
+                                <a:latin typeface="Cambria Math" panose="02040503050406030204" pitchFamily="18" charset="0"/>
+                              </a:rPr>
+                              <m:t>𝟐</m:t>
+                            </m:r>
+                          </m:num>
+                          <m:den>
                             <m:r>
                               <a:rPr lang="en-US" altLang="ko-KR" sz="2000" b="1" i="1" smtClean="0">
                                 <a:solidFill>
@@ -9789,35 +10182,12 @@
                               </a:rPr>
                               <m:t>𝒏</m:t>
                             </m:r>
-                          </m:e>
-                        </m:rad>
-                      </m:den>
-                    </m:f>
-                    <m:r>
-                      <a:rPr lang="en-US" altLang="ko-KR" sz="2000" b="1" i="1" smtClean="0">
-                        <a:solidFill>
-                          <a:schemeClr val="tx1">
-                            <a:lumMod val="65000"/>
-                            <a:lumOff val="35000"/>
-                          </a:schemeClr>
-                        </a:solidFill>
-                        <a:latin typeface="Cambria Math" panose="02040503050406030204" pitchFamily="18" charset="0"/>
-                      </a:rPr>
-                      <m:t> </m:t>
-                    </m:r>
+                          </m:den>
+                        </m:f>
+                      </m:e>
+                    </m:rad>
                   </m:oMath>
                 </a14:m>
-                <a:r>
-                  <a:rPr lang="en-US" altLang="ko-KR" sz="2000" b="1" dirty="0">
-                    <a:solidFill>
-                      <a:schemeClr val="tx1">
-                        <a:lumMod val="65000"/>
-                        <a:lumOff val="35000"/>
-                      </a:schemeClr>
-                    </a:solidFill>
-                  </a:rPr>
-                  <a:t> </a:t>
-                </a:r>
                 <a:r>
                   <a:rPr lang="ko-KR" altLang="en-US" sz="2000" b="1" dirty="0">
                     <a:solidFill>
@@ -9829,1229 +10199,6 @@
                   </a:rPr>
                   <a:t>이 되게 만든다</a:t>
                 </a:r>
-                <a:r>
-                  <a:rPr lang="en-US" altLang="ko-KR" sz="2000" b="1" dirty="0">
-                    <a:solidFill>
-                      <a:schemeClr val="tx1">
-                        <a:lumMod val="65000"/>
-                        <a:lumOff val="35000"/>
-                      </a:schemeClr>
-                    </a:solidFill>
-                  </a:rPr>
-                  <a:t>!</a:t>
-                </a:r>
-              </a:p>
-              <a:p>
-                <a:pPr marL="285750" indent="-285750">
-                  <a:buFont typeface="Arial" panose="020B0604020202020204" pitchFamily="34" charset="0"/>
-                  <a:buChar char="•"/>
-                </a:pPr>
-                <a:endParaRPr lang="en-US" altLang="ko-KR" sz="2000" b="1" dirty="0">
-                  <a:solidFill>
-                    <a:schemeClr val="tx1">
-                      <a:lumMod val="65000"/>
-                      <a:lumOff val="35000"/>
-                    </a:schemeClr>
-                  </a:solidFill>
-                </a:endParaRPr>
-              </a:p>
-              <a:p>
-                <a:pPr marL="285750" indent="-285750">
-                  <a:buFont typeface="Arial" panose="020B0604020202020204" pitchFamily="34" charset="0"/>
-                  <a:buChar char="•"/>
-                </a:pPr>
-                <a:r>
-                  <a:rPr lang="ko-KR" altLang="en-US" sz="2000" b="1" dirty="0">
-                    <a:solidFill>
-                      <a:schemeClr val="tx1">
-                        <a:lumMod val="65000"/>
-                        <a:lumOff val="35000"/>
-                      </a:schemeClr>
-                    </a:solidFill>
-                  </a:rPr>
-                  <a:t>앞 층의 노드가 많을수록 정규 분포 값이 작아진다</a:t>
-                </a:r>
-                <a:r>
-                  <a:rPr lang="en-US" altLang="ko-KR" sz="2000" b="1" dirty="0">
-                    <a:solidFill>
-                      <a:schemeClr val="tx1">
-                        <a:lumMod val="65000"/>
-                        <a:lumOff val="35000"/>
-                      </a:schemeClr>
-                    </a:solidFill>
-                  </a:rPr>
-                  <a:t>.</a:t>
-                </a:r>
-              </a:p>
-            </p:txBody>
-          </p:sp>
-        </mc:Choice>
-        <mc:Fallback xmlns="">
-          <p:sp>
-            <p:nvSpPr>
-              <p:cNvPr id="2" name="TextBox 1">
-                <a:extLst>
-                  <a:ext uri="{FF2B5EF4-FFF2-40B4-BE49-F238E27FC236}">
-                    <a16:creationId xmlns:a16="http://schemas.microsoft.com/office/drawing/2014/main" id="{221F948A-CB45-AEC7-D200-D2A6E6BBE955}"/>
-                  </a:ext>
-                </a:extLst>
-              </p:cNvPr>
-              <p:cNvSpPr txBox="1">
-                <a:spLocks noRot="1" noChangeAspect="1" noMove="1" noResize="1" noEditPoints="1" noAdjustHandles="1" noChangeArrowheads="1" noChangeShapeType="1" noTextEdit="1"/>
-              </p:cNvSpPr>
-              <p:nvPr/>
-            </p:nvSpPr>
-            <p:spPr>
-              <a:xfrm>
-                <a:off x="803570" y="1683940"/>
-                <a:ext cx="10550230" cy="1799147"/>
-              </a:xfrm>
-              <a:prstGeom prst="rect">
-                <a:avLst/>
-              </a:prstGeom>
-              <a:blipFill>
-                <a:blip r:embed="rId2"/>
-                <a:stretch>
-                  <a:fillRect l="-520" t="-1695" b="-5085"/>
-                </a:stretch>
-              </a:blipFill>
-            </p:spPr>
-            <p:txBody>
-              <a:bodyPr/>
-              <a:lstStyle/>
-              <a:p>
-                <a:r>
-                  <a:rPr lang="en-US">
-                    <a:noFill/>
-                  </a:rPr>
-                  <a:t> </a:t>
-                </a:r>
-              </a:p>
-            </p:txBody>
-          </p:sp>
-        </mc:Fallback>
-      </mc:AlternateContent>
-      <p:pic>
-        <p:nvPicPr>
-          <p:cNvPr id="7" name="그림 6">
-            <a:extLst>
-              <a:ext uri="{FF2B5EF4-FFF2-40B4-BE49-F238E27FC236}">
-                <a16:creationId xmlns:a16="http://schemas.microsoft.com/office/drawing/2014/main" id="{B9EBA989-C528-0F01-753A-7F6A8A852E69}"/>
-              </a:ext>
-            </a:extLst>
-          </p:cNvPr>
-          <p:cNvPicPr>
-            <a:picLocks noChangeAspect="1"/>
-          </p:cNvPicPr>
-          <p:nvPr/>
-        </p:nvPicPr>
-        <p:blipFill>
-          <a:blip r:embed="rId3">
-            <a:extLst>
-              <a:ext uri="{28A0092B-C50C-407E-A947-70E740481C1C}">
-                <a14:useLocalDpi xmlns:a14="http://schemas.microsoft.com/office/drawing/2010/main" val="0"/>
-              </a:ext>
-            </a:extLst>
-          </a:blip>
-          <a:stretch>
-            <a:fillRect/>
-          </a:stretch>
-        </p:blipFill>
-        <p:spPr>
-          <a:xfrm>
-            <a:off x="1071992" y="3541090"/>
-            <a:ext cx="8191921" cy="2489328"/>
-          </a:xfrm>
-          <a:prstGeom prst="rect">
-            <a:avLst/>
-          </a:prstGeom>
-        </p:spPr>
-      </p:pic>
-    </p:spTree>
-    <p:extLst>
-      <p:ext uri="{BB962C8B-B14F-4D97-AF65-F5344CB8AC3E}">
-        <p14:creationId xmlns:p14="http://schemas.microsoft.com/office/powerpoint/2010/main" val="2764538851"/>
-      </p:ext>
-    </p:extLst>
-  </p:cSld>
-  <p:clrMapOvr>
-    <a:masterClrMapping/>
-  </p:clrMapOvr>
-</p:sld>
-</file>
-
-<file path=ppt/slides/slide22.xml><?xml version="1.0" encoding="utf-8"?>
-<p:sld xmlns:a="http://schemas.openxmlformats.org/drawingml/2006/main" xmlns:r="http://schemas.openxmlformats.org/officeDocument/2006/relationships" xmlns:p="http://schemas.openxmlformats.org/presentationml/2006/main">
-  <p:cSld>
-    <p:spTree>
-      <p:nvGrpSpPr>
-        <p:cNvPr id="1" name=""/>
-        <p:cNvGrpSpPr/>
-        <p:nvPr/>
-      </p:nvGrpSpPr>
-      <p:grpSpPr>
-        <a:xfrm>
-          <a:off x="0" y="0"/>
-          <a:ext cx="0" cy="0"/>
-          <a:chOff x="0" y="0"/>
-          <a:chExt cx="0" cy="0"/>
-        </a:xfrm>
-      </p:grpSpPr>
-      <p:sp>
-        <p:nvSpPr>
-          <p:cNvPr id="4" name="날짜 개체 틀 3">
-            <a:extLst>
-              <a:ext uri="{FF2B5EF4-FFF2-40B4-BE49-F238E27FC236}">
-                <a16:creationId xmlns:a16="http://schemas.microsoft.com/office/drawing/2014/main" id="{96EB53D3-8572-4237-B28C-28CB40308C40}"/>
-              </a:ext>
-            </a:extLst>
-          </p:cNvPr>
-          <p:cNvSpPr>
-            <a:spLocks noGrp="1"/>
-          </p:cNvSpPr>
-          <p:nvPr>
-            <p:ph type="dt" sz="half" idx="10"/>
-          </p:nvPr>
-        </p:nvSpPr>
-        <p:spPr>
-          <a:xfrm>
-            <a:off x="141514" y="6356350"/>
-            <a:ext cx="2743200" cy="365125"/>
-          </a:xfrm>
-        </p:spPr>
-        <p:txBody>
-          <a:bodyPr/>
-          <a:lstStyle/>
-          <a:p>
-            <a:fld id="{0303D7D5-FAC8-4B75-A637-D564180CD715}" type="datetime1">
-              <a:rPr lang="ko-KR" altLang="en-US" sz="1000" smtClean="0"/>
-              <a:t>2023-06-22</a:t>
-            </a:fld>
-            <a:endParaRPr lang="ko-KR" altLang="en-US" sz="1000" dirty="0"/>
-          </a:p>
-        </p:txBody>
-      </p:sp>
-      <p:sp>
-        <p:nvSpPr>
-          <p:cNvPr id="6" name="슬라이드 번호 개체 틀 5">
-            <a:extLst>
-              <a:ext uri="{FF2B5EF4-FFF2-40B4-BE49-F238E27FC236}">
-                <a16:creationId xmlns:a16="http://schemas.microsoft.com/office/drawing/2014/main" id="{6E93A4FF-EE48-4AD7-B7EF-105B8CE4CD9F}"/>
-              </a:ext>
-            </a:extLst>
-          </p:cNvPr>
-          <p:cNvSpPr>
-            <a:spLocks noGrp="1"/>
-          </p:cNvSpPr>
-          <p:nvPr>
-            <p:ph type="sldNum" sz="quarter" idx="12"/>
-          </p:nvPr>
-        </p:nvSpPr>
-        <p:spPr/>
-        <p:txBody>
-          <a:bodyPr/>
-          <a:lstStyle/>
-          <a:p>
-            <a:fld id="{77D8DCB6-DE77-432F-867E-17030BC60D58}" type="slidenum">
-              <a:rPr lang="ko-KR" altLang="en-US" smtClean="0"/>
-              <a:t>22</a:t>
-            </a:fld>
-            <a:endParaRPr lang="ko-KR" altLang="en-US"/>
-          </a:p>
-        </p:txBody>
-      </p:sp>
-      <p:cxnSp>
-        <p:nvCxnSpPr>
-          <p:cNvPr id="8" name="직선 연결선 7">
-            <a:extLst>
-              <a:ext uri="{FF2B5EF4-FFF2-40B4-BE49-F238E27FC236}">
-                <a16:creationId xmlns:a16="http://schemas.microsoft.com/office/drawing/2014/main" id="{D1F8D6B6-3C71-480C-BFAD-599210C64964}"/>
-              </a:ext>
-            </a:extLst>
-          </p:cNvPr>
-          <p:cNvCxnSpPr>
-            <a:cxnSpLocks/>
-          </p:cNvCxnSpPr>
-          <p:nvPr/>
-        </p:nvCxnSpPr>
-        <p:spPr>
-          <a:xfrm>
-            <a:off x="513806" y="1138535"/>
-            <a:ext cx="10978016" cy="0"/>
-          </a:xfrm>
-          <a:prstGeom prst="line">
-            <a:avLst/>
-          </a:prstGeom>
-          <a:ln w="28575">
-            <a:solidFill>
-              <a:srgbClr val="A80000"/>
-            </a:solidFill>
-          </a:ln>
-        </p:spPr>
-        <p:style>
-          <a:lnRef idx="1">
-            <a:schemeClr val="accent1"/>
-          </a:lnRef>
-          <a:fillRef idx="0">
-            <a:schemeClr val="accent1"/>
-          </a:fillRef>
-          <a:effectRef idx="0">
-            <a:schemeClr val="accent1"/>
-          </a:effectRef>
-          <a:fontRef idx="minor">
-            <a:schemeClr val="tx1"/>
-          </a:fontRef>
-        </p:style>
-      </p:cxnSp>
-      <p:sp>
-        <p:nvSpPr>
-          <p:cNvPr id="9" name="TextBox 8">
-            <a:extLst>
-              <a:ext uri="{FF2B5EF4-FFF2-40B4-BE49-F238E27FC236}">
-                <a16:creationId xmlns:a16="http://schemas.microsoft.com/office/drawing/2014/main" id="{85E2DDDA-35AB-489C-8A37-0A056738B5CD}"/>
-              </a:ext>
-            </a:extLst>
-          </p:cNvPr>
-          <p:cNvSpPr txBox="1"/>
-          <p:nvPr/>
-        </p:nvSpPr>
-        <p:spPr>
-          <a:xfrm>
-            <a:off x="513806" y="576645"/>
-            <a:ext cx="6461760" cy="523220"/>
-          </a:xfrm>
-          <a:prstGeom prst="rect">
-            <a:avLst/>
-          </a:prstGeom>
-          <a:noFill/>
-        </p:spPr>
-        <p:txBody>
-          <a:bodyPr wrap="square" rtlCol="0">
-            <a:spAutoFit/>
-          </a:bodyPr>
-          <a:lstStyle/>
-          <a:p>
-            <a:r>
-              <a:rPr lang="en-US" altLang="ko-KR" sz="2800" b="1" dirty="0">
-                <a:solidFill>
-                  <a:schemeClr val="tx1">
-                    <a:lumMod val="65000"/>
-                    <a:lumOff val="35000"/>
-                  </a:schemeClr>
-                </a:solidFill>
-              </a:rPr>
-              <a:t>1. Perceptron-How to work Neuron</a:t>
-            </a:r>
-            <a:endParaRPr lang="ko-KR" altLang="en-US" sz="2800" b="1" dirty="0">
-              <a:solidFill>
-                <a:schemeClr val="tx1">
-                  <a:lumMod val="65000"/>
-                  <a:lumOff val="35000"/>
-                </a:schemeClr>
-              </a:solidFill>
-            </a:endParaRPr>
-          </a:p>
-        </p:txBody>
-      </p:sp>
-      <p:pic>
-        <p:nvPicPr>
-          <p:cNvPr id="1026" name="Picture 2">
-            <a:extLst>
-              <a:ext uri="{FF2B5EF4-FFF2-40B4-BE49-F238E27FC236}">
-                <a16:creationId xmlns:a16="http://schemas.microsoft.com/office/drawing/2014/main" id="{B63E5861-973A-319E-DEC3-A64F3731CF82}"/>
-              </a:ext>
-            </a:extLst>
-          </p:cNvPr>
-          <p:cNvPicPr>
-            <a:picLocks noChangeAspect="1" noChangeArrowheads="1"/>
-          </p:cNvPicPr>
-          <p:nvPr/>
-        </p:nvPicPr>
-        <p:blipFill>
-          <a:blip r:embed="rId2">
-            <a:extLst>
-              <a:ext uri="{28A0092B-C50C-407E-A947-70E740481C1C}">
-                <a14:useLocalDpi xmlns:a14="http://schemas.microsoft.com/office/drawing/2010/main" val="0"/>
-              </a:ext>
-            </a:extLst>
-          </a:blip>
-          <a:srcRect/>
-          <a:stretch>
-            <a:fillRect/>
-          </a:stretch>
-        </p:blipFill>
-        <p:spPr bwMode="auto">
-          <a:xfrm>
-            <a:off x="2246154" y="1331419"/>
-            <a:ext cx="7513320" cy="4038410"/>
-          </a:xfrm>
-          <a:prstGeom prst="rect">
-            <a:avLst/>
-          </a:prstGeom>
-          <a:noFill/>
-          <a:extLst>
-            <a:ext uri="{909E8E84-426E-40DD-AFC4-6F175D3DCCD1}">
-              <a14:hiddenFill xmlns:a14="http://schemas.microsoft.com/office/drawing/2010/main">
-                <a:solidFill>
-                  <a:srgbClr val="FFFFFF"/>
-                </a:solidFill>
-              </a14:hiddenFill>
-            </a:ext>
-          </a:extLst>
-        </p:spPr>
-      </p:pic>
-      <p:cxnSp>
-        <p:nvCxnSpPr>
-          <p:cNvPr id="5" name="직선 화살표 연결선 4">
-            <a:extLst>
-              <a:ext uri="{FF2B5EF4-FFF2-40B4-BE49-F238E27FC236}">
-                <a16:creationId xmlns:a16="http://schemas.microsoft.com/office/drawing/2014/main" id="{75E7974F-C2F8-FB02-9899-D7C53FF7BCEA}"/>
-              </a:ext>
-            </a:extLst>
-          </p:cNvPr>
-          <p:cNvCxnSpPr>
-            <a:cxnSpLocks/>
-          </p:cNvCxnSpPr>
-          <p:nvPr/>
-        </p:nvCxnSpPr>
-        <p:spPr>
-          <a:xfrm>
-            <a:off x="4539250" y="5483710"/>
-            <a:ext cx="3892732" cy="0"/>
-          </a:xfrm>
-          <a:prstGeom prst="straightConnector1">
-            <a:avLst/>
-          </a:prstGeom>
-          <a:ln w="19050">
-            <a:headEnd type="triangle"/>
-            <a:tailEnd type="triangle"/>
-          </a:ln>
-        </p:spPr>
-        <p:style>
-          <a:lnRef idx="1">
-            <a:schemeClr val="accent1"/>
-          </a:lnRef>
-          <a:fillRef idx="0">
-            <a:schemeClr val="accent1"/>
-          </a:fillRef>
-          <a:effectRef idx="0">
-            <a:schemeClr val="accent1"/>
-          </a:effectRef>
-          <a:fontRef idx="minor">
-            <a:schemeClr val="tx1"/>
-          </a:fontRef>
-        </p:style>
-      </p:cxnSp>
-      <p:cxnSp>
-        <p:nvCxnSpPr>
-          <p:cNvPr id="7" name="직선 화살표 연결선 6">
-            <a:extLst>
-              <a:ext uri="{FF2B5EF4-FFF2-40B4-BE49-F238E27FC236}">
-                <a16:creationId xmlns:a16="http://schemas.microsoft.com/office/drawing/2014/main" id="{EB33D34B-CAA6-ED92-57B4-115D6FDA08C7}"/>
-              </a:ext>
-            </a:extLst>
-          </p:cNvPr>
-          <p:cNvCxnSpPr>
-            <a:cxnSpLocks/>
-          </p:cNvCxnSpPr>
-          <p:nvPr/>
-        </p:nvCxnSpPr>
-        <p:spPr>
-          <a:xfrm>
-            <a:off x="2906579" y="5483710"/>
-            <a:ext cx="1524000" cy="0"/>
-          </a:xfrm>
-          <a:prstGeom prst="straightConnector1">
-            <a:avLst/>
-          </a:prstGeom>
-          <a:ln w="19050">
-            <a:headEnd type="triangle"/>
-            <a:tailEnd type="triangle"/>
-          </a:ln>
-        </p:spPr>
-        <p:style>
-          <a:lnRef idx="1">
-            <a:schemeClr val="accent1"/>
-          </a:lnRef>
-          <a:fillRef idx="0">
-            <a:schemeClr val="accent1"/>
-          </a:fillRef>
-          <a:effectRef idx="0">
-            <a:schemeClr val="accent1"/>
-          </a:effectRef>
-          <a:fontRef idx="minor">
-            <a:schemeClr val="tx1"/>
-          </a:fontRef>
-        </p:style>
-      </p:cxnSp>
-      <p:cxnSp>
-        <p:nvCxnSpPr>
-          <p:cNvPr id="10" name="직선 화살표 연결선 9">
-            <a:extLst>
-              <a:ext uri="{FF2B5EF4-FFF2-40B4-BE49-F238E27FC236}">
-                <a16:creationId xmlns:a16="http://schemas.microsoft.com/office/drawing/2014/main" id="{2DFCDC1D-4EBE-5CD8-380D-8F07DE6D3FC2}"/>
-              </a:ext>
-            </a:extLst>
-          </p:cNvPr>
-          <p:cNvCxnSpPr>
-            <a:cxnSpLocks/>
-          </p:cNvCxnSpPr>
-          <p:nvPr/>
-        </p:nvCxnSpPr>
-        <p:spPr>
-          <a:xfrm>
-            <a:off x="8610600" y="5483710"/>
-            <a:ext cx="657683" cy="0"/>
-          </a:xfrm>
-          <a:prstGeom prst="straightConnector1">
-            <a:avLst/>
-          </a:prstGeom>
-          <a:ln w="19050">
-            <a:headEnd type="triangle"/>
-            <a:tailEnd type="triangle"/>
-          </a:ln>
-        </p:spPr>
-        <p:style>
-          <a:lnRef idx="1">
-            <a:schemeClr val="accent1"/>
-          </a:lnRef>
-          <a:fillRef idx="0">
-            <a:schemeClr val="accent1"/>
-          </a:fillRef>
-          <a:effectRef idx="0">
-            <a:schemeClr val="accent1"/>
-          </a:effectRef>
-          <a:fontRef idx="minor">
-            <a:schemeClr val="tx1"/>
-          </a:fontRef>
-        </p:style>
-      </p:cxnSp>
-      <p:sp>
-        <p:nvSpPr>
-          <p:cNvPr id="23" name="TextBox 22">
-            <a:extLst>
-              <a:ext uri="{FF2B5EF4-FFF2-40B4-BE49-F238E27FC236}">
-                <a16:creationId xmlns:a16="http://schemas.microsoft.com/office/drawing/2014/main" id="{3EF739F9-3CA2-45DD-0F4A-4D357DAA7B27}"/>
-              </a:ext>
-            </a:extLst>
-          </p:cNvPr>
-          <p:cNvSpPr txBox="1"/>
-          <p:nvPr/>
-        </p:nvSpPr>
-        <p:spPr>
-          <a:xfrm>
-            <a:off x="3103123" y="5710136"/>
-            <a:ext cx="1196503" cy="369332"/>
-          </a:xfrm>
-          <a:prstGeom prst="rect">
-            <a:avLst/>
-          </a:prstGeom>
-          <a:noFill/>
-        </p:spPr>
-        <p:txBody>
-          <a:bodyPr wrap="square" rtlCol="0">
-            <a:spAutoFit/>
-          </a:bodyPr>
-          <a:lstStyle/>
-          <a:p>
-            <a:pPr algn="ctr"/>
-            <a:r>
-              <a:rPr lang="ko-KR" altLang="en-US"/>
-              <a:t>입력</a:t>
-            </a:r>
-            <a:endParaRPr lang="en-US" dirty="0"/>
-          </a:p>
-        </p:txBody>
-      </p:sp>
-      <p:sp>
-        <p:nvSpPr>
-          <p:cNvPr id="24" name="TextBox 23">
-            <a:extLst>
-              <a:ext uri="{FF2B5EF4-FFF2-40B4-BE49-F238E27FC236}">
-                <a16:creationId xmlns:a16="http://schemas.microsoft.com/office/drawing/2014/main" id="{90399A7E-301C-D36F-8EAC-9ABE0FD83C72}"/>
-              </a:ext>
-            </a:extLst>
-          </p:cNvPr>
-          <p:cNvSpPr txBox="1"/>
-          <p:nvPr/>
-        </p:nvSpPr>
-        <p:spPr>
-          <a:xfrm>
-            <a:off x="5887364" y="5719465"/>
-            <a:ext cx="1196503" cy="369332"/>
-          </a:xfrm>
-          <a:prstGeom prst="rect">
-            <a:avLst/>
-          </a:prstGeom>
-          <a:noFill/>
-        </p:spPr>
-        <p:txBody>
-          <a:bodyPr wrap="square" rtlCol="0">
-            <a:spAutoFit/>
-          </a:bodyPr>
-          <a:lstStyle/>
-          <a:p>
-            <a:pPr algn="ctr"/>
-            <a:r>
-              <a:rPr lang="ko-KR" altLang="en-US" dirty="0"/>
-              <a:t>전달</a:t>
-            </a:r>
-            <a:endParaRPr lang="en-US" dirty="0"/>
-          </a:p>
-        </p:txBody>
-      </p:sp>
-      <p:sp>
-        <p:nvSpPr>
-          <p:cNvPr id="25" name="TextBox 24">
-            <a:extLst>
-              <a:ext uri="{FF2B5EF4-FFF2-40B4-BE49-F238E27FC236}">
-                <a16:creationId xmlns:a16="http://schemas.microsoft.com/office/drawing/2014/main" id="{9C401DDE-2A4C-6E2C-ED64-D0656AD1A9B6}"/>
-              </a:ext>
-            </a:extLst>
-          </p:cNvPr>
-          <p:cNvSpPr txBox="1"/>
-          <p:nvPr/>
-        </p:nvSpPr>
-        <p:spPr>
-          <a:xfrm>
-            <a:off x="8341189" y="5719465"/>
-            <a:ext cx="1196503" cy="369332"/>
-          </a:xfrm>
-          <a:prstGeom prst="rect">
-            <a:avLst/>
-          </a:prstGeom>
-          <a:noFill/>
-        </p:spPr>
-        <p:txBody>
-          <a:bodyPr wrap="square" rtlCol="0">
-            <a:spAutoFit/>
-          </a:bodyPr>
-          <a:lstStyle/>
-          <a:p>
-            <a:pPr algn="ctr"/>
-            <a:r>
-              <a:rPr lang="ko-KR" altLang="en-US"/>
-              <a:t>출력</a:t>
-            </a:r>
-            <a:endParaRPr lang="en-US" dirty="0"/>
-          </a:p>
-        </p:txBody>
-      </p:sp>
-    </p:spTree>
-    <p:extLst>
-      <p:ext uri="{BB962C8B-B14F-4D97-AF65-F5344CB8AC3E}">
-        <p14:creationId xmlns:p14="http://schemas.microsoft.com/office/powerpoint/2010/main" val="1686507768"/>
-      </p:ext>
-    </p:extLst>
-  </p:cSld>
-  <p:clrMapOvr>
-    <a:masterClrMapping/>
-  </p:clrMapOvr>
-</p:sld>
-</file>
-
-<file path=ppt/slides/slide23.xml><?xml version="1.0" encoding="utf-8"?>
-<p:sld xmlns:a="http://schemas.openxmlformats.org/drawingml/2006/main" xmlns:r="http://schemas.openxmlformats.org/officeDocument/2006/relationships" xmlns:p="http://schemas.openxmlformats.org/presentationml/2006/main">
-  <p:cSld>
-    <p:spTree>
-      <p:nvGrpSpPr>
-        <p:cNvPr id="1" name=""/>
-        <p:cNvGrpSpPr/>
-        <p:nvPr/>
-      </p:nvGrpSpPr>
-      <p:grpSpPr>
-        <a:xfrm>
-          <a:off x="0" y="0"/>
-          <a:ext cx="0" cy="0"/>
-          <a:chOff x="0" y="0"/>
-          <a:chExt cx="0" cy="0"/>
-        </a:xfrm>
-      </p:grpSpPr>
-      <p:sp>
-        <p:nvSpPr>
-          <p:cNvPr id="4" name="날짜 개체 틀 3">
-            <a:extLst>
-              <a:ext uri="{FF2B5EF4-FFF2-40B4-BE49-F238E27FC236}">
-                <a16:creationId xmlns:a16="http://schemas.microsoft.com/office/drawing/2014/main" id="{96EB53D3-8572-4237-B28C-28CB40308C40}"/>
-              </a:ext>
-            </a:extLst>
-          </p:cNvPr>
-          <p:cNvSpPr>
-            <a:spLocks noGrp="1"/>
-          </p:cNvSpPr>
-          <p:nvPr>
-            <p:ph type="dt" sz="half" idx="10"/>
-          </p:nvPr>
-        </p:nvSpPr>
-        <p:spPr>
-          <a:xfrm>
-            <a:off x="141514" y="6356350"/>
-            <a:ext cx="2743200" cy="365125"/>
-          </a:xfrm>
-        </p:spPr>
-        <p:txBody>
-          <a:bodyPr/>
-          <a:lstStyle/>
-          <a:p>
-            <a:fld id="{0303D7D5-FAC8-4B75-A637-D564180CD715}" type="datetime1">
-              <a:rPr lang="ko-KR" altLang="en-US" sz="1000" smtClean="0"/>
-              <a:t>2023-06-22</a:t>
-            </a:fld>
-            <a:endParaRPr lang="ko-KR" altLang="en-US" sz="1000" dirty="0"/>
-          </a:p>
-        </p:txBody>
-      </p:sp>
-      <p:sp>
-        <p:nvSpPr>
-          <p:cNvPr id="6" name="슬라이드 번호 개체 틀 5">
-            <a:extLst>
-              <a:ext uri="{FF2B5EF4-FFF2-40B4-BE49-F238E27FC236}">
-                <a16:creationId xmlns:a16="http://schemas.microsoft.com/office/drawing/2014/main" id="{6E93A4FF-EE48-4AD7-B7EF-105B8CE4CD9F}"/>
-              </a:ext>
-            </a:extLst>
-          </p:cNvPr>
-          <p:cNvSpPr>
-            <a:spLocks noGrp="1"/>
-          </p:cNvSpPr>
-          <p:nvPr>
-            <p:ph type="sldNum" sz="quarter" idx="12"/>
-          </p:nvPr>
-        </p:nvSpPr>
-        <p:spPr/>
-        <p:txBody>
-          <a:bodyPr/>
-          <a:lstStyle/>
-          <a:p>
-            <a:fld id="{77D8DCB6-DE77-432F-867E-17030BC60D58}" type="slidenum">
-              <a:rPr lang="ko-KR" altLang="en-US" smtClean="0"/>
-              <a:t>23</a:t>
-            </a:fld>
-            <a:endParaRPr lang="ko-KR" altLang="en-US"/>
-          </a:p>
-        </p:txBody>
-      </p:sp>
-      <p:cxnSp>
-        <p:nvCxnSpPr>
-          <p:cNvPr id="8" name="직선 연결선 7">
-            <a:extLst>
-              <a:ext uri="{FF2B5EF4-FFF2-40B4-BE49-F238E27FC236}">
-                <a16:creationId xmlns:a16="http://schemas.microsoft.com/office/drawing/2014/main" id="{D1F8D6B6-3C71-480C-BFAD-599210C64964}"/>
-              </a:ext>
-            </a:extLst>
-          </p:cNvPr>
-          <p:cNvCxnSpPr>
-            <a:cxnSpLocks/>
-          </p:cNvCxnSpPr>
-          <p:nvPr/>
-        </p:nvCxnSpPr>
-        <p:spPr>
-          <a:xfrm>
-            <a:off x="513806" y="1138535"/>
-            <a:ext cx="10978016" cy="0"/>
-          </a:xfrm>
-          <a:prstGeom prst="line">
-            <a:avLst/>
-          </a:prstGeom>
-          <a:ln w="28575">
-            <a:solidFill>
-              <a:srgbClr val="A80000"/>
-            </a:solidFill>
-          </a:ln>
-        </p:spPr>
-        <p:style>
-          <a:lnRef idx="1">
-            <a:schemeClr val="accent1"/>
-          </a:lnRef>
-          <a:fillRef idx="0">
-            <a:schemeClr val="accent1"/>
-          </a:fillRef>
-          <a:effectRef idx="0">
-            <a:schemeClr val="accent1"/>
-          </a:effectRef>
-          <a:fontRef idx="minor">
-            <a:schemeClr val="tx1"/>
-          </a:fontRef>
-        </p:style>
-      </p:cxnSp>
-      <p:sp>
-        <p:nvSpPr>
-          <p:cNvPr id="9" name="TextBox 8">
-            <a:extLst>
-              <a:ext uri="{FF2B5EF4-FFF2-40B4-BE49-F238E27FC236}">
-                <a16:creationId xmlns:a16="http://schemas.microsoft.com/office/drawing/2014/main" id="{85E2DDDA-35AB-489C-8A37-0A056738B5CD}"/>
-              </a:ext>
-            </a:extLst>
-          </p:cNvPr>
-          <p:cNvSpPr txBox="1"/>
-          <p:nvPr/>
-        </p:nvSpPr>
-        <p:spPr>
-          <a:xfrm>
-            <a:off x="513806" y="576645"/>
-            <a:ext cx="3524794" cy="523220"/>
-          </a:xfrm>
-          <a:prstGeom prst="rect">
-            <a:avLst/>
-          </a:prstGeom>
-          <a:noFill/>
-        </p:spPr>
-        <p:txBody>
-          <a:bodyPr wrap="square" rtlCol="0">
-            <a:spAutoFit/>
-          </a:bodyPr>
-          <a:lstStyle/>
-          <a:p>
-            <a:r>
-              <a:rPr lang="en-US" altLang="ko-KR" sz="2800" b="1" dirty="0">
-                <a:solidFill>
-                  <a:schemeClr val="tx1">
-                    <a:lumMod val="65000"/>
-                    <a:lumOff val="35000"/>
-                  </a:schemeClr>
-                </a:solidFill>
-              </a:rPr>
-              <a:t>1. Perceptron</a:t>
-            </a:r>
-            <a:endParaRPr lang="ko-KR" altLang="en-US" sz="2800" b="1" dirty="0">
-              <a:solidFill>
-                <a:schemeClr val="tx1">
-                  <a:lumMod val="65000"/>
-                  <a:lumOff val="35000"/>
-                </a:schemeClr>
-              </a:solidFill>
-            </a:endParaRPr>
-          </a:p>
-        </p:txBody>
-      </p:sp>
-      <p:pic>
-        <p:nvPicPr>
-          <p:cNvPr id="5" name="그림 4">
-            <a:extLst>
-              <a:ext uri="{FF2B5EF4-FFF2-40B4-BE49-F238E27FC236}">
-                <a16:creationId xmlns:a16="http://schemas.microsoft.com/office/drawing/2014/main" id="{590FBBD1-9DA6-107B-1B8E-E5D65705947D}"/>
-              </a:ext>
-            </a:extLst>
-          </p:cNvPr>
-          <p:cNvPicPr>
-            <a:picLocks noChangeAspect="1"/>
-          </p:cNvPicPr>
-          <p:nvPr/>
-        </p:nvPicPr>
-        <p:blipFill>
-          <a:blip r:embed="rId2">
-            <a:extLst>
-              <a:ext uri="{28A0092B-C50C-407E-A947-70E740481C1C}">
-                <a14:useLocalDpi xmlns:a14="http://schemas.microsoft.com/office/drawing/2010/main" val="0"/>
-              </a:ext>
-            </a:extLst>
-          </a:blip>
-          <a:stretch>
-            <a:fillRect/>
-          </a:stretch>
-        </p:blipFill>
-        <p:spPr>
-          <a:xfrm>
-            <a:off x="2593426" y="1690866"/>
-            <a:ext cx="2997354" cy="2730640"/>
-          </a:xfrm>
-          <a:prstGeom prst="rect">
-            <a:avLst/>
-          </a:prstGeom>
-        </p:spPr>
-      </p:pic>
-      <mc:AlternateContent xmlns:mc="http://schemas.openxmlformats.org/markup-compatibility/2006" xmlns:a14="http://schemas.microsoft.com/office/drawing/2010/main">
-        <mc:Choice Requires="a14">
-          <p:sp>
-            <p:nvSpPr>
-              <p:cNvPr id="7" name="TextBox 6">
-                <a:extLst>
-                  <a:ext uri="{FF2B5EF4-FFF2-40B4-BE49-F238E27FC236}">
-                    <a16:creationId xmlns:a16="http://schemas.microsoft.com/office/drawing/2014/main" id="{D407085A-08F7-9501-100E-AD32329D625B}"/>
-                  </a:ext>
-                </a:extLst>
-              </p:cNvPr>
-              <p:cNvSpPr txBox="1"/>
-              <p:nvPr/>
-            </p:nvSpPr>
-            <p:spPr>
-              <a:xfrm>
-                <a:off x="6476672" y="2151727"/>
-                <a:ext cx="2997354" cy="2554545"/>
-              </a:xfrm>
-              <a:prstGeom prst="rect">
-                <a:avLst/>
-              </a:prstGeom>
-              <a:noFill/>
-            </p:spPr>
-            <p:txBody>
-              <a:bodyPr wrap="square" rtlCol="0">
-                <a:spAutoFit/>
-              </a:bodyPr>
-              <a:lstStyle/>
-              <a:p>
-                <a:pPr marL="285750" indent="-285750">
-                  <a:buFont typeface="Arial" panose="020B0604020202020204" pitchFamily="34" charset="0"/>
-                  <a:buChar char="•"/>
-                </a:pPr>
-                <a14:m>
-                  <m:oMath xmlns:m="http://schemas.openxmlformats.org/officeDocument/2006/math">
-                    <m:sSub>
-                      <m:sSubPr>
-                        <m:ctrlPr>
-                          <a:rPr lang="en-US" altLang="ko-KR" sz="2000" b="1" i="1" smtClean="0">
-                            <a:solidFill>
-                              <a:schemeClr val="tx1">
-                                <a:lumMod val="65000"/>
-                                <a:lumOff val="35000"/>
-                              </a:schemeClr>
-                            </a:solidFill>
-                            <a:latin typeface="Cambria Math" panose="02040503050406030204" pitchFamily="18" charset="0"/>
-                          </a:rPr>
-                        </m:ctrlPr>
-                      </m:sSubPr>
-                      <m:e>
-                        <m:r>
-                          <a:rPr lang="en-US" altLang="ko-KR" sz="2000" b="1" i="1" smtClean="0">
-                            <a:solidFill>
-                              <a:schemeClr val="tx1">
-                                <a:lumMod val="65000"/>
-                                <a:lumOff val="35000"/>
-                              </a:schemeClr>
-                            </a:solidFill>
-                            <a:latin typeface="Cambria Math" panose="02040503050406030204" pitchFamily="18" charset="0"/>
-                          </a:rPr>
-                          <m:t>𝒙</m:t>
-                        </m:r>
-                      </m:e>
-                      <m:sub>
-                        <m:r>
-                          <a:rPr lang="en-US" altLang="ko-KR" sz="2000" b="1" i="1" smtClean="0">
-                            <a:solidFill>
-                              <a:schemeClr val="tx1">
-                                <a:lumMod val="65000"/>
-                                <a:lumOff val="35000"/>
-                              </a:schemeClr>
-                            </a:solidFill>
-                            <a:latin typeface="Cambria Math" panose="02040503050406030204" pitchFamily="18" charset="0"/>
-                          </a:rPr>
-                          <m:t>𝟏</m:t>
-                        </m:r>
-                      </m:sub>
-                    </m:sSub>
-                    <m:r>
-                      <a:rPr lang="en-US" altLang="ko-KR" sz="2000" b="1" i="1" smtClean="0">
-                        <a:solidFill>
-                          <a:schemeClr val="tx1">
-                            <a:lumMod val="65000"/>
-                            <a:lumOff val="35000"/>
-                          </a:schemeClr>
-                        </a:solidFill>
-                        <a:latin typeface="Cambria Math" panose="02040503050406030204" pitchFamily="18" charset="0"/>
-                      </a:rPr>
-                      <m:t>,</m:t>
-                    </m:r>
-                    <m:sSub>
-                      <m:sSubPr>
-                        <m:ctrlPr>
-                          <a:rPr lang="en-US" altLang="ko-KR" sz="2000" b="1" i="1">
-                            <a:solidFill>
-                              <a:schemeClr val="tx1">
-                                <a:lumMod val="65000"/>
-                                <a:lumOff val="35000"/>
-                              </a:schemeClr>
-                            </a:solidFill>
-                            <a:latin typeface="Cambria Math" panose="02040503050406030204" pitchFamily="18" charset="0"/>
-                          </a:rPr>
-                        </m:ctrlPr>
-                      </m:sSubPr>
-                      <m:e>
-                        <m:r>
-                          <a:rPr lang="en-US" altLang="ko-KR" sz="2000" b="1" i="1">
-                            <a:solidFill>
-                              <a:schemeClr val="tx1">
-                                <a:lumMod val="65000"/>
-                                <a:lumOff val="35000"/>
-                              </a:schemeClr>
-                            </a:solidFill>
-                            <a:latin typeface="Cambria Math" panose="02040503050406030204" pitchFamily="18" charset="0"/>
-                          </a:rPr>
-                          <m:t>𝒙</m:t>
-                        </m:r>
-                      </m:e>
-                      <m:sub>
-                        <m:r>
-                          <a:rPr lang="en-US" altLang="ko-KR" sz="2000" b="1" i="1" smtClean="0">
-                            <a:solidFill>
-                              <a:schemeClr val="tx1">
-                                <a:lumMod val="65000"/>
-                                <a:lumOff val="35000"/>
-                              </a:schemeClr>
-                            </a:solidFill>
-                            <a:latin typeface="Cambria Math" panose="02040503050406030204" pitchFamily="18" charset="0"/>
-                          </a:rPr>
-                          <m:t>𝟐</m:t>
-                        </m:r>
-                      </m:sub>
-                    </m:sSub>
-                    <m:r>
-                      <a:rPr lang="en-US" altLang="ko-KR" sz="2000" b="1" i="1" smtClean="0">
-                        <a:solidFill>
-                          <a:schemeClr val="tx1">
-                            <a:lumMod val="65000"/>
-                            <a:lumOff val="35000"/>
-                          </a:schemeClr>
-                        </a:solidFill>
-                        <a:latin typeface="Cambria Math" panose="02040503050406030204" pitchFamily="18" charset="0"/>
-                      </a:rPr>
-                      <m:t> :  </m:t>
-                    </m:r>
-                  </m:oMath>
-                </a14:m>
-                <a:r>
-                  <a:rPr lang="ko-KR" altLang="en-US" sz="2000" b="1" dirty="0">
-                    <a:solidFill>
-                      <a:schemeClr val="tx1">
-                        <a:lumMod val="65000"/>
-                        <a:lumOff val="35000"/>
-                      </a:schemeClr>
-                    </a:solidFill>
-                  </a:rPr>
-                  <a:t>입력 신호</a:t>
-                </a:r>
-                <a:endParaRPr lang="en-US" altLang="ko-KR" sz="2000" b="1" dirty="0">
-                  <a:solidFill>
-                    <a:schemeClr val="tx1">
-                      <a:lumMod val="65000"/>
-                      <a:lumOff val="35000"/>
-                    </a:schemeClr>
-                  </a:solidFill>
-                </a:endParaRPr>
-              </a:p>
-              <a:p>
-                <a:pPr marL="285750" indent="-285750">
-                  <a:buFont typeface="Arial" panose="020B0604020202020204" pitchFamily="34" charset="0"/>
-                  <a:buChar char="•"/>
-                </a:pPr>
-                <a:endParaRPr lang="en-US" altLang="ko-KR" sz="2000" b="1" dirty="0">
-                  <a:solidFill>
-                    <a:schemeClr val="tx1">
-                      <a:lumMod val="65000"/>
-                      <a:lumOff val="35000"/>
-                    </a:schemeClr>
-                  </a:solidFill>
-                </a:endParaRPr>
-              </a:p>
-              <a:p>
-                <a:pPr marL="285750" indent="-285750">
-                  <a:buFont typeface="Arial" panose="020B0604020202020204" pitchFamily="34" charset="0"/>
-                  <a:buChar char="•"/>
-                </a:pPr>
-                <a14:m>
-                  <m:oMath xmlns:m="http://schemas.openxmlformats.org/officeDocument/2006/math">
-                    <m:sSub>
-                      <m:sSubPr>
-                        <m:ctrlPr>
-                          <a:rPr lang="en-US" altLang="ko-KR" sz="2000" b="1" i="1" smtClean="0">
-                            <a:solidFill>
-                              <a:schemeClr val="tx1">
-                                <a:lumMod val="65000"/>
-                                <a:lumOff val="35000"/>
-                              </a:schemeClr>
-                            </a:solidFill>
-                            <a:latin typeface="Cambria Math" panose="02040503050406030204" pitchFamily="18" charset="0"/>
-                          </a:rPr>
-                        </m:ctrlPr>
-                      </m:sSubPr>
-                      <m:e>
-                        <m:r>
-                          <a:rPr lang="en-US" altLang="ko-KR" sz="2000" b="1" i="1" smtClean="0">
-                            <a:solidFill>
-                              <a:schemeClr val="tx1">
-                                <a:lumMod val="65000"/>
-                                <a:lumOff val="35000"/>
-                              </a:schemeClr>
-                            </a:solidFill>
-                            <a:latin typeface="Cambria Math" panose="02040503050406030204" pitchFamily="18" charset="0"/>
-                          </a:rPr>
-                          <m:t>𝒘</m:t>
-                        </m:r>
-                      </m:e>
-                      <m:sub>
-                        <m:r>
-                          <a:rPr lang="en-US" altLang="ko-KR" sz="2000" b="1" i="1" smtClean="0">
-                            <a:solidFill>
-                              <a:schemeClr val="tx1">
-                                <a:lumMod val="65000"/>
-                                <a:lumOff val="35000"/>
-                              </a:schemeClr>
-                            </a:solidFill>
-                            <a:latin typeface="Cambria Math" panose="02040503050406030204" pitchFamily="18" charset="0"/>
-                          </a:rPr>
-                          <m:t>𝟏</m:t>
-                        </m:r>
-                      </m:sub>
-                    </m:sSub>
-                    <m:r>
-                      <a:rPr lang="en-US" altLang="ko-KR" sz="2000" b="1" i="1" smtClean="0">
-                        <a:solidFill>
-                          <a:schemeClr val="tx1">
-                            <a:lumMod val="65000"/>
-                            <a:lumOff val="35000"/>
-                          </a:schemeClr>
-                        </a:solidFill>
-                        <a:latin typeface="Cambria Math" panose="02040503050406030204" pitchFamily="18" charset="0"/>
-                      </a:rPr>
-                      <m:t>,</m:t>
-                    </m:r>
-                    <m:sSub>
-                      <m:sSubPr>
-                        <m:ctrlPr>
-                          <a:rPr lang="en-US" altLang="ko-KR" sz="2000" b="1" i="1">
-                            <a:solidFill>
-                              <a:schemeClr val="tx1">
-                                <a:lumMod val="65000"/>
-                                <a:lumOff val="35000"/>
-                              </a:schemeClr>
-                            </a:solidFill>
-                            <a:latin typeface="Cambria Math" panose="02040503050406030204" pitchFamily="18" charset="0"/>
-                          </a:rPr>
-                        </m:ctrlPr>
-                      </m:sSubPr>
-                      <m:e>
-                        <m:r>
-                          <a:rPr lang="en-US" altLang="ko-KR" sz="2000" b="1" i="1" smtClean="0">
-                            <a:solidFill>
-                              <a:schemeClr val="tx1">
-                                <a:lumMod val="65000"/>
-                                <a:lumOff val="35000"/>
-                              </a:schemeClr>
-                            </a:solidFill>
-                            <a:latin typeface="Cambria Math" panose="02040503050406030204" pitchFamily="18" charset="0"/>
-                          </a:rPr>
-                          <m:t>𝒘</m:t>
-                        </m:r>
-                      </m:e>
-                      <m:sub>
-                        <m:r>
-                          <a:rPr lang="en-US" altLang="ko-KR" sz="2000" b="1" i="1" smtClean="0">
-                            <a:solidFill>
-                              <a:schemeClr val="tx1">
-                                <a:lumMod val="65000"/>
-                                <a:lumOff val="35000"/>
-                              </a:schemeClr>
-                            </a:solidFill>
-                            <a:latin typeface="Cambria Math" panose="02040503050406030204" pitchFamily="18" charset="0"/>
-                          </a:rPr>
-                          <m:t>𝟐</m:t>
-                        </m:r>
-                      </m:sub>
-                    </m:sSub>
-                    <m:r>
-                      <a:rPr lang="en-US" altLang="ko-KR" sz="2000" b="1" i="1" smtClean="0">
-                        <a:solidFill>
-                          <a:schemeClr val="tx1">
-                            <a:lumMod val="65000"/>
-                            <a:lumOff val="35000"/>
-                          </a:schemeClr>
-                        </a:solidFill>
-                        <a:latin typeface="Cambria Math" panose="02040503050406030204" pitchFamily="18" charset="0"/>
-                      </a:rPr>
-                      <m:t> :  </m:t>
-                    </m:r>
-                  </m:oMath>
-                </a14:m>
-                <a:r>
-                  <a:rPr lang="ko-KR" altLang="en-US" sz="2000" b="1" dirty="0">
-                    <a:solidFill>
-                      <a:schemeClr val="tx1">
-                        <a:lumMod val="65000"/>
-                        <a:lumOff val="35000"/>
-                      </a:schemeClr>
-                    </a:solidFill>
-                  </a:rPr>
-                  <a:t>가중치</a:t>
-                </a:r>
-                <a:endParaRPr lang="en-US" altLang="ko-KR" sz="2000" b="1" dirty="0">
-                  <a:solidFill>
-                    <a:schemeClr val="tx1">
-                      <a:lumMod val="65000"/>
-                      <a:lumOff val="35000"/>
-                    </a:schemeClr>
-                  </a:solidFill>
-                </a:endParaRPr>
-              </a:p>
-              <a:p>
-                <a:pPr marL="285750" indent="-285750">
-                  <a:buFont typeface="Arial" panose="020B0604020202020204" pitchFamily="34" charset="0"/>
-                  <a:buChar char="•"/>
-                </a:pPr>
-                <a:endParaRPr lang="en-US" altLang="ko-KR" sz="2000" b="1" dirty="0">
-                  <a:solidFill>
-                    <a:schemeClr val="tx1">
-                      <a:lumMod val="65000"/>
-                      <a:lumOff val="35000"/>
-                    </a:schemeClr>
-                  </a:solidFill>
-                </a:endParaRPr>
-              </a:p>
-              <a:p>
-                <a:pPr marL="285750" indent="-285750">
-                  <a:buFont typeface="Arial" panose="020B0604020202020204" pitchFamily="34" charset="0"/>
-                  <a:buChar char="•"/>
-                </a:pPr>
-                <a14:m>
-                  <m:oMath xmlns:m="http://schemas.openxmlformats.org/officeDocument/2006/math">
-                    <m:r>
-                      <a:rPr lang="en-US" altLang="ko-KR" sz="2000" b="1" i="1" smtClean="0">
-                        <a:solidFill>
-                          <a:schemeClr val="tx1">
-                            <a:lumMod val="65000"/>
-                            <a:lumOff val="35000"/>
-                          </a:schemeClr>
-                        </a:solidFill>
-                        <a:latin typeface="Cambria Math" panose="02040503050406030204" pitchFamily="18" charset="0"/>
-                      </a:rPr>
-                      <m:t>𝒚</m:t>
-                    </m:r>
-                    <m:r>
-                      <a:rPr lang="en-US" altLang="ko-KR" sz="2000" b="1" i="1" smtClean="0">
-                        <a:solidFill>
-                          <a:schemeClr val="tx1">
-                            <a:lumMod val="65000"/>
-                            <a:lumOff val="35000"/>
-                          </a:schemeClr>
-                        </a:solidFill>
-                        <a:latin typeface="Cambria Math" panose="02040503050406030204" pitchFamily="18" charset="0"/>
-                      </a:rPr>
-                      <m:t>: </m:t>
-                    </m:r>
-                  </m:oMath>
-                </a14:m>
-                <a:r>
-                  <a:rPr lang="ko-KR" altLang="en-US" sz="2000" b="1" dirty="0">
-                    <a:solidFill>
-                      <a:schemeClr val="tx1">
-                        <a:lumMod val="65000"/>
-                        <a:lumOff val="35000"/>
-                      </a:schemeClr>
-                    </a:solidFill>
-                  </a:rPr>
-                  <a:t>출력신호</a:t>
-                </a:r>
-                <a:endParaRPr lang="en-US" altLang="ko-KR" sz="2000" b="1" dirty="0">
-                  <a:solidFill>
-                    <a:schemeClr val="tx1">
-                      <a:lumMod val="65000"/>
-                      <a:lumOff val="35000"/>
-                    </a:schemeClr>
-                  </a:solidFill>
-                </a:endParaRPr>
-              </a:p>
-              <a:p>
-                <a:pPr marL="285750" indent="-285750">
-                  <a:buFont typeface="Arial" panose="020B0604020202020204" pitchFamily="34" charset="0"/>
-                  <a:buChar char="•"/>
-                </a:pPr>
                 <a:endParaRPr lang="en-US" altLang="ko-KR" sz="2000" b="1" dirty="0">
                   <a:solidFill>
                     <a:schemeClr val="tx1">
@@ -11092,13 +10239,13 @@
             </p:txBody>
           </p:sp>
         </mc:Choice>
-        <mc:Fallback xmlns="">
+        <mc:Fallback>
           <p:sp>
             <p:nvSpPr>
-              <p:cNvPr id="7" name="TextBox 6">
+              <p:cNvPr id="2" name="TextBox 1">
                 <a:extLst>
                   <a:ext uri="{FF2B5EF4-FFF2-40B4-BE49-F238E27FC236}">
-                    <a16:creationId xmlns:a16="http://schemas.microsoft.com/office/drawing/2014/main" id="{D407085A-08F7-9501-100E-AD32329D625B}"/>
+                    <a16:creationId xmlns:a16="http://schemas.microsoft.com/office/drawing/2014/main" id="{221F948A-CB45-AEC7-D200-D2A6E6BBE955}"/>
                   </a:ext>
                 </a:extLst>
               </p:cNvPr>
@@ -11109,447 +10256,16 @@
             </p:nvSpPr>
             <p:spPr>
               <a:xfrm>
-                <a:off x="6476672" y="2151727"/>
-                <a:ext cx="2997354" cy="2554545"/>
+                <a:off x="803570" y="1683940"/>
+                <a:ext cx="10550230" cy="2565318"/>
               </a:xfrm>
               <a:prstGeom prst="rect">
                 <a:avLst/>
               </a:prstGeom>
               <a:blipFill>
-                <a:blip r:embed="rId3"/>
+                <a:blip r:embed="rId2"/>
                 <a:stretch>
-                  <a:fillRect l="-1829" t="-1432"/>
-                </a:stretch>
-              </a:blipFill>
-            </p:spPr>
-            <p:txBody>
-              <a:bodyPr/>
-              <a:lstStyle/>
-              <a:p>
-                <a:r>
-                  <a:rPr lang="en-US">
-                    <a:noFill/>
-                  </a:rPr>
-                  <a:t> </a:t>
-                </a:r>
-              </a:p>
-            </p:txBody>
-          </p:sp>
-        </mc:Fallback>
-      </mc:AlternateContent>
-      <mc:AlternateContent xmlns:mc="http://schemas.openxmlformats.org/markup-compatibility/2006" xmlns:a14="http://schemas.microsoft.com/office/drawing/2010/main">
-        <mc:Choice Requires="a14">
-          <p:sp>
-            <p:nvSpPr>
-              <p:cNvPr id="11" name="TextBox 10">
-                <a:extLst>
-                  <a:ext uri="{FF2B5EF4-FFF2-40B4-BE49-F238E27FC236}">
-                    <a16:creationId xmlns:a16="http://schemas.microsoft.com/office/drawing/2014/main" id="{BC91F14D-EE40-62F8-E49F-BAFE7ACD8534}"/>
-                  </a:ext>
-                </a:extLst>
-              </p:cNvPr>
-              <p:cNvSpPr txBox="1"/>
-              <p:nvPr/>
-            </p:nvSpPr>
-            <p:spPr>
-              <a:xfrm>
-                <a:off x="3591938" y="4962544"/>
-                <a:ext cx="6094378" cy="710194"/>
-              </a:xfrm>
-              <a:prstGeom prst="rect">
-                <a:avLst/>
-              </a:prstGeom>
-              <a:noFill/>
-            </p:spPr>
-            <p:txBody>
-              <a:bodyPr wrap="square">
-                <a:spAutoFit/>
-              </a:bodyPr>
-              <a:lstStyle/>
-              <a:p>
-                <a:pPr algn="ctr"/>
-                <a14:m>
-                  <m:oMath xmlns:m="http://schemas.openxmlformats.org/officeDocument/2006/math">
-                    <m:r>
-                      <a:rPr lang="en-US" b="0" i="1" smtClean="0">
-                        <a:latin typeface="Cambria Math" panose="02040503050406030204" pitchFamily="18" charset="0"/>
-                        <a:ea typeface="Cambria Math" panose="02040503050406030204" pitchFamily="18" charset="0"/>
-                      </a:rPr>
-                      <m:t>𝑦</m:t>
-                    </m:r>
-                    <m:r>
-                      <a:rPr lang="en-US" b="0" i="1" smtClean="0">
-                        <a:latin typeface="Cambria Math" panose="02040503050406030204" pitchFamily="18" charset="0"/>
-                        <a:ea typeface="Cambria Math" panose="02040503050406030204" pitchFamily="18" charset="0"/>
-                      </a:rPr>
-                      <m:t>=</m:t>
-                    </m:r>
-                    <m:d>
-                      <m:dPr>
-                        <m:begChr m:val="{"/>
-                        <m:endChr m:val=""/>
-                        <m:ctrlPr>
-                          <a:rPr lang="el-GR" i="1" smtClean="0">
-                            <a:latin typeface="Cambria Math" panose="02040503050406030204" pitchFamily="18" charset="0"/>
-                            <a:ea typeface="Cambria Math" panose="02040503050406030204" pitchFamily="18" charset="0"/>
-                          </a:rPr>
-                        </m:ctrlPr>
-                      </m:dPr>
-                      <m:e>
-                        <m:eqArr>
-                          <m:eqArrPr>
-                            <m:ctrlPr>
-                              <a:rPr lang="el-GR" i="1" smtClean="0">
-                                <a:latin typeface="Cambria Math" panose="02040503050406030204" pitchFamily="18" charset="0"/>
-                                <a:ea typeface="Cambria Math" panose="02040503050406030204" pitchFamily="18" charset="0"/>
-                              </a:rPr>
-                            </m:ctrlPr>
-                          </m:eqArrPr>
-                          <m:e>
-                            <m:r>
-                              <a:rPr lang="en-US" b="0" i="1" smtClean="0">
-                                <a:latin typeface="Cambria Math" panose="02040503050406030204" pitchFamily="18" charset="0"/>
-                                <a:ea typeface="Cambria Math" panose="02040503050406030204" pitchFamily="18" charset="0"/>
-                              </a:rPr>
-                              <m:t>0  ,(</m:t>
-                            </m:r>
-                            <m:sSub>
-                              <m:sSubPr>
-                                <m:ctrlPr>
-                                  <a:rPr lang="en-US" b="0" i="1" smtClean="0">
-                                    <a:latin typeface="Cambria Math" panose="02040503050406030204" pitchFamily="18" charset="0"/>
-                                    <a:ea typeface="Cambria Math" panose="02040503050406030204" pitchFamily="18" charset="0"/>
-                                  </a:rPr>
-                                </m:ctrlPr>
-                              </m:sSubPr>
-                              <m:e>
-                                <m:r>
-                                  <a:rPr lang="en-US" b="0" i="1" smtClean="0">
-                                    <a:latin typeface="Cambria Math" panose="02040503050406030204" pitchFamily="18" charset="0"/>
-                                    <a:ea typeface="Cambria Math" panose="02040503050406030204" pitchFamily="18" charset="0"/>
-                                  </a:rPr>
-                                  <m:t>𝑤</m:t>
-                                </m:r>
-                              </m:e>
-                              <m:sub>
-                                <m:r>
-                                  <a:rPr lang="en-US" b="0" i="1" smtClean="0">
-                                    <a:latin typeface="Cambria Math" panose="02040503050406030204" pitchFamily="18" charset="0"/>
-                                    <a:ea typeface="Cambria Math" panose="02040503050406030204" pitchFamily="18" charset="0"/>
-                                  </a:rPr>
-                                  <m:t>1</m:t>
-                                </m:r>
-                              </m:sub>
-                            </m:sSub>
-                            <m:sSub>
-                              <m:sSubPr>
-                                <m:ctrlPr>
-                                  <a:rPr lang="en-US" i="1">
-                                    <a:latin typeface="Cambria Math" panose="02040503050406030204" pitchFamily="18" charset="0"/>
-                                    <a:ea typeface="Cambria Math" panose="02040503050406030204" pitchFamily="18" charset="0"/>
-                                  </a:rPr>
-                                </m:ctrlPr>
-                              </m:sSubPr>
-                              <m:e>
-                                <m:r>
-                                  <a:rPr lang="en-US" b="0" i="1" smtClean="0">
-                                    <a:latin typeface="Cambria Math" panose="02040503050406030204" pitchFamily="18" charset="0"/>
-                                    <a:ea typeface="Cambria Math" panose="02040503050406030204" pitchFamily="18" charset="0"/>
-                                  </a:rPr>
-                                  <m:t>𝑥</m:t>
-                                </m:r>
-                              </m:e>
-                              <m:sub>
-                                <m:r>
-                                  <a:rPr lang="en-US" i="1">
-                                    <a:latin typeface="Cambria Math" panose="02040503050406030204" pitchFamily="18" charset="0"/>
-                                    <a:ea typeface="Cambria Math" panose="02040503050406030204" pitchFamily="18" charset="0"/>
-                                  </a:rPr>
-                                  <m:t>1</m:t>
-                                </m:r>
-                              </m:sub>
-                            </m:sSub>
-                            <m:r>
-                              <a:rPr lang="en-US" b="0" i="1" smtClean="0">
-                                <a:latin typeface="Cambria Math" panose="02040503050406030204" pitchFamily="18" charset="0"/>
-                                <a:ea typeface="Cambria Math" panose="02040503050406030204" pitchFamily="18" charset="0"/>
-                              </a:rPr>
-                              <m:t>+</m:t>
-                            </m:r>
-                            <m:sSub>
-                              <m:sSubPr>
-                                <m:ctrlPr>
-                                  <a:rPr lang="en-US" i="1">
-                                    <a:latin typeface="Cambria Math" panose="02040503050406030204" pitchFamily="18" charset="0"/>
-                                    <a:ea typeface="Cambria Math" panose="02040503050406030204" pitchFamily="18" charset="0"/>
-                                  </a:rPr>
-                                </m:ctrlPr>
-                              </m:sSubPr>
-                              <m:e>
-                                <m:r>
-                                  <a:rPr lang="en-US" i="1">
-                                    <a:latin typeface="Cambria Math" panose="02040503050406030204" pitchFamily="18" charset="0"/>
-                                    <a:ea typeface="Cambria Math" panose="02040503050406030204" pitchFamily="18" charset="0"/>
-                                  </a:rPr>
-                                  <m:t>𝑤</m:t>
-                                </m:r>
-                              </m:e>
-                              <m:sub>
-                                <m:r>
-                                  <a:rPr lang="en-US" b="0" i="1" smtClean="0">
-                                    <a:latin typeface="Cambria Math" panose="02040503050406030204" pitchFamily="18" charset="0"/>
-                                    <a:ea typeface="Cambria Math" panose="02040503050406030204" pitchFamily="18" charset="0"/>
-                                  </a:rPr>
-                                  <m:t>2</m:t>
-                                </m:r>
-                              </m:sub>
-                            </m:sSub>
-                            <m:sSub>
-                              <m:sSubPr>
-                                <m:ctrlPr>
-                                  <a:rPr lang="en-US" i="1">
-                                    <a:latin typeface="Cambria Math" panose="02040503050406030204" pitchFamily="18" charset="0"/>
-                                    <a:ea typeface="Cambria Math" panose="02040503050406030204" pitchFamily="18" charset="0"/>
-                                  </a:rPr>
-                                </m:ctrlPr>
-                              </m:sSubPr>
-                              <m:e>
-                                <m:r>
-                                  <a:rPr lang="en-US" b="0" i="1" smtClean="0">
-                                    <a:latin typeface="Cambria Math" panose="02040503050406030204" pitchFamily="18" charset="0"/>
-                                    <a:ea typeface="Cambria Math" panose="02040503050406030204" pitchFamily="18" charset="0"/>
-                                  </a:rPr>
-                                  <m:t>𝑥</m:t>
-                                </m:r>
-                              </m:e>
-                              <m:sub>
-                                <m:r>
-                                  <a:rPr lang="en-US" b="0" i="1" smtClean="0">
-                                    <a:latin typeface="Cambria Math" panose="02040503050406030204" pitchFamily="18" charset="0"/>
-                                    <a:ea typeface="Cambria Math" panose="02040503050406030204" pitchFamily="18" charset="0"/>
-                                  </a:rPr>
-                                  <m:t>2</m:t>
-                                </m:r>
-                              </m:sub>
-                            </m:sSub>
-                            <m:r>
-                              <a:rPr lang="en-US" i="1" smtClean="0">
-                                <a:latin typeface="Cambria Math" panose="02040503050406030204" pitchFamily="18" charset="0"/>
-                                <a:ea typeface="Cambria Math" panose="02040503050406030204" pitchFamily="18" charset="0"/>
-                              </a:rPr>
-                              <m:t>≤</m:t>
-                            </m:r>
-                            <m:r>
-                              <a:rPr lang="en-US" i="1" smtClean="0">
-                                <a:latin typeface="Cambria Math" panose="02040503050406030204" pitchFamily="18" charset="0"/>
-                                <a:ea typeface="Cambria Math" panose="02040503050406030204" pitchFamily="18" charset="0"/>
-                              </a:rPr>
-                              <m:t>𝜃</m:t>
-                            </m:r>
-                            <m:r>
-                              <a:rPr lang="en-US" b="0" i="1" smtClean="0">
-                                <a:latin typeface="Cambria Math" panose="02040503050406030204" pitchFamily="18" charset="0"/>
-                                <a:ea typeface="Cambria Math" panose="02040503050406030204" pitchFamily="18" charset="0"/>
-                              </a:rPr>
-                              <m:t>)</m:t>
-                            </m:r>
-                          </m:e>
-                          <m:e>
-                            <m:r>
-                              <a:rPr lang="en-US" b="0" i="1" smtClean="0">
-                                <a:latin typeface="Cambria Math" panose="02040503050406030204" pitchFamily="18" charset="0"/>
-                                <a:ea typeface="Cambria Math" panose="02040503050406030204" pitchFamily="18" charset="0"/>
-                              </a:rPr>
-                              <m:t>1  ,</m:t>
-                            </m:r>
-                            <m:r>
-                              <a:rPr lang="en-US" i="1">
-                                <a:latin typeface="Cambria Math" panose="02040503050406030204" pitchFamily="18" charset="0"/>
-                                <a:ea typeface="Cambria Math" panose="02040503050406030204" pitchFamily="18" charset="0"/>
-                              </a:rPr>
-                              <m:t>(</m:t>
-                            </m:r>
-                            <m:sSub>
-                              <m:sSubPr>
-                                <m:ctrlPr>
-                                  <a:rPr lang="en-US" i="1">
-                                    <a:latin typeface="Cambria Math" panose="02040503050406030204" pitchFamily="18" charset="0"/>
-                                    <a:ea typeface="Cambria Math" panose="02040503050406030204" pitchFamily="18" charset="0"/>
-                                  </a:rPr>
-                                </m:ctrlPr>
-                              </m:sSubPr>
-                              <m:e>
-                                <m:r>
-                                  <a:rPr lang="en-US" i="1">
-                                    <a:latin typeface="Cambria Math" panose="02040503050406030204" pitchFamily="18" charset="0"/>
-                                    <a:ea typeface="Cambria Math" panose="02040503050406030204" pitchFamily="18" charset="0"/>
-                                  </a:rPr>
-                                  <m:t>𝑤</m:t>
-                                </m:r>
-                              </m:e>
-                              <m:sub>
-                                <m:r>
-                                  <a:rPr lang="en-US" i="1">
-                                    <a:latin typeface="Cambria Math" panose="02040503050406030204" pitchFamily="18" charset="0"/>
-                                    <a:ea typeface="Cambria Math" panose="02040503050406030204" pitchFamily="18" charset="0"/>
-                                  </a:rPr>
-                                  <m:t>1</m:t>
-                                </m:r>
-                              </m:sub>
-                            </m:sSub>
-                            <m:sSub>
-                              <m:sSubPr>
-                                <m:ctrlPr>
-                                  <a:rPr lang="en-US" i="1">
-                                    <a:latin typeface="Cambria Math" panose="02040503050406030204" pitchFamily="18" charset="0"/>
-                                    <a:ea typeface="Cambria Math" panose="02040503050406030204" pitchFamily="18" charset="0"/>
-                                  </a:rPr>
-                                </m:ctrlPr>
-                              </m:sSubPr>
-                              <m:e>
-                                <m:r>
-                                  <a:rPr lang="en-US" b="0" i="1" smtClean="0">
-                                    <a:latin typeface="Cambria Math" panose="02040503050406030204" pitchFamily="18" charset="0"/>
-                                    <a:ea typeface="Cambria Math" panose="02040503050406030204" pitchFamily="18" charset="0"/>
-                                  </a:rPr>
-                                  <m:t>𝑥</m:t>
-                                </m:r>
-                              </m:e>
-                              <m:sub>
-                                <m:r>
-                                  <a:rPr lang="en-US" i="1">
-                                    <a:latin typeface="Cambria Math" panose="02040503050406030204" pitchFamily="18" charset="0"/>
-                                    <a:ea typeface="Cambria Math" panose="02040503050406030204" pitchFamily="18" charset="0"/>
-                                  </a:rPr>
-                                  <m:t>1</m:t>
-                                </m:r>
-                              </m:sub>
-                            </m:sSub>
-                            <m:r>
-                              <a:rPr lang="en-US" i="1">
-                                <a:latin typeface="Cambria Math" panose="02040503050406030204" pitchFamily="18" charset="0"/>
-                                <a:ea typeface="Cambria Math" panose="02040503050406030204" pitchFamily="18" charset="0"/>
-                              </a:rPr>
-                              <m:t>+</m:t>
-                            </m:r>
-                            <m:sSub>
-                              <m:sSubPr>
-                                <m:ctrlPr>
-                                  <a:rPr lang="en-US" i="1">
-                                    <a:latin typeface="Cambria Math" panose="02040503050406030204" pitchFamily="18" charset="0"/>
-                                    <a:ea typeface="Cambria Math" panose="02040503050406030204" pitchFamily="18" charset="0"/>
-                                  </a:rPr>
-                                </m:ctrlPr>
-                              </m:sSubPr>
-                              <m:e>
-                                <m:r>
-                                  <a:rPr lang="en-US" i="1">
-                                    <a:latin typeface="Cambria Math" panose="02040503050406030204" pitchFamily="18" charset="0"/>
-                                    <a:ea typeface="Cambria Math" panose="02040503050406030204" pitchFamily="18" charset="0"/>
-                                  </a:rPr>
-                                  <m:t>𝑤</m:t>
-                                </m:r>
-                              </m:e>
-                              <m:sub>
-                                <m:r>
-                                  <a:rPr lang="en-US" i="1">
-                                    <a:latin typeface="Cambria Math" panose="02040503050406030204" pitchFamily="18" charset="0"/>
-                                    <a:ea typeface="Cambria Math" panose="02040503050406030204" pitchFamily="18" charset="0"/>
-                                  </a:rPr>
-                                  <m:t>2</m:t>
-                                </m:r>
-                              </m:sub>
-                            </m:sSub>
-                            <m:sSub>
-                              <m:sSubPr>
-                                <m:ctrlPr>
-                                  <a:rPr lang="en-US" i="1">
-                                    <a:latin typeface="Cambria Math" panose="02040503050406030204" pitchFamily="18" charset="0"/>
-                                    <a:ea typeface="Cambria Math" panose="02040503050406030204" pitchFamily="18" charset="0"/>
-                                  </a:rPr>
-                                </m:ctrlPr>
-                              </m:sSubPr>
-                              <m:e>
-                                <m:r>
-                                  <a:rPr lang="en-US" i="1">
-                                    <a:latin typeface="Cambria Math" panose="02040503050406030204" pitchFamily="18" charset="0"/>
-                                    <a:ea typeface="Cambria Math" panose="02040503050406030204" pitchFamily="18" charset="0"/>
-                                  </a:rPr>
-                                  <m:t>𝑥</m:t>
-                                </m:r>
-                              </m:e>
-                              <m:sub>
-                                <m:r>
-                                  <a:rPr lang="en-US" i="1">
-                                    <a:latin typeface="Cambria Math" panose="02040503050406030204" pitchFamily="18" charset="0"/>
-                                    <a:ea typeface="Cambria Math" panose="02040503050406030204" pitchFamily="18" charset="0"/>
-                                  </a:rPr>
-                                  <m:t>2</m:t>
-                                </m:r>
-                              </m:sub>
-                            </m:sSub>
-                            <m:r>
-                              <a:rPr lang="en-US" i="1">
-                                <a:latin typeface="Cambria Math" panose="02040503050406030204" pitchFamily="18" charset="0"/>
-                                <a:ea typeface="Cambria Math" panose="02040503050406030204" pitchFamily="18" charset="0"/>
-                              </a:rPr>
-                              <m:t>≤</m:t>
-                            </m:r>
-                            <m:r>
-                              <a:rPr lang="en-US" i="1">
-                                <a:latin typeface="Cambria Math" panose="02040503050406030204" pitchFamily="18" charset="0"/>
-                                <a:ea typeface="Cambria Math" panose="02040503050406030204" pitchFamily="18" charset="0"/>
-                              </a:rPr>
-                              <m:t>𝜃</m:t>
-                            </m:r>
-                            <m:r>
-                              <a:rPr lang="en-US" i="1">
-                                <a:latin typeface="Cambria Math" panose="02040503050406030204" pitchFamily="18" charset="0"/>
-                                <a:ea typeface="Cambria Math" panose="02040503050406030204" pitchFamily="18" charset="0"/>
-                              </a:rPr>
-                              <m:t>)</m:t>
-                            </m:r>
-                          </m:e>
-                        </m:eqArr>
-                      </m:e>
-                    </m:d>
-                  </m:oMath>
-                </a14:m>
-                <a:r>
-                  <a:rPr lang="en-US" dirty="0"/>
-                  <a:t> 		(1)</a:t>
-                </a:r>
-              </a:p>
-            </p:txBody>
-          </p:sp>
-        </mc:Choice>
-        <mc:Fallback xmlns="">
-          <p:sp>
-            <p:nvSpPr>
-              <p:cNvPr id="11" name="TextBox 10">
-                <a:extLst>
-                  <a:ext uri="{FF2B5EF4-FFF2-40B4-BE49-F238E27FC236}">
-                    <a16:creationId xmlns:a16="http://schemas.microsoft.com/office/drawing/2014/main" id="{BC91F14D-EE40-62F8-E49F-BAFE7ACD8534}"/>
-                  </a:ext>
-                </a:extLst>
-              </p:cNvPr>
-              <p:cNvSpPr txBox="1">
-                <a:spLocks noRot="1" noChangeAspect="1" noMove="1" noResize="1" noEditPoints="1" noAdjustHandles="1" noChangeArrowheads="1" noChangeShapeType="1" noTextEdit="1"/>
-              </p:cNvSpPr>
-              <p:nvPr/>
-            </p:nvSpPr>
-            <p:spPr>
-              <a:xfrm>
-                <a:off x="3591938" y="4962544"/>
-                <a:ext cx="6094378" cy="710194"/>
-              </a:xfrm>
-              <a:prstGeom prst="rect">
-                <a:avLst/>
-              </a:prstGeom>
-              <a:blipFill>
-                <a:blip r:embed="rId4"/>
-                <a:stretch>
-                  <a:fillRect/>
+                  <a:fillRect l="-520" t="-1188"/>
                 </a:stretch>
               </a:blipFill>
             </p:spPr>
@@ -11571,7 +10287,320 @@
     </p:spTree>
     <p:extLst>
       <p:ext uri="{BB962C8B-B14F-4D97-AF65-F5344CB8AC3E}">
-        <p14:creationId xmlns:p14="http://schemas.microsoft.com/office/powerpoint/2010/main" val="1547151976"/>
+        <p14:creationId xmlns:p14="http://schemas.microsoft.com/office/powerpoint/2010/main" val="773509824"/>
+      </p:ext>
+    </p:extLst>
+  </p:cSld>
+  <p:clrMapOvr>
+    <a:masterClrMapping/>
+  </p:clrMapOvr>
+</p:sld>
+</file>
+
+<file path=ppt/slides/slide23.xml><?xml version="1.0" encoding="utf-8"?>
+<p:sld xmlns:a="http://schemas.openxmlformats.org/drawingml/2006/main" xmlns:r="http://schemas.openxmlformats.org/officeDocument/2006/relationships" xmlns:p="http://schemas.openxmlformats.org/presentationml/2006/main">
+  <p:cSld>
+    <p:spTree>
+      <p:nvGrpSpPr>
+        <p:cNvPr id="1" name=""/>
+        <p:cNvGrpSpPr/>
+        <p:nvPr/>
+      </p:nvGrpSpPr>
+      <p:grpSpPr>
+        <a:xfrm>
+          <a:off x="0" y="0"/>
+          <a:ext cx="0" cy="0"/>
+          <a:chOff x="0" y="0"/>
+          <a:chExt cx="0" cy="0"/>
+        </a:xfrm>
+      </p:grpSpPr>
+      <p:sp>
+        <p:nvSpPr>
+          <p:cNvPr id="4" name="날짜 개체 틀 3">
+            <a:extLst>
+              <a:ext uri="{FF2B5EF4-FFF2-40B4-BE49-F238E27FC236}">
+                <a16:creationId xmlns:a16="http://schemas.microsoft.com/office/drawing/2014/main" id="{96EB53D3-8572-4237-B28C-28CB40308C40}"/>
+              </a:ext>
+            </a:extLst>
+          </p:cNvPr>
+          <p:cNvSpPr>
+            <a:spLocks noGrp="1"/>
+          </p:cNvSpPr>
+          <p:nvPr>
+            <p:ph type="dt" sz="half" idx="10"/>
+          </p:nvPr>
+        </p:nvSpPr>
+        <p:spPr>
+          <a:xfrm>
+            <a:off x="141514" y="6356350"/>
+            <a:ext cx="2743200" cy="365125"/>
+          </a:xfrm>
+        </p:spPr>
+        <p:txBody>
+          <a:bodyPr/>
+          <a:lstStyle/>
+          <a:p>
+            <a:fld id="{0303D7D5-FAC8-4B75-A637-D564180CD715}" type="datetime1">
+              <a:rPr lang="ko-KR" altLang="en-US" sz="1000" smtClean="0"/>
+              <a:t>2023-06-23</a:t>
+            </a:fld>
+            <a:endParaRPr lang="ko-KR" altLang="en-US" sz="1000" dirty="0"/>
+          </a:p>
+        </p:txBody>
+      </p:sp>
+      <p:sp>
+        <p:nvSpPr>
+          <p:cNvPr id="6" name="슬라이드 번호 개체 틀 5">
+            <a:extLst>
+              <a:ext uri="{FF2B5EF4-FFF2-40B4-BE49-F238E27FC236}">
+                <a16:creationId xmlns:a16="http://schemas.microsoft.com/office/drawing/2014/main" id="{6E93A4FF-EE48-4AD7-B7EF-105B8CE4CD9F}"/>
+              </a:ext>
+            </a:extLst>
+          </p:cNvPr>
+          <p:cNvSpPr>
+            <a:spLocks noGrp="1"/>
+          </p:cNvSpPr>
+          <p:nvPr>
+            <p:ph type="sldNum" sz="quarter" idx="12"/>
+          </p:nvPr>
+        </p:nvSpPr>
+        <p:spPr/>
+        <p:txBody>
+          <a:bodyPr/>
+          <a:lstStyle/>
+          <a:p>
+            <a:fld id="{77D8DCB6-DE77-432F-867E-17030BC60D58}" type="slidenum">
+              <a:rPr lang="ko-KR" altLang="en-US" smtClean="0"/>
+              <a:t>23</a:t>
+            </a:fld>
+            <a:endParaRPr lang="ko-KR" altLang="en-US"/>
+          </a:p>
+        </p:txBody>
+      </p:sp>
+      <p:cxnSp>
+        <p:nvCxnSpPr>
+          <p:cNvPr id="8" name="직선 연결선 7">
+            <a:extLst>
+              <a:ext uri="{FF2B5EF4-FFF2-40B4-BE49-F238E27FC236}">
+                <a16:creationId xmlns:a16="http://schemas.microsoft.com/office/drawing/2014/main" id="{D1F8D6B6-3C71-480C-BFAD-599210C64964}"/>
+              </a:ext>
+            </a:extLst>
+          </p:cNvPr>
+          <p:cNvCxnSpPr>
+            <a:cxnSpLocks/>
+          </p:cNvCxnSpPr>
+          <p:nvPr/>
+        </p:nvCxnSpPr>
+        <p:spPr>
+          <a:xfrm>
+            <a:off x="513806" y="1138535"/>
+            <a:ext cx="10978016" cy="0"/>
+          </a:xfrm>
+          <a:prstGeom prst="line">
+            <a:avLst/>
+          </a:prstGeom>
+          <a:ln w="28575">
+            <a:solidFill>
+              <a:srgbClr val="A80000"/>
+            </a:solidFill>
+          </a:ln>
+        </p:spPr>
+        <p:style>
+          <a:lnRef idx="1">
+            <a:schemeClr val="accent1"/>
+          </a:lnRef>
+          <a:fillRef idx="0">
+            <a:schemeClr val="accent1"/>
+          </a:fillRef>
+          <a:effectRef idx="0">
+            <a:schemeClr val="accent1"/>
+          </a:effectRef>
+          <a:fontRef idx="minor">
+            <a:schemeClr val="tx1"/>
+          </a:fontRef>
+        </p:style>
+      </p:cxnSp>
+      <p:sp>
+        <p:nvSpPr>
+          <p:cNvPr id="9" name="TextBox 8">
+            <a:extLst>
+              <a:ext uri="{FF2B5EF4-FFF2-40B4-BE49-F238E27FC236}">
+                <a16:creationId xmlns:a16="http://schemas.microsoft.com/office/drawing/2014/main" id="{85E2DDDA-35AB-489C-8A37-0A056738B5CD}"/>
+              </a:ext>
+            </a:extLst>
+          </p:cNvPr>
+          <p:cNvSpPr txBox="1"/>
+          <p:nvPr/>
+        </p:nvSpPr>
+        <p:spPr>
+          <a:xfrm>
+            <a:off x="513806" y="576645"/>
+            <a:ext cx="9544594" cy="523220"/>
+          </a:xfrm>
+          <a:prstGeom prst="rect">
+            <a:avLst/>
+          </a:prstGeom>
+          <a:noFill/>
+        </p:spPr>
+        <p:txBody>
+          <a:bodyPr wrap="square" rtlCol="0">
+            <a:spAutoFit/>
+          </a:bodyPr>
+          <a:lstStyle/>
+          <a:p>
+            <a:r>
+              <a:rPr lang="en-US" altLang="ko-KR" sz="2800" b="1" dirty="0">
+                <a:solidFill>
+                  <a:schemeClr val="tx1">
+                    <a:lumMod val="65000"/>
+                    <a:lumOff val="35000"/>
+                  </a:schemeClr>
+                </a:solidFill>
+              </a:rPr>
+              <a:t>2.  </a:t>
+            </a:r>
+            <a:r>
+              <a:rPr lang="ko-KR" altLang="en-US" sz="2800" b="1" dirty="0">
+                <a:solidFill>
+                  <a:schemeClr val="tx1">
+                    <a:lumMod val="65000"/>
+                    <a:lumOff val="35000"/>
+                  </a:schemeClr>
+                </a:solidFill>
+              </a:rPr>
+              <a:t>가중치의 초기값 </a:t>
+            </a:r>
+            <a:r>
+              <a:rPr lang="en-US" altLang="ko-KR" sz="2800" b="1" dirty="0">
+                <a:solidFill>
+                  <a:schemeClr val="tx1">
+                    <a:lumMod val="65000"/>
+                    <a:lumOff val="35000"/>
+                  </a:schemeClr>
+                </a:solidFill>
+              </a:rPr>
+              <a:t>– </a:t>
+            </a:r>
+            <a:r>
+              <a:rPr lang="en-US" altLang="ko-KR" sz="2800" b="1" dirty="0" err="1">
+                <a:solidFill>
+                  <a:schemeClr val="tx1">
+                    <a:lumMod val="65000"/>
+                    <a:lumOff val="35000"/>
+                  </a:schemeClr>
+                </a:solidFill>
+              </a:rPr>
+              <a:t>ReLU</a:t>
+            </a:r>
+            <a:r>
+              <a:rPr lang="en-US" altLang="ko-KR" sz="2800" b="1" dirty="0">
+                <a:solidFill>
+                  <a:schemeClr val="tx1">
+                    <a:lumMod val="65000"/>
+                    <a:lumOff val="35000"/>
+                  </a:schemeClr>
+                </a:solidFill>
+              </a:rPr>
+              <a:t> </a:t>
+            </a:r>
+            <a:r>
+              <a:rPr lang="ko-KR" altLang="en-US" sz="2800" b="1" dirty="0">
+                <a:solidFill>
+                  <a:schemeClr val="tx1">
+                    <a:lumMod val="65000"/>
+                    <a:lumOff val="35000"/>
+                  </a:schemeClr>
+                </a:solidFill>
+              </a:rPr>
+              <a:t>사용시 가중치 초기값</a:t>
+            </a:r>
+            <a:endParaRPr lang="en-US" altLang="ko-KR" sz="2800" b="1" dirty="0">
+              <a:solidFill>
+                <a:schemeClr val="tx1">
+                  <a:lumMod val="65000"/>
+                  <a:lumOff val="35000"/>
+                </a:schemeClr>
+              </a:solidFill>
+            </a:endParaRPr>
+          </a:p>
+        </p:txBody>
+      </p:sp>
+      <p:pic>
+        <p:nvPicPr>
+          <p:cNvPr id="5" name="그림 4">
+            <a:extLst>
+              <a:ext uri="{FF2B5EF4-FFF2-40B4-BE49-F238E27FC236}">
+                <a16:creationId xmlns:a16="http://schemas.microsoft.com/office/drawing/2014/main" id="{0B867ECC-603C-09C4-1BE4-A973FBEACCC1}"/>
+              </a:ext>
+            </a:extLst>
+          </p:cNvPr>
+          <p:cNvPicPr>
+            <a:picLocks noChangeAspect="1"/>
+          </p:cNvPicPr>
+          <p:nvPr/>
+        </p:nvPicPr>
+        <p:blipFill>
+          <a:blip r:embed="rId2">
+            <a:extLst>
+              <a:ext uri="{28A0092B-C50C-407E-A947-70E740481C1C}">
+                <a14:useLocalDpi xmlns:a14="http://schemas.microsoft.com/office/drawing/2010/main" val="0"/>
+              </a:ext>
+            </a:extLst>
+          </a:blip>
+          <a:stretch>
+            <a:fillRect/>
+          </a:stretch>
+        </p:blipFill>
+        <p:spPr>
+          <a:xfrm>
+            <a:off x="1063012" y="1333374"/>
+            <a:ext cx="4353720" cy="4984305"/>
+          </a:xfrm>
+          <a:prstGeom prst="rect">
+            <a:avLst/>
+          </a:prstGeom>
+        </p:spPr>
+      </p:pic>
+      <p:pic>
+        <p:nvPicPr>
+          <p:cNvPr id="12" name="그림 11">
+            <a:extLst>
+              <a:ext uri="{FF2B5EF4-FFF2-40B4-BE49-F238E27FC236}">
+                <a16:creationId xmlns:a16="http://schemas.microsoft.com/office/drawing/2014/main" id="{AC46B3EC-79C9-D533-28B9-3D1C20BD9F11}"/>
+              </a:ext>
+            </a:extLst>
+          </p:cNvPr>
+          <p:cNvPicPr>
+            <a:picLocks noChangeAspect="1"/>
+          </p:cNvPicPr>
+          <p:nvPr/>
+        </p:nvPicPr>
+        <p:blipFill>
+          <a:blip r:embed="rId3">
+            <a:extLst>
+              <a:ext uri="{28A0092B-C50C-407E-A947-70E740481C1C}">
+                <a14:useLocalDpi xmlns:a14="http://schemas.microsoft.com/office/drawing/2010/main" val="0"/>
+              </a:ext>
+            </a:extLst>
+          </a:blip>
+          <a:stretch>
+            <a:fillRect/>
+          </a:stretch>
+        </p:blipFill>
+        <p:spPr>
+          <a:xfrm>
+            <a:off x="6096000" y="1839443"/>
+            <a:ext cx="4903726" cy="3738657"/>
+          </a:xfrm>
+          <a:prstGeom prst="rect">
+            <a:avLst/>
+          </a:prstGeom>
+        </p:spPr>
+      </p:pic>
+    </p:spTree>
+    <p:extLst>
+      <p:ext uri="{BB962C8B-B14F-4D97-AF65-F5344CB8AC3E}">
+        <p14:creationId xmlns:p14="http://schemas.microsoft.com/office/powerpoint/2010/main" val="1280606877"/>
       </p:ext>
     </p:extLst>
   </p:cSld>
@@ -11626,7 +10655,7 @@
           <a:p>
             <a:fld id="{0303D7D5-FAC8-4B75-A637-D564180CD715}" type="datetime1">
               <a:rPr lang="ko-KR" altLang="en-US" sz="1000" smtClean="0"/>
-              <a:t>2023-06-22</a:t>
+              <a:t>2023-06-23</a:t>
             </a:fld>
             <a:endParaRPr lang="ko-KR" altLang="en-US" sz="1000" dirty="0"/>
           </a:p>
@@ -11719,7 +10748,7 @@
         <p:spPr>
           <a:xfrm>
             <a:off x="513806" y="576645"/>
-            <a:ext cx="3524794" cy="523220"/>
+            <a:ext cx="9544594" cy="523220"/>
           </a:xfrm>
           <a:prstGeom prst="rect">
             <a:avLst/>
@@ -11741,9 +10770,20 @@
                   </a:schemeClr>
                 </a:solidFill>
               </a:rPr>
-              <a:t>2. Logic Gate</a:t>
-            </a:r>
-            <a:endParaRPr lang="ko-KR" altLang="en-US" sz="2800" b="1" dirty="0">
+              <a:t>3.  </a:t>
+            </a:r>
+            <a:r>
+              <a:rPr lang="ko-KR" altLang="en-US" sz="2800" b="1" dirty="0">
+                <a:solidFill>
+                  <a:schemeClr val="tx1">
+                    <a:lumMod val="65000"/>
+                    <a:lumOff val="35000"/>
+                  </a:schemeClr>
+                </a:solidFill>
+              </a:rPr>
+              <a:t>배치 정규화</a:t>
+            </a:r>
+            <a:endParaRPr lang="en-US" altLang="ko-KR" sz="2800" b="1" dirty="0">
               <a:solidFill>
                 <a:schemeClr val="tx1">
                   <a:lumMod val="65000"/>
@@ -11768,8 +10808,8 @@
         </p:nvSpPr>
         <p:spPr>
           <a:xfrm>
-            <a:off x="727699" y="1611893"/>
-            <a:ext cx="10550230" cy="1631216"/>
+            <a:off x="803570" y="1683940"/>
+            <a:ext cx="10550230" cy="1015663"/>
           </a:xfrm>
           <a:prstGeom prst="rect">
             <a:avLst/>
@@ -11795,7 +10835,7 @@
                   </a:schemeClr>
                 </a:solidFill>
               </a:rPr>
-              <a:t>논리 회로</a:t>
+              <a:t>앞 절에서는 각 층의 활성화 값 분포를 관찰 하면서 초기값을 설정하는 방법을 배웠다</a:t>
             </a:r>
             <a:r>
               <a:rPr lang="en-US" altLang="ko-KR" sz="2000" b="1" dirty="0">
@@ -11806,73 +10846,7 @@
                   </a:schemeClr>
                 </a:solidFill>
               </a:rPr>
-              <a:t>(Logic Gate)</a:t>
-            </a:r>
-            <a:r>
-              <a:rPr lang="ko-KR" altLang="en-US" sz="2000" b="1" dirty="0">
-                <a:solidFill>
-                  <a:schemeClr val="tx1">
-                    <a:lumMod val="65000"/>
-                    <a:lumOff val="35000"/>
-                  </a:schemeClr>
-                </a:solidFill>
-              </a:rPr>
-              <a:t>는 하나 이상의 논리적 </a:t>
-            </a:r>
-            <a:r>
-              <a:rPr lang="ko-KR" altLang="en-US" sz="2000" b="1" dirty="0" err="1">
-                <a:solidFill>
-                  <a:schemeClr val="tx1">
-                    <a:lumMod val="65000"/>
-                    <a:lumOff val="35000"/>
-                  </a:schemeClr>
-                </a:solidFill>
-              </a:rPr>
-              <a:t>입력값에</a:t>
-            </a:r>
-            <a:r>
-              <a:rPr lang="ko-KR" altLang="en-US" sz="2000" b="1" dirty="0">
-                <a:solidFill>
-                  <a:schemeClr val="tx1">
-                    <a:lumMod val="65000"/>
-                    <a:lumOff val="35000"/>
-                  </a:schemeClr>
-                </a:solidFill>
-              </a:rPr>
-              <a:t> 대해 논리 연산을 수행하여 하나의 논리적 </a:t>
-            </a:r>
-            <a:r>
-              <a:rPr lang="ko-KR" altLang="en-US" sz="2000" b="1" dirty="0" err="1">
-                <a:solidFill>
-                  <a:schemeClr val="tx1">
-                    <a:lumMod val="65000"/>
-                    <a:lumOff val="35000"/>
-                  </a:schemeClr>
-                </a:solidFill>
-              </a:rPr>
-              <a:t>출력값을</a:t>
-            </a:r>
-            <a:r>
-              <a:rPr lang="ko-KR" altLang="en-US" sz="2000" b="1" dirty="0">
-                <a:solidFill>
-                  <a:schemeClr val="tx1">
-                    <a:lumMod val="65000"/>
-                    <a:lumOff val="35000"/>
-                  </a:schemeClr>
-                </a:solidFill>
-              </a:rPr>
-              <a:t> 얻는 전자회로를 뜻한다</a:t>
-            </a:r>
-            <a:r>
-              <a:rPr lang="en-US" altLang="ko-KR" sz="2000" b="1" dirty="0">
-                <a:solidFill>
-                  <a:schemeClr val="tx1">
-                    <a:lumMod val="65000"/>
-                    <a:lumOff val="35000"/>
-                  </a:schemeClr>
-                </a:solidFill>
-              </a:rPr>
-              <a:t>. </a:t>
+              <a:t>.</a:t>
             </a:r>
           </a:p>
           <a:p>
@@ -11894,20 +10868,17 @@
               <a:buFont typeface="Arial" panose="020B0604020202020204" pitchFamily="34" charset="0"/>
               <a:buChar char="•"/>
             </a:pPr>
-            <a:endParaRPr lang="en-US" altLang="ko-KR" sz="2000" b="1" dirty="0">
-              <a:solidFill>
-                <a:schemeClr val="tx1">
-                  <a:lumMod val="65000"/>
-                  <a:lumOff val="35000"/>
-                </a:schemeClr>
-              </a:solidFill>
-            </a:endParaRPr>
-          </a:p>
-          <a:p>
-            <a:pPr marL="285750" indent="-285750">
-              <a:buFont typeface="Arial" panose="020B0604020202020204" pitchFamily="34" charset="0"/>
-              <a:buChar char="•"/>
-            </a:pPr>
+            <a:r>
+              <a:rPr lang="ko-KR" altLang="en-US" sz="2000" b="1" dirty="0">
+                <a:solidFill>
+                  <a:schemeClr val="tx1">
+                    <a:lumMod val="65000"/>
+                    <a:lumOff val="35000"/>
+                  </a:schemeClr>
+                </a:solidFill>
+              </a:rPr>
+              <a:t>이번 절에서는 각 층이 활성화 값을 적당히 퍼트리도록 강제 하는 방법을 배운다</a:t>
+            </a:r>
             <a:r>
               <a:rPr lang="en-US" altLang="ko-KR" sz="2000" b="1" dirty="0">
                 <a:solidFill>
@@ -11917,29 +10888,7 @@
                   </a:schemeClr>
                 </a:solidFill>
               </a:rPr>
-              <a:t>AND, OR, NOT </a:t>
-            </a:r>
-            <a:r>
-              <a:rPr lang="ko-KR" altLang="en-US" sz="2000" b="1" dirty="0">
-                <a:solidFill>
-                  <a:schemeClr val="tx1">
-                    <a:lumMod val="65000"/>
-                    <a:lumOff val="35000"/>
-                  </a:schemeClr>
-                </a:solidFill>
-              </a:rPr>
-              <a:t>이 기본 논리이며 이것들을 조합해서 다양한 표현이 가능하다</a:t>
-            </a:r>
-            <a:r>
-              <a:rPr lang="en-US" altLang="ko-KR" sz="2000" b="1" dirty="0">
-                <a:solidFill>
-                  <a:schemeClr val="tx1">
-                    <a:lumMod val="65000"/>
-                    <a:lumOff val="35000"/>
-                  </a:schemeClr>
-                </a:solidFill>
-              </a:rPr>
-              <a:t>. </a:t>
+              <a:t>.</a:t>
             </a:r>
           </a:p>
         </p:txBody>
@@ -11947,7 +10896,7 @@
     </p:spTree>
     <p:extLst>
       <p:ext uri="{BB962C8B-B14F-4D97-AF65-F5344CB8AC3E}">
-        <p14:creationId xmlns:p14="http://schemas.microsoft.com/office/powerpoint/2010/main" val="336365404"/>
+        <p14:creationId xmlns:p14="http://schemas.microsoft.com/office/powerpoint/2010/main" val="1286786983"/>
       </p:ext>
     </p:extLst>
   </p:cSld>
@@ -12002,7 +10951,7 @@
           <a:p>
             <a:fld id="{0303D7D5-FAC8-4B75-A637-D564180CD715}" type="datetime1">
               <a:rPr lang="ko-KR" altLang="en-US" sz="1000" smtClean="0"/>
-              <a:t>2023-06-22</a:t>
+              <a:t>2023-06-23</a:t>
             </a:fld>
             <a:endParaRPr lang="ko-KR" altLang="en-US" sz="1000" dirty="0"/>
           </a:p>
@@ -12095,7 +11044,7 @@
         <p:spPr>
           <a:xfrm>
             <a:off x="513806" y="576645"/>
-            <a:ext cx="3524794" cy="523220"/>
+            <a:ext cx="9544594" cy="523220"/>
           </a:xfrm>
           <a:prstGeom prst="rect">
             <a:avLst/>
@@ -12117,9 +11066,42 @@
                   </a:schemeClr>
                 </a:solidFill>
               </a:rPr>
-              <a:t>2. Logic Gate</a:t>
-            </a:r>
-            <a:endParaRPr lang="ko-KR" altLang="en-US" sz="2800" b="1" dirty="0">
+              <a:t>3.  </a:t>
+            </a:r>
+            <a:r>
+              <a:rPr lang="ko-KR" altLang="en-US" sz="2800" b="1" dirty="0">
+                <a:solidFill>
+                  <a:schemeClr val="tx1">
+                    <a:lumMod val="65000"/>
+                    <a:lumOff val="35000"/>
+                  </a:schemeClr>
+                </a:solidFill>
+              </a:rPr>
+              <a:t>배치 정규화 </a:t>
+            </a:r>
+            <a:r>
+              <a:rPr lang="en-US" altLang="ko-KR" sz="2800" b="1" dirty="0">
+                <a:solidFill>
+                  <a:schemeClr val="tx1">
+                    <a:lumMod val="65000"/>
+                    <a:lumOff val="35000"/>
+                  </a:schemeClr>
+                </a:solidFill>
+              </a:rPr>
+              <a:t>- </a:t>
+            </a:r>
+            <a:r>
+              <a:rPr lang="ko-KR" altLang="en-US" sz="2800" b="1" dirty="0">
+                <a:solidFill>
+                  <a:schemeClr val="tx1">
+                    <a:lumMod val="65000"/>
+                    <a:lumOff val="35000"/>
+                  </a:schemeClr>
+                </a:solidFill>
+              </a:rPr>
+              <a:t>특징</a:t>
+            </a:r>
+            <a:endParaRPr lang="en-US" altLang="ko-KR" sz="2800" b="1" dirty="0">
               <a:solidFill>
                 <a:schemeClr val="tx1">
                   <a:lumMod val="65000"/>
@@ -12130,120 +11112,12 @@
           </a:p>
         </p:txBody>
       </p:sp>
-      <p:pic>
-        <p:nvPicPr>
-          <p:cNvPr id="5" name="그림 4">
-            <a:extLst>
-              <a:ext uri="{FF2B5EF4-FFF2-40B4-BE49-F238E27FC236}">
-                <a16:creationId xmlns:a16="http://schemas.microsoft.com/office/drawing/2014/main" id="{43AF5C54-337A-BAF4-178F-51DB8ED559BD}"/>
-              </a:ext>
-            </a:extLst>
-          </p:cNvPr>
-          <p:cNvPicPr>
-            <a:picLocks noChangeAspect="1"/>
-          </p:cNvPicPr>
-          <p:nvPr/>
-        </p:nvPicPr>
-        <p:blipFill>
-          <a:blip r:embed="rId2">
-            <a:extLst>
-              <a:ext uri="{28A0092B-C50C-407E-A947-70E740481C1C}">
-                <a14:useLocalDpi xmlns:a14="http://schemas.microsoft.com/office/drawing/2010/main" val="0"/>
-              </a:ext>
-            </a:extLst>
-          </a:blip>
-          <a:stretch>
-            <a:fillRect/>
-          </a:stretch>
-        </p:blipFill>
-        <p:spPr>
-          <a:xfrm>
-            <a:off x="688222" y="2268016"/>
-            <a:ext cx="3240000" cy="2280001"/>
-          </a:xfrm>
-          <a:prstGeom prst="rect">
-            <a:avLst/>
-          </a:prstGeom>
-        </p:spPr>
-      </p:pic>
-      <p:pic>
-        <p:nvPicPr>
-          <p:cNvPr id="10" name="그림 9">
-            <a:extLst>
-              <a:ext uri="{FF2B5EF4-FFF2-40B4-BE49-F238E27FC236}">
-                <a16:creationId xmlns:a16="http://schemas.microsoft.com/office/drawing/2014/main" id="{6F34E1FF-2E3D-C3FB-1BEF-D2D27EEF5EBC}"/>
-              </a:ext>
-            </a:extLst>
-          </p:cNvPr>
-          <p:cNvPicPr>
-            <a:picLocks noChangeAspect="1"/>
-          </p:cNvPicPr>
-          <p:nvPr/>
-        </p:nvPicPr>
-        <p:blipFill>
-          <a:blip r:embed="rId3">
-            <a:extLst>
-              <a:ext uri="{28A0092B-C50C-407E-A947-70E740481C1C}">
-                <a14:useLocalDpi xmlns:a14="http://schemas.microsoft.com/office/drawing/2010/main" val="0"/>
-              </a:ext>
-            </a:extLst>
-          </a:blip>
-          <a:stretch>
-            <a:fillRect/>
-          </a:stretch>
-        </p:blipFill>
-        <p:spPr>
-          <a:xfrm>
-            <a:off x="4470022" y="2266438"/>
-            <a:ext cx="3240000" cy="2283157"/>
-          </a:xfrm>
-          <a:prstGeom prst="rect">
-            <a:avLst/>
-          </a:prstGeom>
-        </p:spPr>
-      </p:pic>
-      <p:pic>
-        <p:nvPicPr>
-          <p:cNvPr id="12" name="그림 11">
-            <a:extLst>
-              <a:ext uri="{FF2B5EF4-FFF2-40B4-BE49-F238E27FC236}">
-                <a16:creationId xmlns:a16="http://schemas.microsoft.com/office/drawing/2014/main" id="{E7495677-D57A-9C2C-DBEF-F6E408180B8F}"/>
-              </a:ext>
-            </a:extLst>
-          </p:cNvPr>
-          <p:cNvPicPr>
-            <a:picLocks noChangeAspect="1"/>
-          </p:cNvPicPr>
-          <p:nvPr/>
-        </p:nvPicPr>
-        <p:blipFill>
-          <a:blip r:embed="rId4">
-            <a:extLst>
-              <a:ext uri="{28A0092B-C50C-407E-A947-70E740481C1C}">
-                <a14:useLocalDpi xmlns:a14="http://schemas.microsoft.com/office/drawing/2010/main" val="0"/>
-              </a:ext>
-            </a:extLst>
-          </a:blip>
-          <a:stretch>
-            <a:fillRect/>
-          </a:stretch>
-        </p:blipFill>
-        <p:spPr>
-          <a:xfrm>
-            <a:off x="8251822" y="2309983"/>
-            <a:ext cx="3240000" cy="2238034"/>
-          </a:xfrm>
-          <a:prstGeom prst="rect">
-            <a:avLst/>
-          </a:prstGeom>
-        </p:spPr>
-      </p:pic>
-      <p:sp>
-        <p:nvSpPr>
-          <p:cNvPr id="15" name="TextBox 14">
-            <a:extLst>
-              <a:ext uri="{FF2B5EF4-FFF2-40B4-BE49-F238E27FC236}">
-                <a16:creationId xmlns:a16="http://schemas.microsoft.com/office/drawing/2014/main" id="{700B308F-79D9-2AF1-B3E4-C76192D2AD07}"/>
+      <p:sp>
+        <p:nvSpPr>
+          <p:cNvPr id="2" name="TextBox 1">
+            <a:extLst>
+              <a:ext uri="{FF2B5EF4-FFF2-40B4-BE49-F238E27FC236}">
+                <a16:creationId xmlns:a16="http://schemas.microsoft.com/office/drawing/2014/main" id="{74446F3C-B373-DAD5-AD25-569B5E7AAC36}"/>
               </a:ext>
             </a:extLst>
           </p:cNvPr>
@@ -12252,8 +11126,8 @@
         </p:nvSpPr>
         <p:spPr>
           <a:xfrm>
-            <a:off x="1410441" y="4756826"/>
-            <a:ext cx="1731524" cy="369332"/>
+            <a:off x="803570" y="1683940"/>
+            <a:ext cx="10550230" cy="1631216"/>
           </a:xfrm>
           <a:prstGeom prst="rect">
             <a:avLst/>
@@ -12266,90 +11140,125 @@
           </a:bodyPr>
           <a:lstStyle/>
           <a:p>
-            <a:pPr algn="ctr"/>
-            <a:r>
-              <a:rPr lang="en-US" b="1" dirty="0"/>
-              <a:t>AND</a:t>
-            </a:r>
-          </a:p>
-        </p:txBody>
-      </p:sp>
-      <p:sp>
-        <p:nvSpPr>
-          <p:cNvPr id="16" name="TextBox 15">
-            <a:extLst>
-              <a:ext uri="{FF2B5EF4-FFF2-40B4-BE49-F238E27FC236}">
-                <a16:creationId xmlns:a16="http://schemas.microsoft.com/office/drawing/2014/main" id="{E0CF1A4C-B598-E37D-6692-0575958239A5}"/>
-              </a:ext>
-            </a:extLst>
-          </p:cNvPr>
-          <p:cNvSpPr txBox="1"/>
-          <p:nvPr/>
-        </p:nvSpPr>
-        <p:spPr>
-          <a:xfrm>
-            <a:off x="9006060" y="4756826"/>
-            <a:ext cx="1731524" cy="369332"/>
-          </a:xfrm>
-          <a:prstGeom prst="rect">
-            <a:avLst/>
-          </a:prstGeom>
-          <a:noFill/>
-        </p:spPr>
-        <p:txBody>
-          <a:bodyPr wrap="square" rtlCol="0">
-            <a:spAutoFit/>
-          </a:bodyPr>
-          <a:lstStyle/>
-          <a:p>
-            <a:pPr algn="ctr"/>
-            <a:r>
-              <a:rPr lang="en-US" b="1" dirty="0"/>
-              <a:t>OR</a:t>
-            </a:r>
-          </a:p>
-        </p:txBody>
-      </p:sp>
-      <p:sp>
-        <p:nvSpPr>
-          <p:cNvPr id="17" name="TextBox 16">
-            <a:extLst>
-              <a:ext uri="{FF2B5EF4-FFF2-40B4-BE49-F238E27FC236}">
-                <a16:creationId xmlns:a16="http://schemas.microsoft.com/office/drawing/2014/main" id="{D5055AA1-7032-83FD-AA68-73B46B97275E}"/>
-              </a:ext>
-            </a:extLst>
-          </p:cNvPr>
-          <p:cNvSpPr txBox="1"/>
-          <p:nvPr/>
-        </p:nvSpPr>
-        <p:spPr>
-          <a:xfrm>
-            <a:off x="5137052" y="4756826"/>
-            <a:ext cx="1731524" cy="369332"/>
-          </a:xfrm>
-          <a:prstGeom prst="rect">
-            <a:avLst/>
-          </a:prstGeom>
-          <a:noFill/>
-        </p:spPr>
-        <p:txBody>
-          <a:bodyPr wrap="square" rtlCol="0">
-            <a:spAutoFit/>
-          </a:bodyPr>
-          <a:lstStyle/>
-          <a:p>
-            <a:pPr algn="ctr"/>
-            <a:r>
-              <a:rPr lang="en-US" b="1" dirty="0"/>
-              <a:t>NAND</a:t>
-            </a:r>
+            <a:pPr marL="285750" indent="-285750">
+              <a:buFont typeface="Arial" panose="020B0604020202020204" pitchFamily="34" charset="0"/>
+              <a:buChar char="•"/>
+            </a:pPr>
+            <a:r>
+              <a:rPr lang="ko-KR" altLang="en-US" sz="2000" b="1" dirty="0">
+                <a:solidFill>
+                  <a:schemeClr val="tx1">
+                    <a:lumMod val="65000"/>
+                    <a:lumOff val="35000"/>
+                  </a:schemeClr>
+                </a:solidFill>
+              </a:rPr>
+              <a:t>학습을 빨리 진행 가능</a:t>
+            </a:r>
+            <a:endParaRPr lang="en-US" altLang="ko-KR" sz="2000" b="1" dirty="0">
+              <a:solidFill>
+                <a:schemeClr val="tx1">
+                  <a:lumMod val="65000"/>
+                  <a:lumOff val="35000"/>
+                </a:schemeClr>
+              </a:solidFill>
+            </a:endParaRPr>
+          </a:p>
+          <a:p>
+            <a:pPr marL="285750" indent="-285750">
+              <a:buFont typeface="Arial" panose="020B0604020202020204" pitchFamily="34" charset="0"/>
+              <a:buChar char="•"/>
+            </a:pPr>
+            <a:endParaRPr lang="en-US" altLang="ko-KR" sz="2000" b="1" dirty="0">
+              <a:solidFill>
+                <a:schemeClr val="tx1">
+                  <a:lumMod val="65000"/>
+                  <a:lumOff val="35000"/>
+                </a:schemeClr>
+              </a:solidFill>
+            </a:endParaRPr>
+          </a:p>
+          <a:p>
+            <a:pPr marL="285750" indent="-285750">
+              <a:buFont typeface="Arial" panose="020B0604020202020204" pitchFamily="34" charset="0"/>
+              <a:buChar char="•"/>
+            </a:pPr>
+            <a:r>
+              <a:rPr lang="ko-KR" altLang="en-US" sz="2000" b="1" dirty="0">
+                <a:solidFill>
+                  <a:schemeClr val="tx1">
+                    <a:lumMod val="65000"/>
+                    <a:lumOff val="35000"/>
+                  </a:schemeClr>
+                </a:solidFill>
+              </a:rPr>
+              <a:t>초기값에 크게 의존하지 않음</a:t>
+            </a:r>
+            <a:endParaRPr lang="en-US" altLang="ko-KR" sz="2000" b="1" dirty="0">
+              <a:solidFill>
+                <a:schemeClr val="tx1">
+                  <a:lumMod val="65000"/>
+                  <a:lumOff val="35000"/>
+                </a:schemeClr>
+              </a:solidFill>
+            </a:endParaRPr>
+          </a:p>
+          <a:p>
+            <a:pPr marL="285750" indent="-285750">
+              <a:buFont typeface="Arial" panose="020B0604020202020204" pitchFamily="34" charset="0"/>
+              <a:buChar char="•"/>
+            </a:pPr>
+            <a:endParaRPr lang="en-US" altLang="ko-KR" sz="2000" b="1" dirty="0">
+              <a:solidFill>
+                <a:schemeClr val="tx1">
+                  <a:lumMod val="65000"/>
+                  <a:lumOff val="35000"/>
+                </a:schemeClr>
+              </a:solidFill>
+            </a:endParaRPr>
+          </a:p>
+          <a:p>
+            <a:pPr marL="285750" indent="-285750">
+              <a:buFont typeface="Arial" panose="020B0604020202020204" pitchFamily="34" charset="0"/>
+              <a:buChar char="•"/>
+            </a:pPr>
+            <a:r>
+              <a:rPr lang="ko-KR" altLang="en-US" sz="2000" b="1" dirty="0" err="1">
+                <a:solidFill>
+                  <a:schemeClr val="tx1">
+                    <a:lumMod val="65000"/>
+                    <a:lumOff val="35000"/>
+                  </a:schemeClr>
+                </a:solidFill>
+              </a:rPr>
+              <a:t>오버피팅</a:t>
+            </a:r>
+            <a:r>
+              <a:rPr lang="ko-KR" altLang="en-US" sz="2000" b="1" dirty="0">
+                <a:solidFill>
+                  <a:schemeClr val="tx1">
+                    <a:lumMod val="65000"/>
+                    <a:lumOff val="35000"/>
+                  </a:schemeClr>
+                </a:solidFill>
+              </a:rPr>
+              <a:t> 억제</a:t>
+            </a:r>
+            <a:endParaRPr lang="en-US" altLang="ko-KR" sz="2000" b="1" dirty="0">
+              <a:solidFill>
+                <a:schemeClr val="tx1">
+                  <a:lumMod val="65000"/>
+                  <a:lumOff val="35000"/>
+                </a:schemeClr>
+              </a:solidFill>
+            </a:endParaRPr>
           </a:p>
         </p:txBody>
       </p:sp>
     </p:spTree>
     <p:extLst>
       <p:ext uri="{BB962C8B-B14F-4D97-AF65-F5344CB8AC3E}">
-        <p14:creationId xmlns:p14="http://schemas.microsoft.com/office/powerpoint/2010/main" val="3236820678"/>
+        <p14:creationId xmlns:p14="http://schemas.microsoft.com/office/powerpoint/2010/main" val="3717682829"/>
       </p:ext>
     </p:extLst>
   </p:cSld>
@@ -12404,7 +11313,7 @@
           <a:p>
             <a:fld id="{0303D7D5-FAC8-4B75-A637-D564180CD715}" type="datetime1">
               <a:rPr lang="ko-KR" altLang="en-US" sz="1000" smtClean="0"/>
-              <a:t>2023-06-22</a:t>
+              <a:t>2023-06-23</a:t>
             </a:fld>
             <a:endParaRPr lang="ko-KR" altLang="en-US" sz="1000" dirty="0"/>
           </a:p>
@@ -12496,8 +11405,8 @@
         </p:nvSpPr>
         <p:spPr>
           <a:xfrm>
-            <a:off x="513805" y="576645"/>
-            <a:ext cx="4953139" cy="523220"/>
+            <a:off x="513806" y="576645"/>
+            <a:ext cx="9544594" cy="523220"/>
           </a:xfrm>
           <a:prstGeom prst="rect">
             <a:avLst/>
@@ -12519,9 +11428,20 @@
                   </a:schemeClr>
                 </a:solidFill>
               </a:rPr>
-              <a:t>3. Perceptron Implement</a:t>
-            </a:r>
-            <a:endParaRPr lang="ko-KR" altLang="en-US" sz="2800" b="1" dirty="0">
+              <a:t>3.  </a:t>
+            </a:r>
+            <a:r>
+              <a:rPr lang="ko-KR" altLang="en-US" sz="2800" b="1" dirty="0">
+                <a:solidFill>
+                  <a:schemeClr val="tx1">
+                    <a:lumMod val="65000"/>
+                    <a:lumOff val="35000"/>
+                  </a:schemeClr>
+                </a:solidFill>
+              </a:rPr>
+              <a:t>배치 정규화</a:t>
+            </a:r>
+            <a:endParaRPr lang="en-US" altLang="ko-KR" sz="2800" b="1" dirty="0">
               <a:solidFill>
                 <a:schemeClr val="tx1">
                   <a:lumMod val="65000"/>
@@ -12534,10 +11454,10 @@
       </p:sp>
       <p:sp>
         <p:nvSpPr>
-          <p:cNvPr id="3" name="TextBox 2">
-            <a:extLst>
-              <a:ext uri="{FF2B5EF4-FFF2-40B4-BE49-F238E27FC236}">
-                <a16:creationId xmlns:a16="http://schemas.microsoft.com/office/drawing/2014/main" id="{D603CCB4-ACB5-F02F-EF78-87D53658E441}"/>
+          <p:cNvPr id="2" name="TextBox 1">
+            <a:extLst>
+              <a:ext uri="{FF2B5EF4-FFF2-40B4-BE49-F238E27FC236}">
+                <a16:creationId xmlns:a16="http://schemas.microsoft.com/office/drawing/2014/main" id="{74446F3C-B373-DAD5-AD25-569B5E7AAC36}"/>
               </a:ext>
             </a:extLst>
           </p:cNvPr>
@@ -12546,8 +11466,8 @@
         </p:nvSpPr>
         <p:spPr>
           <a:xfrm>
-            <a:off x="727699" y="1611893"/>
-            <a:ext cx="10550230" cy="1015663"/>
+            <a:off x="941592" y="4026546"/>
+            <a:ext cx="10550230" cy="1323439"/>
           </a:xfrm>
           <a:prstGeom prst="rect">
             <a:avLst/>
@@ -12573,51 +11493,7 @@
                   </a:schemeClr>
                 </a:solidFill>
               </a:rPr>
-              <a:t>앞서 나온 </a:t>
-            </a:r>
-            <a:r>
-              <a:rPr lang="en-US" altLang="ko-KR" sz="2000" b="1" dirty="0">
-                <a:solidFill>
-                  <a:schemeClr val="tx1">
-                    <a:lumMod val="65000"/>
-                    <a:lumOff val="35000"/>
-                  </a:schemeClr>
-                </a:solidFill>
-              </a:rPr>
-              <a:t>AND, OR, NAND </a:t>
-            </a:r>
-            <a:r>
-              <a:rPr lang="ko-KR" altLang="en-US" sz="2000" b="1" dirty="0">
-                <a:solidFill>
-                  <a:schemeClr val="tx1">
-                    <a:lumMod val="65000"/>
-                    <a:lumOff val="35000"/>
-                  </a:schemeClr>
-                </a:solidFill>
-              </a:rPr>
-              <a:t>게이트를 </a:t>
-            </a:r>
-            <a:r>
-              <a:rPr lang="ko-KR" altLang="en-US" sz="2000" b="1" dirty="0" err="1">
-                <a:solidFill>
-                  <a:schemeClr val="tx1">
-                    <a:lumMod val="65000"/>
-                    <a:lumOff val="35000"/>
-                  </a:schemeClr>
-                </a:solidFill>
-              </a:rPr>
-              <a:t>퍼셉트론으로</a:t>
-            </a:r>
-            <a:r>
-              <a:rPr lang="ko-KR" altLang="en-US" sz="2000" b="1" dirty="0">
-                <a:solidFill>
-                  <a:schemeClr val="tx1">
-                    <a:lumMod val="65000"/>
-                    <a:lumOff val="35000"/>
-                  </a:schemeClr>
-                </a:solidFill>
-              </a:rPr>
-              <a:t> 구현이 가능하다</a:t>
+              <a:t>배치 정규화는 각 층에서의 활성화 값이 적당이 분포되도록 조정하는 것이다</a:t>
             </a:r>
             <a:r>
               <a:rPr lang="en-US" altLang="ko-KR" sz="2000" b="1" dirty="0">
@@ -12650,23 +11526,37 @@
               <a:buFont typeface="Arial" panose="020B0604020202020204" pitchFamily="34" charset="0"/>
               <a:buChar char="•"/>
             </a:pPr>
-            <a:endParaRPr lang="en-US" altLang="ko-KR" sz="2000" b="1" dirty="0">
-              <a:solidFill>
-                <a:schemeClr val="tx1">
-                  <a:lumMod val="65000"/>
-                  <a:lumOff val="35000"/>
-                </a:schemeClr>
-              </a:solidFill>
-            </a:endParaRPr>
+            <a:r>
+              <a:rPr lang="ko-KR" altLang="en-US" sz="2000" b="1" dirty="0">
+                <a:solidFill>
+                  <a:schemeClr val="tx1">
+                    <a:lumMod val="65000"/>
+                    <a:lumOff val="35000"/>
+                  </a:schemeClr>
+                </a:solidFill>
+              </a:rPr>
+              <a:t>따라서 위의 그림과 같이 데이터 분포를 정규화 시키는 배치 정규화 계층을 신경망에 삽입한다</a:t>
+            </a:r>
+            <a:r>
+              <a:rPr lang="en-US" altLang="ko-KR" sz="2000" b="1" dirty="0">
+                <a:solidFill>
+                  <a:schemeClr val="tx1">
+                    <a:lumMod val="65000"/>
+                    <a:lumOff val="35000"/>
+                  </a:schemeClr>
+                </a:solidFill>
+              </a:rPr>
+              <a:t>.</a:t>
+            </a:r>
           </a:p>
         </p:txBody>
       </p:sp>
       <p:pic>
         <p:nvPicPr>
-          <p:cNvPr id="5" name="그림 4">
-            <a:extLst>
-              <a:ext uri="{FF2B5EF4-FFF2-40B4-BE49-F238E27FC236}">
-                <a16:creationId xmlns:a16="http://schemas.microsoft.com/office/drawing/2014/main" id="{6D77986E-7038-8B41-0ACF-3232E698836B}"/>
+          <p:cNvPr id="10" name="그림 9">
+            <a:extLst>
+              <a:ext uri="{FF2B5EF4-FFF2-40B4-BE49-F238E27FC236}">
+                <a16:creationId xmlns:a16="http://schemas.microsoft.com/office/drawing/2014/main" id="{CADE4CFC-D010-BA24-3626-DFC98F28491C}"/>
               </a:ext>
             </a:extLst>
           </p:cNvPr>
@@ -12676,337 +11566,31 @@
           <p:nvPr/>
         </p:nvPicPr>
         <p:blipFill>
-          <a:blip r:embed="rId2"/>
+          <a:blip r:embed="rId2">
+            <a:extLst>
+              <a:ext uri="{28A0092B-C50C-407E-A947-70E740481C1C}">
+                <a14:useLocalDpi xmlns:a14="http://schemas.microsoft.com/office/drawing/2010/main" val="0"/>
+              </a:ext>
+            </a:extLst>
+          </a:blip>
           <a:stretch>
             <a:fillRect/>
           </a:stretch>
         </p:blipFill>
         <p:spPr>
           <a:xfrm>
-            <a:off x="1186505" y="2998948"/>
-            <a:ext cx="3919763" cy="2462993"/>
+            <a:off x="1621579" y="1413512"/>
+            <a:ext cx="8217322" cy="2260716"/>
           </a:xfrm>
           <a:prstGeom prst="rect">
             <a:avLst/>
           </a:prstGeom>
         </p:spPr>
       </p:pic>
-      <mc:AlternateContent xmlns:mc="http://schemas.openxmlformats.org/markup-compatibility/2006" xmlns:a14="http://schemas.microsoft.com/office/drawing/2010/main">
-        <mc:Choice Requires="a14">
-          <p:sp>
-            <p:nvSpPr>
-              <p:cNvPr id="7" name="TextBox 6">
-                <a:extLst>
-                  <a:ext uri="{FF2B5EF4-FFF2-40B4-BE49-F238E27FC236}">
-                    <a16:creationId xmlns:a16="http://schemas.microsoft.com/office/drawing/2014/main" id="{44C8674E-7696-B577-9CAF-435153F1791E}"/>
-                  </a:ext>
-                </a:extLst>
-              </p:cNvPr>
-              <p:cNvSpPr txBox="1"/>
-              <p:nvPr/>
-            </p:nvSpPr>
-            <p:spPr>
-              <a:xfrm>
-                <a:off x="4911117" y="3781759"/>
-                <a:ext cx="6094378" cy="710194"/>
-              </a:xfrm>
-              <a:prstGeom prst="rect">
-                <a:avLst/>
-              </a:prstGeom>
-              <a:noFill/>
-            </p:spPr>
-            <p:txBody>
-              <a:bodyPr wrap="square">
-                <a:spAutoFit/>
-              </a:bodyPr>
-              <a:lstStyle/>
-              <a:p>
-                <a:pPr algn="ctr"/>
-                <a14:m>
-                  <m:oMath xmlns:m="http://schemas.openxmlformats.org/officeDocument/2006/math">
-                    <m:r>
-                      <a:rPr lang="en-US" b="0" i="1" smtClean="0">
-                        <a:latin typeface="Cambria Math" panose="02040503050406030204" pitchFamily="18" charset="0"/>
-                        <a:ea typeface="Cambria Math" panose="02040503050406030204" pitchFamily="18" charset="0"/>
-                      </a:rPr>
-                      <m:t>𝑦</m:t>
-                    </m:r>
-                    <m:r>
-                      <a:rPr lang="en-US" b="0" i="1" smtClean="0">
-                        <a:latin typeface="Cambria Math" panose="02040503050406030204" pitchFamily="18" charset="0"/>
-                        <a:ea typeface="Cambria Math" panose="02040503050406030204" pitchFamily="18" charset="0"/>
-                      </a:rPr>
-                      <m:t>=</m:t>
-                    </m:r>
-                    <m:d>
-                      <m:dPr>
-                        <m:begChr m:val="{"/>
-                        <m:endChr m:val=""/>
-                        <m:ctrlPr>
-                          <a:rPr lang="el-GR" i="1" smtClean="0">
-                            <a:latin typeface="Cambria Math" panose="02040503050406030204" pitchFamily="18" charset="0"/>
-                            <a:ea typeface="Cambria Math" panose="02040503050406030204" pitchFamily="18" charset="0"/>
-                          </a:rPr>
-                        </m:ctrlPr>
-                      </m:dPr>
-                      <m:e>
-                        <m:eqArr>
-                          <m:eqArrPr>
-                            <m:ctrlPr>
-                              <a:rPr lang="el-GR" i="1" smtClean="0">
-                                <a:latin typeface="Cambria Math" panose="02040503050406030204" pitchFamily="18" charset="0"/>
-                                <a:ea typeface="Cambria Math" panose="02040503050406030204" pitchFamily="18" charset="0"/>
-                              </a:rPr>
-                            </m:ctrlPr>
-                          </m:eqArrPr>
-                          <m:e>
-                            <m:r>
-                              <a:rPr lang="en-US" b="0" i="1" smtClean="0">
-                                <a:latin typeface="Cambria Math" panose="02040503050406030204" pitchFamily="18" charset="0"/>
-                                <a:ea typeface="Cambria Math" panose="02040503050406030204" pitchFamily="18" charset="0"/>
-                              </a:rPr>
-                              <m:t>0  ,(0.5</m:t>
-                            </m:r>
-                            <m:sSub>
-                              <m:sSubPr>
-                                <m:ctrlPr>
-                                  <a:rPr lang="en-US" i="1">
-                                    <a:latin typeface="Cambria Math" panose="02040503050406030204" pitchFamily="18" charset="0"/>
-                                    <a:ea typeface="Cambria Math" panose="02040503050406030204" pitchFamily="18" charset="0"/>
-                                  </a:rPr>
-                                </m:ctrlPr>
-                              </m:sSubPr>
-                              <m:e>
-                                <m:r>
-                                  <a:rPr lang="en-US" b="0" i="1" smtClean="0">
-                                    <a:latin typeface="Cambria Math" panose="02040503050406030204" pitchFamily="18" charset="0"/>
-                                    <a:ea typeface="Cambria Math" panose="02040503050406030204" pitchFamily="18" charset="0"/>
-                                  </a:rPr>
-                                  <m:t>𝑥</m:t>
-                                </m:r>
-                              </m:e>
-                              <m:sub>
-                                <m:r>
-                                  <a:rPr lang="en-US" i="1">
-                                    <a:latin typeface="Cambria Math" panose="02040503050406030204" pitchFamily="18" charset="0"/>
-                                    <a:ea typeface="Cambria Math" panose="02040503050406030204" pitchFamily="18" charset="0"/>
-                                  </a:rPr>
-                                  <m:t>1</m:t>
-                                </m:r>
-                              </m:sub>
-                            </m:sSub>
-                            <m:r>
-                              <a:rPr lang="en-US" b="0" i="1" smtClean="0">
-                                <a:latin typeface="Cambria Math" panose="02040503050406030204" pitchFamily="18" charset="0"/>
-                                <a:ea typeface="Cambria Math" panose="02040503050406030204" pitchFamily="18" charset="0"/>
-                              </a:rPr>
-                              <m:t>+</m:t>
-                            </m:r>
-                            <m:r>
-                              <a:rPr lang="en-US" i="1" smtClean="0">
-                                <a:latin typeface="Cambria Math" panose="02040503050406030204" pitchFamily="18" charset="0"/>
-                                <a:ea typeface="Cambria Math" panose="02040503050406030204" pitchFamily="18" charset="0"/>
-                              </a:rPr>
-                              <m:t>0</m:t>
-                            </m:r>
-                            <m:r>
-                              <a:rPr lang="en-US" b="0" i="1" smtClean="0">
-                                <a:latin typeface="Cambria Math" panose="02040503050406030204" pitchFamily="18" charset="0"/>
-                                <a:ea typeface="Cambria Math" panose="02040503050406030204" pitchFamily="18" charset="0"/>
-                              </a:rPr>
-                              <m:t>.5</m:t>
-                            </m:r>
-                            <m:sSub>
-                              <m:sSubPr>
-                                <m:ctrlPr>
-                                  <a:rPr lang="en-US" i="1">
-                                    <a:latin typeface="Cambria Math" panose="02040503050406030204" pitchFamily="18" charset="0"/>
-                                    <a:ea typeface="Cambria Math" panose="02040503050406030204" pitchFamily="18" charset="0"/>
-                                  </a:rPr>
-                                </m:ctrlPr>
-                              </m:sSubPr>
-                              <m:e>
-                                <m:r>
-                                  <a:rPr lang="en-US" b="0" i="1" smtClean="0">
-                                    <a:latin typeface="Cambria Math" panose="02040503050406030204" pitchFamily="18" charset="0"/>
-                                    <a:ea typeface="Cambria Math" panose="02040503050406030204" pitchFamily="18" charset="0"/>
-                                  </a:rPr>
-                                  <m:t>𝑥</m:t>
-                                </m:r>
-                              </m:e>
-                              <m:sub>
-                                <m:r>
-                                  <a:rPr lang="en-US" b="0" i="1" smtClean="0">
-                                    <a:latin typeface="Cambria Math" panose="02040503050406030204" pitchFamily="18" charset="0"/>
-                                    <a:ea typeface="Cambria Math" panose="02040503050406030204" pitchFamily="18" charset="0"/>
-                                  </a:rPr>
-                                  <m:t>2</m:t>
-                                </m:r>
-                              </m:sub>
-                            </m:sSub>
-                            <m:r>
-                              <a:rPr lang="en-US" i="1" smtClean="0">
-                                <a:latin typeface="Cambria Math" panose="02040503050406030204" pitchFamily="18" charset="0"/>
-                                <a:ea typeface="Cambria Math" panose="02040503050406030204" pitchFamily="18" charset="0"/>
-                              </a:rPr>
-                              <m:t>≤</m:t>
-                            </m:r>
-                            <m:r>
-                              <a:rPr lang="en-US" b="0" i="1" smtClean="0">
-                                <a:latin typeface="Cambria Math" panose="02040503050406030204" pitchFamily="18" charset="0"/>
-                                <a:ea typeface="Cambria Math" panose="02040503050406030204" pitchFamily="18" charset="0"/>
-                              </a:rPr>
-                              <m:t>0.7)</m:t>
-                            </m:r>
-                          </m:e>
-                          <m:e>
-                            <m:r>
-                              <a:rPr lang="en-US" b="0" i="1" smtClean="0">
-                                <a:latin typeface="Cambria Math" panose="02040503050406030204" pitchFamily="18" charset="0"/>
-                                <a:ea typeface="Cambria Math" panose="02040503050406030204" pitchFamily="18" charset="0"/>
-                              </a:rPr>
-                              <m:t>1</m:t>
-                            </m:r>
-                            <m:r>
-                              <a:rPr lang="en-US" i="1">
-                                <a:latin typeface="Cambria Math" panose="02040503050406030204" pitchFamily="18" charset="0"/>
-                                <a:ea typeface="Cambria Math" panose="02040503050406030204" pitchFamily="18" charset="0"/>
-                              </a:rPr>
-                              <m:t>,(0.5</m:t>
-                            </m:r>
-                            <m:sSub>
-                              <m:sSubPr>
-                                <m:ctrlPr>
-                                  <a:rPr lang="en-US" i="1">
-                                    <a:latin typeface="Cambria Math" panose="02040503050406030204" pitchFamily="18" charset="0"/>
-                                    <a:ea typeface="Cambria Math" panose="02040503050406030204" pitchFamily="18" charset="0"/>
-                                  </a:rPr>
-                                </m:ctrlPr>
-                              </m:sSubPr>
-                              <m:e>
-                                <m:r>
-                                  <a:rPr lang="en-US" i="1">
-                                    <a:latin typeface="Cambria Math" panose="02040503050406030204" pitchFamily="18" charset="0"/>
-                                    <a:ea typeface="Cambria Math" panose="02040503050406030204" pitchFamily="18" charset="0"/>
-                                  </a:rPr>
-                                  <m:t>𝑥</m:t>
-                                </m:r>
-                              </m:e>
-                              <m:sub>
-                                <m:r>
-                                  <a:rPr lang="en-US" i="1">
-                                    <a:latin typeface="Cambria Math" panose="02040503050406030204" pitchFamily="18" charset="0"/>
-                                    <a:ea typeface="Cambria Math" panose="02040503050406030204" pitchFamily="18" charset="0"/>
-                                  </a:rPr>
-                                  <m:t>1</m:t>
-                                </m:r>
-                              </m:sub>
-                            </m:sSub>
-                            <m:r>
-                              <a:rPr lang="en-US" i="1">
-                                <a:latin typeface="Cambria Math" panose="02040503050406030204" pitchFamily="18" charset="0"/>
-                                <a:ea typeface="Cambria Math" panose="02040503050406030204" pitchFamily="18" charset="0"/>
-                              </a:rPr>
-                              <m:t>+0.5</m:t>
-                            </m:r>
-                            <m:sSub>
-                              <m:sSubPr>
-                                <m:ctrlPr>
-                                  <a:rPr lang="en-US" i="1">
-                                    <a:latin typeface="Cambria Math" panose="02040503050406030204" pitchFamily="18" charset="0"/>
-                                    <a:ea typeface="Cambria Math" panose="02040503050406030204" pitchFamily="18" charset="0"/>
-                                  </a:rPr>
-                                </m:ctrlPr>
-                              </m:sSubPr>
-                              <m:e>
-                                <m:r>
-                                  <a:rPr lang="en-US" i="1">
-                                    <a:latin typeface="Cambria Math" panose="02040503050406030204" pitchFamily="18" charset="0"/>
-                                    <a:ea typeface="Cambria Math" panose="02040503050406030204" pitchFamily="18" charset="0"/>
-                                  </a:rPr>
-                                  <m:t>𝑥</m:t>
-                                </m:r>
-                              </m:e>
-                              <m:sub>
-                                <m:r>
-                                  <a:rPr lang="en-US" i="1">
-                                    <a:latin typeface="Cambria Math" panose="02040503050406030204" pitchFamily="18" charset="0"/>
-                                    <a:ea typeface="Cambria Math" panose="02040503050406030204" pitchFamily="18" charset="0"/>
-                                  </a:rPr>
-                                  <m:t>2</m:t>
-                                </m:r>
-                              </m:sub>
-                            </m:sSub>
-                            <m:r>
-                              <a:rPr lang="en-US" i="1">
-                                <a:latin typeface="Cambria Math" panose="02040503050406030204" pitchFamily="18" charset="0"/>
-                                <a:ea typeface="Cambria Math" panose="02040503050406030204" pitchFamily="18" charset="0"/>
-                              </a:rPr>
-                              <m:t>≤0.7)</m:t>
-                            </m:r>
-                          </m:e>
-                        </m:eqArr>
-                      </m:e>
-                    </m:d>
-                  </m:oMath>
-                </a14:m>
-                <a:r>
-                  <a:rPr lang="en-US" dirty="0"/>
-                  <a:t> </a:t>
-                </a:r>
-              </a:p>
-            </p:txBody>
-          </p:sp>
-        </mc:Choice>
-        <mc:Fallback xmlns="">
-          <p:sp>
-            <p:nvSpPr>
-              <p:cNvPr id="7" name="TextBox 6">
-                <a:extLst>
-                  <a:ext uri="{FF2B5EF4-FFF2-40B4-BE49-F238E27FC236}">
-                    <a16:creationId xmlns:a16="http://schemas.microsoft.com/office/drawing/2014/main" id="{44C8674E-7696-B577-9CAF-435153F1791E}"/>
-                  </a:ext>
-                </a:extLst>
-              </p:cNvPr>
-              <p:cNvSpPr txBox="1">
-                <a:spLocks noRot="1" noChangeAspect="1" noMove="1" noResize="1" noEditPoints="1" noAdjustHandles="1" noChangeArrowheads="1" noChangeShapeType="1" noTextEdit="1"/>
-              </p:cNvSpPr>
-              <p:nvPr/>
-            </p:nvSpPr>
-            <p:spPr>
-              <a:xfrm>
-                <a:off x="4911117" y="3781759"/>
-                <a:ext cx="6094378" cy="710194"/>
-              </a:xfrm>
-              <a:prstGeom prst="rect">
-                <a:avLst/>
-              </a:prstGeom>
-              <a:blipFill>
-                <a:blip r:embed="rId3"/>
-                <a:stretch>
-                  <a:fillRect/>
-                </a:stretch>
-              </a:blipFill>
-            </p:spPr>
-            <p:txBody>
-              <a:bodyPr/>
-              <a:lstStyle/>
-              <a:p>
-                <a:r>
-                  <a:rPr lang="en-US">
-                    <a:noFill/>
-                  </a:rPr>
-                  <a:t> </a:t>
-                </a:r>
-              </a:p>
-            </p:txBody>
-          </p:sp>
-        </mc:Fallback>
-      </mc:AlternateContent>
     </p:spTree>
     <p:extLst>
       <p:ext uri="{BB962C8B-B14F-4D97-AF65-F5344CB8AC3E}">
-        <p14:creationId xmlns:p14="http://schemas.microsoft.com/office/powerpoint/2010/main" val="2259825360"/>
+        <p14:creationId xmlns:p14="http://schemas.microsoft.com/office/powerpoint/2010/main" val="1849719892"/>
       </p:ext>
     </p:extLst>
   </p:cSld>
@@ -13061,7 +11645,7 @@
           <a:p>
             <a:fld id="{0303D7D5-FAC8-4B75-A637-D564180CD715}" type="datetime1">
               <a:rPr lang="ko-KR" altLang="en-US" sz="1000" smtClean="0"/>
-              <a:t>2023-06-22</a:t>
+              <a:t>2023-06-23</a:t>
             </a:fld>
             <a:endParaRPr lang="ko-KR" altLang="en-US" sz="1000" dirty="0"/>
           </a:p>
@@ -13153,8 +11737,8 @@
         </p:nvSpPr>
         <p:spPr>
           <a:xfrm>
-            <a:off x="513805" y="576645"/>
-            <a:ext cx="4953139" cy="523220"/>
+            <a:off x="513806" y="576645"/>
+            <a:ext cx="9544594" cy="523220"/>
           </a:xfrm>
           <a:prstGeom prst="rect">
             <a:avLst/>
@@ -13176,9 +11760,20 @@
                   </a:schemeClr>
                 </a:solidFill>
               </a:rPr>
-              <a:t>3. Perceptron Implement</a:t>
-            </a:r>
-            <a:endParaRPr lang="ko-KR" altLang="en-US" sz="2800" b="1" dirty="0">
+              <a:t>3.  </a:t>
+            </a:r>
+            <a:r>
+              <a:rPr lang="ko-KR" altLang="en-US" sz="2800" b="1" dirty="0">
+                <a:solidFill>
+                  <a:schemeClr val="tx1">
+                    <a:lumMod val="65000"/>
+                    <a:lumOff val="35000"/>
+                  </a:schemeClr>
+                </a:solidFill>
+              </a:rPr>
+              <a:t>배치 정규화</a:t>
+            </a:r>
+            <a:endParaRPr lang="en-US" altLang="ko-KR" sz="2800" b="1" dirty="0">
               <a:solidFill>
                 <a:schemeClr val="tx1">
                   <a:lumMod val="65000"/>
@@ -13189,747 +11784,155 @@
           </a:p>
         </p:txBody>
       </p:sp>
-      <mc:AlternateContent xmlns:mc="http://schemas.openxmlformats.org/markup-compatibility/2006" xmlns:a14="http://schemas.microsoft.com/office/drawing/2010/main">
-        <mc:Choice Requires="a14">
-          <p:sp>
-            <p:nvSpPr>
-              <p:cNvPr id="3" name="TextBox 2">
-                <a:extLst>
-                  <a:ext uri="{FF2B5EF4-FFF2-40B4-BE49-F238E27FC236}">
-                    <a16:creationId xmlns:a16="http://schemas.microsoft.com/office/drawing/2014/main" id="{D603CCB4-ACB5-F02F-EF78-87D53658E441}"/>
-                  </a:ext>
-                </a:extLst>
-              </p:cNvPr>
-              <p:cNvSpPr txBox="1"/>
-              <p:nvPr/>
-            </p:nvSpPr>
-            <p:spPr>
-              <a:xfrm>
-                <a:off x="727699" y="1611893"/>
-                <a:ext cx="10550230" cy="1323439"/>
-              </a:xfrm>
-              <a:prstGeom prst="rect">
-                <a:avLst/>
-              </a:prstGeom>
-              <a:noFill/>
-            </p:spPr>
-            <p:txBody>
-              <a:bodyPr wrap="square" rtlCol="0">
-                <a:spAutoFit/>
-              </a:bodyPr>
-              <a:lstStyle/>
-              <a:p>
-                <a:pPr marL="285750" indent="-285750">
-                  <a:buFont typeface="Arial" panose="020B0604020202020204" pitchFamily="34" charset="0"/>
-                  <a:buChar char="•"/>
-                </a:pPr>
-                <a:r>
-                  <a:rPr lang="ko-KR" altLang="en-US" sz="2000" b="1" dirty="0">
-                    <a:solidFill>
-                      <a:schemeClr val="tx1">
-                        <a:lumMod val="65000"/>
-                        <a:lumOff val="35000"/>
-                      </a:schemeClr>
-                    </a:solidFill>
-                  </a:rPr>
-                  <a:t>퍼셉트론의 식을 좀더 보기 편하게 하기 위해 </a:t>
-                </a:r>
-                <a14:m>
-                  <m:oMath xmlns:m="http://schemas.openxmlformats.org/officeDocument/2006/math">
-                    <m:r>
-                      <a:rPr lang="ko-KR" altLang="en-US" sz="2000" b="1" i="1" smtClean="0">
-                        <a:solidFill>
-                          <a:schemeClr val="tx1">
-                            <a:lumMod val="65000"/>
-                            <a:lumOff val="35000"/>
-                          </a:schemeClr>
-                        </a:solidFill>
-                        <a:latin typeface="Cambria Math" panose="02040503050406030204" pitchFamily="18" charset="0"/>
-                      </a:rPr>
-                      <m:t>𝜽</m:t>
-                    </m:r>
-                    <m:r>
-                      <a:rPr lang="en-US" altLang="ko-KR" sz="2000" b="1" i="1" smtClean="0">
-                        <a:solidFill>
-                          <a:schemeClr val="tx1">
-                            <a:lumMod val="65000"/>
-                            <a:lumOff val="35000"/>
-                          </a:schemeClr>
-                        </a:solidFill>
-                        <a:latin typeface="Cambria Math" panose="02040503050406030204" pitchFamily="18" charset="0"/>
-                      </a:rPr>
-                      <m:t> </m:t>
-                    </m:r>
-                  </m:oMath>
-                </a14:m>
-                <a:r>
-                  <a:rPr lang="ko-KR" altLang="en-US" sz="2000" b="1" dirty="0">
-                    <a:solidFill>
-                      <a:schemeClr val="tx1">
-                        <a:lumMod val="65000"/>
-                        <a:lumOff val="35000"/>
-                      </a:schemeClr>
-                    </a:solidFill>
-                  </a:rPr>
-                  <a:t>를 </a:t>
-                </a:r>
-                <a14:m>
-                  <m:oMath xmlns:m="http://schemas.openxmlformats.org/officeDocument/2006/math">
-                    <m:r>
-                      <a:rPr lang="en-US" altLang="ko-KR" sz="2000" b="1" i="1" dirty="0" smtClean="0">
-                        <a:solidFill>
-                          <a:schemeClr val="tx1">
-                            <a:lumMod val="65000"/>
-                            <a:lumOff val="35000"/>
-                          </a:schemeClr>
-                        </a:solidFill>
-                        <a:latin typeface="Cambria Math" panose="02040503050406030204" pitchFamily="18" charset="0"/>
-                      </a:rPr>
-                      <m:t>−</m:t>
-                    </m:r>
-                    <m:r>
-                      <a:rPr lang="en-US" altLang="ko-KR" sz="2000" b="1" i="1" dirty="0" smtClean="0">
-                        <a:solidFill>
-                          <a:schemeClr val="tx1">
-                            <a:lumMod val="65000"/>
-                            <a:lumOff val="35000"/>
-                          </a:schemeClr>
-                        </a:solidFill>
-                        <a:latin typeface="Cambria Math" panose="02040503050406030204" pitchFamily="18" charset="0"/>
-                      </a:rPr>
-                      <m:t>𝒃</m:t>
-                    </m:r>
-                  </m:oMath>
-                </a14:m>
-                <a:r>
-                  <a:rPr lang="ko-KR" altLang="en-US" sz="2000" b="1" dirty="0">
-                    <a:solidFill>
-                      <a:schemeClr val="tx1">
-                        <a:lumMod val="65000"/>
-                        <a:lumOff val="35000"/>
-                      </a:schemeClr>
-                    </a:solidFill>
-                  </a:rPr>
-                  <a:t>로 치환하면 다음과 같은 식이 된다</a:t>
-                </a:r>
-                <a:r>
-                  <a:rPr lang="en-US" altLang="ko-KR" sz="2000" b="1" dirty="0">
-                    <a:solidFill>
-                      <a:schemeClr val="tx1">
-                        <a:lumMod val="65000"/>
-                        <a:lumOff val="35000"/>
-                      </a:schemeClr>
-                    </a:solidFill>
-                  </a:rPr>
-                  <a:t>.</a:t>
-                </a:r>
-                <a:r>
-                  <a:rPr lang="ko-KR" altLang="en-US" sz="2000" b="1" dirty="0">
-                    <a:solidFill>
-                      <a:schemeClr val="tx1">
-                        <a:lumMod val="65000"/>
-                        <a:lumOff val="35000"/>
-                      </a:schemeClr>
-                    </a:solidFill>
-                  </a:rPr>
-                  <a:t> </a:t>
-                </a:r>
-                <a:endParaRPr lang="en-US" altLang="ko-KR" sz="2000" b="1" dirty="0">
-                  <a:solidFill>
-                    <a:schemeClr val="tx1">
-                      <a:lumMod val="65000"/>
-                      <a:lumOff val="35000"/>
-                    </a:schemeClr>
-                  </a:solidFill>
-                </a:endParaRPr>
-              </a:p>
-              <a:p>
-                <a:pPr marL="285750" indent="-285750">
-                  <a:buFont typeface="Arial" panose="020B0604020202020204" pitchFamily="34" charset="0"/>
-                  <a:buChar char="•"/>
-                </a:pPr>
-                <a:endParaRPr lang="en-US" altLang="ko-KR" sz="2000" b="1" dirty="0">
-                  <a:solidFill>
-                    <a:schemeClr val="tx1">
-                      <a:lumMod val="65000"/>
-                      <a:lumOff val="35000"/>
-                    </a:schemeClr>
-                  </a:solidFill>
-                </a:endParaRPr>
-              </a:p>
-              <a:p>
-                <a:pPr marL="285750" indent="-285750">
-                  <a:buFont typeface="Arial" panose="020B0604020202020204" pitchFamily="34" charset="0"/>
-                  <a:buChar char="•"/>
-                </a:pPr>
-                <a:r>
-                  <a:rPr lang="ko-KR" altLang="en-US" sz="2000" b="1" dirty="0">
-                    <a:solidFill>
-                      <a:schemeClr val="tx1">
-                        <a:lumMod val="65000"/>
-                        <a:lumOff val="35000"/>
-                      </a:schemeClr>
-                    </a:solidFill>
-                  </a:rPr>
-                  <a:t>여기서 </a:t>
-                </a:r>
-                <a14:m>
-                  <m:oMath xmlns:m="http://schemas.openxmlformats.org/officeDocument/2006/math">
-                    <m:r>
-                      <a:rPr lang="en-US" altLang="ko-KR" sz="2000" b="1" i="1" dirty="0" smtClean="0">
-                        <a:solidFill>
-                          <a:schemeClr val="tx1">
-                            <a:lumMod val="65000"/>
-                            <a:lumOff val="35000"/>
-                          </a:schemeClr>
-                        </a:solidFill>
-                        <a:latin typeface="Cambria Math" panose="02040503050406030204" pitchFamily="18" charset="0"/>
-                      </a:rPr>
-                      <m:t>𝒃</m:t>
-                    </m:r>
-                    <m:r>
-                      <a:rPr lang="en-US" altLang="ko-KR" sz="2000" b="1" i="1" dirty="0" smtClean="0">
-                        <a:solidFill>
-                          <a:schemeClr val="tx1">
-                            <a:lumMod val="65000"/>
-                            <a:lumOff val="35000"/>
-                          </a:schemeClr>
-                        </a:solidFill>
-                        <a:latin typeface="Cambria Math" panose="02040503050406030204" pitchFamily="18" charset="0"/>
-                      </a:rPr>
-                      <m:t> </m:t>
-                    </m:r>
-                  </m:oMath>
-                </a14:m>
-                <a:r>
-                  <a:rPr lang="ko-KR" altLang="en-US" sz="2000" b="1" dirty="0">
-                    <a:solidFill>
-                      <a:schemeClr val="tx1">
-                        <a:lumMod val="65000"/>
-                        <a:lumOff val="35000"/>
-                      </a:schemeClr>
-                    </a:solidFill>
-                  </a:rPr>
-                  <a:t>를 편향이라 부른다</a:t>
-                </a:r>
-                <a:r>
-                  <a:rPr lang="en-US" altLang="ko-KR" sz="2000" b="1" dirty="0">
-                    <a:solidFill>
-                      <a:schemeClr val="tx1">
-                        <a:lumMod val="65000"/>
-                        <a:lumOff val="35000"/>
-                      </a:schemeClr>
-                    </a:solidFill>
-                  </a:rPr>
-                  <a:t>.</a:t>
-                </a:r>
-              </a:p>
-            </p:txBody>
-          </p:sp>
-        </mc:Choice>
-        <mc:Fallback xmlns="">
-          <p:sp>
-            <p:nvSpPr>
-              <p:cNvPr id="3" name="TextBox 2">
-                <a:extLst>
-                  <a:ext uri="{FF2B5EF4-FFF2-40B4-BE49-F238E27FC236}">
-                    <a16:creationId xmlns:a16="http://schemas.microsoft.com/office/drawing/2014/main" id="{D603CCB4-ACB5-F02F-EF78-87D53658E441}"/>
-                  </a:ext>
-                </a:extLst>
-              </p:cNvPr>
-              <p:cNvSpPr txBox="1">
-                <a:spLocks noRot="1" noChangeAspect="1" noMove="1" noResize="1" noEditPoints="1" noAdjustHandles="1" noChangeArrowheads="1" noChangeShapeType="1" noTextEdit="1"/>
-              </p:cNvSpPr>
-              <p:nvPr/>
-            </p:nvSpPr>
-            <p:spPr>
-              <a:xfrm>
-                <a:off x="727699" y="1611893"/>
-                <a:ext cx="10550230" cy="1323439"/>
-              </a:xfrm>
-              <a:prstGeom prst="rect">
-                <a:avLst/>
-              </a:prstGeom>
-              <a:blipFill>
-                <a:blip r:embed="rId2"/>
-                <a:stretch>
-                  <a:fillRect l="-520" t="-2294" b="-6881"/>
-                </a:stretch>
-              </a:blipFill>
-            </p:spPr>
-            <p:txBody>
-              <a:bodyPr/>
-              <a:lstStyle/>
-              <a:p>
-                <a:r>
-                  <a:rPr lang="en-US">
-                    <a:noFill/>
-                  </a:rPr>
-                  <a:t> </a:t>
-                </a:r>
-              </a:p>
-            </p:txBody>
-          </p:sp>
-        </mc:Fallback>
-      </mc:AlternateContent>
-      <mc:AlternateContent xmlns:mc="http://schemas.openxmlformats.org/markup-compatibility/2006" xmlns:a14="http://schemas.microsoft.com/office/drawing/2010/main">
-        <mc:Choice Requires="a14">
-          <p:sp>
-            <p:nvSpPr>
-              <p:cNvPr id="2" name="TextBox 1">
-                <a:extLst>
-                  <a:ext uri="{FF2B5EF4-FFF2-40B4-BE49-F238E27FC236}">
-                    <a16:creationId xmlns:a16="http://schemas.microsoft.com/office/drawing/2014/main" id="{0F6F7F4A-6391-7613-133C-4200545B49D2}"/>
-                  </a:ext>
-                </a:extLst>
-              </p:cNvPr>
-              <p:cNvSpPr txBox="1"/>
-              <p:nvPr/>
-            </p:nvSpPr>
-            <p:spPr>
-              <a:xfrm>
-                <a:off x="2675708" y="3207504"/>
-                <a:ext cx="6094378" cy="710194"/>
-              </a:xfrm>
-              <a:prstGeom prst="rect">
-                <a:avLst/>
-              </a:prstGeom>
-              <a:noFill/>
-            </p:spPr>
-            <p:txBody>
-              <a:bodyPr wrap="square">
-                <a:spAutoFit/>
-              </a:bodyPr>
-              <a:lstStyle/>
-              <a:p>
-                <a:pPr algn="ctr"/>
-                <a14:m>
-                  <m:oMath xmlns:m="http://schemas.openxmlformats.org/officeDocument/2006/math">
-                    <m:r>
-                      <a:rPr lang="en-US" b="0" i="1" smtClean="0">
-                        <a:latin typeface="Cambria Math" panose="02040503050406030204" pitchFamily="18" charset="0"/>
-                        <a:ea typeface="Cambria Math" panose="02040503050406030204" pitchFamily="18" charset="0"/>
-                      </a:rPr>
-                      <m:t>𝑦</m:t>
-                    </m:r>
-                    <m:r>
-                      <a:rPr lang="en-US" b="0" i="1" smtClean="0">
-                        <a:latin typeface="Cambria Math" panose="02040503050406030204" pitchFamily="18" charset="0"/>
-                        <a:ea typeface="Cambria Math" panose="02040503050406030204" pitchFamily="18" charset="0"/>
-                      </a:rPr>
-                      <m:t>=</m:t>
-                    </m:r>
-                    <m:d>
-                      <m:dPr>
-                        <m:begChr m:val="{"/>
-                        <m:endChr m:val=""/>
-                        <m:ctrlPr>
-                          <a:rPr lang="el-GR" i="1" smtClean="0">
-                            <a:latin typeface="Cambria Math" panose="02040503050406030204" pitchFamily="18" charset="0"/>
-                            <a:ea typeface="Cambria Math" panose="02040503050406030204" pitchFamily="18" charset="0"/>
-                          </a:rPr>
-                        </m:ctrlPr>
-                      </m:dPr>
-                      <m:e>
-                        <m:eqArr>
-                          <m:eqArrPr>
-                            <m:ctrlPr>
-                              <a:rPr lang="el-GR" i="1" smtClean="0">
-                                <a:latin typeface="Cambria Math" panose="02040503050406030204" pitchFamily="18" charset="0"/>
-                                <a:ea typeface="Cambria Math" panose="02040503050406030204" pitchFamily="18" charset="0"/>
-                              </a:rPr>
-                            </m:ctrlPr>
-                          </m:eqArrPr>
-                          <m:e>
-                            <m:r>
-                              <a:rPr lang="en-US" b="0" i="1" smtClean="0">
-                                <a:latin typeface="Cambria Math" panose="02040503050406030204" pitchFamily="18" charset="0"/>
-                                <a:ea typeface="Cambria Math" panose="02040503050406030204" pitchFamily="18" charset="0"/>
-                              </a:rPr>
-                              <m:t>0  ,(</m:t>
-                            </m:r>
-                            <m:sSub>
-                              <m:sSubPr>
-                                <m:ctrlPr>
-                                  <a:rPr lang="en-US" b="0" i="1" smtClean="0">
-                                    <a:latin typeface="Cambria Math" panose="02040503050406030204" pitchFamily="18" charset="0"/>
-                                    <a:ea typeface="Cambria Math" panose="02040503050406030204" pitchFamily="18" charset="0"/>
-                                  </a:rPr>
-                                </m:ctrlPr>
-                              </m:sSubPr>
-                              <m:e>
-                                <m:r>
-                                  <a:rPr lang="en-US" b="0" i="1" smtClean="0">
-                                    <a:latin typeface="Cambria Math" panose="02040503050406030204" pitchFamily="18" charset="0"/>
-                                    <a:ea typeface="Cambria Math" panose="02040503050406030204" pitchFamily="18" charset="0"/>
-                                  </a:rPr>
-                                  <m:t>𝑏</m:t>
-                                </m:r>
-                                <m:r>
-                                  <a:rPr lang="en-US" b="0" i="1" smtClean="0">
-                                    <a:latin typeface="Cambria Math" panose="02040503050406030204" pitchFamily="18" charset="0"/>
-                                    <a:ea typeface="Cambria Math" panose="02040503050406030204" pitchFamily="18" charset="0"/>
-                                  </a:rPr>
-                                  <m:t>+</m:t>
-                                </m:r>
-                                <m:r>
-                                  <a:rPr lang="en-US" b="0" i="1" smtClean="0">
-                                    <a:latin typeface="Cambria Math" panose="02040503050406030204" pitchFamily="18" charset="0"/>
-                                    <a:ea typeface="Cambria Math" panose="02040503050406030204" pitchFamily="18" charset="0"/>
-                                  </a:rPr>
-                                  <m:t>𝑤</m:t>
-                                </m:r>
-                              </m:e>
-                              <m:sub>
-                                <m:r>
-                                  <a:rPr lang="en-US" b="0" i="1" smtClean="0">
-                                    <a:latin typeface="Cambria Math" panose="02040503050406030204" pitchFamily="18" charset="0"/>
-                                    <a:ea typeface="Cambria Math" panose="02040503050406030204" pitchFamily="18" charset="0"/>
-                                  </a:rPr>
-                                  <m:t>1</m:t>
-                                </m:r>
-                              </m:sub>
-                            </m:sSub>
-                            <m:sSub>
-                              <m:sSubPr>
-                                <m:ctrlPr>
-                                  <a:rPr lang="en-US" i="1">
-                                    <a:latin typeface="Cambria Math" panose="02040503050406030204" pitchFamily="18" charset="0"/>
-                                    <a:ea typeface="Cambria Math" panose="02040503050406030204" pitchFamily="18" charset="0"/>
-                                  </a:rPr>
-                                </m:ctrlPr>
-                              </m:sSubPr>
-                              <m:e>
-                                <m:r>
-                                  <a:rPr lang="en-US" b="0" i="1" smtClean="0">
-                                    <a:latin typeface="Cambria Math" panose="02040503050406030204" pitchFamily="18" charset="0"/>
-                                    <a:ea typeface="Cambria Math" panose="02040503050406030204" pitchFamily="18" charset="0"/>
-                                  </a:rPr>
-                                  <m:t>𝑥</m:t>
-                                </m:r>
-                              </m:e>
-                              <m:sub>
-                                <m:r>
-                                  <a:rPr lang="en-US" i="1">
-                                    <a:latin typeface="Cambria Math" panose="02040503050406030204" pitchFamily="18" charset="0"/>
-                                    <a:ea typeface="Cambria Math" panose="02040503050406030204" pitchFamily="18" charset="0"/>
-                                  </a:rPr>
-                                  <m:t>1</m:t>
-                                </m:r>
-                              </m:sub>
-                            </m:sSub>
-                            <m:r>
-                              <a:rPr lang="en-US" b="0" i="1" smtClean="0">
-                                <a:latin typeface="Cambria Math" panose="02040503050406030204" pitchFamily="18" charset="0"/>
-                                <a:ea typeface="Cambria Math" panose="02040503050406030204" pitchFamily="18" charset="0"/>
-                              </a:rPr>
-                              <m:t>+</m:t>
-                            </m:r>
-                            <m:sSub>
-                              <m:sSubPr>
-                                <m:ctrlPr>
-                                  <a:rPr lang="en-US" i="1">
-                                    <a:latin typeface="Cambria Math" panose="02040503050406030204" pitchFamily="18" charset="0"/>
-                                    <a:ea typeface="Cambria Math" panose="02040503050406030204" pitchFamily="18" charset="0"/>
-                                  </a:rPr>
-                                </m:ctrlPr>
-                              </m:sSubPr>
-                              <m:e>
-                                <m:r>
-                                  <a:rPr lang="en-US" i="1">
-                                    <a:latin typeface="Cambria Math" panose="02040503050406030204" pitchFamily="18" charset="0"/>
-                                    <a:ea typeface="Cambria Math" panose="02040503050406030204" pitchFamily="18" charset="0"/>
-                                  </a:rPr>
-                                  <m:t>𝑤</m:t>
-                                </m:r>
-                              </m:e>
-                              <m:sub>
-                                <m:r>
-                                  <a:rPr lang="en-US" b="0" i="1" smtClean="0">
-                                    <a:latin typeface="Cambria Math" panose="02040503050406030204" pitchFamily="18" charset="0"/>
-                                    <a:ea typeface="Cambria Math" panose="02040503050406030204" pitchFamily="18" charset="0"/>
-                                  </a:rPr>
-                                  <m:t>2</m:t>
-                                </m:r>
-                              </m:sub>
-                            </m:sSub>
-                            <m:sSub>
-                              <m:sSubPr>
-                                <m:ctrlPr>
-                                  <a:rPr lang="en-US" i="1">
-                                    <a:latin typeface="Cambria Math" panose="02040503050406030204" pitchFamily="18" charset="0"/>
-                                    <a:ea typeface="Cambria Math" panose="02040503050406030204" pitchFamily="18" charset="0"/>
-                                  </a:rPr>
-                                </m:ctrlPr>
-                              </m:sSubPr>
-                              <m:e>
-                                <m:r>
-                                  <a:rPr lang="en-US" b="0" i="1" smtClean="0">
-                                    <a:latin typeface="Cambria Math" panose="02040503050406030204" pitchFamily="18" charset="0"/>
-                                    <a:ea typeface="Cambria Math" panose="02040503050406030204" pitchFamily="18" charset="0"/>
-                                  </a:rPr>
-                                  <m:t>𝑥</m:t>
-                                </m:r>
-                              </m:e>
-                              <m:sub>
-                                <m:r>
-                                  <a:rPr lang="en-US" b="0" i="1" smtClean="0">
-                                    <a:latin typeface="Cambria Math" panose="02040503050406030204" pitchFamily="18" charset="0"/>
-                                    <a:ea typeface="Cambria Math" panose="02040503050406030204" pitchFamily="18" charset="0"/>
-                                  </a:rPr>
-                                  <m:t>2</m:t>
-                                </m:r>
-                              </m:sub>
-                            </m:sSub>
-                            <m:r>
-                              <a:rPr lang="en-US" i="1" smtClean="0">
-                                <a:latin typeface="Cambria Math" panose="02040503050406030204" pitchFamily="18" charset="0"/>
-                                <a:ea typeface="Cambria Math" panose="02040503050406030204" pitchFamily="18" charset="0"/>
-                              </a:rPr>
-                              <m:t>≤</m:t>
-                            </m:r>
-                            <m:r>
-                              <a:rPr lang="en-US" b="0" i="1" smtClean="0">
-                                <a:latin typeface="Cambria Math" panose="02040503050406030204" pitchFamily="18" charset="0"/>
-                                <a:ea typeface="Cambria Math" panose="02040503050406030204" pitchFamily="18" charset="0"/>
-                              </a:rPr>
-                              <m:t>0)</m:t>
-                            </m:r>
-                          </m:e>
-                          <m:e>
-                            <m:r>
-                              <a:rPr lang="en-US" b="0" i="1" smtClean="0">
-                                <a:latin typeface="Cambria Math" panose="02040503050406030204" pitchFamily="18" charset="0"/>
-                                <a:ea typeface="Cambria Math" panose="02040503050406030204" pitchFamily="18" charset="0"/>
-                              </a:rPr>
-                              <m:t>1  ,</m:t>
-                            </m:r>
-                            <m:r>
-                              <a:rPr lang="en-US" i="1">
-                                <a:latin typeface="Cambria Math" panose="02040503050406030204" pitchFamily="18" charset="0"/>
-                                <a:ea typeface="Cambria Math" panose="02040503050406030204" pitchFamily="18" charset="0"/>
-                              </a:rPr>
-                              <m:t>(</m:t>
-                            </m:r>
-                            <m:r>
-                              <a:rPr lang="en-US" b="0" i="1" smtClean="0">
-                                <a:latin typeface="Cambria Math" panose="02040503050406030204" pitchFamily="18" charset="0"/>
-                                <a:ea typeface="Cambria Math" panose="02040503050406030204" pitchFamily="18" charset="0"/>
-                              </a:rPr>
-                              <m:t>𝑏</m:t>
-                            </m:r>
-                            <m:r>
-                              <a:rPr lang="en-US" b="0" i="1" smtClean="0">
-                                <a:latin typeface="Cambria Math" panose="02040503050406030204" pitchFamily="18" charset="0"/>
-                                <a:ea typeface="Cambria Math" panose="02040503050406030204" pitchFamily="18" charset="0"/>
-                              </a:rPr>
-                              <m:t>+</m:t>
-                            </m:r>
-                            <m:sSub>
-                              <m:sSubPr>
-                                <m:ctrlPr>
-                                  <a:rPr lang="en-US" i="1">
-                                    <a:latin typeface="Cambria Math" panose="02040503050406030204" pitchFamily="18" charset="0"/>
-                                    <a:ea typeface="Cambria Math" panose="02040503050406030204" pitchFamily="18" charset="0"/>
-                                  </a:rPr>
-                                </m:ctrlPr>
-                              </m:sSubPr>
-                              <m:e>
-                                <m:r>
-                                  <a:rPr lang="en-US" i="1">
-                                    <a:latin typeface="Cambria Math" panose="02040503050406030204" pitchFamily="18" charset="0"/>
-                                    <a:ea typeface="Cambria Math" panose="02040503050406030204" pitchFamily="18" charset="0"/>
-                                  </a:rPr>
-                                  <m:t>𝑤</m:t>
-                                </m:r>
-                              </m:e>
-                              <m:sub>
-                                <m:r>
-                                  <a:rPr lang="en-US" i="1">
-                                    <a:latin typeface="Cambria Math" panose="02040503050406030204" pitchFamily="18" charset="0"/>
-                                    <a:ea typeface="Cambria Math" panose="02040503050406030204" pitchFamily="18" charset="0"/>
-                                  </a:rPr>
-                                  <m:t>1</m:t>
-                                </m:r>
-                              </m:sub>
-                            </m:sSub>
-                            <m:sSub>
-                              <m:sSubPr>
-                                <m:ctrlPr>
-                                  <a:rPr lang="en-US" i="1">
-                                    <a:latin typeface="Cambria Math" panose="02040503050406030204" pitchFamily="18" charset="0"/>
-                                    <a:ea typeface="Cambria Math" panose="02040503050406030204" pitchFamily="18" charset="0"/>
-                                  </a:rPr>
-                                </m:ctrlPr>
-                              </m:sSubPr>
-                              <m:e>
-                                <m:r>
-                                  <a:rPr lang="en-US" b="0" i="1" smtClean="0">
-                                    <a:latin typeface="Cambria Math" panose="02040503050406030204" pitchFamily="18" charset="0"/>
-                                    <a:ea typeface="Cambria Math" panose="02040503050406030204" pitchFamily="18" charset="0"/>
-                                  </a:rPr>
-                                  <m:t>𝑥</m:t>
-                                </m:r>
-                              </m:e>
-                              <m:sub>
-                                <m:r>
-                                  <a:rPr lang="en-US" i="1">
-                                    <a:latin typeface="Cambria Math" panose="02040503050406030204" pitchFamily="18" charset="0"/>
-                                    <a:ea typeface="Cambria Math" panose="02040503050406030204" pitchFamily="18" charset="0"/>
-                                  </a:rPr>
-                                  <m:t>1</m:t>
-                                </m:r>
-                              </m:sub>
-                            </m:sSub>
-                            <m:r>
-                              <a:rPr lang="en-US" i="1">
-                                <a:latin typeface="Cambria Math" panose="02040503050406030204" pitchFamily="18" charset="0"/>
-                                <a:ea typeface="Cambria Math" panose="02040503050406030204" pitchFamily="18" charset="0"/>
-                              </a:rPr>
-                              <m:t>+</m:t>
-                            </m:r>
-                            <m:sSub>
-                              <m:sSubPr>
-                                <m:ctrlPr>
-                                  <a:rPr lang="en-US" i="1">
-                                    <a:latin typeface="Cambria Math" panose="02040503050406030204" pitchFamily="18" charset="0"/>
-                                    <a:ea typeface="Cambria Math" panose="02040503050406030204" pitchFamily="18" charset="0"/>
-                                  </a:rPr>
-                                </m:ctrlPr>
-                              </m:sSubPr>
-                              <m:e>
-                                <m:r>
-                                  <a:rPr lang="en-US" i="1">
-                                    <a:latin typeface="Cambria Math" panose="02040503050406030204" pitchFamily="18" charset="0"/>
-                                    <a:ea typeface="Cambria Math" panose="02040503050406030204" pitchFamily="18" charset="0"/>
-                                  </a:rPr>
-                                  <m:t>𝑤</m:t>
-                                </m:r>
-                              </m:e>
-                              <m:sub>
-                                <m:r>
-                                  <a:rPr lang="en-US" i="1">
-                                    <a:latin typeface="Cambria Math" panose="02040503050406030204" pitchFamily="18" charset="0"/>
-                                    <a:ea typeface="Cambria Math" panose="02040503050406030204" pitchFamily="18" charset="0"/>
-                                  </a:rPr>
-                                  <m:t>2</m:t>
-                                </m:r>
-                              </m:sub>
-                            </m:sSub>
-                            <m:sSub>
-                              <m:sSubPr>
-                                <m:ctrlPr>
-                                  <a:rPr lang="en-US" i="1">
-                                    <a:latin typeface="Cambria Math" panose="02040503050406030204" pitchFamily="18" charset="0"/>
-                                    <a:ea typeface="Cambria Math" panose="02040503050406030204" pitchFamily="18" charset="0"/>
-                                  </a:rPr>
-                                </m:ctrlPr>
-                              </m:sSubPr>
-                              <m:e>
-                                <m:r>
-                                  <a:rPr lang="en-US" i="1">
-                                    <a:latin typeface="Cambria Math" panose="02040503050406030204" pitchFamily="18" charset="0"/>
-                                    <a:ea typeface="Cambria Math" panose="02040503050406030204" pitchFamily="18" charset="0"/>
-                                  </a:rPr>
-                                  <m:t>𝑥</m:t>
-                                </m:r>
-                              </m:e>
-                              <m:sub>
-                                <m:r>
-                                  <a:rPr lang="en-US" i="1">
-                                    <a:latin typeface="Cambria Math" panose="02040503050406030204" pitchFamily="18" charset="0"/>
-                                    <a:ea typeface="Cambria Math" panose="02040503050406030204" pitchFamily="18" charset="0"/>
-                                  </a:rPr>
-                                  <m:t>2</m:t>
-                                </m:r>
-                              </m:sub>
-                            </m:sSub>
-                            <m:r>
-                              <a:rPr lang="en-US" i="1">
-                                <a:latin typeface="Cambria Math" panose="02040503050406030204" pitchFamily="18" charset="0"/>
-                                <a:ea typeface="Cambria Math" panose="02040503050406030204" pitchFamily="18" charset="0"/>
-                              </a:rPr>
-                              <m:t>≤</m:t>
-                            </m:r>
-                            <m:r>
-                              <a:rPr lang="en-US" b="0" i="1" smtClean="0">
-                                <a:latin typeface="Cambria Math" panose="02040503050406030204" pitchFamily="18" charset="0"/>
-                                <a:ea typeface="Cambria Math" panose="02040503050406030204" pitchFamily="18" charset="0"/>
-                              </a:rPr>
-                              <m:t>0</m:t>
-                            </m:r>
-                            <m:r>
-                              <a:rPr lang="en-US" i="1">
-                                <a:latin typeface="Cambria Math" panose="02040503050406030204" pitchFamily="18" charset="0"/>
-                                <a:ea typeface="Cambria Math" panose="02040503050406030204" pitchFamily="18" charset="0"/>
-                              </a:rPr>
-                              <m:t>)</m:t>
-                            </m:r>
-                          </m:e>
-                        </m:eqArr>
-                      </m:e>
-                    </m:d>
-                  </m:oMath>
-                </a14:m>
-                <a:r>
-                  <a:rPr lang="en-US" dirty="0"/>
-                  <a:t> 		(2)</a:t>
-                </a:r>
-              </a:p>
-            </p:txBody>
-          </p:sp>
-        </mc:Choice>
-        <mc:Fallback xmlns="">
-          <p:sp>
-            <p:nvSpPr>
-              <p:cNvPr id="2" name="TextBox 1">
-                <a:extLst>
-                  <a:ext uri="{FF2B5EF4-FFF2-40B4-BE49-F238E27FC236}">
-                    <a16:creationId xmlns:a16="http://schemas.microsoft.com/office/drawing/2014/main" id="{0F6F7F4A-6391-7613-133C-4200545B49D2}"/>
-                  </a:ext>
-                </a:extLst>
-              </p:cNvPr>
-              <p:cNvSpPr txBox="1">
-                <a:spLocks noRot="1" noChangeAspect="1" noMove="1" noResize="1" noEditPoints="1" noAdjustHandles="1" noChangeArrowheads="1" noChangeShapeType="1" noTextEdit="1"/>
-              </p:cNvSpPr>
-              <p:nvPr/>
-            </p:nvSpPr>
-            <p:spPr>
-              <a:xfrm>
-                <a:off x="2675708" y="3207504"/>
-                <a:ext cx="6094378" cy="710194"/>
-              </a:xfrm>
-              <a:prstGeom prst="rect">
-                <a:avLst/>
-              </a:prstGeom>
-              <a:blipFill>
-                <a:blip r:embed="rId3"/>
-                <a:stretch>
-                  <a:fillRect/>
-                </a:stretch>
-              </a:blipFill>
-            </p:spPr>
-            <p:txBody>
-              <a:bodyPr/>
-              <a:lstStyle/>
-              <a:p>
-                <a:r>
-                  <a:rPr lang="en-US">
-                    <a:noFill/>
-                  </a:rPr>
-                  <a:t> </a:t>
-                </a:r>
-              </a:p>
-            </p:txBody>
-          </p:sp>
-        </mc:Fallback>
-      </mc:AlternateContent>
+      <p:sp>
+        <p:nvSpPr>
+          <p:cNvPr id="2" name="TextBox 1">
+            <a:extLst>
+              <a:ext uri="{FF2B5EF4-FFF2-40B4-BE49-F238E27FC236}">
+                <a16:creationId xmlns:a16="http://schemas.microsoft.com/office/drawing/2014/main" id="{74446F3C-B373-DAD5-AD25-569B5E7AAC36}"/>
+              </a:ext>
+            </a:extLst>
+          </p:cNvPr>
+          <p:cNvSpPr txBox="1"/>
+          <p:nvPr/>
+        </p:nvSpPr>
+        <p:spPr>
+          <a:xfrm>
+            <a:off x="803570" y="1683940"/>
+            <a:ext cx="10550230" cy="1015663"/>
+          </a:xfrm>
+          <a:prstGeom prst="rect">
+            <a:avLst/>
+          </a:prstGeom>
+          <a:noFill/>
+        </p:spPr>
+        <p:txBody>
+          <a:bodyPr wrap="square" rtlCol="0">
+            <a:spAutoFit/>
+          </a:bodyPr>
+          <a:lstStyle/>
+          <a:p>
+            <a:pPr marL="285750" indent="-285750">
+              <a:buFont typeface="Arial" panose="020B0604020202020204" pitchFamily="34" charset="0"/>
+              <a:buChar char="•"/>
+            </a:pPr>
+            <a:r>
+              <a:rPr lang="ko-KR" altLang="en-US" sz="2000" b="1" dirty="0">
+                <a:solidFill>
+                  <a:schemeClr val="tx1">
+                    <a:lumMod val="65000"/>
+                    <a:lumOff val="35000"/>
+                  </a:schemeClr>
+                </a:solidFill>
+              </a:rPr>
+              <a:t>배치 정규화는 학습 시 미니배치를 단위로 정규화 한다</a:t>
+            </a:r>
+            <a:r>
+              <a:rPr lang="en-US" altLang="ko-KR" sz="2000" b="1" dirty="0">
+                <a:solidFill>
+                  <a:schemeClr val="tx1">
+                    <a:lumMod val="65000"/>
+                    <a:lumOff val="35000"/>
+                  </a:schemeClr>
+                </a:solidFill>
+              </a:rPr>
+              <a:t>.</a:t>
+            </a:r>
+          </a:p>
+          <a:p>
+            <a:pPr marL="285750" indent="-285750">
+              <a:buFont typeface="Arial" panose="020B0604020202020204" pitchFamily="34" charset="0"/>
+              <a:buChar char="•"/>
+            </a:pPr>
+            <a:endParaRPr lang="en-US" altLang="ko-KR" sz="2000" b="1" dirty="0">
+              <a:solidFill>
+                <a:schemeClr val="tx1">
+                  <a:lumMod val="65000"/>
+                  <a:lumOff val="35000"/>
+                </a:schemeClr>
+              </a:solidFill>
+            </a:endParaRPr>
+          </a:p>
+          <a:p>
+            <a:pPr marL="285750" indent="-285750">
+              <a:buFont typeface="Arial" panose="020B0604020202020204" pitchFamily="34" charset="0"/>
+              <a:buChar char="•"/>
+            </a:pPr>
+            <a:r>
+              <a:rPr lang="ko-KR" altLang="en-US" sz="2000" b="1" dirty="0">
+                <a:solidFill>
+                  <a:schemeClr val="tx1">
+                    <a:lumMod val="65000"/>
+                    <a:lumOff val="35000"/>
+                  </a:schemeClr>
+                </a:solidFill>
+              </a:rPr>
+              <a:t>데이터 분포가 평균이</a:t>
+            </a:r>
+            <a:r>
+              <a:rPr lang="en-US" altLang="ko-KR" sz="2000" b="1" dirty="0">
+                <a:solidFill>
+                  <a:schemeClr val="tx1">
+                    <a:lumMod val="65000"/>
+                    <a:lumOff val="35000"/>
+                  </a:schemeClr>
+                </a:solidFill>
+              </a:rPr>
+              <a:t>0, </a:t>
+            </a:r>
+            <a:r>
+              <a:rPr lang="ko-KR" altLang="en-US" sz="2000" b="1" dirty="0">
+                <a:solidFill>
+                  <a:schemeClr val="tx1">
+                    <a:lumMod val="65000"/>
+                    <a:lumOff val="35000"/>
+                  </a:schemeClr>
+                </a:solidFill>
+              </a:rPr>
+              <a:t>분산이 </a:t>
+            </a:r>
+            <a:r>
+              <a:rPr lang="en-US" altLang="ko-KR" sz="2000" b="1" dirty="0">
+                <a:solidFill>
+                  <a:schemeClr val="tx1">
+                    <a:lumMod val="65000"/>
+                    <a:lumOff val="35000"/>
+                  </a:schemeClr>
+                </a:solidFill>
+              </a:rPr>
+              <a:t>1</a:t>
+            </a:r>
+            <a:r>
+              <a:rPr lang="ko-KR" altLang="en-US" sz="2000" b="1" dirty="0">
+                <a:solidFill>
+                  <a:schemeClr val="tx1">
+                    <a:lumMod val="65000"/>
+                    <a:lumOff val="35000"/>
+                  </a:schemeClr>
+                </a:solidFill>
+              </a:rPr>
+              <a:t>이 되도록 정규화 한다</a:t>
+            </a:r>
+            <a:r>
+              <a:rPr lang="en-US" altLang="ko-KR" sz="2000" b="1" dirty="0">
+                <a:solidFill>
+                  <a:schemeClr val="tx1">
+                    <a:lumMod val="65000"/>
+                    <a:lumOff val="35000"/>
+                  </a:schemeClr>
+                </a:solidFill>
+              </a:rPr>
+              <a:t>.</a:t>
+            </a:r>
+          </a:p>
+        </p:txBody>
+      </p:sp>
       <p:pic>
         <p:nvPicPr>
-          <p:cNvPr id="11" name="그림 10">
-            <a:extLst>
-              <a:ext uri="{FF2B5EF4-FFF2-40B4-BE49-F238E27FC236}">
-                <a16:creationId xmlns:a16="http://schemas.microsoft.com/office/drawing/2014/main" id="{540D029A-F7CE-CD78-8FEE-865C4B3B9F52}"/>
+          <p:cNvPr id="5" name="그림 4">
+            <a:extLst>
+              <a:ext uri="{FF2B5EF4-FFF2-40B4-BE49-F238E27FC236}">
+                <a16:creationId xmlns:a16="http://schemas.microsoft.com/office/drawing/2014/main" id="{7FF20CD7-EE3C-F6F3-33CB-4210612E552B}"/>
               </a:ext>
             </a:extLst>
           </p:cNvPr>
@@ -13939,365 +11942,31 @@
           <p:nvPr/>
         </p:nvPicPr>
         <p:blipFill>
-          <a:blip r:embed="rId4"/>
+          <a:blip r:embed="rId2">
+            <a:extLst>
+              <a:ext uri="{28A0092B-C50C-407E-A947-70E740481C1C}">
+                <a14:useLocalDpi xmlns:a14="http://schemas.microsoft.com/office/drawing/2010/main" val="0"/>
+              </a:ext>
+            </a:extLst>
+          </a:blip>
           <a:stretch>
             <a:fillRect/>
           </a:stretch>
         </p:blipFill>
         <p:spPr>
           <a:xfrm>
-            <a:off x="2675708" y="4332049"/>
-            <a:ext cx="1924319" cy="1609950"/>
+            <a:off x="3971585" y="3245007"/>
+            <a:ext cx="2629035" cy="2413124"/>
           </a:xfrm>
           <a:prstGeom prst="rect">
             <a:avLst/>
           </a:prstGeom>
         </p:spPr>
       </p:pic>
-      <mc:AlternateContent xmlns:mc="http://schemas.openxmlformats.org/markup-compatibility/2006" xmlns:a14="http://schemas.microsoft.com/office/drawing/2010/main">
-        <mc:Choice Requires="a14">
-          <p:sp>
-            <p:nvSpPr>
-              <p:cNvPr id="12" name="TextBox 11">
-                <a:extLst>
-                  <a:ext uri="{FF2B5EF4-FFF2-40B4-BE49-F238E27FC236}">
-                    <a16:creationId xmlns:a16="http://schemas.microsoft.com/office/drawing/2014/main" id="{66D4E576-29FA-3691-CCAB-8B2FD1C1B723}"/>
-                  </a:ext>
-                </a:extLst>
-              </p:cNvPr>
-              <p:cNvSpPr txBox="1"/>
-              <p:nvPr/>
-            </p:nvSpPr>
-            <p:spPr>
-              <a:xfrm>
-                <a:off x="3785359" y="4661305"/>
-                <a:ext cx="6094378" cy="710194"/>
-              </a:xfrm>
-              <a:prstGeom prst="rect">
-                <a:avLst/>
-              </a:prstGeom>
-              <a:noFill/>
-            </p:spPr>
-            <p:txBody>
-              <a:bodyPr wrap="square">
-                <a:spAutoFit/>
-              </a:bodyPr>
-              <a:lstStyle/>
-              <a:p>
-                <a:pPr algn="ctr"/>
-                <a14:m>
-                  <m:oMath xmlns:m="http://schemas.openxmlformats.org/officeDocument/2006/math">
-                    <m:r>
-                      <a:rPr lang="en-US" b="0" i="1" smtClean="0">
-                        <a:latin typeface="Cambria Math" panose="02040503050406030204" pitchFamily="18" charset="0"/>
-                        <a:ea typeface="Cambria Math" panose="02040503050406030204" pitchFamily="18" charset="0"/>
-                      </a:rPr>
-                      <m:t>𝑦</m:t>
-                    </m:r>
-                    <m:r>
-                      <a:rPr lang="en-US" b="0" i="1" smtClean="0">
-                        <a:latin typeface="Cambria Math" panose="02040503050406030204" pitchFamily="18" charset="0"/>
-                        <a:ea typeface="Cambria Math" panose="02040503050406030204" pitchFamily="18" charset="0"/>
-                      </a:rPr>
-                      <m:t>=</m:t>
-                    </m:r>
-                    <m:d>
-                      <m:dPr>
-                        <m:begChr m:val="{"/>
-                        <m:endChr m:val=""/>
-                        <m:ctrlPr>
-                          <a:rPr lang="el-GR" i="1" smtClean="0">
-                            <a:latin typeface="Cambria Math" panose="02040503050406030204" pitchFamily="18" charset="0"/>
-                            <a:ea typeface="Cambria Math" panose="02040503050406030204" pitchFamily="18" charset="0"/>
-                          </a:rPr>
-                        </m:ctrlPr>
-                      </m:dPr>
-                      <m:e>
-                        <m:eqArr>
-                          <m:eqArrPr>
-                            <m:ctrlPr>
-                              <a:rPr lang="el-GR" i="1" smtClean="0">
-                                <a:latin typeface="Cambria Math" panose="02040503050406030204" pitchFamily="18" charset="0"/>
-                                <a:ea typeface="Cambria Math" panose="02040503050406030204" pitchFamily="18" charset="0"/>
-                              </a:rPr>
-                            </m:ctrlPr>
-                          </m:eqArrPr>
-                          <m:e>
-                            <m:r>
-                              <a:rPr lang="en-US" b="0" i="1" smtClean="0">
-                                <a:latin typeface="Cambria Math" panose="02040503050406030204" pitchFamily="18" charset="0"/>
-                                <a:ea typeface="Cambria Math" panose="02040503050406030204" pitchFamily="18" charset="0"/>
-                              </a:rPr>
-                              <m:t>0  ,(−0.7+0.5</m:t>
-                            </m:r>
-                            <m:sSub>
-                              <m:sSubPr>
-                                <m:ctrlPr>
-                                  <a:rPr lang="en-US" i="1">
-                                    <a:latin typeface="Cambria Math" panose="02040503050406030204" pitchFamily="18" charset="0"/>
-                                    <a:ea typeface="Cambria Math" panose="02040503050406030204" pitchFamily="18" charset="0"/>
-                                  </a:rPr>
-                                </m:ctrlPr>
-                              </m:sSubPr>
-                              <m:e>
-                                <m:r>
-                                  <a:rPr lang="en-US" b="0" i="1" smtClean="0">
-                                    <a:latin typeface="Cambria Math" panose="02040503050406030204" pitchFamily="18" charset="0"/>
-                                    <a:ea typeface="Cambria Math" panose="02040503050406030204" pitchFamily="18" charset="0"/>
-                                  </a:rPr>
-                                  <m:t>𝑥</m:t>
-                                </m:r>
-                              </m:e>
-                              <m:sub>
-                                <m:r>
-                                  <a:rPr lang="en-US" i="1">
-                                    <a:latin typeface="Cambria Math" panose="02040503050406030204" pitchFamily="18" charset="0"/>
-                                    <a:ea typeface="Cambria Math" panose="02040503050406030204" pitchFamily="18" charset="0"/>
-                                  </a:rPr>
-                                  <m:t>1</m:t>
-                                </m:r>
-                              </m:sub>
-                            </m:sSub>
-                            <m:r>
-                              <a:rPr lang="en-US" b="0" i="1" smtClean="0">
-                                <a:latin typeface="Cambria Math" panose="02040503050406030204" pitchFamily="18" charset="0"/>
-                                <a:ea typeface="Cambria Math" panose="02040503050406030204" pitchFamily="18" charset="0"/>
-                              </a:rPr>
-                              <m:t>+</m:t>
-                            </m:r>
-                            <m:r>
-                              <a:rPr lang="en-US" i="1" smtClean="0">
-                                <a:latin typeface="Cambria Math" panose="02040503050406030204" pitchFamily="18" charset="0"/>
-                                <a:ea typeface="Cambria Math" panose="02040503050406030204" pitchFamily="18" charset="0"/>
-                              </a:rPr>
-                              <m:t>0</m:t>
-                            </m:r>
-                            <m:r>
-                              <a:rPr lang="en-US" b="0" i="1" smtClean="0">
-                                <a:latin typeface="Cambria Math" panose="02040503050406030204" pitchFamily="18" charset="0"/>
-                                <a:ea typeface="Cambria Math" panose="02040503050406030204" pitchFamily="18" charset="0"/>
-                              </a:rPr>
-                              <m:t>.5</m:t>
-                            </m:r>
-                            <m:sSub>
-                              <m:sSubPr>
-                                <m:ctrlPr>
-                                  <a:rPr lang="en-US" i="1">
-                                    <a:latin typeface="Cambria Math" panose="02040503050406030204" pitchFamily="18" charset="0"/>
-                                    <a:ea typeface="Cambria Math" panose="02040503050406030204" pitchFamily="18" charset="0"/>
-                                  </a:rPr>
-                                </m:ctrlPr>
-                              </m:sSubPr>
-                              <m:e>
-                                <m:r>
-                                  <a:rPr lang="en-US" b="0" i="1" smtClean="0">
-                                    <a:latin typeface="Cambria Math" panose="02040503050406030204" pitchFamily="18" charset="0"/>
-                                    <a:ea typeface="Cambria Math" panose="02040503050406030204" pitchFamily="18" charset="0"/>
-                                  </a:rPr>
-                                  <m:t>𝑥</m:t>
-                                </m:r>
-                              </m:e>
-                              <m:sub>
-                                <m:r>
-                                  <a:rPr lang="en-US" b="0" i="1" smtClean="0">
-                                    <a:latin typeface="Cambria Math" panose="02040503050406030204" pitchFamily="18" charset="0"/>
-                                    <a:ea typeface="Cambria Math" panose="02040503050406030204" pitchFamily="18" charset="0"/>
-                                  </a:rPr>
-                                  <m:t>2</m:t>
-                                </m:r>
-                              </m:sub>
-                            </m:sSub>
-                            <m:r>
-                              <a:rPr lang="en-US" i="1" smtClean="0">
-                                <a:latin typeface="Cambria Math" panose="02040503050406030204" pitchFamily="18" charset="0"/>
-                                <a:ea typeface="Cambria Math" panose="02040503050406030204" pitchFamily="18" charset="0"/>
-                              </a:rPr>
-                              <m:t>≤</m:t>
-                            </m:r>
-                            <m:r>
-                              <a:rPr lang="en-US" b="0" i="1" smtClean="0">
-                                <a:latin typeface="Cambria Math" panose="02040503050406030204" pitchFamily="18" charset="0"/>
-                                <a:ea typeface="Cambria Math" panose="02040503050406030204" pitchFamily="18" charset="0"/>
-                              </a:rPr>
-                              <m:t>0)</m:t>
-                            </m:r>
-                          </m:e>
-                          <m:e>
-                            <m:r>
-                              <a:rPr lang="en-US" b="0" i="1" smtClean="0">
-                                <a:latin typeface="Cambria Math" panose="02040503050406030204" pitchFamily="18" charset="0"/>
-                                <a:ea typeface="Cambria Math" panose="02040503050406030204" pitchFamily="18" charset="0"/>
-                              </a:rPr>
-                              <m:t>1</m:t>
-                            </m:r>
-                            <m:r>
-                              <a:rPr lang="en-US" i="1">
-                                <a:latin typeface="Cambria Math" panose="02040503050406030204" pitchFamily="18" charset="0"/>
-                                <a:ea typeface="Cambria Math" panose="02040503050406030204" pitchFamily="18" charset="0"/>
-                              </a:rPr>
-                              <m:t>,(</m:t>
-                            </m:r>
-                            <m:r>
-                              <a:rPr lang="en-US" b="0" i="1" smtClean="0">
-                                <a:latin typeface="Cambria Math" panose="02040503050406030204" pitchFamily="18" charset="0"/>
-                                <a:ea typeface="Cambria Math" panose="02040503050406030204" pitchFamily="18" charset="0"/>
-                              </a:rPr>
-                              <m:t>−0.7+</m:t>
-                            </m:r>
-                            <m:r>
-                              <a:rPr lang="en-US" i="1">
-                                <a:latin typeface="Cambria Math" panose="02040503050406030204" pitchFamily="18" charset="0"/>
-                                <a:ea typeface="Cambria Math" panose="02040503050406030204" pitchFamily="18" charset="0"/>
-                              </a:rPr>
-                              <m:t>0.5</m:t>
-                            </m:r>
-                            <m:sSub>
-                              <m:sSubPr>
-                                <m:ctrlPr>
-                                  <a:rPr lang="en-US" i="1">
-                                    <a:latin typeface="Cambria Math" panose="02040503050406030204" pitchFamily="18" charset="0"/>
-                                    <a:ea typeface="Cambria Math" panose="02040503050406030204" pitchFamily="18" charset="0"/>
-                                  </a:rPr>
-                                </m:ctrlPr>
-                              </m:sSubPr>
-                              <m:e>
-                                <m:r>
-                                  <a:rPr lang="en-US" i="1">
-                                    <a:latin typeface="Cambria Math" panose="02040503050406030204" pitchFamily="18" charset="0"/>
-                                    <a:ea typeface="Cambria Math" panose="02040503050406030204" pitchFamily="18" charset="0"/>
-                                  </a:rPr>
-                                  <m:t>𝑥</m:t>
-                                </m:r>
-                              </m:e>
-                              <m:sub>
-                                <m:r>
-                                  <a:rPr lang="en-US" i="1">
-                                    <a:latin typeface="Cambria Math" panose="02040503050406030204" pitchFamily="18" charset="0"/>
-                                    <a:ea typeface="Cambria Math" panose="02040503050406030204" pitchFamily="18" charset="0"/>
-                                  </a:rPr>
-                                  <m:t>1</m:t>
-                                </m:r>
-                              </m:sub>
-                            </m:sSub>
-                            <m:r>
-                              <a:rPr lang="en-US" i="1">
-                                <a:latin typeface="Cambria Math" panose="02040503050406030204" pitchFamily="18" charset="0"/>
-                                <a:ea typeface="Cambria Math" panose="02040503050406030204" pitchFamily="18" charset="0"/>
-                              </a:rPr>
-                              <m:t>+0.5</m:t>
-                            </m:r>
-                            <m:sSub>
-                              <m:sSubPr>
-                                <m:ctrlPr>
-                                  <a:rPr lang="en-US" i="1">
-                                    <a:latin typeface="Cambria Math" panose="02040503050406030204" pitchFamily="18" charset="0"/>
-                                    <a:ea typeface="Cambria Math" panose="02040503050406030204" pitchFamily="18" charset="0"/>
-                                  </a:rPr>
-                                </m:ctrlPr>
-                              </m:sSubPr>
-                              <m:e>
-                                <m:r>
-                                  <a:rPr lang="en-US" i="1">
-                                    <a:latin typeface="Cambria Math" panose="02040503050406030204" pitchFamily="18" charset="0"/>
-                                    <a:ea typeface="Cambria Math" panose="02040503050406030204" pitchFamily="18" charset="0"/>
-                                  </a:rPr>
-                                  <m:t>𝑥</m:t>
-                                </m:r>
-                              </m:e>
-                              <m:sub>
-                                <m:r>
-                                  <a:rPr lang="en-US" i="1">
-                                    <a:latin typeface="Cambria Math" panose="02040503050406030204" pitchFamily="18" charset="0"/>
-                                    <a:ea typeface="Cambria Math" panose="02040503050406030204" pitchFamily="18" charset="0"/>
-                                  </a:rPr>
-                                  <m:t>2</m:t>
-                                </m:r>
-                              </m:sub>
-                            </m:sSub>
-                            <m:r>
-                              <a:rPr lang="en-US" i="1">
-                                <a:latin typeface="Cambria Math" panose="02040503050406030204" pitchFamily="18" charset="0"/>
-                                <a:ea typeface="Cambria Math" panose="02040503050406030204" pitchFamily="18" charset="0"/>
-                              </a:rPr>
-                              <m:t>≤</m:t>
-                            </m:r>
-                            <m:r>
-                              <a:rPr lang="en-US" b="0" i="1" smtClean="0">
-                                <a:latin typeface="Cambria Math" panose="02040503050406030204" pitchFamily="18" charset="0"/>
-                                <a:ea typeface="Cambria Math" panose="02040503050406030204" pitchFamily="18" charset="0"/>
-                              </a:rPr>
-                              <m:t>0</m:t>
-                            </m:r>
-                            <m:r>
-                              <a:rPr lang="en-US" i="1">
-                                <a:latin typeface="Cambria Math" panose="02040503050406030204" pitchFamily="18" charset="0"/>
-                                <a:ea typeface="Cambria Math" panose="02040503050406030204" pitchFamily="18" charset="0"/>
-                              </a:rPr>
-                              <m:t>)</m:t>
-                            </m:r>
-                          </m:e>
-                        </m:eqArr>
-                      </m:e>
-                    </m:d>
-                  </m:oMath>
-                </a14:m>
-                <a:r>
-                  <a:rPr lang="en-US" dirty="0"/>
-                  <a:t> </a:t>
-                </a:r>
-              </a:p>
-            </p:txBody>
-          </p:sp>
-        </mc:Choice>
-        <mc:Fallback xmlns="">
-          <p:sp>
-            <p:nvSpPr>
-              <p:cNvPr id="12" name="TextBox 11">
-                <a:extLst>
-                  <a:ext uri="{FF2B5EF4-FFF2-40B4-BE49-F238E27FC236}">
-                    <a16:creationId xmlns:a16="http://schemas.microsoft.com/office/drawing/2014/main" id="{66D4E576-29FA-3691-CCAB-8B2FD1C1B723}"/>
-                  </a:ext>
-                </a:extLst>
-              </p:cNvPr>
-              <p:cNvSpPr txBox="1">
-                <a:spLocks noRot="1" noChangeAspect="1" noMove="1" noResize="1" noEditPoints="1" noAdjustHandles="1" noChangeArrowheads="1" noChangeShapeType="1" noTextEdit="1"/>
-              </p:cNvSpPr>
-              <p:nvPr/>
-            </p:nvSpPr>
-            <p:spPr>
-              <a:xfrm>
-                <a:off x="3785359" y="4661305"/>
-                <a:ext cx="6094378" cy="710194"/>
-              </a:xfrm>
-              <a:prstGeom prst="rect">
-                <a:avLst/>
-              </a:prstGeom>
-              <a:blipFill>
-                <a:blip r:embed="rId5"/>
-                <a:stretch>
-                  <a:fillRect/>
-                </a:stretch>
-              </a:blipFill>
-            </p:spPr>
-            <p:txBody>
-              <a:bodyPr/>
-              <a:lstStyle/>
-              <a:p>
-                <a:r>
-                  <a:rPr lang="en-US">
-                    <a:noFill/>
-                  </a:rPr>
-                  <a:t> </a:t>
-                </a:r>
-              </a:p>
-            </p:txBody>
-          </p:sp>
-        </mc:Fallback>
-      </mc:AlternateContent>
     </p:spTree>
     <p:extLst>
       <p:ext uri="{BB962C8B-B14F-4D97-AF65-F5344CB8AC3E}">
-        <p14:creationId xmlns:p14="http://schemas.microsoft.com/office/powerpoint/2010/main" val="3535588675"/>
+        <p14:creationId xmlns:p14="http://schemas.microsoft.com/office/powerpoint/2010/main" val="2023100089"/>
       </p:ext>
     </p:extLst>
   </p:cSld>
@@ -14352,7 +12021,7 @@
           <a:p>
             <a:fld id="{0303D7D5-FAC8-4B75-A637-D564180CD715}" type="datetime1">
               <a:rPr lang="ko-KR" altLang="en-US" sz="1000" smtClean="0"/>
-              <a:t>2023-06-22</a:t>
+              <a:t>2023-06-23</a:t>
             </a:fld>
             <a:endParaRPr lang="ko-KR" altLang="en-US" sz="1000" dirty="0"/>
           </a:p>
@@ -14445,7 +12114,7 @@
         <p:spPr>
           <a:xfrm>
             <a:off x="513806" y="576645"/>
-            <a:ext cx="3524794" cy="523220"/>
+            <a:ext cx="9544594" cy="523220"/>
           </a:xfrm>
           <a:prstGeom prst="rect">
             <a:avLst/>
@@ -14467,9 +12136,20 @@
                   </a:schemeClr>
                 </a:solidFill>
               </a:rPr>
-              <a:t>4. XOR</a:t>
-            </a:r>
-            <a:endParaRPr lang="ko-KR" altLang="en-US" sz="2800" b="1" dirty="0">
+              <a:t>3.  </a:t>
+            </a:r>
+            <a:r>
+              <a:rPr lang="ko-KR" altLang="en-US" sz="2800" b="1" dirty="0">
+                <a:solidFill>
+                  <a:schemeClr val="tx1">
+                    <a:lumMod val="65000"/>
+                    <a:lumOff val="35000"/>
+                  </a:schemeClr>
+                </a:solidFill>
+              </a:rPr>
+              <a:t>배치 정규화</a:t>
+            </a:r>
+            <a:endParaRPr lang="en-US" altLang="ko-KR" sz="2800" b="1" dirty="0">
               <a:solidFill>
                 <a:schemeClr val="tx1">
                   <a:lumMod val="65000"/>
@@ -14480,397 +12160,48 @@
           </a:p>
         </p:txBody>
       </p:sp>
-      <mc:AlternateContent xmlns:mc="http://schemas.openxmlformats.org/markup-compatibility/2006" xmlns:a14="http://schemas.microsoft.com/office/drawing/2010/main">
-        <mc:Choice Requires="a14">
-          <p:sp>
-            <p:nvSpPr>
-              <p:cNvPr id="3" name="TextBox 2">
-                <a:extLst>
-                  <a:ext uri="{FF2B5EF4-FFF2-40B4-BE49-F238E27FC236}">
-                    <a16:creationId xmlns:a16="http://schemas.microsoft.com/office/drawing/2014/main" id="{D603CCB4-ACB5-F02F-EF78-87D53658E441}"/>
-                  </a:ext>
-                </a:extLst>
-              </p:cNvPr>
-              <p:cNvSpPr txBox="1"/>
-              <p:nvPr/>
-            </p:nvSpPr>
-            <p:spPr>
-              <a:xfrm>
-                <a:off x="5715431" y="2860208"/>
-                <a:ext cx="4983332" cy="1631216"/>
-              </a:xfrm>
-              <a:prstGeom prst="rect">
-                <a:avLst/>
-              </a:prstGeom>
-              <a:noFill/>
-            </p:spPr>
-            <p:txBody>
-              <a:bodyPr wrap="square" rtlCol="0">
-                <a:spAutoFit/>
-              </a:bodyPr>
-              <a:lstStyle/>
-              <a:p>
-                <a:pPr marL="285750" indent="-285750">
-                  <a:buFont typeface="Arial" panose="020B0604020202020204" pitchFamily="34" charset="0"/>
-                  <a:buChar char="•"/>
-                </a:pPr>
-                <a:r>
-                  <a:rPr lang="en-US" altLang="ko-KR" sz="2000" b="1" dirty="0">
-                    <a:solidFill>
-                      <a:schemeClr val="tx1">
-                        <a:lumMod val="65000"/>
-                        <a:lumOff val="35000"/>
-                      </a:schemeClr>
-                    </a:solidFill>
-                  </a:rPr>
-                  <a:t>XOR</a:t>
-                </a:r>
-                <a:r>
-                  <a:rPr lang="ko-KR" altLang="en-US" sz="2000" b="1" dirty="0">
-                    <a:solidFill>
-                      <a:schemeClr val="tx1">
-                        <a:lumMod val="65000"/>
-                        <a:lumOff val="35000"/>
-                      </a:schemeClr>
-                    </a:solidFill>
-                  </a:rPr>
-                  <a:t>은 배타적 논리합 이라는 논리회로</a:t>
-                </a:r>
-                <a:endParaRPr lang="en-US" altLang="ko-KR" sz="2000" b="1" dirty="0">
-                  <a:solidFill>
-                    <a:schemeClr val="tx1">
-                      <a:lumMod val="65000"/>
-                      <a:lumOff val="35000"/>
-                    </a:schemeClr>
-                  </a:solidFill>
-                </a:endParaRPr>
-              </a:p>
-              <a:p>
-                <a:pPr marL="285750" indent="-285750">
-                  <a:buFont typeface="Arial" panose="020B0604020202020204" pitchFamily="34" charset="0"/>
-                  <a:buChar char="•"/>
-                </a:pPr>
-                <a:endParaRPr lang="en-US" altLang="ko-KR" sz="2000" b="1" dirty="0">
-                  <a:solidFill>
-                    <a:schemeClr val="tx1">
-                      <a:lumMod val="65000"/>
-                      <a:lumOff val="35000"/>
-                    </a:schemeClr>
-                  </a:solidFill>
-                </a:endParaRPr>
-              </a:p>
-              <a:p>
-                <a:pPr marL="285750" indent="-285750">
-                  <a:buFont typeface="Arial" panose="020B0604020202020204" pitchFamily="34" charset="0"/>
-                  <a:buChar char="•"/>
-                </a:pPr>
-                <a14:m>
-                  <m:oMath xmlns:m="http://schemas.openxmlformats.org/officeDocument/2006/math">
-                    <m:sSub>
-                      <m:sSubPr>
-                        <m:ctrlPr>
-                          <a:rPr lang="en-US" altLang="ko-KR" sz="2000" b="1" i="1" smtClean="0">
-                            <a:solidFill>
-                              <a:schemeClr val="tx1">
-                                <a:lumMod val="65000"/>
-                                <a:lumOff val="35000"/>
-                              </a:schemeClr>
-                            </a:solidFill>
-                            <a:latin typeface="Cambria Math" panose="02040503050406030204" pitchFamily="18" charset="0"/>
-                          </a:rPr>
-                        </m:ctrlPr>
-                      </m:sSubPr>
-                      <m:e>
-                        <m:r>
-                          <a:rPr lang="en-US" altLang="ko-KR" sz="2000" b="1" i="1" smtClean="0">
-                            <a:solidFill>
-                              <a:schemeClr val="tx1">
-                                <a:lumMod val="65000"/>
-                                <a:lumOff val="35000"/>
-                              </a:schemeClr>
-                            </a:solidFill>
-                            <a:latin typeface="Cambria Math" panose="02040503050406030204" pitchFamily="18" charset="0"/>
-                          </a:rPr>
-                          <m:t>𝒙</m:t>
-                        </m:r>
-                      </m:e>
-                      <m:sub>
-                        <m:r>
-                          <a:rPr lang="en-US" altLang="ko-KR" sz="2000" b="1" i="1" smtClean="0">
-                            <a:solidFill>
-                              <a:schemeClr val="tx1">
-                                <a:lumMod val="65000"/>
-                                <a:lumOff val="35000"/>
-                              </a:schemeClr>
-                            </a:solidFill>
-                            <a:latin typeface="Cambria Math" panose="02040503050406030204" pitchFamily="18" charset="0"/>
-                          </a:rPr>
-                          <m:t>𝟏</m:t>
-                        </m:r>
-                      </m:sub>
-                    </m:sSub>
-                    <m:r>
-                      <a:rPr lang="en-US" altLang="ko-KR" sz="2000" b="1" i="1" smtClean="0">
-                        <a:solidFill>
-                          <a:schemeClr val="tx1">
-                            <a:lumMod val="65000"/>
-                            <a:lumOff val="35000"/>
-                          </a:schemeClr>
-                        </a:solidFill>
-                        <a:latin typeface="Cambria Math" panose="02040503050406030204" pitchFamily="18" charset="0"/>
-                      </a:rPr>
-                      <m:t>,</m:t>
-                    </m:r>
-                  </m:oMath>
-                </a14:m>
-                <a:r>
-                  <a:rPr lang="en-US" altLang="ko-KR" sz="2000" b="1" dirty="0">
-                    <a:solidFill>
-                      <a:schemeClr val="tx1">
-                        <a:lumMod val="65000"/>
-                        <a:lumOff val="35000"/>
-                      </a:schemeClr>
-                    </a:solidFill>
-                  </a:rPr>
-                  <a:t> </a:t>
-                </a:r>
-                <a14:m>
-                  <m:oMath xmlns:m="http://schemas.openxmlformats.org/officeDocument/2006/math">
-                    <m:sSub>
-                      <m:sSubPr>
-                        <m:ctrlPr>
-                          <a:rPr lang="en-US" altLang="ko-KR" sz="2000" b="1" i="1">
-                            <a:solidFill>
-                              <a:schemeClr val="tx1">
-                                <a:lumMod val="65000"/>
-                                <a:lumOff val="35000"/>
-                              </a:schemeClr>
-                            </a:solidFill>
-                            <a:latin typeface="Cambria Math" panose="02040503050406030204" pitchFamily="18" charset="0"/>
-                          </a:rPr>
-                        </m:ctrlPr>
-                      </m:sSubPr>
-                      <m:e>
-                        <m:r>
-                          <a:rPr lang="en-US" altLang="ko-KR" sz="2000" b="1" i="1">
-                            <a:solidFill>
-                              <a:schemeClr val="tx1">
-                                <a:lumMod val="65000"/>
-                                <a:lumOff val="35000"/>
-                              </a:schemeClr>
-                            </a:solidFill>
-                            <a:latin typeface="Cambria Math" panose="02040503050406030204" pitchFamily="18" charset="0"/>
-                          </a:rPr>
-                          <m:t>𝒙</m:t>
-                        </m:r>
-                      </m:e>
-                      <m:sub>
-                        <m:r>
-                          <a:rPr lang="en-US" altLang="ko-KR" sz="2000" b="1" i="1" smtClean="0">
-                            <a:solidFill>
-                              <a:schemeClr val="tx1">
-                                <a:lumMod val="65000"/>
-                                <a:lumOff val="35000"/>
-                              </a:schemeClr>
-                            </a:solidFill>
-                            <a:latin typeface="Cambria Math" panose="02040503050406030204" pitchFamily="18" charset="0"/>
-                          </a:rPr>
-                          <m:t>𝟐</m:t>
-                        </m:r>
-                      </m:sub>
-                    </m:sSub>
-                  </m:oMath>
-                </a14:m>
-                <a:r>
-                  <a:rPr lang="en-US" altLang="ko-KR" sz="2000" b="1" dirty="0">
-                    <a:solidFill>
-                      <a:schemeClr val="tx1">
-                        <a:lumMod val="65000"/>
-                        <a:lumOff val="35000"/>
-                      </a:schemeClr>
-                    </a:solidFill>
-                  </a:rPr>
-                  <a:t> </a:t>
-                </a:r>
-                <a:r>
-                  <a:rPr lang="ko-KR" altLang="en-US" sz="2000" b="1" dirty="0">
-                    <a:solidFill>
-                      <a:schemeClr val="tx1">
-                        <a:lumMod val="65000"/>
-                        <a:lumOff val="35000"/>
-                      </a:schemeClr>
-                    </a:solidFill>
-                  </a:rPr>
-                  <a:t>중 한쪽이 </a:t>
-                </a:r>
-                <a:r>
-                  <a:rPr lang="en-US" altLang="ko-KR" sz="2000" b="1" dirty="0">
-                    <a:solidFill>
-                      <a:schemeClr val="tx1">
-                        <a:lumMod val="65000"/>
-                        <a:lumOff val="35000"/>
-                      </a:schemeClr>
-                    </a:solidFill>
-                  </a:rPr>
-                  <a:t>1</a:t>
-                </a:r>
-                <a:r>
-                  <a:rPr lang="ko-KR" altLang="en-US" sz="2000" b="1" dirty="0">
-                    <a:solidFill>
-                      <a:schemeClr val="tx1">
-                        <a:lumMod val="65000"/>
-                        <a:lumOff val="35000"/>
-                      </a:schemeClr>
-                    </a:solidFill>
-                  </a:rPr>
-                  <a:t>일 때만 </a:t>
-                </a:r>
-                <a:r>
-                  <a:rPr lang="en-US" altLang="ko-KR" sz="2000" b="1" dirty="0">
-                    <a:solidFill>
-                      <a:schemeClr val="tx1">
-                        <a:lumMod val="65000"/>
-                        <a:lumOff val="35000"/>
-                      </a:schemeClr>
-                    </a:solidFill>
-                  </a:rPr>
-                  <a:t>1</a:t>
-                </a:r>
-                <a:r>
-                  <a:rPr lang="ko-KR" altLang="en-US" sz="2000" b="1" dirty="0">
-                    <a:solidFill>
-                      <a:schemeClr val="tx1">
-                        <a:lumMod val="65000"/>
-                        <a:lumOff val="35000"/>
-                      </a:schemeClr>
-                    </a:solidFill>
-                  </a:rPr>
-                  <a:t>을 출력</a:t>
-                </a:r>
-                <a:endParaRPr lang="en-US" altLang="ko-KR" sz="2000" b="1" dirty="0">
-                  <a:solidFill>
-                    <a:schemeClr val="tx1">
-                      <a:lumMod val="65000"/>
-                      <a:lumOff val="35000"/>
-                    </a:schemeClr>
-                  </a:solidFill>
-                </a:endParaRPr>
-              </a:p>
-              <a:p>
-                <a:pPr marL="285750" indent="-285750">
-                  <a:buFont typeface="Arial" panose="020B0604020202020204" pitchFamily="34" charset="0"/>
-                  <a:buChar char="•"/>
-                </a:pPr>
-                <a:endParaRPr lang="en-US" altLang="ko-KR" sz="2000" b="1" dirty="0">
-                  <a:solidFill>
-                    <a:schemeClr val="tx1">
-                      <a:lumMod val="65000"/>
-                      <a:lumOff val="35000"/>
-                    </a:schemeClr>
-                  </a:solidFill>
-                </a:endParaRPr>
-              </a:p>
-              <a:p>
-                <a:pPr marL="285750" indent="-285750">
-                  <a:buFont typeface="Arial" panose="020B0604020202020204" pitchFamily="34" charset="0"/>
-                  <a:buChar char="•"/>
-                </a:pPr>
-                <a:r>
-                  <a:rPr lang="ko-KR" altLang="en-US" sz="2000" b="1" dirty="0">
-                    <a:solidFill>
-                      <a:schemeClr val="tx1">
-                        <a:lumMod val="65000"/>
-                        <a:lumOff val="35000"/>
-                      </a:schemeClr>
-                    </a:solidFill>
-                  </a:rPr>
-                  <a:t>하나의 </a:t>
-                </a:r>
-                <a:r>
-                  <a:rPr lang="ko-KR" altLang="en-US" sz="2000" b="1" dirty="0" err="1">
-                    <a:solidFill>
-                      <a:schemeClr val="tx1">
-                        <a:lumMod val="65000"/>
-                        <a:lumOff val="35000"/>
-                      </a:schemeClr>
-                    </a:solidFill>
-                  </a:rPr>
-                  <a:t>퍼셉트론으로는</a:t>
-                </a:r>
-                <a:r>
-                  <a:rPr lang="ko-KR" altLang="en-US" sz="2000" b="1" dirty="0">
-                    <a:solidFill>
-                      <a:schemeClr val="tx1">
-                        <a:lumMod val="65000"/>
-                        <a:lumOff val="35000"/>
-                      </a:schemeClr>
-                    </a:solidFill>
-                  </a:rPr>
-                  <a:t> 구현이 불가능</a:t>
-                </a:r>
-                <a:endParaRPr lang="en-US" altLang="ko-KR" sz="2000" b="1" dirty="0">
-                  <a:solidFill>
-                    <a:schemeClr val="tx1">
-                      <a:lumMod val="65000"/>
-                      <a:lumOff val="35000"/>
-                    </a:schemeClr>
-                  </a:solidFill>
-                </a:endParaRPr>
-              </a:p>
-            </p:txBody>
-          </p:sp>
-        </mc:Choice>
-        <mc:Fallback xmlns="">
-          <p:sp>
-            <p:nvSpPr>
-              <p:cNvPr id="3" name="TextBox 2">
-                <a:extLst>
-                  <a:ext uri="{FF2B5EF4-FFF2-40B4-BE49-F238E27FC236}">
-                    <a16:creationId xmlns:a16="http://schemas.microsoft.com/office/drawing/2014/main" id="{D603CCB4-ACB5-F02F-EF78-87D53658E441}"/>
-                  </a:ext>
-                </a:extLst>
-              </p:cNvPr>
-              <p:cNvSpPr txBox="1">
-                <a:spLocks noRot="1" noChangeAspect="1" noMove="1" noResize="1" noEditPoints="1" noAdjustHandles="1" noChangeArrowheads="1" noChangeShapeType="1" noTextEdit="1"/>
-              </p:cNvSpPr>
-              <p:nvPr/>
-            </p:nvSpPr>
-            <p:spPr>
-              <a:xfrm>
-                <a:off x="5715431" y="2860208"/>
-                <a:ext cx="4983332" cy="1631216"/>
-              </a:xfrm>
-              <a:prstGeom prst="rect">
-                <a:avLst/>
-              </a:prstGeom>
-              <a:blipFill>
-                <a:blip r:embed="rId2"/>
-                <a:stretch>
-                  <a:fillRect l="-1102" t="-1866" b="-5597"/>
-                </a:stretch>
-              </a:blipFill>
-            </p:spPr>
-            <p:txBody>
-              <a:bodyPr/>
-              <a:lstStyle/>
-              <a:p>
-                <a:r>
-                  <a:rPr lang="en-US">
-                    <a:noFill/>
-                  </a:rPr>
-                  <a:t> </a:t>
-                </a:r>
-              </a:p>
-            </p:txBody>
-          </p:sp>
-        </mc:Fallback>
-      </mc:AlternateContent>
       <p:pic>
         <p:nvPicPr>
-          <p:cNvPr id="5" name="그림 4">
-            <a:extLst>
-              <a:ext uri="{FF2B5EF4-FFF2-40B4-BE49-F238E27FC236}">
-                <a16:creationId xmlns:a16="http://schemas.microsoft.com/office/drawing/2014/main" id="{3B6210B6-4187-BF55-AB72-339C46849F11}"/>
+          <p:cNvPr id="7" name="그림 6">
+            <a:extLst>
+              <a:ext uri="{FF2B5EF4-FFF2-40B4-BE49-F238E27FC236}">
+                <a16:creationId xmlns:a16="http://schemas.microsoft.com/office/drawing/2014/main" id="{C8F46198-ECBC-1BDB-E7FA-3C739C822C78}"/>
+              </a:ext>
+            </a:extLst>
+          </p:cNvPr>
+          <p:cNvPicPr>
+            <a:picLocks noChangeAspect="1"/>
+          </p:cNvPicPr>
+          <p:nvPr/>
+        </p:nvPicPr>
+        <p:blipFill>
+          <a:blip r:embed="rId2">
+            <a:extLst>
+              <a:ext uri="{28A0092B-C50C-407E-A947-70E740481C1C}">
+                <a14:useLocalDpi xmlns:a14="http://schemas.microsoft.com/office/drawing/2010/main" val="0"/>
+              </a:ext>
+            </a:extLst>
+          </a:blip>
+          <a:stretch>
+            <a:fillRect/>
+          </a:stretch>
+        </p:blipFill>
+        <p:spPr>
+          <a:xfrm>
+            <a:off x="5140738" y="2041942"/>
+            <a:ext cx="1562180" cy="482625"/>
+          </a:xfrm>
+          <a:prstGeom prst="rect">
+            <a:avLst/>
+          </a:prstGeom>
+        </p:spPr>
+      </p:pic>
+      <p:pic>
+        <p:nvPicPr>
+          <p:cNvPr id="11" name="그림 10">
+            <a:extLst>
+              <a:ext uri="{FF2B5EF4-FFF2-40B4-BE49-F238E27FC236}">
+                <a16:creationId xmlns:a16="http://schemas.microsoft.com/office/drawing/2014/main" id="{233C40C5-266B-152E-DF66-B5F2150DB242}"/>
               </a:ext>
             </a:extLst>
           </p:cNvPr>
@@ -14893,8 +12224,8 @@
         </p:blipFill>
         <p:spPr>
           <a:xfrm>
-            <a:off x="1781017" y="2024483"/>
-            <a:ext cx="2603634" cy="3035456"/>
+            <a:off x="847917" y="2833826"/>
+            <a:ext cx="10147822" cy="2971953"/>
           </a:xfrm>
           <a:prstGeom prst="rect">
             <a:avLst/>
@@ -14904,7 +12235,7 @@
     </p:spTree>
     <p:extLst>
       <p:ext uri="{BB962C8B-B14F-4D97-AF65-F5344CB8AC3E}">
-        <p14:creationId xmlns:p14="http://schemas.microsoft.com/office/powerpoint/2010/main" val="1891154778"/>
+        <p14:creationId xmlns:p14="http://schemas.microsoft.com/office/powerpoint/2010/main" val="677507803"/>
       </p:ext>
     </p:extLst>
   </p:cSld>
@@ -14959,7 +12290,7 @@
           <a:p>
             <a:fld id="{0303D7D5-FAC8-4B75-A637-D564180CD715}" type="datetime1">
               <a:rPr lang="ko-KR" altLang="en-US" sz="1000" smtClean="0"/>
-              <a:t>2023-06-22</a:t>
+              <a:t>2023-06-23</a:t>
             </a:fld>
             <a:endParaRPr lang="ko-KR" altLang="en-US" sz="1000" dirty="0"/>
           </a:p>
@@ -15052,7 +12383,7 @@
         <p:spPr>
           <a:xfrm>
             <a:off x="513806" y="576645"/>
-            <a:ext cx="3524794" cy="523220"/>
+            <a:ext cx="9544594" cy="523220"/>
           </a:xfrm>
           <a:prstGeom prst="rect">
             <a:avLst/>
@@ -15074,9 +12405,42 @@
                   </a:schemeClr>
                 </a:solidFill>
               </a:rPr>
-              <a:t>4. XOR</a:t>
-            </a:r>
-            <a:endParaRPr lang="ko-KR" altLang="en-US" sz="2800" b="1" dirty="0">
+              <a:t>3.  </a:t>
+            </a:r>
+            <a:r>
+              <a:rPr lang="ko-KR" altLang="en-US" sz="2800" b="1" dirty="0">
+                <a:solidFill>
+                  <a:schemeClr val="tx1">
+                    <a:lumMod val="65000"/>
+                    <a:lumOff val="35000"/>
+                  </a:schemeClr>
+                </a:solidFill>
+              </a:rPr>
+              <a:t>배치 정규화 </a:t>
+            </a:r>
+            <a:r>
+              <a:rPr lang="en-US" altLang="ko-KR" sz="2800" b="1" dirty="0">
+                <a:solidFill>
+                  <a:schemeClr val="tx1">
+                    <a:lumMod val="65000"/>
+                    <a:lumOff val="35000"/>
+                  </a:schemeClr>
+                </a:solidFill>
+              </a:rPr>
+              <a:t>– </a:t>
+            </a:r>
+            <a:r>
+              <a:rPr lang="en-US" altLang="ko-KR" sz="2800" b="1" dirty="0" err="1">
+                <a:solidFill>
+                  <a:schemeClr val="tx1">
+                    <a:lumMod val="65000"/>
+                    <a:lumOff val="35000"/>
+                  </a:schemeClr>
+                </a:solidFill>
+              </a:rPr>
+              <a:t>Mnist</a:t>
+            </a:r>
+            <a:endParaRPr lang="en-US" altLang="ko-KR" sz="2800" b="1" dirty="0">
               <a:solidFill>
                 <a:schemeClr val="tx1">
                   <a:lumMod val="65000"/>
@@ -15089,10 +12453,10 @@
       </p:sp>
       <p:pic>
         <p:nvPicPr>
-          <p:cNvPr id="7" name="그림 6">
-            <a:extLst>
-              <a:ext uri="{FF2B5EF4-FFF2-40B4-BE49-F238E27FC236}">
-                <a16:creationId xmlns:a16="http://schemas.microsoft.com/office/drawing/2014/main" id="{CFFE517B-706A-2E47-6BB0-AAF4F212F1C9}"/>
+          <p:cNvPr id="3" name="그림 2">
+            <a:extLst>
+              <a:ext uri="{FF2B5EF4-FFF2-40B4-BE49-F238E27FC236}">
+                <a16:creationId xmlns:a16="http://schemas.microsoft.com/office/drawing/2014/main" id="{E831ADC4-90A7-56F9-3642-C0D4BF14F55A}"/>
               </a:ext>
             </a:extLst>
           </p:cNvPr>
@@ -15115,377 +12479,18 @@
         </p:blipFill>
         <p:spPr>
           <a:xfrm>
-            <a:off x="1604269" y="1507380"/>
-            <a:ext cx="3629583" cy="3563290"/>
+            <a:off x="2597876" y="1529147"/>
+            <a:ext cx="5977890" cy="4752208"/>
           </a:xfrm>
           <a:prstGeom prst="rect">
             <a:avLst/>
           </a:prstGeom>
         </p:spPr>
       </p:pic>
-      <mc:AlternateContent xmlns:mc="http://schemas.openxmlformats.org/markup-compatibility/2006" xmlns:a14="http://schemas.microsoft.com/office/drawing/2010/main">
-        <mc:Choice Requires="a14">
-          <p:sp>
-            <p:nvSpPr>
-              <p:cNvPr id="10" name="TextBox 9">
-                <a:extLst>
-                  <a:ext uri="{FF2B5EF4-FFF2-40B4-BE49-F238E27FC236}">
-                    <a16:creationId xmlns:a16="http://schemas.microsoft.com/office/drawing/2014/main" id="{56397820-54C6-DE8B-E54E-0163820E9069}"/>
-                  </a:ext>
-                </a:extLst>
-              </p:cNvPr>
-              <p:cNvSpPr txBox="1"/>
-              <p:nvPr/>
-            </p:nvSpPr>
-            <p:spPr>
-              <a:xfrm>
-                <a:off x="5068120" y="3289025"/>
-                <a:ext cx="6094378" cy="710194"/>
-              </a:xfrm>
-              <a:prstGeom prst="rect">
-                <a:avLst/>
-              </a:prstGeom>
-              <a:noFill/>
-            </p:spPr>
-            <p:txBody>
-              <a:bodyPr wrap="square">
-                <a:spAutoFit/>
-              </a:bodyPr>
-              <a:lstStyle/>
-              <a:p>
-                <a:pPr algn="ctr"/>
-                <a14:m>
-                  <m:oMath xmlns:m="http://schemas.openxmlformats.org/officeDocument/2006/math">
-                    <m:r>
-                      <a:rPr lang="en-US" b="0" i="1" smtClean="0">
-                        <a:latin typeface="Cambria Math" panose="02040503050406030204" pitchFamily="18" charset="0"/>
-                        <a:ea typeface="Cambria Math" panose="02040503050406030204" pitchFamily="18" charset="0"/>
-                      </a:rPr>
-                      <m:t>𝑦</m:t>
-                    </m:r>
-                    <m:r>
-                      <a:rPr lang="en-US" b="0" i="1" smtClean="0">
-                        <a:latin typeface="Cambria Math" panose="02040503050406030204" pitchFamily="18" charset="0"/>
-                        <a:ea typeface="Cambria Math" panose="02040503050406030204" pitchFamily="18" charset="0"/>
-                      </a:rPr>
-                      <m:t>=</m:t>
-                    </m:r>
-                    <m:d>
-                      <m:dPr>
-                        <m:begChr m:val="{"/>
-                        <m:endChr m:val=""/>
-                        <m:ctrlPr>
-                          <a:rPr lang="el-GR" i="1" smtClean="0">
-                            <a:latin typeface="Cambria Math" panose="02040503050406030204" pitchFamily="18" charset="0"/>
-                            <a:ea typeface="Cambria Math" panose="02040503050406030204" pitchFamily="18" charset="0"/>
-                          </a:rPr>
-                        </m:ctrlPr>
-                      </m:dPr>
-                      <m:e>
-                        <m:eqArr>
-                          <m:eqArrPr>
-                            <m:ctrlPr>
-                              <a:rPr lang="el-GR" i="1" smtClean="0">
-                                <a:latin typeface="Cambria Math" panose="02040503050406030204" pitchFamily="18" charset="0"/>
-                                <a:ea typeface="Cambria Math" panose="02040503050406030204" pitchFamily="18" charset="0"/>
-                              </a:rPr>
-                            </m:ctrlPr>
-                          </m:eqArrPr>
-                          <m:e>
-                            <m:r>
-                              <a:rPr lang="en-US" b="0" i="1" smtClean="0">
-                                <a:latin typeface="Cambria Math" panose="02040503050406030204" pitchFamily="18" charset="0"/>
-                                <a:ea typeface="Cambria Math" panose="02040503050406030204" pitchFamily="18" charset="0"/>
-                              </a:rPr>
-                              <m:t>0  ,(−0.5+</m:t>
-                            </m:r>
-                            <m:sSub>
-                              <m:sSubPr>
-                                <m:ctrlPr>
-                                  <a:rPr lang="en-US" i="1" smtClean="0">
-                                    <a:latin typeface="Cambria Math" panose="02040503050406030204" pitchFamily="18" charset="0"/>
-                                    <a:ea typeface="Cambria Math" panose="02040503050406030204" pitchFamily="18" charset="0"/>
-                                  </a:rPr>
-                                </m:ctrlPr>
-                              </m:sSubPr>
-                              <m:e>
-                                <m:r>
-                                  <a:rPr lang="en-US" b="0" i="1" smtClean="0">
-                                    <a:latin typeface="Cambria Math" panose="02040503050406030204" pitchFamily="18" charset="0"/>
-                                    <a:ea typeface="Cambria Math" panose="02040503050406030204" pitchFamily="18" charset="0"/>
-                                  </a:rPr>
-                                  <m:t>𝑥</m:t>
-                                </m:r>
-                              </m:e>
-                              <m:sub>
-                                <m:r>
-                                  <a:rPr lang="en-US" i="1">
-                                    <a:latin typeface="Cambria Math" panose="02040503050406030204" pitchFamily="18" charset="0"/>
-                                    <a:ea typeface="Cambria Math" panose="02040503050406030204" pitchFamily="18" charset="0"/>
-                                  </a:rPr>
-                                  <m:t>1</m:t>
-                                </m:r>
-                              </m:sub>
-                            </m:sSub>
-                            <m:r>
-                              <a:rPr lang="en-US" b="0" i="1" smtClean="0">
-                                <a:latin typeface="Cambria Math" panose="02040503050406030204" pitchFamily="18" charset="0"/>
-                                <a:ea typeface="Cambria Math" panose="02040503050406030204" pitchFamily="18" charset="0"/>
-                              </a:rPr>
-                              <m:t>+</m:t>
-                            </m:r>
-                            <m:sSub>
-                              <m:sSubPr>
-                                <m:ctrlPr>
-                                  <a:rPr lang="en-US" i="1">
-                                    <a:latin typeface="Cambria Math" panose="02040503050406030204" pitchFamily="18" charset="0"/>
-                                    <a:ea typeface="Cambria Math" panose="02040503050406030204" pitchFamily="18" charset="0"/>
-                                  </a:rPr>
-                                </m:ctrlPr>
-                              </m:sSubPr>
-                              <m:e>
-                                <m:r>
-                                  <a:rPr lang="en-US" b="0" i="1" smtClean="0">
-                                    <a:latin typeface="Cambria Math" panose="02040503050406030204" pitchFamily="18" charset="0"/>
-                                    <a:ea typeface="Cambria Math" panose="02040503050406030204" pitchFamily="18" charset="0"/>
-                                  </a:rPr>
-                                  <m:t>𝑥</m:t>
-                                </m:r>
-                              </m:e>
-                              <m:sub>
-                                <m:r>
-                                  <a:rPr lang="en-US" b="0" i="1" smtClean="0">
-                                    <a:latin typeface="Cambria Math" panose="02040503050406030204" pitchFamily="18" charset="0"/>
-                                    <a:ea typeface="Cambria Math" panose="02040503050406030204" pitchFamily="18" charset="0"/>
-                                  </a:rPr>
-                                  <m:t>2</m:t>
-                                </m:r>
-                              </m:sub>
-                            </m:sSub>
-                            <m:r>
-                              <a:rPr lang="en-US" i="1" smtClean="0">
-                                <a:latin typeface="Cambria Math" panose="02040503050406030204" pitchFamily="18" charset="0"/>
-                                <a:ea typeface="Cambria Math" panose="02040503050406030204" pitchFamily="18" charset="0"/>
-                              </a:rPr>
-                              <m:t>≤</m:t>
-                            </m:r>
-                            <m:r>
-                              <a:rPr lang="en-US" b="0" i="1" smtClean="0">
-                                <a:latin typeface="Cambria Math" panose="02040503050406030204" pitchFamily="18" charset="0"/>
-                                <a:ea typeface="Cambria Math" panose="02040503050406030204" pitchFamily="18" charset="0"/>
-                              </a:rPr>
-                              <m:t>0)</m:t>
-                            </m:r>
-                          </m:e>
-                          <m:e>
-                            <m:r>
-                              <a:rPr lang="en-US" b="0" i="1" smtClean="0">
-                                <a:latin typeface="Cambria Math" panose="02040503050406030204" pitchFamily="18" charset="0"/>
-                                <a:ea typeface="Cambria Math" panose="02040503050406030204" pitchFamily="18" charset="0"/>
-                              </a:rPr>
-                              <m:t>1</m:t>
-                            </m:r>
-                            <m:r>
-                              <a:rPr lang="en-US" i="1">
-                                <a:latin typeface="Cambria Math" panose="02040503050406030204" pitchFamily="18" charset="0"/>
-                                <a:ea typeface="Cambria Math" panose="02040503050406030204" pitchFamily="18" charset="0"/>
-                              </a:rPr>
-                              <m:t>,(</m:t>
-                            </m:r>
-                            <m:sSub>
-                              <m:sSubPr>
-                                <m:ctrlPr>
-                                  <a:rPr lang="en-US" i="1">
-                                    <a:latin typeface="Cambria Math" panose="02040503050406030204" pitchFamily="18" charset="0"/>
-                                    <a:ea typeface="Cambria Math" panose="02040503050406030204" pitchFamily="18" charset="0"/>
-                                  </a:rPr>
-                                </m:ctrlPr>
-                              </m:sSubPr>
-                              <m:e>
-                                <m:r>
-                                  <a:rPr lang="en-US" b="0" i="1" smtClean="0">
-                                    <a:latin typeface="Cambria Math" panose="02040503050406030204" pitchFamily="18" charset="0"/>
-                                    <a:ea typeface="Cambria Math" panose="02040503050406030204" pitchFamily="18" charset="0"/>
-                                  </a:rPr>
-                                  <m:t>−0.5+</m:t>
-                                </m:r>
-                                <m:r>
-                                  <a:rPr lang="en-US" i="1">
-                                    <a:latin typeface="Cambria Math" panose="02040503050406030204" pitchFamily="18" charset="0"/>
-                                    <a:ea typeface="Cambria Math" panose="02040503050406030204" pitchFamily="18" charset="0"/>
-                                  </a:rPr>
-                                  <m:t>𝑥</m:t>
-                                </m:r>
-                              </m:e>
-                              <m:sub>
-                                <m:r>
-                                  <a:rPr lang="en-US" i="1">
-                                    <a:latin typeface="Cambria Math" panose="02040503050406030204" pitchFamily="18" charset="0"/>
-                                    <a:ea typeface="Cambria Math" panose="02040503050406030204" pitchFamily="18" charset="0"/>
-                                  </a:rPr>
-                                  <m:t>1</m:t>
-                                </m:r>
-                              </m:sub>
-                            </m:sSub>
-                            <m:r>
-                              <a:rPr lang="en-US" i="1">
-                                <a:latin typeface="Cambria Math" panose="02040503050406030204" pitchFamily="18" charset="0"/>
-                                <a:ea typeface="Cambria Math" panose="02040503050406030204" pitchFamily="18" charset="0"/>
-                              </a:rPr>
-                              <m:t>+</m:t>
-                            </m:r>
-                            <m:sSub>
-                              <m:sSubPr>
-                                <m:ctrlPr>
-                                  <a:rPr lang="en-US" i="1">
-                                    <a:latin typeface="Cambria Math" panose="02040503050406030204" pitchFamily="18" charset="0"/>
-                                    <a:ea typeface="Cambria Math" panose="02040503050406030204" pitchFamily="18" charset="0"/>
-                                  </a:rPr>
-                                </m:ctrlPr>
-                              </m:sSubPr>
-                              <m:e>
-                                <m:r>
-                                  <a:rPr lang="en-US" i="1">
-                                    <a:latin typeface="Cambria Math" panose="02040503050406030204" pitchFamily="18" charset="0"/>
-                                    <a:ea typeface="Cambria Math" panose="02040503050406030204" pitchFamily="18" charset="0"/>
-                                  </a:rPr>
-                                  <m:t>𝑥</m:t>
-                                </m:r>
-                              </m:e>
-                              <m:sub>
-                                <m:r>
-                                  <a:rPr lang="en-US" i="1">
-                                    <a:latin typeface="Cambria Math" panose="02040503050406030204" pitchFamily="18" charset="0"/>
-                                    <a:ea typeface="Cambria Math" panose="02040503050406030204" pitchFamily="18" charset="0"/>
-                                  </a:rPr>
-                                  <m:t>2</m:t>
-                                </m:r>
-                              </m:sub>
-                            </m:sSub>
-                            <m:r>
-                              <a:rPr lang="en-US" i="1">
-                                <a:latin typeface="Cambria Math" panose="02040503050406030204" pitchFamily="18" charset="0"/>
-                                <a:ea typeface="Cambria Math" panose="02040503050406030204" pitchFamily="18" charset="0"/>
-                              </a:rPr>
-                              <m:t>≤</m:t>
-                            </m:r>
-                            <m:r>
-                              <a:rPr lang="en-US" b="0" i="1" smtClean="0">
-                                <a:latin typeface="Cambria Math" panose="02040503050406030204" pitchFamily="18" charset="0"/>
-                                <a:ea typeface="Cambria Math" panose="02040503050406030204" pitchFamily="18" charset="0"/>
-                              </a:rPr>
-                              <m:t>0</m:t>
-                            </m:r>
-                            <m:r>
-                              <a:rPr lang="en-US" i="1">
-                                <a:latin typeface="Cambria Math" panose="02040503050406030204" pitchFamily="18" charset="0"/>
-                                <a:ea typeface="Cambria Math" panose="02040503050406030204" pitchFamily="18" charset="0"/>
-                              </a:rPr>
-                              <m:t>)</m:t>
-                            </m:r>
-                          </m:e>
-                        </m:eqArr>
-                      </m:e>
-                    </m:d>
-                  </m:oMath>
-                </a14:m>
-                <a:r>
-                  <a:rPr lang="en-US" dirty="0"/>
-                  <a:t> </a:t>
-                </a:r>
-              </a:p>
-            </p:txBody>
-          </p:sp>
-        </mc:Choice>
-        <mc:Fallback xmlns="">
-          <p:sp>
-            <p:nvSpPr>
-              <p:cNvPr id="10" name="TextBox 9">
-                <a:extLst>
-                  <a:ext uri="{FF2B5EF4-FFF2-40B4-BE49-F238E27FC236}">
-                    <a16:creationId xmlns:a16="http://schemas.microsoft.com/office/drawing/2014/main" id="{56397820-54C6-DE8B-E54E-0163820E9069}"/>
-                  </a:ext>
-                </a:extLst>
-              </p:cNvPr>
-              <p:cNvSpPr txBox="1">
-                <a:spLocks noRot="1" noChangeAspect="1" noMove="1" noResize="1" noEditPoints="1" noAdjustHandles="1" noChangeArrowheads="1" noChangeShapeType="1" noTextEdit="1"/>
-              </p:cNvSpPr>
-              <p:nvPr/>
-            </p:nvSpPr>
-            <p:spPr>
-              <a:xfrm>
-                <a:off x="5068120" y="3289025"/>
-                <a:ext cx="6094378" cy="710194"/>
-              </a:xfrm>
-              <a:prstGeom prst="rect">
-                <a:avLst/>
-              </a:prstGeom>
-              <a:blipFill>
-                <a:blip r:embed="rId3"/>
-                <a:stretch>
-                  <a:fillRect/>
-                </a:stretch>
-              </a:blipFill>
-            </p:spPr>
-            <p:txBody>
-              <a:bodyPr/>
-              <a:lstStyle/>
-              <a:p>
-                <a:r>
-                  <a:rPr lang="en-US">
-                    <a:noFill/>
-                  </a:rPr>
-                  <a:t> </a:t>
-                </a:r>
-              </a:p>
-            </p:txBody>
-          </p:sp>
-        </mc:Fallback>
-      </mc:AlternateContent>
-      <p:sp>
-        <p:nvSpPr>
-          <p:cNvPr id="11" name="TextBox 10">
-            <a:extLst>
-              <a:ext uri="{FF2B5EF4-FFF2-40B4-BE49-F238E27FC236}">
-                <a16:creationId xmlns:a16="http://schemas.microsoft.com/office/drawing/2014/main" id="{45EEBBD7-8A12-BC23-CD48-D541B8B259BF}"/>
-              </a:ext>
-            </a:extLst>
-          </p:cNvPr>
-          <p:cNvSpPr txBox="1"/>
-          <p:nvPr/>
-        </p:nvSpPr>
-        <p:spPr>
-          <a:xfrm>
-            <a:off x="3025149" y="5254848"/>
-            <a:ext cx="1733005" cy="369332"/>
-          </a:xfrm>
-          <a:prstGeom prst="rect">
-            <a:avLst/>
-          </a:prstGeom>
-          <a:noFill/>
-        </p:spPr>
-        <p:txBody>
-          <a:bodyPr wrap="square" rtlCol="0">
-            <a:spAutoFit/>
-          </a:bodyPr>
-          <a:lstStyle/>
-          <a:p>
-            <a:r>
-              <a:rPr lang="en-US" altLang="ko-KR" dirty="0"/>
-              <a:t>OR</a:t>
-            </a:r>
-            <a:r>
-              <a:rPr lang="ko-KR" altLang="en-US" dirty="0"/>
-              <a:t> </a:t>
-            </a:r>
-            <a:endParaRPr lang="en-US" dirty="0"/>
-          </a:p>
-        </p:txBody>
-      </p:sp>
     </p:spTree>
     <p:extLst>
       <p:ext uri="{BB962C8B-B14F-4D97-AF65-F5344CB8AC3E}">
-        <p14:creationId xmlns:p14="http://schemas.microsoft.com/office/powerpoint/2010/main" val="2894499815"/>
+        <p14:creationId xmlns:p14="http://schemas.microsoft.com/office/powerpoint/2010/main" val="3940887701"/>
       </p:ext>
     </p:extLst>
   </p:cSld>
@@ -15540,7 +12545,7 @@
           <a:p>
             <a:fld id="{0303D7D5-FAC8-4B75-A637-D564180CD715}" type="datetime1">
               <a:rPr lang="ko-KR" altLang="en-US" sz="1000" smtClean="0"/>
-              <a:t>2023-06-22</a:t>
+              <a:t>2023-06-23</a:t>
             </a:fld>
             <a:endParaRPr lang="ko-KR" altLang="en-US" sz="1000" dirty="0"/>
           </a:p>
@@ -16117,7 +13122,7 @@
           <a:p>
             <a:fld id="{0303D7D5-FAC8-4B75-A637-D564180CD715}" type="datetime1">
               <a:rPr lang="ko-KR" altLang="en-US" sz="1000" smtClean="0"/>
-              <a:t>2023-06-22</a:t>
+              <a:t>2023-06-23</a:t>
             </a:fld>
             <a:endParaRPr lang="ko-KR" altLang="en-US" sz="1000" dirty="0"/>
           </a:p>
@@ -16210,7 +13215,7 @@
         <p:spPr>
           <a:xfrm>
             <a:off x="513806" y="576645"/>
-            <a:ext cx="3524794" cy="523220"/>
+            <a:ext cx="9544594" cy="523220"/>
           </a:xfrm>
           <a:prstGeom prst="rect">
             <a:avLst/>
@@ -16232,9 +13237,20 @@
                   </a:schemeClr>
                 </a:solidFill>
               </a:rPr>
-              <a:t>4. XOR</a:t>
-            </a:r>
-            <a:endParaRPr lang="ko-KR" altLang="en-US" sz="2800" b="1" dirty="0">
+              <a:t>4.  </a:t>
+            </a:r>
+            <a:r>
+              <a:rPr lang="ko-KR" altLang="en-US" sz="2800" b="1" dirty="0">
+                <a:solidFill>
+                  <a:schemeClr val="tx1">
+                    <a:lumMod val="65000"/>
+                    <a:lumOff val="35000"/>
+                  </a:schemeClr>
+                </a:solidFill>
+              </a:rPr>
+              <a:t>바른 학습을 위해</a:t>
+            </a:r>
+            <a:endParaRPr lang="en-US" altLang="ko-KR" sz="2800" b="1" dirty="0">
               <a:solidFill>
                 <a:schemeClr val="tx1">
                   <a:lumMod val="65000"/>
@@ -16247,10 +13263,10 @@
       </p:sp>
       <p:sp>
         <p:nvSpPr>
-          <p:cNvPr id="11" name="TextBox 10">
-            <a:extLst>
-              <a:ext uri="{FF2B5EF4-FFF2-40B4-BE49-F238E27FC236}">
-                <a16:creationId xmlns:a16="http://schemas.microsoft.com/office/drawing/2014/main" id="{45EEBBD7-8A12-BC23-CD48-D541B8B259BF}"/>
+          <p:cNvPr id="2" name="TextBox 1">
+            <a:extLst>
+              <a:ext uri="{FF2B5EF4-FFF2-40B4-BE49-F238E27FC236}">
+                <a16:creationId xmlns:a16="http://schemas.microsoft.com/office/drawing/2014/main" id="{221F948A-CB45-AEC7-D200-D2A6E6BBE955}"/>
               </a:ext>
             </a:extLst>
           </p:cNvPr>
@@ -16259,8 +13275,8 @@
         </p:nvSpPr>
         <p:spPr>
           <a:xfrm>
-            <a:off x="5001995" y="5350133"/>
-            <a:ext cx="1733005" cy="369332"/>
+            <a:off x="803570" y="1683940"/>
+            <a:ext cx="10550230" cy="2862322"/>
           </a:xfrm>
           <a:prstGeom prst="rect">
             <a:avLst/>
@@ -16273,58 +13289,223 @@
           </a:bodyPr>
           <a:lstStyle/>
           <a:p>
-            <a:r>
-              <a:rPr lang="en-US" altLang="ko-KR" dirty="0"/>
-              <a:t>XOR</a:t>
-            </a:r>
-            <a:r>
-              <a:rPr lang="ko-KR" altLang="en-US" dirty="0"/>
-              <a:t> </a:t>
-            </a:r>
-            <a:endParaRPr lang="en-US" dirty="0"/>
-          </a:p>
-        </p:txBody>
-      </p:sp>
-      <p:pic>
-        <p:nvPicPr>
-          <p:cNvPr id="3" name="그림 2">
-            <a:extLst>
-              <a:ext uri="{FF2B5EF4-FFF2-40B4-BE49-F238E27FC236}">
-                <a16:creationId xmlns:a16="http://schemas.microsoft.com/office/drawing/2014/main" id="{F92C3650-9EC0-0FB2-DDA5-58435370E16D}"/>
-              </a:ext>
-            </a:extLst>
-          </p:cNvPr>
-          <p:cNvPicPr>
-            <a:picLocks noChangeAspect="1"/>
-          </p:cNvPicPr>
-          <p:nvPr/>
-        </p:nvPicPr>
-        <p:blipFill>
-          <a:blip r:embed="rId2">
-            <a:extLst>
-              <a:ext uri="{28A0092B-C50C-407E-A947-70E740481C1C}">
-                <a14:useLocalDpi xmlns:a14="http://schemas.microsoft.com/office/drawing/2010/main" val="0"/>
-              </a:ext>
-            </a:extLst>
-          </a:blip>
-          <a:stretch>
-            <a:fillRect/>
-          </a:stretch>
-        </p:blipFill>
-        <p:spPr>
-          <a:xfrm>
-            <a:off x="3533366" y="1439841"/>
-            <a:ext cx="3982131" cy="3735618"/>
-          </a:xfrm>
-          <a:prstGeom prst="rect">
-            <a:avLst/>
-          </a:prstGeom>
-        </p:spPr>
-      </p:pic>
+            <a:pPr marL="285750" indent="-285750">
+              <a:buFont typeface="Arial" panose="020B0604020202020204" pitchFamily="34" charset="0"/>
+              <a:buChar char="•"/>
+            </a:pPr>
+            <a:r>
+              <a:rPr lang="ko-KR" altLang="en-US" sz="2000" b="1" dirty="0">
+                <a:solidFill>
+                  <a:schemeClr val="tx1">
+                    <a:lumMod val="65000"/>
+                    <a:lumOff val="35000"/>
+                  </a:schemeClr>
+                </a:solidFill>
+              </a:rPr>
+              <a:t>기계학습에서는 </a:t>
+            </a:r>
+            <a:r>
+              <a:rPr lang="ko-KR" altLang="en-US" sz="2000" b="1" dirty="0" err="1">
+                <a:solidFill>
+                  <a:schemeClr val="tx1">
+                    <a:lumMod val="65000"/>
+                    <a:lumOff val="35000"/>
+                  </a:schemeClr>
+                </a:solidFill>
+                <a:highlight>
+                  <a:srgbClr val="FFFF00"/>
+                </a:highlight>
+              </a:rPr>
+              <a:t>오버피팅</a:t>
+            </a:r>
+            <a:r>
+              <a:rPr lang="ko-KR" altLang="en-US" sz="2000" b="1" dirty="0" err="1">
+                <a:solidFill>
+                  <a:schemeClr val="tx1">
+                    <a:lumMod val="65000"/>
+                    <a:lumOff val="35000"/>
+                  </a:schemeClr>
+                </a:solidFill>
+              </a:rPr>
+              <a:t>이</a:t>
+            </a:r>
+            <a:r>
+              <a:rPr lang="ko-KR" altLang="en-US" sz="2000" b="1" dirty="0">
+                <a:solidFill>
+                  <a:schemeClr val="tx1">
+                    <a:lumMod val="65000"/>
+                    <a:lumOff val="35000"/>
+                  </a:schemeClr>
+                </a:solidFill>
+              </a:rPr>
+              <a:t> 많이 일어난다</a:t>
+            </a:r>
+            <a:r>
+              <a:rPr lang="en-US" altLang="ko-KR" sz="2000" b="1" dirty="0">
+                <a:solidFill>
+                  <a:schemeClr val="tx1">
+                    <a:lumMod val="65000"/>
+                    <a:lumOff val="35000"/>
+                  </a:schemeClr>
+                </a:solidFill>
+              </a:rPr>
+              <a:t>.</a:t>
+            </a:r>
+          </a:p>
+          <a:p>
+            <a:pPr marL="285750" indent="-285750">
+              <a:buFont typeface="Arial" panose="020B0604020202020204" pitchFamily="34" charset="0"/>
+              <a:buChar char="•"/>
+            </a:pPr>
+            <a:endParaRPr lang="en-US" altLang="ko-KR" sz="2000" b="1" dirty="0">
+              <a:solidFill>
+                <a:schemeClr val="tx1">
+                  <a:lumMod val="65000"/>
+                  <a:lumOff val="35000"/>
+                </a:schemeClr>
+              </a:solidFill>
+            </a:endParaRPr>
+          </a:p>
+          <a:p>
+            <a:pPr marL="285750" indent="-285750">
+              <a:buFont typeface="Arial" panose="020B0604020202020204" pitchFamily="34" charset="0"/>
+              <a:buChar char="•"/>
+            </a:pPr>
+            <a:r>
+              <a:rPr lang="ko-KR" altLang="en-US" sz="2000" b="1" dirty="0">
+                <a:solidFill>
+                  <a:schemeClr val="tx1">
+                    <a:lumMod val="65000"/>
+                    <a:lumOff val="35000"/>
+                  </a:schemeClr>
+                </a:solidFill>
+                <a:highlight>
+                  <a:srgbClr val="FFFF00"/>
+                </a:highlight>
+              </a:rPr>
+              <a:t>오버 피팅</a:t>
+            </a:r>
+            <a:r>
+              <a:rPr lang="ko-KR" altLang="en-US" sz="2000" b="1" dirty="0">
+                <a:solidFill>
+                  <a:schemeClr val="tx1">
+                    <a:lumMod val="65000"/>
+                    <a:lumOff val="35000"/>
+                  </a:schemeClr>
+                </a:solidFill>
+              </a:rPr>
+              <a:t>은 신경망이 훈련 데이터에만 지나치게 적응되어 그 외의 데이터에는 제대로 대응하지 못하는 상태이다</a:t>
+            </a:r>
+            <a:r>
+              <a:rPr lang="en-US" altLang="ko-KR" sz="2000" b="1" dirty="0">
+                <a:solidFill>
+                  <a:schemeClr val="tx1">
+                    <a:lumMod val="65000"/>
+                    <a:lumOff val="35000"/>
+                  </a:schemeClr>
+                </a:solidFill>
+              </a:rPr>
+              <a:t>.</a:t>
+            </a:r>
+          </a:p>
+          <a:p>
+            <a:pPr marL="285750" indent="-285750">
+              <a:buFont typeface="Arial" panose="020B0604020202020204" pitchFamily="34" charset="0"/>
+              <a:buChar char="•"/>
+            </a:pPr>
+            <a:endParaRPr lang="en-US" altLang="ko-KR" sz="2000" b="1" dirty="0">
+              <a:solidFill>
+                <a:schemeClr val="tx1">
+                  <a:lumMod val="65000"/>
+                  <a:lumOff val="35000"/>
+                </a:schemeClr>
+              </a:solidFill>
+            </a:endParaRPr>
+          </a:p>
+          <a:p>
+            <a:pPr marL="285750" indent="-285750">
+              <a:buFont typeface="Arial" panose="020B0604020202020204" pitchFamily="34" charset="0"/>
+              <a:buChar char="•"/>
+            </a:pPr>
+            <a:endParaRPr lang="en-US" altLang="ko-KR" sz="2000" b="1" dirty="0">
+              <a:solidFill>
+                <a:schemeClr val="tx1">
+                  <a:lumMod val="65000"/>
+                  <a:lumOff val="35000"/>
+                </a:schemeClr>
+              </a:solidFill>
+            </a:endParaRPr>
+          </a:p>
+          <a:p>
+            <a:pPr marL="285750" indent="-285750">
+              <a:buFont typeface="Arial" panose="020B0604020202020204" pitchFamily="34" charset="0"/>
+              <a:buChar char="•"/>
+            </a:pPr>
+            <a:r>
+              <a:rPr lang="ko-KR" altLang="en-US" sz="2000" b="1" dirty="0">
+                <a:solidFill>
+                  <a:schemeClr val="tx1">
+                    <a:lumMod val="65000"/>
+                    <a:lumOff val="35000"/>
+                  </a:schemeClr>
+                </a:solidFill>
+              </a:rPr>
+              <a:t>오버 피팅은 매개변수가 많고 표현력이 높은 모델</a:t>
+            </a:r>
+            <a:r>
+              <a:rPr lang="en-US" altLang="ko-KR" sz="2000" b="1" dirty="0">
+                <a:solidFill>
+                  <a:schemeClr val="tx1">
+                    <a:lumMod val="65000"/>
+                    <a:lumOff val="35000"/>
+                  </a:schemeClr>
+                </a:solidFill>
+              </a:rPr>
+              <a:t>, </a:t>
+            </a:r>
+            <a:r>
+              <a:rPr lang="ko-KR" altLang="en-US" sz="2000" b="1" dirty="0">
+                <a:solidFill>
+                  <a:schemeClr val="tx1">
+                    <a:lumMod val="65000"/>
+                    <a:lumOff val="35000"/>
+                  </a:schemeClr>
+                </a:solidFill>
+              </a:rPr>
+              <a:t>훈련데이터가 적은 경우 많이 발생한다</a:t>
+            </a:r>
+            <a:r>
+              <a:rPr lang="en-US" altLang="ko-KR" sz="2000" b="1" dirty="0">
+                <a:solidFill>
+                  <a:schemeClr val="tx1">
+                    <a:lumMod val="65000"/>
+                    <a:lumOff val="35000"/>
+                  </a:schemeClr>
+                </a:solidFill>
+              </a:rPr>
+              <a:t>.</a:t>
+            </a:r>
+          </a:p>
+          <a:p>
+            <a:pPr marL="285750" indent="-285750">
+              <a:buFont typeface="Arial" panose="020B0604020202020204" pitchFamily="34" charset="0"/>
+              <a:buChar char="•"/>
+            </a:pPr>
+            <a:endParaRPr lang="en-US" altLang="ko-KR" sz="2000" b="1" dirty="0">
+              <a:solidFill>
+                <a:schemeClr val="tx1">
+                  <a:lumMod val="65000"/>
+                  <a:lumOff val="35000"/>
+                </a:schemeClr>
+              </a:solidFill>
+            </a:endParaRPr>
+          </a:p>
+        </p:txBody>
+      </p:sp>
     </p:spTree>
     <p:extLst>
       <p:ext uri="{BB962C8B-B14F-4D97-AF65-F5344CB8AC3E}">
-        <p14:creationId xmlns:p14="http://schemas.microsoft.com/office/powerpoint/2010/main" val="1359711320"/>
+        <p14:creationId xmlns:p14="http://schemas.microsoft.com/office/powerpoint/2010/main" val="1951310963"/>
       </p:ext>
     </p:extLst>
   </p:cSld>
@@ -16379,7 +13560,7 @@
           <a:p>
             <a:fld id="{0303D7D5-FAC8-4B75-A637-D564180CD715}" type="datetime1">
               <a:rPr lang="ko-KR" altLang="en-US" sz="1000" smtClean="0"/>
-              <a:t>2023-06-22</a:t>
+              <a:t>2023-06-23</a:t>
             </a:fld>
             <a:endParaRPr lang="ko-KR" altLang="en-US" sz="1000" dirty="0"/>
           </a:p>
@@ -16471,8 +13652,8 @@
         </p:nvSpPr>
         <p:spPr>
           <a:xfrm>
-            <a:off x="513805" y="576645"/>
-            <a:ext cx="4953139" cy="523220"/>
+            <a:off x="513806" y="576645"/>
+            <a:ext cx="9544594" cy="523220"/>
           </a:xfrm>
           <a:prstGeom prst="rect">
             <a:avLst/>
@@ -16494,9 +13675,20 @@
                   </a:schemeClr>
                 </a:solidFill>
               </a:rPr>
-              <a:t>5. Multi-Layer Perceptron</a:t>
-            </a:r>
-            <a:endParaRPr lang="ko-KR" altLang="en-US" sz="2800" b="1" dirty="0">
+              <a:t>4.  </a:t>
+            </a:r>
+            <a:r>
+              <a:rPr lang="ko-KR" altLang="en-US" sz="2800" b="1" dirty="0">
+                <a:solidFill>
+                  <a:schemeClr val="tx1">
+                    <a:lumMod val="65000"/>
+                    <a:lumOff val="35000"/>
+                  </a:schemeClr>
+                </a:solidFill>
+              </a:rPr>
+              <a:t>바른 학습을 위해</a:t>
+            </a:r>
+            <a:endParaRPr lang="en-US" altLang="ko-KR" sz="2800" b="1" dirty="0">
               <a:solidFill>
                 <a:schemeClr val="tx1">
                   <a:lumMod val="65000"/>
@@ -16507,138 +13699,12 @@
           </a:p>
         </p:txBody>
       </p:sp>
-      <p:sp>
-        <p:nvSpPr>
-          <p:cNvPr id="3" name="TextBox 2">
-            <a:extLst>
-              <a:ext uri="{FF2B5EF4-FFF2-40B4-BE49-F238E27FC236}">
-                <a16:creationId xmlns:a16="http://schemas.microsoft.com/office/drawing/2014/main" id="{D603CCB4-ACB5-F02F-EF78-87D53658E441}"/>
-              </a:ext>
-            </a:extLst>
-          </p:cNvPr>
-          <p:cNvSpPr txBox="1"/>
-          <p:nvPr/>
-        </p:nvSpPr>
-        <p:spPr>
-          <a:xfrm>
-            <a:off x="727699" y="1611893"/>
-            <a:ext cx="10550230" cy="707886"/>
-          </a:xfrm>
-          <a:prstGeom prst="rect">
-            <a:avLst/>
-          </a:prstGeom>
-          <a:noFill/>
-        </p:spPr>
-        <p:txBody>
-          <a:bodyPr wrap="square" rtlCol="0">
-            <a:spAutoFit/>
-          </a:bodyPr>
-          <a:lstStyle/>
-          <a:p>
-            <a:pPr marL="285750" indent="-285750">
-              <a:buFont typeface="Arial" panose="020B0604020202020204" pitchFamily="34" charset="0"/>
-              <a:buChar char="•"/>
-            </a:pPr>
-            <a:r>
-              <a:rPr lang="en-US" altLang="ko-KR" sz="2000" b="1" dirty="0">
-                <a:solidFill>
-                  <a:schemeClr val="tx1">
-                    <a:lumMod val="65000"/>
-                    <a:lumOff val="35000"/>
-                  </a:schemeClr>
-                </a:solidFill>
-              </a:rPr>
-              <a:t>XOR </a:t>
-            </a:r>
-            <a:r>
-              <a:rPr lang="ko-KR" altLang="en-US" sz="2000" b="1" dirty="0">
-                <a:solidFill>
-                  <a:schemeClr val="tx1">
-                    <a:lumMod val="65000"/>
-                    <a:lumOff val="35000"/>
-                  </a:schemeClr>
-                </a:solidFill>
-              </a:rPr>
-              <a:t>은 앞에 나왔던 </a:t>
-            </a:r>
-            <a:r>
-              <a:rPr lang="en-US" altLang="ko-KR" sz="2000" b="1" dirty="0">
-                <a:solidFill>
-                  <a:schemeClr val="tx1">
-                    <a:lumMod val="65000"/>
-                    <a:lumOff val="35000"/>
-                  </a:schemeClr>
-                </a:solidFill>
-              </a:rPr>
-              <a:t>AND, NAND, OR </a:t>
-            </a:r>
-            <a:r>
-              <a:rPr lang="ko-KR" altLang="en-US" sz="2000" b="1" dirty="0">
-                <a:solidFill>
-                  <a:schemeClr val="tx1">
-                    <a:lumMod val="65000"/>
-                    <a:lumOff val="35000"/>
-                  </a:schemeClr>
-                </a:solidFill>
-              </a:rPr>
-              <a:t>게이트를 조합해서 </a:t>
-            </a:r>
-            <a:r>
-              <a:rPr lang="ko-KR" altLang="en-US" sz="2000" b="1" dirty="0" err="1">
-                <a:solidFill>
-                  <a:schemeClr val="tx1">
-                    <a:lumMod val="65000"/>
-                    <a:lumOff val="35000"/>
-                  </a:schemeClr>
-                </a:solidFill>
-              </a:rPr>
-              <a:t>만들수</a:t>
-            </a:r>
-            <a:r>
-              <a:rPr lang="ko-KR" altLang="en-US" sz="2000" b="1" dirty="0">
-                <a:solidFill>
-                  <a:schemeClr val="tx1">
-                    <a:lumMod val="65000"/>
-                    <a:lumOff val="35000"/>
-                  </a:schemeClr>
-                </a:solidFill>
-              </a:rPr>
-              <a:t> 있다</a:t>
-            </a:r>
-            <a:r>
-              <a:rPr lang="en-US" altLang="ko-KR" sz="2000" b="1" dirty="0">
-                <a:solidFill>
-                  <a:schemeClr val="tx1">
-                    <a:lumMod val="65000"/>
-                    <a:lumOff val="35000"/>
-                  </a:schemeClr>
-                </a:solidFill>
-              </a:rPr>
-              <a:t>.</a:t>
-            </a:r>
-          </a:p>
-          <a:p>
-            <a:pPr marL="285750" indent="-285750">
-              <a:buFont typeface="Arial" panose="020B0604020202020204" pitchFamily="34" charset="0"/>
-              <a:buChar char="•"/>
-            </a:pPr>
-            <a:endParaRPr lang="en-US" altLang="ko-KR" sz="2000" b="1" dirty="0">
-              <a:solidFill>
-                <a:schemeClr val="tx1">
-                  <a:lumMod val="65000"/>
-                  <a:lumOff val="35000"/>
-                </a:schemeClr>
-              </a:solidFill>
-            </a:endParaRPr>
-          </a:p>
-        </p:txBody>
-      </p:sp>
       <p:pic>
         <p:nvPicPr>
-          <p:cNvPr id="7" name="그림 6">
-            <a:extLst>
-              <a:ext uri="{FF2B5EF4-FFF2-40B4-BE49-F238E27FC236}">
-                <a16:creationId xmlns:a16="http://schemas.microsoft.com/office/drawing/2014/main" id="{1403FA7A-DCF5-326C-4366-2E361645A7F8}"/>
+          <p:cNvPr id="10" name="그림 9">
+            <a:extLst>
+              <a:ext uri="{FF2B5EF4-FFF2-40B4-BE49-F238E27FC236}">
+                <a16:creationId xmlns:a16="http://schemas.microsoft.com/office/drawing/2014/main" id="{28459C19-0917-6928-7689-3B7A11A15AE4}"/>
               </a:ext>
             </a:extLst>
           </p:cNvPr>
@@ -16661,116 +13727,8 @@
         </p:blipFill>
         <p:spPr>
           <a:xfrm>
-            <a:off x="512129" y="2372456"/>
-            <a:ext cx="5461281" cy="1079555"/>
-          </a:xfrm>
-          <a:prstGeom prst="rect">
-            <a:avLst/>
-          </a:prstGeom>
-        </p:spPr>
-      </p:pic>
-      <p:pic>
-        <p:nvPicPr>
-          <p:cNvPr id="13" name="그림 12">
-            <a:extLst>
-              <a:ext uri="{FF2B5EF4-FFF2-40B4-BE49-F238E27FC236}">
-                <a16:creationId xmlns:a16="http://schemas.microsoft.com/office/drawing/2014/main" id="{52F4010F-D978-2069-EC59-76EF060FAAD6}"/>
-              </a:ext>
-            </a:extLst>
-          </p:cNvPr>
-          <p:cNvPicPr>
-            <a:picLocks noChangeAspect="1"/>
-          </p:cNvPicPr>
-          <p:nvPr/>
-        </p:nvPicPr>
-        <p:blipFill>
-          <a:blip r:embed="rId3">
-            <a:extLst>
-              <a:ext uri="{28A0092B-C50C-407E-A947-70E740481C1C}">
-                <a14:useLocalDpi xmlns:a14="http://schemas.microsoft.com/office/drawing/2010/main" val="0"/>
-              </a:ext>
-            </a:extLst>
-          </a:blip>
-          <a:stretch>
-            <a:fillRect/>
-          </a:stretch>
-        </p:blipFill>
-        <p:spPr>
-          <a:xfrm>
-            <a:off x="2240253" y="3723887"/>
-            <a:ext cx="2005034" cy="2337576"/>
-          </a:xfrm>
-          <a:prstGeom prst="rect">
-            <a:avLst/>
-          </a:prstGeom>
-        </p:spPr>
-      </p:pic>
-      <p:pic>
-        <p:nvPicPr>
-          <p:cNvPr id="15" name="그림 14">
-            <a:extLst>
-              <a:ext uri="{FF2B5EF4-FFF2-40B4-BE49-F238E27FC236}">
-                <a16:creationId xmlns:a16="http://schemas.microsoft.com/office/drawing/2014/main" id="{6CEBE14D-10D7-9185-8F33-BB494C27CFA4}"/>
-              </a:ext>
-            </a:extLst>
-          </p:cNvPr>
-          <p:cNvPicPr>
-            <a:picLocks noChangeAspect="1"/>
-          </p:cNvPicPr>
-          <p:nvPr/>
-        </p:nvPicPr>
-        <p:blipFill>
-          <a:blip r:embed="rId4">
-            <a:extLst>
-              <a:ext uri="{28A0092B-C50C-407E-A947-70E740481C1C}">
-                <a14:useLocalDpi xmlns:a14="http://schemas.microsoft.com/office/drawing/2010/main" val="0"/>
-              </a:ext>
-            </a:extLst>
-          </a:blip>
-          <a:stretch>
-            <a:fillRect/>
-          </a:stretch>
-        </p:blipFill>
-        <p:spPr>
-          <a:xfrm>
-            <a:off x="6754473" y="3664756"/>
-            <a:ext cx="3300657" cy="2337576"/>
-          </a:xfrm>
-          <a:prstGeom prst="rect">
-            <a:avLst/>
-          </a:prstGeom>
-        </p:spPr>
-      </p:pic>
-      <p:pic>
-        <p:nvPicPr>
-          <p:cNvPr id="17" name="그림 16">
-            <a:extLst>
-              <a:ext uri="{FF2B5EF4-FFF2-40B4-BE49-F238E27FC236}">
-                <a16:creationId xmlns:a16="http://schemas.microsoft.com/office/drawing/2014/main" id="{A3C2B0F7-338A-7908-B073-43738CF4279C}"/>
-              </a:ext>
-            </a:extLst>
-          </p:cNvPr>
-          <p:cNvPicPr>
-            <a:picLocks noChangeAspect="1"/>
-          </p:cNvPicPr>
-          <p:nvPr/>
-        </p:nvPicPr>
-        <p:blipFill>
-          <a:blip r:embed="rId5">
-            <a:extLst>
-              <a:ext uri="{28A0092B-C50C-407E-A947-70E740481C1C}">
-                <a14:useLocalDpi xmlns:a14="http://schemas.microsoft.com/office/drawing/2010/main" val="0"/>
-              </a:ext>
-            </a:extLst>
-          </a:blip>
-          <a:stretch>
-            <a:fillRect/>
-          </a:stretch>
-        </p:blipFill>
-        <p:spPr>
-          <a:xfrm>
-            <a:off x="6353694" y="2134260"/>
-            <a:ext cx="4102217" cy="1317751"/>
+            <a:off x="2522764" y="1337285"/>
+            <a:ext cx="6449787" cy="5019065"/>
           </a:xfrm>
           <a:prstGeom prst="rect">
             <a:avLst/>
@@ -16780,7 +13738,7 @@
     </p:spTree>
     <p:extLst>
       <p:ext uri="{BB962C8B-B14F-4D97-AF65-F5344CB8AC3E}">
-        <p14:creationId xmlns:p14="http://schemas.microsoft.com/office/powerpoint/2010/main" val="2477969582"/>
+        <p14:creationId xmlns:p14="http://schemas.microsoft.com/office/powerpoint/2010/main" val="1058652793"/>
       </p:ext>
     </p:extLst>
   </p:cSld>
@@ -16835,7 +13793,7 @@
           <a:p>
             <a:fld id="{0303D7D5-FAC8-4B75-A637-D564180CD715}" type="datetime1">
               <a:rPr lang="ko-KR" altLang="en-US" sz="1000" smtClean="0"/>
-              <a:t>2023-06-22</a:t>
+              <a:t>2023-06-23</a:t>
             </a:fld>
             <a:endParaRPr lang="ko-KR" altLang="en-US" sz="1000" dirty="0"/>
           </a:p>
@@ -16927,8 +13885,8 @@
         </p:nvSpPr>
         <p:spPr>
           <a:xfrm>
-            <a:off x="513805" y="576645"/>
-            <a:ext cx="4953139" cy="523220"/>
+            <a:off x="513806" y="576645"/>
+            <a:ext cx="9544594" cy="523220"/>
           </a:xfrm>
           <a:prstGeom prst="rect">
             <a:avLst/>
@@ -16950,9 +13908,42 @@
                   </a:schemeClr>
                 </a:solidFill>
               </a:rPr>
-              <a:t>5. Multi-Layer Perceptron</a:t>
-            </a:r>
-            <a:endParaRPr lang="ko-KR" altLang="en-US" sz="2800" b="1" dirty="0">
+              <a:t>4.  </a:t>
+            </a:r>
+            <a:r>
+              <a:rPr lang="ko-KR" altLang="en-US" sz="2800" b="1" dirty="0">
+                <a:solidFill>
+                  <a:schemeClr val="tx1">
+                    <a:lumMod val="65000"/>
+                    <a:lumOff val="35000"/>
+                  </a:schemeClr>
+                </a:solidFill>
+              </a:rPr>
+              <a:t>바른 학습을 위해 </a:t>
+            </a:r>
+            <a:r>
+              <a:rPr lang="en-US" altLang="ko-KR" sz="2800" b="1" dirty="0">
+                <a:solidFill>
+                  <a:schemeClr val="tx1">
+                    <a:lumMod val="65000"/>
+                    <a:lumOff val="35000"/>
+                  </a:schemeClr>
+                </a:solidFill>
+              </a:rPr>
+              <a:t>– </a:t>
+            </a:r>
+            <a:r>
+              <a:rPr lang="ko-KR" altLang="en-US" sz="2800" b="1" dirty="0">
+                <a:solidFill>
+                  <a:schemeClr val="tx1">
+                    <a:lumMod val="65000"/>
+                    <a:lumOff val="35000"/>
+                  </a:schemeClr>
+                </a:solidFill>
+              </a:rPr>
+              <a:t>가중치 감소</a:t>
+            </a:r>
+            <a:endParaRPr lang="en-US" altLang="ko-KR" sz="2800" b="1" dirty="0">
               <a:solidFill>
                 <a:schemeClr val="tx1">
                   <a:lumMod val="65000"/>
@@ -16963,12 +13954,166 @@
           </a:p>
         </p:txBody>
       </p:sp>
+      <p:sp>
+        <p:nvSpPr>
+          <p:cNvPr id="2" name="TextBox 1">
+            <a:extLst>
+              <a:ext uri="{FF2B5EF4-FFF2-40B4-BE49-F238E27FC236}">
+                <a16:creationId xmlns:a16="http://schemas.microsoft.com/office/drawing/2014/main" id="{221F948A-CB45-AEC7-D200-D2A6E6BBE955}"/>
+              </a:ext>
+            </a:extLst>
+          </p:cNvPr>
+          <p:cNvSpPr txBox="1"/>
+          <p:nvPr/>
+        </p:nvSpPr>
+        <p:spPr>
+          <a:xfrm>
+            <a:off x="803570" y="1683940"/>
+            <a:ext cx="10550230" cy="1015663"/>
+          </a:xfrm>
+          <a:prstGeom prst="rect">
+            <a:avLst/>
+          </a:prstGeom>
+          <a:noFill/>
+        </p:spPr>
+        <p:txBody>
+          <a:bodyPr wrap="square" rtlCol="0">
+            <a:spAutoFit/>
+          </a:bodyPr>
+          <a:lstStyle/>
+          <a:p>
+            <a:pPr marL="285750" indent="-285750">
+              <a:buFont typeface="Arial" panose="020B0604020202020204" pitchFamily="34" charset="0"/>
+              <a:buChar char="•"/>
+            </a:pPr>
+            <a:r>
+              <a:rPr lang="ko-KR" altLang="en-US" sz="2000" b="1" dirty="0" err="1">
+                <a:solidFill>
+                  <a:schemeClr val="tx1">
+                    <a:lumMod val="65000"/>
+                    <a:lumOff val="35000"/>
+                  </a:schemeClr>
+                </a:solidFill>
+              </a:rPr>
+              <a:t>오버피팅</a:t>
+            </a:r>
+            <a:r>
+              <a:rPr lang="ko-KR" altLang="en-US" sz="2000" b="1" dirty="0">
+                <a:solidFill>
+                  <a:schemeClr val="tx1">
+                    <a:lumMod val="65000"/>
+                    <a:lumOff val="35000"/>
+                  </a:schemeClr>
+                </a:solidFill>
+              </a:rPr>
+              <a:t> 억제용으로 가중치 감소라는 것이 있다</a:t>
+            </a:r>
+            <a:r>
+              <a:rPr lang="en-US" altLang="ko-KR" sz="2000" b="1" dirty="0">
+                <a:solidFill>
+                  <a:schemeClr val="tx1">
+                    <a:lumMod val="65000"/>
+                    <a:lumOff val="35000"/>
+                  </a:schemeClr>
+                </a:solidFill>
+              </a:rPr>
+              <a:t>.</a:t>
+            </a:r>
+          </a:p>
+          <a:p>
+            <a:pPr marL="285750" indent="-285750">
+              <a:buFont typeface="Arial" panose="020B0604020202020204" pitchFamily="34" charset="0"/>
+              <a:buChar char="•"/>
+            </a:pPr>
+            <a:endParaRPr lang="en-US" altLang="ko-KR" sz="2000" b="1" dirty="0">
+              <a:solidFill>
+                <a:schemeClr val="tx1">
+                  <a:lumMod val="65000"/>
+                  <a:lumOff val="35000"/>
+                </a:schemeClr>
+              </a:solidFill>
+            </a:endParaRPr>
+          </a:p>
+          <a:p>
+            <a:pPr marL="285750" indent="-285750">
+              <a:buFont typeface="Arial" panose="020B0604020202020204" pitchFamily="34" charset="0"/>
+              <a:buChar char="•"/>
+            </a:pPr>
+            <a:r>
+              <a:rPr lang="ko-KR" altLang="en-US" sz="2000" b="1" dirty="0">
+                <a:solidFill>
+                  <a:schemeClr val="tx1">
+                    <a:lumMod val="65000"/>
+                    <a:lumOff val="35000"/>
+                  </a:schemeClr>
+                </a:solidFill>
+              </a:rPr>
+              <a:t>학습 과정에서 큰 가중치에 대해서 </a:t>
+            </a:r>
+            <a:r>
+              <a:rPr lang="ko-KR" altLang="en-US" sz="2000" b="1" dirty="0" err="1">
+                <a:solidFill>
+                  <a:schemeClr val="tx1">
+                    <a:lumMod val="65000"/>
+                    <a:lumOff val="35000"/>
+                  </a:schemeClr>
+                </a:solidFill>
+              </a:rPr>
+              <a:t>패널티를</a:t>
+            </a:r>
+            <a:r>
+              <a:rPr lang="ko-KR" altLang="en-US" sz="2000" b="1" dirty="0">
+                <a:solidFill>
+                  <a:schemeClr val="tx1">
+                    <a:lumMod val="65000"/>
+                    <a:lumOff val="35000"/>
+                  </a:schemeClr>
+                </a:solidFill>
+              </a:rPr>
+              <a:t> 부과해 </a:t>
+            </a:r>
+            <a:r>
+              <a:rPr lang="ko-KR" altLang="en-US" sz="2000" b="1" dirty="0" err="1">
+                <a:solidFill>
+                  <a:schemeClr val="tx1">
+                    <a:lumMod val="65000"/>
+                    <a:lumOff val="35000"/>
+                  </a:schemeClr>
+                </a:solidFill>
+              </a:rPr>
+              <a:t>오버피팅을</a:t>
+            </a:r>
+            <a:r>
+              <a:rPr lang="ko-KR" altLang="en-US" sz="2000" b="1" dirty="0">
+                <a:solidFill>
+                  <a:schemeClr val="tx1">
+                    <a:lumMod val="65000"/>
+                    <a:lumOff val="35000"/>
+                  </a:schemeClr>
+                </a:solidFill>
+              </a:rPr>
+              <a:t> 억제하는 방법</a:t>
+            </a:r>
+            <a:r>
+              <a:rPr lang="en-US" altLang="ko-KR" sz="2000" b="1" dirty="0">
+                <a:solidFill>
+                  <a:schemeClr val="tx1">
+                    <a:lumMod val="65000"/>
+                    <a:lumOff val="35000"/>
+                  </a:schemeClr>
+                </a:solidFill>
+              </a:rPr>
+              <a:t>.</a:t>
+            </a:r>
+          </a:p>
+        </p:txBody>
+      </p:sp>
       <p:pic>
         <p:nvPicPr>
           <p:cNvPr id="5" name="그림 4">
             <a:extLst>
               <a:ext uri="{FF2B5EF4-FFF2-40B4-BE49-F238E27FC236}">
-                <a16:creationId xmlns:a16="http://schemas.microsoft.com/office/drawing/2014/main" id="{D447E971-BA55-B473-24AF-66EE8A97F102}"/>
+                <a16:creationId xmlns:a16="http://schemas.microsoft.com/office/drawing/2014/main" id="{C3E0854B-ED37-DADF-5A6C-02D46BEAA59A}"/>
               </a:ext>
             </a:extLst>
           </p:cNvPr>
@@ -16978,37 +14123,7 @@
           <p:nvPr/>
         </p:nvPicPr>
         <p:blipFill>
-          <a:blip r:embed="rId2"/>
-          <a:stretch>
-            <a:fillRect/>
-          </a:stretch>
-        </p:blipFill>
-        <p:spPr>
-          <a:xfrm>
-            <a:off x="1518552" y="2660492"/>
-            <a:ext cx="2732323" cy="1806369"/>
-          </a:xfrm>
-          <a:prstGeom prst="rect">
-            <a:avLst/>
-          </a:prstGeom>
-        </p:spPr>
-      </p:pic>
-      <p:pic>
-        <p:nvPicPr>
-          <p:cNvPr id="11" name="그림 10">
-            <a:extLst>
-              <a:ext uri="{FF2B5EF4-FFF2-40B4-BE49-F238E27FC236}">
-                <a16:creationId xmlns:a16="http://schemas.microsoft.com/office/drawing/2014/main" id="{3AA849F6-CA98-913E-BDE5-C44222CD4010}"/>
-              </a:ext>
-            </a:extLst>
-          </p:cNvPr>
-          <p:cNvPicPr>
-            <a:picLocks noChangeAspect="1"/>
-          </p:cNvPicPr>
-          <p:nvPr/>
-        </p:nvPicPr>
-        <p:blipFill>
-          <a:blip r:embed="rId3">
+          <a:blip r:embed="rId2">
             <a:extLst>
               <a:ext uri="{28A0092B-C50C-407E-A947-70E740481C1C}">
                 <a14:useLocalDpi xmlns:a14="http://schemas.microsoft.com/office/drawing/2010/main" val="0"/>
@@ -17021,8 +14136,8 @@
         </p:blipFill>
         <p:spPr>
           <a:xfrm>
-            <a:off x="5565545" y="2014196"/>
-            <a:ext cx="5397777" cy="3098959"/>
+            <a:off x="3314881" y="2742905"/>
+            <a:ext cx="4865551" cy="3796007"/>
           </a:xfrm>
           <a:prstGeom prst="rect">
             <a:avLst/>
@@ -17032,7 +14147,7 @@
     </p:spTree>
     <p:extLst>
       <p:ext uri="{BB962C8B-B14F-4D97-AF65-F5344CB8AC3E}">
-        <p14:creationId xmlns:p14="http://schemas.microsoft.com/office/powerpoint/2010/main" val="325806320"/>
+        <p14:creationId xmlns:p14="http://schemas.microsoft.com/office/powerpoint/2010/main" val="318105520"/>
       </p:ext>
     </p:extLst>
   </p:cSld>
@@ -17087,7 +14202,7 @@
           <a:p>
             <a:fld id="{0303D7D5-FAC8-4B75-A637-D564180CD715}" type="datetime1">
               <a:rPr lang="ko-KR" altLang="en-US" sz="1000" smtClean="0"/>
-              <a:t>2023-06-22</a:t>
+              <a:t>2023-06-23</a:t>
             </a:fld>
             <a:endParaRPr lang="ko-KR" altLang="en-US" sz="1000" dirty="0"/>
           </a:p>
@@ -17179,8 +14294,8 @@
         </p:nvSpPr>
         <p:spPr>
           <a:xfrm>
-            <a:off x="513805" y="576645"/>
-            <a:ext cx="4953139" cy="523220"/>
+            <a:off x="513806" y="576645"/>
+            <a:ext cx="9544594" cy="523220"/>
           </a:xfrm>
           <a:prstGeom prst="rect">
             <a:avLst/>
@@ -17202,9 +14317,42 @@
                   </a:schemeClr>
                 </a:solidFill>
               </a:rPr>
-              <a:t>5. Multi-Layer Perceptron</a:t>
-            </a:r>
-            <a:endParaRPr lang="ko-KR" altLang="en-US" sz="2800" b="1" dirty="0">
+              <a:t>4.  </a:t>
+            </a:r>
+            <a:r>
+              <a:rPr lang="ko-KR" altLang="en-US" sz="2800" b="1" dirty="0">
+                <a:solidFill>
+                  <a:schemeClr val="tx1">
+                    <a:lumMod val="65000"/>
+                    <a:lumOff val="35000"/>
+                  </a:schemeClr>
+                </a:solidFill>
+              </a:rPr>
+              <a:t>바른 학습을 위해 </a:t>
+            </a:r>
+            <a:r>
+              <a:rPr lang="en-US" altLang="ko-KR" sz="2800" b="1" dirty="0">
+                <a:solidFill>
+                  <a:schemeClr val="tx1">
+                    <a:lumMod val="65000"/>
+                    <a:lumOff val="35000"/>
+                  </a:schemeClr>
+                </a:solidFill>
+              </a:rPr>
+              <a:t>– </a:t>
+            </a:r>
+            <a:r>
+              <a:rPr lang="ko-KR" altLang="en-US" sz="2800" b="1" dirty="0" err="1">
+                <a:solidFill>
+                  <a:schemeClr val="tx1">
+                    <a:lumMod val="65000"/>
+                    <a:lumOff val="35000"/>
+                  </a:schemeClr>
+                </a:solidFill>
+              </a:rPr>
+              <a:t>드롭아웃</a:t>
+            </a:r>
+            <a:endParaRPr lang="en-US" altLang="ko-KR" sz="2800" b="1" dirty="0">
               <a:solidFill>
                 <a:schemeClr val="tx1">
                   <a:lumMod val="65000"/>
@@ -17215,12 +14363,178 @@
           </a:p>
         </p:txBody>
       </p:sp>
+      <p:sp>
+        <p:nvSpPr>
+          <p:cNvPr id="2" name="TextBox 1">
+            <a:extLst>
+              <a:ext uri="{FF2B5EF4-FFF2-40B4-BE49-F238E27FC236}">
+                <a16:creationId xmlns:a16="http://schemas.microsoft.com/office/drawing/2014/main" id="{221F948A-CB45-AEC7-D200-D2A6E6BBE955}"/>
+              </a:ext>
+            </a:extLst>
+          </p:cNvPr>
+          <p:cNvSpPr txBox="1"/>
+          <p:nvPr/>
+        </p:nvSpPr>
+        <p:spPr>
+          <a:xfrm>
+            <a:off x="803570" y="1683940"/>
+            <a:ext cx="10550230" cy="1631216"/>
+          </a:xfrm>
+          <a:prstGeom prst="rect">
+            <a:avLst/>
+          </a:prstGeom>
+          <a:noFill/>
+        </p:spPr>
+        <p:txBody>
+          <a:bodyPr wrap="square" rtlCol="0">
+            <a:spAutoFit/>
+          </a:bodyPr>
+          <a:lstStyle/>
+          <a:p>
+            <a:pPr marL="285750" indent="-285750">
+              <a:buFont typeface="Arial" panose="020B0604020202020204" pitchFamily="34" charset="0"/>
+              <a:buChar char="•"/>
+            </a:pPr>
+            <a:r>
+              <a:rPr lang="ko-KR" altLang="en-US" sz="2000" b="1" dirty="0">
+                <a:solidFill>
+                  <a:schemeClr val="tx1">
+                    <a:lumMod val="65000"/>
+                    <a:lumOff val="35000"/>
+                  </a:schemeClr>
+                </a:solidFill>
+              </a:rPr>
+              <a:t>복잡한 모델에서는 가중치 감소만으로 대응이 힘들다</a:t>
+            </a:r>
+            <a:r>
+              <a:rPr lang="en-US" altLang="ko-KR" sz="2000" b="1" dirty="0">
+                <a:solidFill>
+                  <a:schemeClr val="tx1">
+                    <a:lumMod val="65000"/>
+                    <a:lumOff val="35000"/>
+                  </a:schemeClr>
+                </a:solidFill>
+              </a:rPr>
+              <a:t>.</a:t>
+            </a:r>
+          </a:p>
+          <a:p>
+            <a:pPr marL="285750" indent="-285750">
+              <a:buFont typeface="Arial" panose="020B0604020202020204" pitchFamily="34" charset="0"/>
+              <a:buChar char="•"/>
+            </a:pPr>
+            <a:endParaRPr lang="en-US" altLang="ko-KR" sz="2000" b="1" dirty="0">
+              <a:solidFill>
+                <a:schemeClr val="tx1">
+                  <a:lumMod val="65000"/>
+                  <a:lumOff val="35000"/>
+                </a:schemeClr>
+              </a:solidFill>
+            </a:endParaRPr>
+          </a:p>
+          <a:p>
+            <a:pPr marL="285750" indent="-285750">
+              <a:buFont typeface="Arial" panose="020B0604020202020204" pitchFamily="34" charset="0"/>
+              <a:buChar char="•"/>
+            </a:pPr>
+            <a:r>
+              <a:rPr lang="ko-KR" altLang="en-US" sz="2000" b="1" dirty="0">
+                <a:solidFill>
+                  <a:schemeClr val="tx1">
+                    <a:lumMod val="65000"/>
+                    <a:lumOff val="35000"/>
+                  </a:schemeClr>
+                </a:solidFill>
+              </a:rPr>
+              <a:t>따라서 </a:t>
+            </a:r>
+            <a:r>
+              <a:rPr lang="ko-KR" altLang="en-US" sz="2000" b="1" dirty="0">
+                <a:solidFill>
+                  <a:schemeClr val="tx1">
+                    <a:lumMod val="65000"/>
+                    <a:lumOff val="35000"/>
+                  </a:schemeClr>
+                </a:solidFill>
+                <a:highlight>
+                  <a:srgbClr val="FFFF00"/>
+                </a:highlight>
+              </a:rPr>
+              <a:t>드롭 아웃 </a:t>
+            </a:r>
+            <a:r>
+              <a:rPr lang="ko-KR" altLang="en-US" sz="2000" b="1" dirty="0">
+                <a:solidFill>
+                  <a:schemeClr val="tx1">
+                    <a:lumMod val="65000"/>
+                    <a:lumOff val="35000"/>
+                  </a:schemeClr>
+                </a:solidFill>
+              </a:rPr>
+              <a:t>이라는 기법을 추가로 사용한다</a:t>
+            </a:r>
+            <a:r>
+              <a:rPr lang="en-US" altLang="ko-KR" sz="2000" b="1" dirty="0">
+                <a:solidFill>
+                  <a:schemeClr val="tx1">
+                    <a:lumMod val="65000"/>
+                    <a:lumOff val="35000"/>
+                  </a:schemeClr>
+                </a:solidFill>
+              </a:rPr>
+              <a:t>.</a:t>
+            </a:r>
+          </a:p>
+          <a:p>
+            <a:pPr marL="285750" indent="-285750">
+              <a:buFont typeface="Arial" panose="020B0604020202020204" pitchFamily="34" charset="0"/>
+              <a:buChar char="•"/>
+            </a:pPr>
+            <a:endParaRPr lang="en-US" altLang="ko-KR" sz="2000" b="1" dirty="0">
+              <a:solidFill>
+                <a:schemeClr val="tx1">
+                  <a:lumMod val="65000"/>
+                  <a:lumOff val="35000"/>
+                </a:schemeClr>
+              </a:solidFill>
+            </a:endParaRPr>
+          </a:p>
+          <a:p>
+            <a:pPr marL="285750" indent="-285750">
+              <a:buFont typeface="Arial" panose="020B0604020202020204" pitchFamily="34" charset="0"/>
+              <a:buChar char="•"/>
+            </a:pPr>
+            <a:r>
+              <a:rPr lang="ko-KR" altLang="en-US" sz="2000" b="1" dirty="0">
+                <a:solidFill>
+                  <a:schemeClr val="tx1">
+                    <a:lumMod val="65000"/>
+                    <a:lumOff val="35000"/>
+                  </a:schemeClr>
+                </a:solidFill>
+              </a:rPr>
+              <a:t>드롭 아웃 기법은 뉴런을 임의로 삭제하면서 학습하는 방법이다</a:t>
+            </a:r>
+            <a:r>
+              <a:rPr lang="en-US" altLang="ko-KR" sz="2000" b="1" dirty="0">
+                <a:solidFill>
+                  <a:schemeClr val="tx1">
+                    <a:lumMod val="65000"/>
+                    <a:lumOff val="35000"/>
+                  </a:schemeClr>
+                </a:solidFill>
+              </a:rPr>
+              <a:t>.</a:t>
+            </a:r>
+          </a:p>
+        </p:txBody>
+      </p:sp>
       <p:pic>
         <p:nvPicPr>
-          <p:cNvPr id="3" name="그림 2">
-            <a:extLst>
-              <a:ext uri="{FF2B5EF4-FFF2-40B4-BE49-F238E27FC236}">
-                <a16:creationId xmlns:a16="http://schemas.microsoft.com/office/drawing/2014/main" id="{4373C307-BCC9-445A-1631-79A996AE4754}"/>
+          <p:cNvPr id="7" name="그림 6">
+            <a:extLst>
+              <a:ext uri="{FF2B5EF4-FFF2-40B4-BE49-F238E27FC236}">
+                <a16:creationId xmlns:a16="http://schemas.microsoft.com/office/drawing/2014/main" id="{8CC44A39-D805-E932-912C-9D1C3D19AC19}"/>
               </a:ext>
             </a:extLst>
           </p:cNvPr>
@@ -17243,8 +14557,8 @@
         </p:blipFill>
         <p:spPr>
           <a:xfrm>
-            <a:off x="2392116" y="1864943"/>
-            <a:ext cx="6987015" cy="3854522"/>
+            <a:off x="3125736" y="3364448"/>
+            <a:ext cx="5365121" cy="2889589"/>
           </a:xfrm>
           <a:prstGeom prst="rect">
             <a:avLst/>
@@ -17254,7 +14568,7 @@
     </p:spTree>
     <p:extLst>
       <p:ext uri="{BB962C8B-B14F-4D97-AF65-F5344CB8AC3E}">
-        <p14:creationId xmlns:p14="http://schemas.microsoft.com/office/powerpoint/2010/main" val="3889064052"/>
+        <p14:creationId xmlns:p14="http://schemas.microsoft.com/office/powerpoint/2010/main" val="2094442158"/>
       </p:ext>
     </p:extLst>
   </p:cSld>
@@ -17309,7 +14623,7 @@
           <a:p>
             <a:fld id="{0303D7D5-FAC8-4B75-A637-D564180CD715}" type="datetime1">
               <a:rPr lang="ko-KR" altLang="en-US" sz="1000" smtClean="0"/>
-              <a:t>2023-06-22</a:t>
+              <a:t>2023-06-23</a:t>
             </a:fld>
             <a:endParaRPr lang="ko-KR" altLang="en-US" sz="1000" dirty="0"/>
           </a:p>
@@ -17401,8 +14715,8 @@
         </p:nvSpPr>
         <p:spPr>
           <a:xfrm>
-            <a:off x="513805" y="576645"/>
-            <a:ext cx="4953139" cy="523220"/>
+            <a:off x="513806" y="576645"/>
+            <a:ext cx="9544594" cy="523220"/>
           </a:xfrm>
           <a:prstGeom prst="rect">
             <a:avLst/>
@@ -17424,9 +14738,42 @@
                   </a:schemeClr>
                 </a:solidFill>
               </a:rPr>
-              <a:t>6. Q&amp;A</a:t>
-            </a:r>
-            <a:endParaRPr lang="ko-KR" altLang="en-US" sz="2800" b="1" dirty="0">
+              <a:t>4.  </a:t>
+            </a:r>
+            <a:r>
+              <a:rPr lang="ko-KR" altLang="en-US" sz="2800" b="1" dirty="0">
+                <a:solidFill>
+                  <a:schemeClr val="tx1">
+                    <a:lumMod val="65000"/>
+                    <a:lumOff val="35000"/>
+                  </a:schemeClr>
+                </a:solidFill>
+              </a:rPr>
+              <a:t>바른 학습을 위해 </a:t>
+            </a:r>
+            <a:r>
+              <a:rPr lang="en-US" altLang="ko-KR" sz="2800" b="1" dirty="0">
+                <a:solidFill>
+                  <a:schemeClr val="tx1">
+                    <a:lumMod val="65000"/>
+                    <a:lumOff val="35000"/>
+                  </a:schemeClr>
+                </a:solidFill>
+              </a:rPr>
+              <a:t>– </a:t>
+            </a:r>
+            <a:r>
+              <a:rPr lang="ko-KR" altLang="en-US" sz="2800" b="1" dirty="0" err="1">
+                <a:solidFill>
+                  <a:schemeClr val="tx1">
+                    <a:lumMod val="65000"/>
+                    <a:lumOff val="35000"/>
+                  </a:schemeClr>
+                </a:solidFill>
+              </a:rPr>
+              <a:t>드롭아웃</a:t>
+            </a:r>
+            <a:endParaRPr lang="en-US" altLang="ko-KR" sz="2800" b="1" dirty="0">
               <a:solidFill>
                 <a:schemeClr val="tx1">
                   <a:lumMod val="65000"/>
@@ -17437,12 +14784,184 @@
           </a:p>
         </p:txBody>
       </p:sp>
-      <p:sp>
-        <p:nvSpPr>
-          <p:cNvPr id="5" name="TextBox 4">
-            <a:extLst>
-              <a:ext uri="{FF2B5EF4-FFF2-40B4-BE49-F238E27FC236}">
-                <a16:creationId xmlns:a16="http://schemas.microsoft.com/office/drawing/2014/main" id="{C20646DE-0A45-1C62-11B1-6C467300621E}"/>
+      <p:pic>
+        <p:nvPicPr>
+          <p:cNvPr id="5" name="그림 4">
+            <a:extLst>
+              <a:ext uri="{FF2B5EF4-FFF2-40B4-BE49-F238E27FC236}">
+                <a16:creationId xmlns:a16="http://schemas.microsoft.com/office/drawing/2014/main" id="{6DF62FDD-29C0-2014-778A-D4433734179C}"/>
+              </a:ext>
+            </a:extLst>
+          </p:cNvPr>
+          <p:cNvPicPr>
+            <a:picLocks noChangeAspect="1"/>
+          </p:cNvPicPr>
+          <p:nvPr/>
+        </p:nvPicPr>
+        <p:blipFill>
+          <a:blip r:embed="rId2">
+            <a:extLst>
+              <a:ext uri="{28A0092B-C50C-407E-A947-70E740481C1C}">
+                <a14:useLocalDpi xmlns:a14="http://schemas.microsoft.com/office/drawing/2010/main" val="0"/>
+              </a:ext>
+            </a:extLst>
+          </a:blip>
+          <a:stretch>
+            <a:fillRect/>
+          </a:stretch>
+        </p:blipFill>
+        <p:spPr>
+          <a:xfrm>
+            <a:off x="1264852" y="1940481"/>
+            <a:ext cx="9368314" cy="3458197"/>
+          </a:xfrm>
+          <a:prstGeom prst="rect">
+            <a:avLst/>
+          </a:prstGeom>
+        </p:spPr>
+      </p:pic>
+    </p:spTree>
+    <p:extLst>
+      <p:ext uri="{BB962C8B-B14F-4D97-AF65-F5344CB8AC3E}">
+        <p14:creationId xmlns:p14="http://schemas.microsoft.com/office/powerpoint/2010/main" val="2968892626"/>
+      </p:ext>
+    </p:extLst>
+  </p:cSld>
+  <p:clrMapOvr>
+    <a:masterClrMapping/>
+  </p:clrMapOvr>
+</p:sld>
+</file>
+
+<file path=ppt/slides/slide35.xml><?xml version="1.0" encoding="utf-8"?>
+<p:sld xmlns:a="http://schemas.openxmlformats.org/drawingml/2006/main" xmlns:r="http://schemas.openxmlformats.org/officeDocument/2006/relationships" xmlns:p="http://schemas.openxmlformats.org/presentationml/2006/main">
+  <p:cSld>
+    <p:spTree>
+      <p:nvGrpSpPr>
+        <p:cNvPr id="1" name=""/>
+        <p:cNvGrpSpPr/>
+        <p:nvPr/>
+      </p:nvGrpSpPr>
+      <p:grpSpPr>
+        <a:xfrm>
+          <a:off x="0" y="0"/>
+          <a:ext cx="0" cy="0"/>
+          <a:chOff x="0" y="0"/>
+          <a:chExt cx="0" cy="0"/>
+        </a:xfrm>
+      </p:grpSpPr>
+      <p:sp>
+        <p:nvSpPr>
+          <p:cNvPr id="4" name="날짜 개체 틀 3">
+            <a:extLst>
+              <a:ext uri="{FF2B5EF4-FFF2-40B4-BE49-F238E27FC236}">
+                <a16:creationId xmlns:a16="http://schemas.microsoft.com/office/drawing/2014/main" id="{96EB53D3-8572-4237-B28C-28CB40308C40}"/>
+              </a:ext>
+            </a:extLst>
+          </p:cNvPr>
+          <p:cNvSpPr>
+            <a:spLocks noGrp="1"/>
+          </p:cNvSpPr>
+          <p:nvPr>
+            <p:ph type="dt" sz="half" idx="10"/>
+          </p:nvPr>
+        </p:nvSpPr>
+        <p:spPr>
+          <a:xfrm>
+            <a:off x="141514" y="6356350"/>
+            <a:ext cx="2743200" cy="365125"/>
+          </a:xfrm>
+        </p:spPr>
+        <p:txBody>
+          <a:bodyPr/>
+          <a:lstStyle/>
+          <a:p>
+            <a:fld id="{0303D7D5-FAC8-4B75-A637-D564180CD715}" type="datetime1">
+              <a:rPr lang="ko-KR" altLang="en-US" sz="1000" smtClean="0"/>
+              <a:t>2023-06-23</a:t>
+            </a:fld>
+            <a:endParaRPr lang="ko-KR" altLang="en-US" sz="1000" dirty="0"/>
+          </a:p>
+        </p:txBody>
+      </p:sp>
+      <p:sp>
+        <p:nvSpPr>
+          <p:cNvPr id="6" name="슬라이드 번호 개체 틀 5">
+            <a:extLst>
+              <a:ext uri="{FF2B5EF4-FFF2-40B4-BE49-F238E27FC236}">
+                <a16:creationId xmlns:a16="http://schemas.microsoft.com/office/drawing/2014/main" id="{6E93A4FF-EE48-4AD7-B7EF-105B8CE4CD9F}"/>
+              </a:ext>
+            </a:extLst>
+          </p:cNvPr>
+          <p:cNvSpPr>
+            <a:spLocks noGrp="1"/>
+          </p:cNvSpPr>
+          <p:nvPr>
+            <p:ph type="sldNum" sz="quarter" idx="12"/>
+          </p:nvPr>
+        </p:nvSpPr>
+        <p:spPr/>
+        <p:txBody>
+          <a:bodyPr/>
+          <a:lstStyle/>
+          <a:p>
+            <a:fld id="{77D8DCB6-DE77-432F-867E-17030BC60D58}" type="slidenum">
+              <a:rPr lang="ko-KR" altLang="en-US" smtClean="0"/>
+              <a:t>35</a:t>
+            </a:fld>
+            <a:endParaRPr lang="ko-KR" altLang="en-US"/>
+          </a:p>
+        </p:txBody>
+      </p:sp>
+      <p:cxnSp>
+        <p:nvCxnSpPr>
+          <p:cNvPr id="8" name="직선 연결선 7">
+            <a:extLst>
+              <a:ext uri="{FF2B5EF4-FFF2-40B4-BE49-F238E27FC236}">
+                <a16:creationId xmlns:a16="http://schemas.microsoft.com/office/drawing/2014/main" id="{D1F8D6B6-3C71-480C-BFAD-599210C64964}"/>
+              </a:ext>
+            </a:extLst>
+          </p:cNvPr>
+          <p:cNvCxnSpPr>
+            <a:cxnSpLocks/>
+          </p:cNvCxnSpPr>
+          <p:nvPr/>
+        </p:nvCxnSpPr>
+        <p:spPr>
+          <a:xfrm>
+            <a:off x="513806" y="1138535"/>
+            <a:ext cx="10978016" cy="0"/>
+          </a:xfrm>
+          <a:prstGeom prst="line">
+            <a:avLst/>
+          </a:prstGeom>
+          <a:ln w="28575">
+            <a:solidFill>
+              <a:srgbClr val="A80000"/>
+            </a:solidFill>
+          </a:ln>
+        </p:spPr>
+        <p:style>
+          <a:lnRef idx="1">
+            <a:schemeClr val="accent1"/>
+          </a:lnRef>
+          <a:fillRef idx="0">
+            <a:schemeClr val="accent1"/>
+          </a:fillRef>
+          <a:effectRef idx="0">
+            <a:schemeClr val="accent1"/>
+          </a:effectRef>
+          <a:fontRef idx="minor">
+            <a:schemeClr val="tx1"/>
+          </a:fontRef>
+        </p:style>
+      </p:cxnSp>
+      <p:sp>
+        <p:nvSpPr>
+          <p:cNvPr id="9" name="TextBox 8">
+            <a:extLst>
+              <a:ext uri="{FF2B5EF4-FFF2-40B4-BE49-F238E27FC236}">
+                <a16:creationId xmlns:a16="http://schemas.microsoft.com/office/drawing/2014/main" id="{85E2DDDA-35AB-489C-8A37-0A056738B5CD}"/>
               </a:ext>
             </a:extLst>
           </p:cNvPr>
@@ -17451,8 +14970,8 @@
         </p:nvSpPr>
         <p:spPr>
           <a:xfrm>
-            <a:off x="1822700" y="2838994"/>
-            <a:ext cx="8360228" cy="2246769"/>
+            <a:off x="513806" y="576645"/>
+            <a:ext cx="9544594" cy="523220"/>
           </a:xfrm>
           <a:prstGeom prst="rect">
             <a:avLst/>
@@ -17465,17 +14984,308 @@
           </a:bodyPr>
           <a:lstStyle/>
           <a:p>
-            <a:pPr algn="ctr"/>
-            <a:r>
-              <a:rPr lang="en-US" sz="14000" dirty="0">
-                <a:solidFill>
-                  <a:schemeClr val="tx1">
-                    <a:lumMod val="50000"/>
-                    <a:lumOff val="50000"/>
-                  </a:schemeClr>
-                </a:solidFill>
-              </a:rPr>
-              <a:t>Q&amp;A</a:t>
+            <a:r>
+              <a:rPr lang="en-US" altLang="ko-KR" sz="2800" b="1" dirty="0">
+                <a:solidFill>
+                  <a:schemeClr val="tx1">
+                    <a:lumMod val="65000"/>
+                    <a:lumOff val="35000"/>
+                  </a:schemeClr>
+                </a:solidFill>
+              </a:rPr>
+              <a:t>5.  </a:t>
+            </a:r>
+            <a:r>
+              <a:rPr lang="ko-KR" altLang="en-US" sz="2800" b="1" dirty="0">
+                <a:solidFill>
+                  <a:schemeClr val="tx1">
+                    <a:lumMod val="65000"/>
+                    <a:lumOff val="35000"/>
+                  </a:schemeClr>
+                </a:solidFill>
+              </a:rPr>
+              <a:t>적절한 </a:t>
+            </a:r>
+            <a:r>
+              <a:rPr lang="ko-KR" altLang="en-US" sz="2800" b="1" dirty="0" err="1">
+                <a:solidFill>
+                  <a:schemeClr val="tx1">
+                    <a:lumMod val="65000"/>
+                    <a:lumOff val="35000"/>
+                  </a:schemeClr>
+                </a:solidFill>
+              </a:rPr>
+              <a:t>하이퍼파라미터</a:t>
+            </a:r>
+            <a:r>
+              <a:rPr lang="ko-KR" altLang="en-US" sz="2800" b="1" dirty="0">
+                <a:solidFill>
+                  <a:schemeClr val="tx1">
+                    <a:lumMod val="65000"/>
+                    <a:lumOff val="35000"/>
+                  </a:schemeClr>
+                </a:solidFill>
+              </a:rPr>
+              <a:t> 값 찾기</a:t>
+            </a:r>
+            <a:endParaRPr lang="en-US" altLang="ko-KR" sz="2800" b="1" dirty="0">
+              <a:solidFill>
+                <a:schemeClr val="tx1">
+                  <a:lumMod val="65000"/>
+                  <a:lumOff val="35000"/>
+                </a:schemeClr>
+              </a:solidFill>
+            </a:endParaRPr>
+          </a:p>
+        </p:txBody>
+      </p:sp>
+      <p:sp>
+        <p:nvSpPr>
+          <p:cNvPr id="2" name="TextBox 1">
+            <a:extLst>
+              <a:ext uri="{FF2B5EF4-FFF2-40B4-BE49-F238E27FC236}">
+                <a16:creationId xmlns:a16="http://schemas.microsoft.com/office/drawing/2014/main" id="{221F948A-CB45-AEC7-D200-D2A6E6BBE955}"/>
+              </a:ext>
+            </a:extLst>
+          </p:cNvPr>
+          <p:cNvSpPr txBox="1"/>
+          <p:nvPr/>
+        </p:nvSpPr>
+        <p:spPr>
+          <a:xfrm>
+            <a:off x="803570" y="1683940"/>
+            <a:ext cx="10550230" cy="2246769"/>
+          </a:xfrm>
+          <a:prstGeom prst="rect">
+            <a:avLst/>
+          </a:prstGeom>
+          <a:noFill/>
+        </p:spPr>
+        <p:txBody>
+          <a:bodyPr wrap="square" rtlCol="0">
+            <a:spAutoFit/>
+          </a:bodyPr>
+          <a:lstStyle/>
+          <a:p>
+            <a:pPr marL="285750" indent="-285750">
+              <a:buFont typeface="Arial" panose="020B0604020202020204" pitchFamily="34" charset="0"/>
+              <a:buChar char="•"/>
+            </a:pPr>
+            <a:r>
+              <a:rPr lang="ko-KR" altLang="en-US" sz="2000" b="1" dirty="0" err="1">
+                <a:solidFill>
+                  <a:schemeClr val="tx1">
+                    <a:lumMod val="65000"/>
+                    <a:lumOff val="35000"/>
+                  </a:schemeClr>
+                </a:solidFill>
+              </a:rPr>
+              <a:t>하이퍼파라미터는</a:t>
+            </a:r>
+            <a:r>
+              <a:rPr lang="ko-KR" altLang="en-US" sz="2000" b="1" dirty="0">
+                <a:solidFill>
+                  <a:schemeClr val="tx1">
+                    <a:lumMod val="65000"/>
+                    <a:lumOff val="35000"/>
+                  </a:schemeClr>
+                </a:solidFill>
+              </a:rPr>
+              <a:t> 각 층의 뉴런 수</a:t>
+            </a:r>
+            <a:r>
+              <a:rPr lang="en-US" altLang="ko-KR" sz="2000" b="1" dirty="0">
+                <a:solidFill>
+                  <a:schemeClr val="tx1">
+                    <a:lumMod val="65000"/>
+                    <a:lumOff val="35000"/>
+                  </a:schemeClr>
+                </a:solidFill>
+              </a:rPr>
+              <a:t>, </a:t>
+            </a:r>
+            <a:r>
+              <a:rPr lang="ko-KR" altLang="en-US" sz="2000" b="1" dirty="0">
+                <a:solidFill>
+                  <a:schemeClr val="tx1">
+                    <a:lumMod val="65000"/>
+                    <a:lumOff val="35000"/>
+                  </a:schemeClr>
+                </a:solidFill>
+              </a:rPr>
+              <a:t>배치 크기</a:t>
+            </a:r>
+            <a:r>
+              <a:rPr lang="en-US" altLang="ko-KR" sz="2000" b="1" dirty="0">
+                <a:solidFill>
+                  <a:schemeClr val="tx1">
+                    <a:lumMod val="65000"/>
+                    <a:lumOff val="35000"/>
+                  </a:schemeClr>
+                </a:solidFill>
+              </a:rPr>
+              <a:t>, </a:t>
+            </a:r>
+            <a:r>
+              <a:rPr lang="ko-KR" altLang="en-US" sz="2000" b="1" dirty="0">
+                <a:solidFill>
+                  <a:schemeClr val="tx1">
+                    <a:lumMod val="65000"/>
+                    <a:lumOff val="35000"/>
+                  </a:schemeClr>
+                </a:solidFill>
+              </a:rPr>
+              <a:t>매개변수 갱신 시의 </a:t>
+            </a:r>
+            <a:r>
+              <a:rPr lang="ko-KR" altLang="en-US" sz="2000" b="1" dirty="0" err="1">
+                <a:solidFill>
+                  <a:schemeClr val="tx1">
+                    <a:lumMod val="65000"/>
+                    <a:lumOff val="35000"/>
+                  </a:schemeClr>
+                </a:solidFill>
+              </a:rPr>
+              <a:t>학습률과</a:t>
+            </a:r>
+            <a:r>
+              <a:rPr lang="ko-KR" altLang="en-US" sz="2000" b="1" dirty="0">
+                <a:solidFill>
+                  <a:schemeClr val="tx1">
+                    <a:lumMod val="65000"/>
+                    <a:lumOff val="35000"/>
+                  </a:schemeClr>
+                </a:solidFill>
+              </a:rPr>
+              <a:t> 가중치 감소등을 나타냅니다</a:t>
+            </a:r>
+            <a:r>
+              <a:rPr lang="en-US" altLang="ko-KR" sz="2000" b="1" dirty="0">
+                <a:solidFill>
+                  <a:schemeClr val="tx1">
+                    <a:lumMod val="65000"/>
+                    <a:lumOff val="35000"/>
+                  </a:schemeClr>
+                </a:solidFill>
+              </a:rPr>
+              <a:t>.</a:t>
+            </a:r>
+          </a:p>
+          <a:p>
+            <a:pPr marL="285750" indent="-285750">
+              <a:buFont typeface="Arial" panose="020B0604020202020204" pitchFamily="34" charset="0"/>
+              <a:buChar char="•"/>
+            </a:pPr>
+            <a:endParaRPr lang="en-US" altLang="ko-KR" sz="2000" b="1" dirty="0">
+              <a:solidFill>
+                <a:schemeClr val="tx1">
+                  <a:lumMod val="65000"/>
+                  <a:lumOff val="35000"/>
+                </a:schemeClr>
+              </a:solidFill>
+            </a:endParaRPr>
+          </a:p>
+          <a:p>
+            <a:pPr marL="285750" indent="-285750">
+              <a:buFont typeface="Arial" panose="020B0604020202020204" pitchFamily="34" charset="0"/>
+              <a:buChar char="•"/>
+            </a:pPr>
+            <a:r>
+              <a:rPr lang="ko-KR" altLang="en-US" sz="2000" b="1" dirty="0" err="1">
+                <a:solidFill>
+                  <a:schemeClr val="tx1">
+                    <a:lumMod val="65000"/>
+                    <a:lumOff val="35000"/>
+                  </a:schemeClr>
+                </a:solidFill>
+              </a:rPr>
+              <a:t>하이퍼파라미터의</a:t>
+            </a:r>
+            <a:r>
+              <a:rPr lang="ko-KR" altLang="en-US" sz="2000" b="1" dirty="0">
+                <a:solidFill>
+                  <a:schemeClr val="tx1">
+                    <a:lumMod val="65000"/>
+                    <a:lumOff val="35000"/>
+                  </a:schemeClr>
+                </a:solidFill>
+              </a:rPr>
+              <a:t> 값은 매우 중요하지만 이것을 결정하기 까지는 많은 시행착오를 겪는다</a:t>
+            </a:r>
+            <a:r>
+              <a:rPr lang="en-US" altLang="ko-KR" sz="2000" b="1" dirty="0">
+                <a:solidFill>
+                  <a:schemeClr val="tx1">
+                    <a:lumMod val="65000"/>
+                    <a:lumOff val="35000"/>
+                  </a:schemeClr>
+                </a:solidFill>
+              </a:rPr>
+              <a:t>.</a:t>
+            </a:r>
+          </a:p>
+          <a:p>
+            <a:pPr marL="285750" indent="-285750">
+              <a:buFont typeface="Arial" panose="020B0604020202020204" pitchFamily="34" charset="0"/>
+              <a:buChar char="•"/>
+            </a:pPr>
+            <a:endParaRPr lang="en-US" altLang="ko-KR" sz="2000" b="1" dirty="0">
+              <a:solidFill>
+                <a:schemeClr val="tx1">
+                  <a:lumMod val="65000"/>
+                  <a:lumOff val="35000"/>
+                </a:schemeClr>
+              </a:solidFill>
+            </a:endParaRPr>
+          </a:p>
+          <a:p>
+            <a:pPr marL="285750" indent="-285750">
+              <a:buFont typeface="Arial" panose="020B0604020202020204" pitchFamily="34" charset="0"/>
+              <a:buChar char="•"/>
+            </a:pPr>
+            <a:r>
+              <a:rPr lang="ko-KR" altLang="en-US" sz="2000" b="1" dirty="0">
+                <a:solidFill>
+                  <a:schemeClr val="tx1">
+                    <a:lumMod val="65000"/>
+                    <a:lumOff val="35000"/>
+                  </a:schemeClr>
+                </a:solidFill>
+              </a:rPr>
+              <a:t>이 절에서는 </a:t>
+            </a:r>
+            <a:r>
+              <a:rPr lang="ko-KR" altLang="en-US" sz="2000" b="1" dirty="0" err="1">
+                <a:solidFill>
+                  <a:schemeClr val="tx1">
+                    <a:lumMod val="65000"/>
+                    <a:lumOff val="35000"/>
+                  </a:schemeClr>
+                </a:solidFill>
+              </a:rPr>
+              <a:t>하이퍼</a:t>
+            </a:r>
+            <a:r>
+              <a:rPr lang="ko-KR" altLang="en-US" sz="2000" b="1" dirty="0">
+                <a:solidFill>
+                  <a:schemeClr val="tx1">
+                    <a:lumMod val="65000"/>
+                    <a:lumOff val="35000"/>
+                  </a:schemeClr>
+                </a:solidFill>
+              </a:rPr>
+              <a:t> 파라미터 값을 효율적으로 탐색하는 방법을 설명한다</a:t>
+            </a:r>
+            <a:r>
+              <a:rPr lang="en-US" altLang="ko-KR" sz="2000" b="1" dirty="0">
+                <a:solidFill>
+                  <a:schemeClr val="tx1">
+                    <a:lumMod val="65000"/>
+                    <a:lumOff val="35000"/>
+                  </a:schemeClr>
+                </a:solidFill>
+              </a:rPr>
+              <a:t>.</a:t>
             </a:r>
           </a:p>
         </p:txBody>
@@ -17483,7 +15293,1378 @@
     </p:spTree>
     <p:extLst>
       <p:ext uri="{BB962C8B-B14F-4D97-AF65-F5344CB8AC3E}">
-        <p14:creationId xmlns:p14="http://schemas.microsoft.com/office/powerpoint/2010/main" val="2819296862"/>
+        <p14:creationId xmlns:p14="http://schemas.microsoft.com/office/powerpoint/2010/main" val="1152607827"/>
+      </p:ext>
+    </p:extLst>
+  </p:cSld>
+  <p:clrMapOvr>
+    <a:masterClrMapping/>
+  </p:clrMapOvr>
+</p:sld>
+</file>
+
+<file path=ppt/slides/slide36.xml><?xml version="1.0" encoding="utf-8"?>
+<p:sld xmlns:a="http://schemas.openxmlformats.org/drawingml/2006/main" xmlns:r="http://schemas.openxmlformats.org/officeDocument/2006/relationships" xmlns:p="http://schemas.openxmlformats.org/presentationml/2006/main">
+  <p:cSld>
+    <p:spTree>
+      <p:nvGrpSpPr>
+        <p:cNvPr id="1" name=""/>
+        <p:cNvGrpSpPr/>
+        <p:nvPr/>
+      </p:nvGrpSpPr>
+      <p:grpSpPr>
+        <a:xfrm>
+          <a:off x="0" y="0"/>
+          <a:ext cx="0" cy="0"/>
+          <a:chOff x="0" y="0"/>
+          <a:chExt cx="0" cy="0"/>
+        </a:xfrm>
+      </p:grpSpPr>
+      <p:sp>
+        <p:nvSpPr>
+          <p:cNvPr id="4" name="날짜 개체 틀 3">
+            <a:extLst>
+              <a:ext uri="{FF2B5EF4-FFF2-40B4-BE49-F238E27FC236}">
+                <a16:creationId xmlns:a16="http://schemas.microsoft.com/office/drawing/2014/main" id="{96EB53D3-8572-4237-B28C-28CB40308C40}"/>
+              </a:ext>
+            </a:extLst>
+          </p:cNvPr>
+          <p:cNvSpPr>
+            <a:spLocks noGrp="1"/>
+          </p:cNvSpPr>
+          <p:nvPr>
+            <p:ph type="dt" sz="half" idx="10"/>
+          </p:nvPr>
+        </p:nvSpPr>
+        <p:spPr>
+          <a:xfrm>
+            <a:off x="141514" y="6356350"/>
+            <a:ext cx="2743200" cy="365125"/>
+          </a:xfrm>
+        </p:spPr>
+        <p:txBody>
+          <a:bodyPr/>
+          <a:lstStyle/>
+          <a:p>
+            <a:fld id="{0303D7D5-FAC8-4B75-A637-D564180CD715}" type="datetime1">
+              <a:rPr lang="ko-KR" altLang="en-US" sz="1000" smtClean="0"/>
+              <a:t>2023-06-23</a:t>
+            </a:fld>
+            <a:endParaRPr lang="ko-KR" altLang="en-US" sz="1000" dirty="0"/>
+          </a:p>
+        </p:txBody>
+      </p:sp>
+      <p:sp>
+        <p:nvSpPr>
+          <p:cNvPr id="6" name="슬라이드 번호 개체 틀 5">
+            <a:extLst>
+              <a:ext uri="{FF2B5EF4-FFF2-40B4-BE49-F238E27FC236}">
+                <a16:creationId xmlns:a16="http://schemas.microsoft.com/office/drawing/2014/main" id="{6E93A4FF-EE48-4AD7-B7EF-105B8CE4CD9F}"/>
+              </a:ext>
+            </a:extLst>
+          </p:cNvPr>
+          <p:cNvSpPr>
+            <a:spLocks noGrp="1"/>
+          </p:cNvSpPr>
+          <p:nvPr>
+            <p:ph type="sldNum" sz="quarter" idx="12"/>
+          </p:nvPr>
+        </p:nvSpPr>
+        <p:spPr/>
+        <p:txBody>
+          <a:bodyPr/>
+          <a:lstStyle/>
+          <a:p>
+            <a:fld id="{77D8DCB6-DE77-432F-867E-17030BC60D58}" type="slidenum">
+              <a:rPr lang="ko-KR" altLang="en-US" smtClean="0"/>
+              <a:t>36</a:t>
+            </a:fld>
+            <a:endParaRPr lang="ko-KR" altLang="en-US"/>
+          </a:p>
+        </p:txBody>
+      </p:sp>
+      <p:cxnSp>
+        <p:nvCxnSpPr>
+          <p:cNvPr id="8" name="직선 연결선 7">
+            <a:extLst>
+              <a:ext uri="{FF2B5EF4-FFF2-40B4-BE49-F238E27FC236}">
+                <a16:creationId xmlns:a16="http://schemas.microsoft.com/office/drawing/2014/main" id="{D1F8D6B6-3C71-480C-BFAD-599210C64964}"/>
+              </a:ext>
+            </a:extLst>
+          </p:cNvPr>
+          <p:cNvCxnSpPr>
+            <a:cxnSpLocks/>
+          </p:cNvCxnSpPr>
+          <p:nvPr/>
+        </p:nvCxnSpPr>
+        <p:spPr>
+          <a:xfrm>
+            <a:off x="513806" y="1138535"/>
+            <a:ext cx="10978016" cy="0"/>
+          </a:xfrm>
+          <a:prstGeom prst="line">
+            <a:avLst/>
+          </a:prstGeom>
+          <a:ln w="28575">
+            <a:solidFill>
+              <a:srgbClr val="A80000"/>
+            </a:solidFill>
+          </a:ln>
+        </p:spPr>
+        <p:style>
+          <a:lnRef idx="1">
+            <a:schemeClr val="accent1"/>
+          </a:lnRef>
+          <a:fillRef idx="0">
+            <a:schemeClr val="accent1"/>
+          </a:fillRef>
+          <a:effectRef idx="0">
+            <a:schemeClr val="accent1"/>
+          </a:effectRef>
+          <a:fontRef idx="minor">
+            <a:schemeClr val="tx1"/>
+          </a:fontRef>
+        </p:style>
+      </p:cxnSp>
+      <p:sp>
+        <p:nvSpPr>
+          <p:cNvPr id="9" name="TextBox 8">
+            <a:extLst>
+              <a:ext uri="{FF2B5EF4-FFF2-40B4-BE49-F238E27FC236}">
+                <a16:creationId xmlns:a16="http://schemas.microsoft.com/office/drawing/2014/main" id="{85E2DDDA-35AB-489C-8A37-0A056738B5CD}"/>
+              </a:ext>
+            </a:extLst>
+          </p:cNvPr>
+          <p:cNvSpPr txBox="1"/>
+          <p:nvPr/>
+        </p:nvSpPr>
+        <p:spPr>
+          <a:xfrm>
+            <a:off x="513806" y="576645"/>
+            <a:ext cx="9544594" cy="523220"/>
+          </a:xfrm>
+          <a:prstGeom prst="rect">
+            <a:avLst/>
+          </a:prstGeom>
+          <a:noFill/>
+        </p:spPr>
+        <p:txBody>
+          <a:bodyPr wrap="square" rtlCol="0">
+            <a:spAutoFit/>
+          </a:bodyPr>
+          <a:lstStyle/>
+          <a:p>
+            <a:r>
+              <a:rPr lang="en-US" altLang="ko-KR" sz="2800" b="1" dirty="0">
+                <a:solidFill>
+                  <a:schemeClr val="tx1">
+                    <a:lumMod val="65000"/>
+                    <a:lumOff val="35000"/>
+                  </a:schemeClr>
+                </a:solidFill>
+              </a:rPr>
+              <a:t>5.  </a:t>
+            </a:r>
+            <a:r>
+              <a:rPr lang="ko-KR" altLang="en-US" sz="2800" b="1" dirty="0">
+                <a:solidFill>
+                  <a:schemeClr val="tx1">
+                    <a:lumMod val="65000"/>
+                    <a:lumOff val="35000"/>
+                  </a:schemeClr>
+                </a:solidFill>
+              </a:rPr>
+              <a:t>적절한 </a:t>
+            </a:r>
+            <a:r>
+              <a:rPr lang="ko-KR" altLang="en-US" sz="2800" b="1" dirty="0" err="1">
+                <a:solidFill>
+                  <a:schemeClr val="tx1">
+                    <a:lumMod val="65000"/>
+                    <a:lumOff val="35000"/>
+                  </a:schemeClr>
+                </a:solidFill>
+              </a:rPr>
+              <a:t>하이퍼파라미터</a:t>
+            </a:r>
+            <a:r>
+              <a:rPr lang="ko-KR" altLang="en-US" sz="2800" b="1" dirty="0">
+                <a:solidFill>
+                  <a:schemeClr val="tx1">
+                    <a:lumMod val="65000"/>
+                    <a:lumOff val="35000"/>
+                  </a:schemeClr>
+                </a:solidFill>
+              </a:rPr>
+              <a:t> 값 찾기 </a:t>
+            </a:r>
+            <a:r>
+              <a:rPr lang="en-US" altLang="ko-KR" sz="2800" b="1" dirty="0">
+                <a:solidFill>
+                  <a:schemeClr val="tx1">
+                    <a:lumMod val="65000"/>
+                    <a:lumOff val="35000"/>
+                  </a:schemeClr>
+                </a:solidFill>
+              </a:rPr>
+              <a:t>– </a:t>
+            </a:r>
+            <a:r>
+              <a:rPr lang="ko-KR" altLang="en-US" sz="2800" b="1" dirty="0">
+                <a:solidFill>
+                  <a:schemeClr val="tx1">
+                    <a:lumMod val="65000"/>
+                    <a:lumOff val="35000"/>
+                  </a:schemeClr>
+                </a:solidFill>
+              </a:rPr>
+              <a:t>검증 데이터</a:t>
+            </a:r>
+            <a:endParaRPr lang="en-US" altLang="ko-KR" sz="2800" b="1" dirty="0">
+              <a:solidFill>
+                <a:schemeClr val="tx1">
+                  <a:lumMod val="65000"/>
+                  <a:lumOff val="35000"/>
+                </a:schemeClr>
+              </a:solidFill>
+            </a:endParaRPr>
+          </a:p>
+        </p:txBody>
+      </p:sp>
+      <p:sp>
+        <p:nvSpPr>
+          <p:cNvPr id="2" name="TextBox 1">
+            <a:extLst>
+              <a:ext uri="{FF2B5EF4-FFF2-40B4-BE49-F238E27FC236}">
+                <a16:creationId xmlns:a16="http://schemas.microsoft.com/office/drawing/2014/main" id="{221F948A-CB45-AEC7-D200-D2A6E6BBE955}"/>
+              </a:ext>
+            </a:extLst>
+          </p:cNvPr>
+          <p:cNvSpPr txBox="1"/>
+          <p:nvPr/>
+        </p:nvSpPr>
+        <p:spPr>
+          <a:xfrm>
+            <a:off x="803570" y="1683940"/>
+            <a:ext cx="10550230" cy="1631216"/>
+          </a:xfrm>
+          <a:prstGeom prst="rect">
+            <a:avLst/>
+          </a:prstGeom>
+          <a:noFill/>
+        </p:spPr>
+        <p:txBody>
+          <a:bodyPr wrap="square" rtlCol="0">
+            <a:spAutoFit/>
+          </a:bodyPr>
+          <a:lstStyle/>
+          <a:p>
+            <a:pPr marL="285750" indent="-285750">
+              <a:buFont typeface="Arial" panose="020B0604020202020204" pitchFamily="34" charset="0"/>
+              <a:buChar char="•"/>
+            </a:pPr>
+            <a:r>
+              <a:rPr lang="ko-KR" altLang="en-US" sz="2000" b="1" dirty="0">
+                <a:solidFill>
+                  <a:schemeClr val="tx1">
+                    <a:lumMod val="65000"/>
+                    <a:lumOff val="35000"/>
+                  </a:schemeClr>
+                </a:solidFill>
+              </a:rPr>
+              <a:t>지금까지는 학습 데이터와 테스트 데이터 두가지로 분리해서 사용했지만</a:t>
+            </a:r>
+            <a:r>
+              <a:rPr lang="en-US" altLang="ko-KR" sz="2000" b="1" dirty="0">
+                <a:solidFill>
+                  <a:schemeClr val="tx1">
+                    <a:lumMod val="65000"/>
+                    <a:lumOff val="35000"/>
+                  </a:schemeClr>
+                </a:solidFill>
+              </a:rPr>
+              <a:t>, </a:t>
+            </a:r>
+            <a:r>
+              <a:rPr lang="ko-KR" altLang="en-US" sz="2000" b="1" dirty="0" err="1">
+                <a:solidFill>
+                  <a:schemeClr val="tx1">
+                    <a:lumMod val="65000"/>
+                    <a:lumOff val="35000"/>
+                  </a:schemeClr>
+                </a:solidFill>
+              </a:rPr>
+              <a:t>오버피팅</a:t>
+            </a:r>
+            <a:r>
+              <a:rPr lang="ko-KR" altLang="en-US" sz="2000" b="1" dirty="0">
+                <a:solidFill>
+                  <a:schemeClr val="tx1">
+                    <a:lumMod val="65000"/>
+                    <a:lumOff val="35000"/>
+                  </a:schemeClr>
+                </a:solidFill>
+              </a:rPr>
+              <a:t> 여부와 범용 성능은 어디까지 인지에 대한 것은 평가 할 수가 없습니다</a:t>
+            </a:r>
+            <a:r>
+              <a:rPr lang="en-US" altLang="ko-KR" sz="2000" b="1" dirty="0">
+                <a:solidFill>
+                  <a:schemeClr val="tx1">
+                    <a:lumMod val="65000"/>
+                    <a:lumOff val="35000"/>
+                  </a:schemeClr>
+                </a:solidFill>
+              </a:rPr>
+              <a:t>.</a:t>
+            </a:r>
+          </a:p>
+          <a:p>
+            <a:pPr marL="285750" indent="-285750">
+              <a:buFont typeface="Arial" panose="020B0604020202020204" pitchFamily="34" charset="0"/>
+              <a:buChar char="•"/>
+            </a:pPr>
+            <a:endParaRPr lang="en-US" altLang="ko-KR" sz="2000" b="1" dirty="0">
+              <a:solidFill>
+                <a:schemeClr val="tx1">
+                  <a:lumMod val="65000"/>
+                  <a:lumOff val="35000"/>
+                </a:schemeClr>
+              </a:solidFill>
+            </a:endParaRPr>
+          </a:p>
+          <a:p>
+            <a:pPr marL="285750" indent="-285750">
+              <a:buFont typeface="Arial" panose="020B0604020202020204" pitchFamily="34" charset="0"/>
+              <a:buChar char="•"/>
+            </a:pPr>
+            <a:r>
+              <a:rPr lang="ko-KR" altLang="en-US" sz="2000" b="1" dirty="0">
+                <a:solidFill>
+                  <a:schemeClr val="tx1">
+                    <a:lumMod val="65000"/>
+                    <a:lumOff val="35000"/>
+                  </a:schemeClr>
+                </a:solidFill>
+              </a:rPr>
+              <a:t>이를 평가하기 위해 </a:t>
+            </a:r>
+            <a:r>
+              <a:rPr lang="ko-KR" altLang="en-US" sz="2000" b="1" dirty="0" err="1">
+                <a:solidFill>
+                  <a:schemeClr val="tx1">
+                    <a:lumMod val="65000"/>
+                    <a:lumOff val="35000"/>
+                  </a:schemeClr>
+                </a:solidFill>
+              </a:rPr>
+              <a:t>하이퍼</a:t>
+            </a:r>
+            <a:r>
+              <a:rPr lang="ko-KR" altLang="en-US" sz="2000" b="1" dirty="0">
+                <a:solidFill>
+                  <a:schemeClr val="tx1">
+                    <a:lumMod val="65000"/>
+                    <a:lumOff val="35000"/>
+                  </a:schemeClr>
+                </a:solidFill>
+              </a:rPr>
+              <a:t> 파라미터를 조정하기위한 전용 데이터인 검증 데이터</a:t>
+            </a:r>
+            <a:r>
+              <a:rPr lang="en-US" altLang="ko-KR" sz="2000" b="1" dirty="0">
+                <a:solidFill>
+                  <a:schemeClr val="tx1">
+                    <a:lumMod val="65000"/>
+                    <a:lumOff val="35000"/>
+                  </a:schemeClr>
+                </a:solidFill>
+              </a:rPr>
+              <a:t>(validation</a:t>
+            </a:r>
+            <a:r>
+              <a:rPr lang="ko-KR" altLang="en-US" sz="2000" b="1" dirty="0">
+                <a:solidFill>
+                  <a:schemeClr val="tx1">
+                    <a:lumMod val="65000"/>
+                    <a:lumOff val="35000"/>
+                  </a:schemeClr>
+                </a:solidFill>
+              </a:rPr>
+              <a:t> </a:t>
+            </a:r>
+            <a:r>
+              <a:rPr lang="en-US" altLang="ko-KR" sz="2000" b="1" dirty="0">
+                <a:solidFill>
+                  <a:schemeClr val="tx1">
+                    <a:lumMod val="65000"/>
+                    <a:lumOff val="35000"/>
+                  </a:schemeClr>
+                </a:solidFill>
+              </a:rPr>
+              <a:t>data)</a:t>
+            </a:r>
+            <a:r>
+              <a:rPr lang="ko-KR" altLang="en-US" sz="2000" b="1" dirty="0">
+                <a:solidFill>
+                  <a:schemeClr val="tx1">
+                    <a:lumMod val="65000"/>
+                    <a:lumOff val="35000"/>
+                  </a:schemeClr>
+                </a:solidFill>
+              </a:rPr>
+              <a:t>를 사용한다</a:t>
+            </a:r>
+            <a:r>
+              <a:rPr lang="en-US" altLang="ko-KR" sz="2000" b="1" dirty="0">
+                <a:solidFill>
+                  <a:schemeClr val="tx1">
+                    <a:lumMod val="65000"/>
+                    <a:lumOff val="35000"/>
+                  </a:schemeClr>
+                </a:solidFill>
+              </a:rPr>
+              <a:t>.</a:t>
+            </a:r>
+          </a:p>
+        </p:txBody>
+      </p:sp>
+      <p:pic>
+        <p:nvPicPr>
+          <p:cNvPr id="2050" name="Picture 2">
+            <a:extLst>
+              <a:ext uri="{FF2B5EF4-FFF2-40B4-BE49-F238E27FC236}">
+                <a16:creationId xmlns:a16="http://schemas.microsoft.com/office/drawing/2014/main" id="{23E86F6E-9262-59C7-003B-B0002DAAE870}"/>
+              </a:ext>
+            </a:extLst>
+          </p:cNvPr>
+          <p:cNvPicPr>
+            <a:picLocks noChangeAspect="1" noChangeArrowheads="1"/>
+          </p:cNvPicPr>
+          <p:nvPr/>
+        </p:nvPicPr>
+        <p:blipFill>
+          <a:blip r:embed="rId2">
+            <a:extLst>
+              <a:ext uri="{28A0092B-C50C-407E-A947-70E740481C1C}">
+                <a14:useLocalDpi xmlns:a14="http://schemas.microsoft.com/office/drawing/2010/main" val="0"/>
+              </a:ext>
+            </a:extLst>
+          </a:blip>
+          <a:srcRect/>
+          <a:stretch>
+            <a:fillRect/>
+          </a:stretch>
+        </p:blipFill>
+        <p:spPr bwMode="auto">
+          <a:xfrm>
+            <a:off x="3139711" y="3692362"/>
+            <a:ext cx="5732961" cy="2218868"/>
+          </a:xfrm>
+          <a:prstGeom prst="rect">
+            <a:avLst/>
+          </a:prstGeom>
+          <a:noFill/>
+          <a:extLst>
+            <a:ext uri="{909E8E84-426E-40DD-AFC4-6F175D3DCCD1}">
+              <a14:hiddenFill xmlns:a14="http://schemas.microsoft.com/office/drawing/2010/main">
+                <a:solidFill>
+                  <a:srgbClr val="FFFFFF"/>
+                </a:solidFill>
+              </a14:hiddenFill>
+            </a:ext>
+          </a:extLst>
+        </p:spPr>
+      </p:pic>
+    </p:spTree>
+    <p:extLst>
+      <p:ext uri="{BB962C8B-B14F-4D97-AF65-F5344CB8AC3E}">
+        <p14:creationId xmlns:p14="http://schemas.microsoft.com/office/powerpoint/2010/main" val="3927742311"/>
+      </p:ext>
+    </p:extLst>
+  </p:cSld>
+  <p:clrMapOvr>
+    <a:masterClrMapping/>
+  </p:clrMapOvr>
+</p:sld>
+</file>
+
+<file path=ppt/slides/slide37.xml><?xml version="1.0" encoding="utf-8"?>
+<p:sld xmlns:a="http://schemas.openxmlformats.org/drawingml/2006/main" xmlns:r="http://schemas.openxmlformats.org/officeDocument/2006/relationships" xmlns:p="http://schemas.openxmlformats.org/presentationml/2006/main">
+  <p:cSld>
+    <p:spTree>
+      <p:nvGrpSpPr>
+        <p:cNvPr id="1" name=""/>
+        <p:cNvGrpSpPr/>
+        <p:nvPr/>
+      </p:nvGrpSpPr>
+      <p:grpSpPr>
+        <a:xfrm>
+          <a:off x="0" y="0"/>
+          <a:ext cx="0" cy="0"/>
+          <a:chOff x="0" y="0"/>
+          <a:chExt cx="0" cy="0"/>
+        </a:xfrm>
+      </p:grpSpPr>
+      <p:sp>
+        <p:nvSpPr>
+          <p:cNvPr id="4" name="날짜 개체 틀 3">
+            <a:extLst>
+              <a:ext uri="{FF2B5EF4-FFF2-40B4-BE49-F238E27FC236}">
+                <a16:creationId xmlns:a16="http://schemas.microsoft.com/office/drawing/2014/main" id="{96EB53D3-8572-4237-B28C-28CB40308C40}"/>
+              </a:ext>
+            </a:extLst>
+          </p:cNvPr>
+          <p:cNvSpPr>
+            <a:spLocks noGrp="1"/>
+          </p:cNvSpPr>
+          <p:nvPr>
+            <p:ph type="dt" sz="half" idx="10"/>
+          </p:nvPr>
+        </p:nvSpPr>
+        <p:spPr>
+          <a:xfrm>
+            <a:off x="141514" y="6356350"/>
+            <a:ext cx="2743200" cy="365125"/>
+          </a:xfrm>
+        </p:spPr>
+        <p:txBody>
+          <a:bodyPr/>
+          <a:lstStyle/>
+          <a:p>
+            <a:fld id="{0303D7D5-FAC8-4B75-A637-D564180CD715}" type="datetime1">
+              <a:rPr lang="ko-KR" altLang="en-US" sz="1000" smtClean="0"/>
+              <a:t>2023-06-23</a:t>
+            </a:fld>
+            <a:endParaRPr lang="ko-KR" altLang="en-US" sz="1000" dirty="0"/>
+          </a:p>
+        </p:txBody>
+      </p:sp>
+      <p:sp>
+        <p:nvSpPr>
+          <p:cNvPr id="6" name="슬라이드 번호 개체 틀 5">
+            <a:extLst>
+              <a:ext uri="{FF2B5EF4-FFF2-40B4-BE49-F238E27FC236}">
+                <a16:creationId xmlns:a16="http://schemas.microsoft.com/office/drawing/2014/main" id="{6E93A4FF-EE48-4AD7-B7EF-105B8CE4CD9F}"/>
+              </a:ext>
+            </a:extLst>
+          </p:cNvPr>
+          <p:cNvSpPr>
+            <a:spLocks noGrp="1"/>
+          </p:cNvSpPr>
+          <p:nvPr>
+            <p:ph type="sldNum" sz="quarter" idx="12"/>
+          </p:nvPr>
+        </p:nvSpPr>
+        <p:spPr/>
+        <p:txBody>
+          <a:bodyPr/>
+          <a:lstStyle/>
+          <a:p>
+            <a:fld id="{77D8DCB6-DE77-432F-867E-17030BC60D58}" type="slidenum">
+              <a:rPr lang="ko-KR" altLang="en-US" smtClean="0"/>
+              <a:t>37</a:t>
+            </a:fld>
+            <a:endParaRPr lang="ko-KR" altLang="en-US"/>
+          </a:p>
+        </p:txBody>
+      </p:sp>
+      <p:cxnSp>
+        <p:nvCxnSpPr>
+          <p:cNvPr id="8" name="직선 연결선 7">
+            <a:extLst>
+              <a:ext uri="{FF2B5EF4-FFF2-40B4-BE49-F238E27FC236}">
+                <a16:creationId xmlns:a16="http://schemas.microsoft.com/office/drawing/2014/main" id="{D1F8D6B6-3C71-480C-BFAD-599210C64964}"/>
+              </a:ext>
+            </a:extLst>
+          </p:cNvPr>
+          <p:cNvCxnSpPr>
+            <a:cxnSpLocks/>
+          </p:cNvCxnSpPr>
+          <p:nvPr/>
+        </p:nvCxnSpPr>
+        <p:spPr>
+          <a:xfrm>
+            <a:off x="513806" y="1138535"/>
+            <a:ext cx="10978016" cy="0"/>
+          </a:xfrm>
+          <a:prstGeom prst="line">
+            <a:avLst/>
+          </a:prstGeom>
+          <a:ln w="28575">
+            <a:solidFill>
+              <a:srgbClr val="A80000"/>
+            </a:solidFill>
+          </a:ln>
+        </p:spPr>
+        <p:style>
+          <a:lnRef idx="1">
+            <a:schemeClr val="accent1"/>
+          </a:lnRef>
+          <a:fillRef idx="0">
+            <a:schemeClr val="accent1"/>
+          </a:fillRef>
+          <a:effectRef idx="0">
+            <a:schemeClr val="accent1"/>
+          </a:effectRef>
+          <a:fontRef idx="minor">
+            <a:schemeClr val="tx1"/>
+          </a:fontRef>
+        </p:style>
+      </p:cxnSp>
+      <p:sp>
+        <p:nvSpPr>
+          <p:cNvPr id="9" name="TextBox 8">
+            <a:extLst>
+              <a:ext uri="{FF2B5EF4-FFF2-40B4-BE49-F238E27FC236}">
+                <a16:creationId xmlns:a16="http://schemas.microsoft.com/office/drawing/2014/main" id="{85E2DDDA-35AB-489C-8A37-0A056738B5CD}"/>
+              </a:ext>
+            </a:extLst>
+          </p:cNvPr>
+          <p:cNvSpPr txBox="1"/>
+          <p:nvPr/>
+        </p:nvSpPr>
+        <p:spPr>
+          <a:xfrm>
+            <a:off x="513806" y="576645"/>
+            <a:ext cx="10550230" cy="523220"/>
+          </a:xfrm>
+          <a:prstGeom prst="rect">
+            <a:avLst/>
+          </a:prstGeom>
+          <a:noFill/>
+        </p:spPr>
+        <p:txBody>
+          <a:bodyPr wrap="square" rtlCol="0">
+            <a:spAutoFit/>
+          </a:bodyPr>
+          <a:lstStyle/>
+          <a:p>
+            <a:r>
+              <a:rPr lang="en-US" altLang="ko-KR" sz="2800" b="1" dirty="0">
+                <a:solidFill>
+                  <a:schemeClr val="tx1">
+                    <a:lumMod val="65000"/>
+                    <a:lumOff val="35000"/>
+                  </a:schemeClr>
+                </a:solidFill>
+              </a:rPr>
+              <a:t>5.  </a:t>
+            </a:r>
+            <a:r>
+              <a:rPr lang="ko-KR" altLang="en-US" sz="2800" b="1" dirty="0">
+                <a:solidFill>
+                  <a:schemeClr val="tx1">
+                    <a:lumMod val="65000"/>
+                    <a:lumOff val="35000"/>
+                  </a:schemeClr>
+                </a:solidFill>
+              </a:rPr>
+              <a:t>적절한 </a:t>
+            </a:r>
+            <a:r>
+              <a:rPr lang="ko-KR" altLang="en-US" sz="2800" b="1" dirty="0" err="1">
+                <a:solidFill>
+                  <a:schemeClr val="tx1">
+                    <a:lumMod val="65000"/>
+                    <a:lumOff val="35000"/>
+                  </a:schemeClr>
+                </a:solidFill>
+              </a:rPr>
+              <a:t>하이퍼파라미터</a:t>
+            </a:r>
+            <a:r>
+              <a:rPr lang="ko-KR" altLang="en-US" sz="2800" b="1" dirty="0">
+                <a:solidFill>
+                  <a:schemeClr val="tx1">
+                    <a:lumMod val="65000"/>
+                    <a:lumOff val="35000"/>
+                  </a:schemeClr>
+                </a:solidFill>
+              </a:rPr>
+              <a:t> 값 찾기 </a:t>
+            </a:r>
+            <a:r>
+              <a:rPr lang="en-US" altLang="ko-KR" sz="2800" b="1" dirty="0">
+                <a:solidFill>
+                  <a:schemeClr val="tx1">
+                    <a:lumMod val="65000"/>
+                    <a:lumOff val="35000"/>
+                  </a:schemeClr>
+                </a:solidFill>
+              </a:rPr>
+              <a:t>– </a:t>
+            </a:r>
+            <a:r>
+              <a:rPr lang="ko-KR" altLang="en-US" sz="2800" b="1" dirty="0" err="1">
+                <a:solidFill>
+                  <a:schemeClr val="tx1">
+                    <a:lumMod val="65000"/>
+                    <a:lumOff val="35000"/>
+                  </a:schemeClr>
+                </a:solidFill>
+              </a:rPr>
+              <a:t>하이퍼파라미터</a:t>
+            </a:r>
+            <a:r>
+              <a:rPr lang="ko-KR" altLang="en-US" sz="2800" b="1" dirty="0">
+                <a:solidFill>
+                  <a:schemeClr val="tx1">
+                    <a:lumMod val="65000"/>
+                    <a:lumOff val="35000"/>
+                  </a:schemeClr>
+                </a:solidFill>
+              </a:rPr>
+              <a:t> 최적화</a:t>
+            </a:r>
+            <a:endParaRPr lang="en-US" altLang="ko-KR" sz="2800" b="1" dirty="0">
+              <a:solidFill>
+                <a:schemeClr val="tx1">
+                  <a:lumMod val="65000"/>
+                  <a:lumOff val="35000"/>
+                </a:schemeClr>
+              </a:solidFill>
+            </a:endParaRPr>
+          </a:p>
+        </p:txBody>
+      </p:sp>
+      <p:sp>
+        <p:nvSpPr>
+          <p:cNvPr id="2" name="TextBox 1">
+            <a:extLst>
+              <a:ext uri="{FF2B5EF4-FFF2-40B4-BE49-F238E27FC236}">
+                <a16:creationId xmlns:a16="http://schemas.microsoft.com/office/drawing/2014/main" id="{221F948A-CB45-AEC7-D200-D2A6E6BBE955}"/>
+              </a:ext>
+            </a:extLst>
+          </p:cNvPr>
+          <p:cNvSpPr txBox="1"/>
+          <p:nvPr/>
+        </p:nvSpPr>
+        <p:spPr>
+          <a:xfrm>
+            <a:off x="803570" y="1683940"/>
+            <a:ext cx="10550230" cy="2862322"/>
+          </a:xfrm>
+          <a:prstGeom prst="rect">
+            <a:avLst/>
+          </a:prstGeom>
+          <a:noFill/>
+        </p:spPr>
+        <p:txBody>
+          <a:bodyPr wrap="square" rtlCol="0">
+            <a:spAutoFit/>
+          </a:bodyPr>
+          <a:lstStyle/>
+          <a:p>
+            <a:pPr marL="285750" indent="-285750">
+              <a:buFont typeface="Arial" panose="020B0604020202020204" pitchFamily="34" charset="0"/>
+              <a:buChar char="•"/>
+            </a:pPr>
+            <a:r>
+              <a:rPr lang="ko-KR" altLang="en-US" sz="2000" b="1" dirty="0" err="1">
+                <a:solidFill>
+                  <a:schemeClr val="tx1">
+                    <a:lumMod val="65000"/>
+                    <a:lumOff val="35000"/>
+                  </a:schemeClr>
+                </a:solidFill>
+              </a:rPr>
+              <a:t>하이퍼</a:t>
+            </a:r>
+            <a:r>
+              <a:rPr lang="ko-KR" altLang="en-US" sz="2000" b="1" dirty="0">
+                <a:solidFill>
+                  <a:schemeClr val="tx1">
+                    <a:lumMod val="65000"/>
+                    <a:lumOff val="35000"/>
+                  </a:schemeClr>
+                </a:solidFill>
+              </a:rPr>
+              <a:t> 파라미터의 최적화 과정은 다음과 같다</a:t>
+            </a:r>
+            <a:r>
+              <a:rPr lang="en-US" altLang="ko-KR" sz="2000" b="1" dirty="0">
+                <a:solidFill>
+                  <a:schemeClr val="tx1">
+                    <a:lumMod val="65000"/>
+                    <a:lumOff val="35000"/>
+                  </a:schemeClr>
+                </a:solidFill>
+              </a:rPr>
+              <a:t>.</a:t>
+            </a:r>
+          </a:p>
+          <a:p>
+            <a:pPr marL="285750" indent="-285750">
+              <a:buFont typeface="Arial" panose="020B0604020202020204" pitchFamily="34" charset="0"/>
+              <a:buChar char="•"/>
+            </a:pPr>
+            <a:endParaRPr lang="en-US" altLang="ko-KR" sz="2000" b="1" dirty="0">
+              <a:solidFill>
+                <a:schemeClr val="tx1">
+                  <a:lumMod val="65000"/>
+                  <a:lumOff val="35000"/>
+                </a:schemeClr>
+              </a:solidFill>
+            </a:endParaRPr>
+          </a:p>
+          <a:p>
+            <a:pPr marL="285750" indent="-285750">
+              <a:buFont typeface="Arial" panose="020B0604020202020204" pitchFamily="34" charset="0"/>
+              <a:buChar char="•"/>
+            </a:pPr>
+            <a:r>
+              <a:rPr lang="en-US" altLang="ko-KR" sz="2000" b="1" dirty="0">
+                <a:solidFill>
+                  <a:schemeClr val="tx1">
+                    <a:lumMod val="65000"/>
+                    <a:lumOff val="35000"/>
+                  </a:schemeClr>
+                </a:solidFill>
+              </a:rPr>
+              <a:t>0.	</a:t>
+            </a:r>
+            <a:r>
+              <a:rPr lang="ko-KR" altLang="en-US" sz="2000" b="1" dirty="0" err="1">
+                <a:solidFill>
+                  <a:schemeClr val="tx1">
+                    <a:lumMod val="65000"/>
+                    <a:lumOff val="35000"/>
+                  </a:schemeClr>
+                </a:solidFill>
+              </a:rPr>
+              <a:t>하이퍼</a:t>
+            </a:r>
+            <a:r>
+              <a:rPr lang="ko-KR" altLang="en-US" sz="2000" b="1" dirty="0">
+                <a:solidFill>
+                  <a:schemeClr val="tx1">
+                    <a:lumMod val="65000"/>
+                    <a:lumOff val="35000"/>
+                  </a:schemeClr>
+                </a:solidFill>
+              </a:rPr>
+              <a:t> 파라미터 값의 범위 설정</a:t>
+            </a:r>
+            <a:endParaRPr lang="en-US" altLang="ko-KR" sz="2000" b="1" dirty="0">
+              <a:solidFill>
+                <a:schemeClr val="tx1">
+                  <a:lumMod val="65000"/>
+                  <a:lumOff val="35000"/>
+                </a:schemeClr>
+              </a:solidFill>
+            </a:endParaRPr>
+          </a:p>
+          <a:p>
+            <a:pPr marL="285750" indent="-285750">
+              <a:buFont typeface="Arial" panose="020B0604020202020204" pitchFamily="34" charset="0"/>
+              <a:buChar char="•"/>
+            </a:pPr>
+            <a:r>
+              <a:rPr lang="en-US" altLang="ko-KR" sz="2000" b="1" dirty="0">
+                <a:solidFill>
+                  <a:schemeClr val="tx1">
+                    <a:lumMod val="65000"/>
+                    <a:lumOff val="35000"/>
+                  </a:schemeClr>
+                </a:solidFill>
+              </a:rPr>
+              <a:t>1.	</a:t>
+            </a:r>
+            <a:r>
+              <a:rPr lang="ko-KR" altLang="en-US" sz="2000" b="1" dirty="0">
+                <a:solidFill>
+                  <a:schemeClr val="tx1">
+                    <a:lumMod val="65000"/>
+                    <a:lumOff val="35000"/>
+                  </a:schemeClr>
+                </a:solidFill>
+              </a:rPr>
+              <a:t>설정된 범위에서 </a:t>
+            </a:r>
+            <a:r>
+              <a:rPr lang="ko-KR" altLang="en-US" sz="2000" b="1" dirty="0" err="1">
+                <a:solidFill>
+                  <a:schemeClr val="tx1">
+                    <a:lumMod val="65000"/>
+                    <a:lumOff val="35000"/>
+                  </a:schemeClr>
+                </a:solidFill>
+              </a:rPr>
+              <a:t>하이퍼파라미터의</a:t>
+            </a:r>
+            <a:r>
+              <a:rPr lang="ko-KR" altLang="en-US" sz="2000" b="1" dirty="0">
+                <a:solidFill>
+                  <a:schemeClr val="tx1">
+                    <a:lumMod val="65000"/>
+                    <a:lumOff val="35000"/>
+                  </a:schemeClr>
+                </a:solidFill>
+              </a:rPr>
+              <a:t> 값을 무작위로 추출</a:t>
+            </a:r>
+            <a:endParaRPr lang="en-US" altLang="ko-KR" sz="2000" b="1" dirty="0">
+              <a:solidFill>
+                <a:schemeClr val="tx1">
+                  <a:lumMod val="65000"/>
+                  <a:lumOff val="35000"/>
+                </a:schemeClr>
+              </a:solidFill>
+            </a:endParaRPr>
+          </a:p>
+          <a:p>
+            <a:pPr marL="285750" indent="-285750">
+              <a:buFont typeface="Arial" panose="020B0604020202020204" pitchFamily="34" charset="0"/>
+              <a:buChar char="•"/>
+            </a:pPr>
+            <a:r>
+              <a:rPr lang="en-US" altLang="ko-KR" sz="2000" b="1" dirty="0">
+                <a:solidFill>
+                  <a:schemeClr val="tx1">
+                    <a:lumMod val="65000"/>
+                    <a:lumOff val="35000"/>
+                  </a:schemeClr>
+                </a:solidFill>
+              </a:rPr>
+              <a:t>2.	1</a:t>
+            </a:r>
+            <a:r>
+              <a:rPr lang="ko-KR" altLang="en-US" sz="2000" b="1" dirty="0">
+                <a:solidFill>
+                  <a:schemeClr val="tx1">
+                    <a:lumMod val="65000"/>
+                    <a:lumOff val="35000"/>
+                  </a:schemeClr>
+                </a:solidFill>
+              </a:rPr>
+              <a:t>단계에서 샘플링한 </a:t>
+            </a:r>
+            <a:r>
+              <a:rPr lang="ko-KR" altLang="en-US" sz="2000" b="1" dirty="0" err="1">
+                <a:solidFill>
+                  <a:schemeClr val="tx1">
+                    <a:lumMod val="65000"/>
+                    <a:lumOff val="35000"/>
+                  </a:schemeClr>
+                </a:solidFill>
+              </a:rPr>
+              <a:t>하이퍼파라미터</a:t>
+            </a:r>
+            <a:r>
+              <a:rPr lang="ko-KR" altLang="en-US" sz="2000" b="1" dirty="0">
+                <a:solidFill>
+                  <a:schemeClr val="tx1">
+                    <a:lumMod val="65000"/>
+                    <a:lumOff val="35000"/>
+                  </a:schemeClr>
+                </a:solidFill>
+              </a:rPr>
+              <a:t> 값을 사용하여 학습하고 검증 데이터로 정확도를 평가</a:t>
+            </a:r>
+            <a:r>
+              <a:rPr lang="en-US" altLang="ko-KR" sz="2000" b="1" dirty="0">
+                <a:solidFill>
+                  <a:schemeClr val="tx1">
+                    <a:lumMod val="65000"/>
+                    <a:lumOff val="35000"/>
+                  </a:schemeClr>
+                </a:solidFill>
+              </a:rPr>
+              <a:t>.</a:t>
+            </a:r>
+          </a:p>
+          <a:p>
+            <a:pPr marL="285750" indent="-285750">
+              <a:buFont typeface="Arial" panose="020B0604020202020204" pitchFamily="34" charset="0"/>
+              <a:buChar char="•"/>
+            </a:pPr>
+            <a:endParaRPr lang="en-US" altLang="ko-KR" sz="2000" b="1" dirty="0">
+              <a:solidFill>
+                <a:schemeClr val="tx1">
+                  <a:lumMod val="65000"/>
+                  <a:lumOff val="35000"/>
+                </a:schemeClr>
+              </a:solidFill>
+            </a:endParaRPr>
+          </a:p>
+          <a:p>
+            <a:pPr marL="285750" indent="-285750">
+              <a:buFont typeface="Arial" panose="020B0604020202020204" pitchFamily="34" charset="0"/>
+              <a:buChar char="•"/>
+            </a:pPr>
+            <a:r>
+              <a:rPr lang="en-US" altLang="ko-KR" sz="2000" b="1" dirty="0">
+                <a:solidFill>
+                  <a:schemeClr val="tx1">
+                    <a:lumMod val="65000"/>
+                    <a:lumOff val="35000"/>
+                  </a:schemeClr>
+                </a:solidFill>
+              </a:rPr>
+              <a:t>3. 	1</a:t>
+            </a:r>
+            <a:r>
+              <a:rPr lang="ko-KR" altLang="en-US" sz="2000" b="1" dirty="0">
+                <a:solidFill>
+                  <a:schemeClr val="tx1">
+                    <a:lumMod val="65000"/>
+                    <a:lumOff val="35000"/>
+                  </a:schemeClr>
+                </a:solidFill>
+              </a:rPr>
+              <a:t>단계와 </a:t>
+            </a:r>
+            <a:r>
+              <a:rPr lang="en-US" altLang="ko-KR" sz="2000" b="1" dirty="0">
+                <a:solidFill>
+                  <a:schemeClr val="tx1">
+                    <a:lumMod val="65000"/>
+                    <a:lumOff val="35000"/>
+                  </a:schemeClr>
+                </a:solidFill>
+              </a:rPr>
+              <a:t>2</a:t>
+            </a:r>
+            <a:r>
+              <a:rPr lang="ko-KR" altLang="en-US" sz="2000" b="1" dirty="0">
+                <a:solidFill>
+                  <a:schemeClr val="tx1">
+                    <a:lumMod val="65000"/>
+                    <a:lumOff val="35000"/>
+                  </a:schemeClr>
+                </a:solidFill>
+              </a:rPr>
+              <a:t>단계를 특정횟수 동안 반복하여 그 정확도의 결과를 보고 </a:t>
+            </a:r>
+            <a:r>
+              <a:rPr lang="ko-KR" altLang="en-US" sz="2000" b="1" dirty="0" err="1">
+                <a:solidFill>
+                  <a:schemeClr val="tx1">
+                    <a:lumMod val="65000"/>
+                    <a:lumOff val="35000"/>
+                  </a:schemeClr>
+                </a:solidFill>
+              </a:rPr>
+              <a:t>하이퍼파라미터의</a:t>
+            </a:r>
+            <a:r>
+              <a:rPr lang="ko-KR" altLang="en-US" sz="2000" b="1" dirty="0">
+                <a:solidFill>
+                  <a:schemeClr val="tx1">
+                    <a:lumMod val="65000"/>
+                    <a:lumOff val="35000"/>
+                  </a:schemeClr>
+                </a:solidFill>
+              </a:rPr>
+              <a:t> 범위를 좁힌다</a:t>
+            </a:r>
+            <a:r>
+              <a:rPr lang="en-US" altLang="ko-KR" sz="2000" b="1" dirty="0">
+                <a:solidFill>
+                  <a:schemeClr val="tx1">
+                    <a:lumMod val="65000"/>
+                    <a:lumOff val="35000"/>
+                  </a:schemeClr>
+                </a:solidFill>
+              </a:rPr>
+              <a:t>.</a:t>
+            </a:r>
+          </a:p>
+        </p:txBody>
+      </p:sp>
+    </p:spTree>
+    <p:extLst>
+      <p:ext uri="{BB962C8B-B14F-4D97-AF65-F5344CB8AC3E}">
+        <p14:creationId xmlns:p14="http://schemas.microsoft.com/office/powerpoint/2010/main" val="146265719"/>
+      </p:ext>
+    </p:extLst>
+  </p:cSld>
+  <p:clrMapOvr>
+    <a:masterClrMapping/>
+  </p:clrMapOvr>
+</p:sld>
+</file>
+
+<file path=ppt/slides/slide38.xml><?xml version="1.0" encoding="utf-8"?>
+<p:sld xmlns:a="http://schemas.openxmlformats.org/drawingml/2006/main" xmlns:r="http://schemas.openxmlformats.org/officeDocument/2006/relationships" xmlns:p="http://schemas.openxmlformats.org/presentationml/2006/main">
+  <p:cSld>
+    <p:spTree>
+      <p:nvGrpSpPr>
+        <p:cNvPr id="1" name=""/>
+        <p:cNvGrpSpPr/>
+        <p:nvPr/>
+      </p:nvGrpSpPr>
+      <p:grpSpPr>
+        <a:xfrm>
+          <a:off x="0" y="0"/>
+          <a:ext cx="0" cy="0"/>
+          <a:chOff x="0" y="0"/>
+          <a:chExt cx="0" cy="0"/>
+        </a:xfrm>
+      </p:grpSpPr>
+      <p:sp>
+        <p:nvSpPr>
+          <p:cNvPr id="4" name="날짜 개체 틀 3">
+            <a:extLst>
+              <a:ext uri="{FF2B5EF4-FFF2-40B4-BE49-F238E27FC236}">
+                <a16:creationId xmlns:a16="http://schemas.microsoft.com/office/drawing/2014/main" id="{96EB53D3-8572-4237-B28C-28CB40308C40}"/>
+              </a:ext>
+            </a:extLst>
+          </p:cNvPr>
+          <p:cNvSpPr>
+            <a:spLocks noGrp="1"/>
+          </p:cNvSpPr>
+          <p:nvPr>
+            <p:ph type="dt" sz="half" idx="10"/>
+          </p:nvPr>
+        </p:nvSpPr>
+        <p:spPr>
+          <a:xfrm>
+            <a:off x="141514" y="6356350"/>
+            <a:ext cx="2743200" cy="365125"/>
+          </a:xfrm>
+        </p:spPr>
+        <p:txBody>
+          <a:bodyPr/>
+          <a:lstStyle/>
+          <a:p>
+            <a:fld id="{0303D7D5-FAC8-4B75-A637-D564180CD715}" type="datetime1">
+              <a:rPr lang="ko-KR" altLang="en-US" sz="1000" smtClean="0"/>
+              <a:t>2023-06-23</a:t>
+            </a:fld>
+            <a:endParaRPr lang="ko-KR" altLang="en-US" sz="1000" dirty="0"/>
+          </a:p>
+        </p:txBody>
+      </p:sp>
+      <p:sp>
+        <p:nvSpPr>
+          <p:cNvPr id="6" name="슬라이드 번호 개체 틀 5">
+            <a:extLst>
+              <a:ext uri="{FF2B5EF4-FFF2-40B4-BE49-F238E27FC236}">
+                <a16:creationId xmlns:a16="http://schemas.microsoft.com/office/drawing/2014/main" id="{6E93A4FF-EE48-4AD7-B7EF-105B8CE4CD9F}"/>
+              </a:ext>
+            </a:extLst>
+          </p:cNvPr>
+          <p:cNvSpPr>
+            <a:spLocks noGrp="1"/>
+          </p:cNvSpPr>
+          <p:nvPr>
+            <p:ph type="sldNum" sz="quarter" idx="12"/>
+          </p:nvPr>
+        </p:nvSpPr>
+        <p:spPr/>
+        <p:txBody>
+          <a:bodyPr/>
+          <a:lstStyle/>
+          <a:p>
+            <a:fld id="{77D8DCB6-DE77-432F-867E-17030BC60D58}" type="slidenum">
+              <a:rPr lang="ko-KR" altLang="en-US" smtClean="0"/>
+              <a:t>38</a:t>
+            </a:fld>
+            <a:endParaRPr lang="ko-KR" altLang="en-US"/>
+          </a:p>
+        </p:txBody>
+      </p:sp>
+      <p:cxnSp>
+        <p:nvCxnSpPr>
+          <p:cNvPr id="8" name="직선 연결선 7">
+            <a:extLst>
+              <a:ext uri="{FF2B5EF4-FFF2-40B4-BE49-F238E27FC236}">
+                <a16:creationId xmlns:a16="http://schemas.microsoft.com/office/drawing/2014/main" id="{D1F8D6B6-3C71-480C-BFAD-599210C64964}"/>
+              </a:ext>
+            </a:extLst>
+          </p:cNvPr>
+          <p:cNvCxnSpPr>
+            <a:cxnSpLocks/>
+          </p:cNvCxnSpPr>
+          <p:nvPr/>
+        </p:nvCxnSpPr>
+        <p:spPr>
+          <a:xfrm>
+            <a:off x="513806" y="1138535"/>
+            <a:ext cx="10978016" cy="0"/>
+          </a:xfrm>
+          <a:prstGeom prst="line">
+            <a:avLst/>
+          </a:prstGeom>
+          <a:ln w="28575">
+            <a:solidFill>
+              <a:srgbClr val="A80000"/>
+            </a:solidFill>
+          </a:ln>
+        </p:spPr>
+        <p:style>
+          <a:lnRef idx="1">
+            <a:schemeClr val="accent1"/>
+          </a:lnRef>
+          <a:fillRef idx="0">
+            <a:schemeClr val="accent1"/>
+          </a:fillRef>
+          <a:effectRef idx="0">
+            <a:schemeClr val="accent1"/>
+          </a:effectRef>
+          <a:fontRef idx="minor">
+            <a:schemeClr val="tx1"/>
+          </a:fontRef>
+        </p:style>
+      </p:cxnSp>
+      <p:sp>
+        <p:nvSpPr>
+          <p:cNvPr id="9" name="TextBox 8">
+            <a:extLst>
+              <a:ext uri="{FF2B5EF4-FFF2-40B4-BE49-F238E27FC236}">
+                <a16:creationId xmlns:a16="http://schemas.microsoft.com/office/drawing/2014/main" id="{85E2DDDA-35AB-489C-8A37-0A056738B5CD}"/>
+              </a:ext>
+            </a:extLst>
+          </p:cNvPr>
+          <p:cNvSpPr txBox="1"/>
+          <p:nvPr/>
+        </p:nvSpPr>
+        <p:spPr>
+          <a:xfrm>
+            <a:off x="513806" y="576645"/>
+            <a:ext cx="10550230" cy="523220"/>
+          </a:xfrm>
+          <a:prstGeom prst="rect">
+            <a:avLst/>
+          </a:prstGeom>
+          <a:noFill/>
+        </p:spPr>
+        <p:txBody>
+          <a:bodyPr wrap="square" rtlCol="0">
+            <a:spAutoFit/>
+          </a:bodyPr>
+          <a:lstStyle/>
+          <a:p>
+            <a:r>
+              <a:rPr lang="en-US" altLang="ko-KR" sz="2800" b="1" dirty="0">
+                <a:solidFill>
+                  <a:schemeClr val="tx1">
+                    <a:lumMod val="65000"/>
+                    <a:lumOff val="35000"/>
+                  </a:schemeClr>
+                </a:solidFill>
+              </a:rPr>
+              <a:t>5.  </a:t>
+            </a:r>
+            <a:r>
+              <a:rPr lang="ko-KR" altLang="en-US" sz="2800" b="1" dirty="0">
+                <a:solidFill>
+                  <a:schemeClr val="tx1">
+                    <a:lumMod val="65000"/>
+                    <a:lumOff val="35000"/>
+                  </a:schemeClr>
+                </a:solidFill>
+              </a:rPr>
+              <a:t>적절한 </a:t>
+            </a:r>
+            <a:r>
+              <a:rPr lang="ko-KR" altLang="en-US" sz="2800" b="1" dirty="0" err="1">
+                <a:solidFill>
+                  <a:schemeClr val="tx1">
+                    <a:lumMod val="65000"/>
+                    <a:lumOff val="35000"/>
+                  </a:schemeClr>
+                </a:solidFill>
+              </a:rPr>
+              <a:t>하이퍼파라미터</a:t>
+            </a:r>
+            <a:r>
+              <a:rPr lang="ko-KR" altLang="en-US" sz="2800" b="1" dirty="0">
+                <a:solidFill>
+                  <a:schemeClr val="tx1">
+                    <a:lumMod val="65000"/>
+                    <a:lumOff val="35000"/>
+                  </a:schemeClr>
+                </a:solidFill>
+              </a:rPr>
+              <a:t> 값 찾기 </a:t>
+            </a:r>
+            <a:r>
+              <a:rPr lang="en-US" altLang="ko-KR" sz="2800" b="1" dirty="0">
+                <a:solidFill>
+                  <a:schemeClr val="tx1">
+                    <a:lumMod val="65000"/>
+                    <a:lumOff val="35000"/>
+                  </a:schemeClr>
+                </a:solidFill>
+              </a:rPr>
+              <a:t>– </a:t>
+            </a:r>
+            <a:r>
+              <a:rPr lang="ko-KR" altLang="en-US" sz="2800" b="1" dirty="0" err="1">
+                <a:solidFill>
+                  <a:schemeClr val="tx1">
+                    <a:lumMod val="65000"/>
+                    <a:lumOff val="35000"/>
+                  </a:schemeClr>
+                </a:solidFill>
+              </a:rPr>
+              <a:t>하이퍼파라미터</a:t>
+            </a:r>
+            <a:r>
+              <a:rPr lang="ko-KR" altLang="en-US" sz="2800" b="1" dirty="0">
+                <a:solidFill>
+                  <a:schemeClr val="tx1">
+                    <a:lumMod val="65000"/>
+                    <a:lumOff val="35000"/>
+                  </a:schemeClr>
+                </a:solidFill>
+              </a:rPr>
+              <a:t> 최적화</a:t>
+            </a:r>
+            <a:endParaRPr lang="en-US" altLang="ko-KR" sz="2800" b="1" dirty="0">
+              <a:solidFill>
+                <a:schemeClr val="tx1">
+                  <a:lumMod val="65000"/>
+                  <a:lumOff val="35000"/>
+                </a:schemeClr>
+              </a:solidFill>
+            </a:endParaRPr>
+          </a:p>
+        </p:txBody>
+      </p:sp>
+      <p:pic>
+        <p:nvPicPr>
+          <p:cNvPr id="5" name="그림 4">
+            <a:extLst>
+              <a:ext uri="{FF2B5EF4-FFF2-40B4-BE49-F238E27FC236}">
+                <a16:creationId xmlns:a16="http://schemas.microsoft.com/office/drawing/2014/main" id="{02E079CA-EC48-E009-9996-7EE12726A8AE}"/>
+              </a:ext>
+            </a:extLst>
+          </p:cNvPr>
+          <p:cNvPicPr>
+            <a:picLocks noChangeAspect="1"/>
+          </p:cNvPicPr>
+          <p:nvPr/>
+        </p:nvPicPr>
+        <p:blipFill>
+          <a:blip r:embed="rId2">
+            <a:extLst>
+              <a:ext uri="{28A0092B-C50C-407E-A947-70E740481C1C}">
+                <a14:useLocalDpi xmlns:a14="http://schemas.microsoft.com/office/drawing/2010/main" val="0"/>
+              </a:ext>
+            </a:extLst>
+          </a:blip>
+          <a:stretch>
+            <a:fillRect/>
+          </a:stretch>
+        </p:blipFill>
+        <p:spPr>
+          <a:xfrm>
+            <a:off x="2448727" y="1283115"/>
+            <a:ext cx="6597860" cy="5438360"/>
+          </a:xfrm>
+          <a:prstGeom prst="rect">
+            <a:avLst/>
+          </a:prstGeom>
+        </p:spPr>
+      </p:pic>
+    </p:spTree>
+    <p:extLst>
+      <p:ext uri="{BB962C8B-B14F-4D97-AF65-F5344CB8AC3E}">
+        <p14:creationId xmlns:p14="http://schemas.microsoft.com/office/powerpoint/2010/main" val="143955677"/>
       </p:ext>
     </p:extLst>
   </p:cSld>
@@ -17538,7 +16719,7 @@
           <a:p>
             <a:fld id="{0303D7D5-FAC8-4B75-A637-D564180CD715}" type="datetime1">
               <a:rPr lang="ko-KR" altLang="en-US" sz="1000" smtClean="0"/>
-              <a:t>2023-06-22</a:t>
+              <a:t>2023-06-23</a:t>
             </a:fld>
             <a:endParaRPr lang="ko-KR" altLang="en-US" sz="1000" dirty="0"/>
           </a:p>
@@ -17993,7 +17174,7 @@
           <a:p>
             <a:fld id="{0303D7D5-FAC8-4B75-A637-D564180CD715}" type="datetime1">
               <a:rPr lang="ko-KR" altLang="en-US" sz="1000" smtClean="0"/>
-              <a:t>2023-06-22</a:t>
+              <a:t>2023-06-23</a:t>
             </a:fld>
             <a:endParaRPr lang="ko-KR" altLang="en-US" sz="1000" dirty="0"/>
           </a:p>
@@ -18427,7 +17608,7 @@
           <a:p>
             <a:fld id="{0303D7D5-FAC8-4B75-A637-D564180CD715}" type="datetime1">
               <a:rPr lang="ko-KR" altLang="en-US" sz="1000" smtClean="0"/>
-              <a:t>2023-06-22</a:t>
+              <a:t>2023-06-23</a:t>
             </a:fld>
             <a:endParaRPr lang="ko-KR" altLang="en-US" sz="1000" dirty="0"/>
           </a:p>
@@ -18792,7 +17973,7 @@
           <a:p>
             <a:fld id="{0303D7D5-FAC8-4B75-A637-D564180CD715}" type="datetime1">
               <a:rPr lang="ko-KR" altLang="en-US" sz="1000" smtClean="0"/>
-              <a:t>2023-06-22</a:t>
+              <a:t>2023-06-23</a:t>
             </a:fld>
             <a:endParaRPr lang="ko-KR" altLang="en-US" sz="1000" dirty="0"/>
           </a:p>
@@ -19266,7 +18447,7 @@
           <a:p>
             <a:fld id="{0303D7D5-FAC8-4B75-A637-D564180CD715}" type="datetime1">
               <a:rPr lang="ko-KR" altLang="en-US" sz="1000" smtClean="0"/>
-              <a:t>2023-06-22</a:t>
+              <a:t>2023-06-23</a:t>
             </a:fld>
             <a:endParaRPr lang="ko-KR" altLang="en-US" sz="1000" dirty="0"/>
           </a:p>
@@ -19800,7 +18981,7 @@
           <a:p>
             <a:fld id="{0303D7D5-FAC8-4B75-A637-D564180CD715}" type="datetime1">
               <a:rPr lang="ko-KR" altLang="en-US" sz="1000" smtClean="0"/>
-              <a:t>2023-06-22</a:t>
+              <a:t>2023-06-23</a:t>
             </a:fld>
             <a:endParaRPr lang="ko-KR" altLang="en-US" sz="1000" dirty="0"/>
           </a:p>
